--- a/docs/slides/lesson_01.pptx
+++ b/docs/slides/lesson_01.pptx
@@ -5,7 +5,7 @@
     <p:sldMasterId id="2147483648" r:id="rId1"/>
   </p:sldMasterIdLst>
   <p:notesMasterIdLst>
-    <p:notesMasterId r:id="rId34"/>
+    <p:notesMasterId r:id="rId36"/>
   </p:notesMasterIdLst>
   <p:sldIdLst>
     <p:sldId id="256" r:id="rId2"/>
@@ -29,17 +29,19 @@
     <p:sldId id="359" r:id="rId20"/>
     <p:sldId id="360" r:id="rId21"/>
     <p:sldId id="361" r:id="rId22"/>
-    <p:sldId id="362" r:id="rId23"/>
-    <p:sldId id="363" r:id="rId24"/>
-    <p:sldId id="365" r:id="rId25"/>
-    <p:sldId id="364" r:id="rId26"/>
-    <p:sldId id="346" r:id="rId27"/>
-    <p:sldId id="348" r:id="rId28"/>
-    <p:sldId id="347" r:id="rId29"/>
-    <p:sldId id="349" r:id="rId30"/>
-    <p:sldId id="350" r:id="rId31"/>
-    <p:sldId id="351" r:id="rId32"/>
-    <p:sldId id="352" r:id="rId33"/>
+    <p:sldId id="364" r:id="rId23"/>
+    <p:sldId id="366" r:id="rId24"/>
+    <p:sldId id="367" r:id="rId25"/>
+    <p:sldId id="362" r:id="rId26"/>
+    <p:sldId id="363" r:id="rId27"/>
+    <p:sldId id="365" r:id="rId28"/>
+    <p:sldId id="346" r:id="rId29"/>
+    <p:sldId id="348" r:id="rId30"/>
+    <p:sldId id="347" r:id="rId31"/>
+    <p:sldId id="349" r:id="rId32"/>
+    <p:sldId id="350" r:id="rId33"/>
+    <p:sldId id="351" r:id="rId34"/>
+    <p:sldId id="352" r:id="rId35"/>
   </p:sldIdLst>
   <p:sldSz cx="12192000" cy="6858000"/>
   <p:notesSz cx="6858000" cy="9144000"/>
@@ -228,7 +230,7 @@
           <a:p>
             <a:fld id="{9B5B52BA-3295-0343-9E28-A260A811DD10}" type="datetimeFigureOut">
               <a:rPr lang="en-US" smtClean="0"/>
-              <a:t>20-Aug-18</a:t>
+              <a:t>03-Dec-18</a:t>
             </a:fld>
             <a:endParaRPr lang="en-US"/>
           </a:p>
@@ -645,7 +647,91 @@
           <a:p>
             <a:fld id="{D6FB5A5B-CC88-B64A-8F56-0DBE0ACA83DE}" type="slidenum">
               <a:rPr lang="en-US" smtClean="0"/>
-              <a:t>24</a:t>
+              <a:t>26</a:t>
+            </a:fld>
+            <a:endParaRPr lang="en-US"/>
+          </a:p>
+        </p:txBody>
+      </p:sp>
+    </p:spTree>
+    <p:extLst>
+      <p:ext uri="{BB962C8B-B14F-4D97-AF65-F5344CB8AC3E}">
+        <p14:creationId xmlns:p14="http://schemas.microsoft.com/office/powerpoint/2010/main" val="2222436609"/>
+      </p:ext>
+    </p:extLst>
+  </p:cSld>
+  <p:clrMapOvr>
+    <a:masterClrMapping/>
+  </p:clrMapOvr>
+</p:notes>
+</file>
+
+<file path=ppt/notesSlides/notesSlide3.xml><?xml version="1.0" encoding="utf-8"?>
+<p:notes xmlns:a="http://schemas.openxmlformats.org/drawingml/2006/main" xmlns:r="http://schemas.openxmlformats.org/officeDocument/2006/relationships" xmlns:p="http://schemas.openxmlformats.org/presentationml/2006/main">
+  <p:cSld>
+    <p:spTree>
+      <p:nvGrpSpPr>
+        <p:cNvPr id="1" name=""/>
+        <p:cNvGrpSpPr/>
+        <p:nvPr/>
+      </p:nvGrpSpPr>
+      <p:grpSpPr>
+        <a:xfrm>
+          <a:off x="0" y="0"/>
+          <a:ext cx="0" cy="0"/>
+          <a:chOff x="0" y="0"/>
+          <a:chExt cx="0" cy="0"/>
+        </a:xfrm>
+      </p:grpSpPr>
+      <p:sp>
+        <p:nvSpPr>
+          <p:cNvPr id="2" name="Slide Image Placeholder 1"/>
+          <p:cNvSpPr>
+            <a:spLocks noGrp="1" noRot="1" noChangeAspect="1"/>
+          </p:cNvSpPr>
+          <p:nvPr>
+            <p:ph type="sldImg"/>
+          </p:nvPr>
+        </p:nvSpPr>
+        <p:spPr/>
+      </p:sp>
+      <p:sp>
+        <p:nvSpPr>
+          <p:cNvPr id="3" name="Notes Placeholder 2"/>
+          <p:cNvSpPr>
+            <a:spLocks noGrp="1"/>
+          </p:cNvSpPr>
+          <p:nvPr>
+            <p:ph type="body" idx="1"/>
+          </p:nvPr>
+        </p:nvSpPr>
+        <p:spPr/>
+        <p:txBody>
+          <a:bodyPr/>
+          <a:lstStyle/>
+          <a:p>
+            <a:endParaRPr lang="en-US" dirty="0"/>
+          </a:p>
+        </p:txBody>
+      </p:sp>
+      <p:sp>
+        <p:nvSpPr>
+          <p:cNvPr id="4" name="Slide Number Placeholder 3"/>
+          <p:cNvSpPr>
+            <a:spLocks noGrp="1"/>
+          </p:cNvSpPr>
+          <p:nvPr>
+            <p:ph type="sldNum" sz="quarter" idx="10"/>
+          </p:nvPr>
+        </p:nvSpPr>
+        <p:spPr/>
+        <p:txBody>
+          <a:bodyPr/>
+          <a:lstStyle/>
+          <a:p>
+            <a:fld id="{D6FB5A5B-CC88-B64A-8F56-0DBE0ACA83DE}" type="slidenum">
+              <a:rPr lang="en-US" smtClean="0"/>
+              <a:t>27</a:t>
             </a:fld>
             <a:endParaRPr lang="en-US"/>
           </a:p>
@@ -795,7 +881,7 @@
           <a:p>
             <a:fld id="{04F1D4A2-813C-F741-B481-C92B3A596030}" type="datetimeFigureOut">
               <a:rPr lang="en-US" smtClean="0"/>
-              <a:t>20-Aug-18</a:t>
+              <a:t>03-Dec-18</a:t>
             </a:fld>
             <a:endParaRPr lang="en-US"/>
           </a:p>
@@ -965,7 +1051,7 @@
           <a:p>
             <a:fld id="{04F1D4A2-813C-F741-B481-C92B3A596030}" type="datetimeFigureOut">
               <a:rPr lang="en-US" smtClean="0"/>
-              <a:t>20-Aug-18</a:t>
+              <a:t>03-Dec-18</a:t>
             </a:fld>
             <a:endParaRPr lang="en-US"/>
           </a:p>
@@ -1145,7 +1231,7 @@
           <a:p>
             <a:fld id="{04F1D4A2-813C-F741-B481-C92B3A596030}" type="datetimeFigureOut">
               <a:rPr lang="en-US" smtClean="0"/>
-              <a:t>20-Aug-18</a:t>
+              <a:t>03-Dec-18</a:t>
             </a:fld>
             <a:endParaRPr lang="en-US"/>
           </a:p>
@@ -1326,7 +1412,7 @@
           <a:p>
             <a:fld id="{04F1D4A2-813C-F741-B481-C92B3A596030}" type="datetimeFigureOut">
               <a:rPr lang="en-US" smtClean="0"/>
-              <a:t>20-Aug-18</a:t>
+              <a:t>03-Dec-18</a:t>
             </a:fld>
             <a:endParaRPr lang="en-US"/>
           </a:p>
@@ -1572,7 +1658,7 @@
           <a:p>
             <a:fld id="{04F1D4A2-813C-F741-B481-C92B3A596030}" type="datetimeFigureOut">
               <a:rPr lang="en-US" smtClean="0"/>
-              <a:t>20-Aug-18</a:t>
+              <a:t>03-Dec-18</a:t>
             </a:fld>
             <a:endParaRPr lang="en-US"/>
           </a:p>
@@ -1804,7 +1890,7 @@
           <a:p>
             <a:fld id="{04F1D4A2-813C-F741-B481-C92B3A596030}" type="datetimeFigureOut">
               <a:rPr lang="en-US" smtClean="0"/>
-              <a:t>20-Aug-18</a:t>
+              <a:t>03-Dec-18</a:t>
             </a:fld>
             <a:endParaRPr lang="en-US"/>
           </a:p>
@@ -2171,7 +2257,7 @@
           <a:p>
             <a:fld id="{04F1D4A2-813C-F741-B481-C92B3A596030}" type="datetimeFigureOut">
               <a:rPr lang="en-US" smtClean="0"/>
-              <a:t>20-Aug-18</a:t>
+              <a:t>03-Dec-18</a:t>
             </a:fld>
             <a:endParaRPr lang="en-US"/>
           </a:p>
@@ -2289,7 +2375,7 @@
           <a:p>
             <a:fld id="{04F1D4A2-813C-F741-B481-C92B3A596030}" type="datetimeFigureOut">
               <a:rPr lang="en-US" smtClean="0"/>
-              <a:t>20-Aug-18</a:t>
+              <a:t>03-Dec-18</a:t>
             </a:fld>
             <a:endParaRPr lang="en-US"/>
           </a:p>
@@ -2384,7 +2470,7 @@
           <a:p>
             <a:fld id="{04F1D4A2-813C-F741-B481-C92B3A596030}" type="datetimeFigureOut">
               <a:rPr lang="en-US" smtClean="0"/>
-              <a:t>20-Aug-18</a:t>
+              <a:t>03-Dec-18</a:t>
             </a:fld>
             <a:endParaRPr lang="en-US"/>
           </a:p>
@@ -2661,7 +2747,7 @@
           <a:p>
             <a:fld id="{04F1D4A2-813C-F741-B481-C92B3A596030}" type="datetimeFigureOut">
               <a:rPr lang="en-US" smtClean="0"/>
-              <a:t>20-Aug-18</a:t>
+              <a:t>03-Dec-18</a:t>
             </a:fld>
             <a:endParaRPr lang="en-US"/>
           </a:p>
@@ -2914,7 +3000,7 @@
           <a:p>
             <a:fld id="{04F1D4A2-813C-F741-B481-C92B3A596030}" type="datetimeFigureOut">
               <a:rPr lang="en-US" smtClean="0"/>
-              <a:t>20-Aug-18</a:t>
+              <a:t>03-Dec-18</a:t>
             </a:fld>
             <a:endParaRPr lang="en-US"/>
           </a:p>
@@ -3127,7 +3213,7 @@
           <a:p>
             <a:fld id="{04F1D4A2-813C-F741-B481-C92B3A596030}" type="datetimeFigureOut">
               <a:rPr lang="en-US" smtClean="0"/>
-              <a:t>20-Aug-18</a:t>
+              <a:t>03-Dec-18</a:t>
             </a:fld>
             <a:endParaRPr lang="en-US"/>
           </a:p>
@@ -4455,8 +4541,13 @@
             </a:r>
             <a:r>
               <a:rPr lang="en-US" dirty="0" smtClean="0"/>
-              <a:t>, using build tools like NPM</a:t>
-            </a:r>
+              <a:t>, using build tools like </a:t>
+            </a:r>
+            <a:r>
+              <a:rPr lang="en-US" dirty="0" smtClean="0"/>
+              <a:t>NPM/YARN</a:t>
+            </a:r>
+            <a:endParaRPr lang="en-US" dirty="0" smtClean="0"/>
           </a:p>
           <a:p>
             <a:pPr lvl="1"/>
@@ -4577,12 +4668,12 @@
         <p:spPr>
           <a:xfrm>
             <a:off x="215590" y="1825625"/>
-            <a:ext cx="11760820" cy="4842804"/>
+            <a:ext cx="7585642" cy="4842804"/>
           </a:xfrm>
         </p:spPr>
         <p:txBody>
           <a:bodyPr>
-            <a:normAutofit lnSpcReduction="10000"/>
+            <a:normAutofit fontScale="92500" lnSpcReduction="20000"/>
           </a:bodyPr>
           <a:lstStyle/>
           <a:p>
@@ -4730,6 +4821,47 @@
           </a:p>
         </p:txBody>
       </p:sp>
+      <p:pic>
+        <p:nvPicPr>
+          <p:cNvPr id="1026" name="Picture 2" descr="Dynamic types: 1. Static types: 0"/>
+          <p:cNvPicPr>
+            <a:picLocks noChangeAspect="1" noChangeArrowheads="1"/>
+          </p:cNvPicPr>
+          <p:nvPr/>
+        </p:nvPicPr>
+        <p:blipFill>
+          <a:blip r:embed="rId2">
+            <a:extLst>
+              <a:ext uri="{28A0092B-C50C-407E-A947-70E740481C1C}">
+                <a14:useLocalDpi xmlns:a14="http://schemas.microsoft.com/office/drawing/2010/main" val="0"/>
+              </a:ext>
+            </a:extLst>
+          </a:blip>
+          <a:srcRect/>
+          <a:stretch>
+            <a:fillRect/>
+          </a:stretch>
+        </p:blipFill>
+        <p:spPr bwMode="auto">
+          <a:xfrm>
+            <a:off x="7981950" y="365125"/>
+            <a:ext cx="4114800" cy="6413327"/>
+          </a:xfrm>
+          <a:prstGeom prst="rect">
+            <a:avLst/>
+          </a:prstGeom>
+          <a:noFill/>
+          <a:extLst>
+            <a:ext uri="{909E8E84-426E-40DD-AFC4-6F175D3DCCD1}">
+              <a14:hiddenFill xmlns:a14="http://schemas.microsoft.com/office/drawing/2010/main">
+                <a:solidFill>
+                  <a:srgbClr val="FFFFFF"/>
+                </a:solidFill>
+              </a14:hiddenFill>
+            </a:ext>
+          </a:extLst>
+        </p:spPr>
+      </p:pic>
     </p:spTree>
     <p:extLst>
       <p:ext uri="{BB962C8B-B14F-4D97-AF65-F5344CB8AC3E}">
@@ -5814,494 +5946,6 @@
 </file>
 
 <file path=ppt/slides/slide22.xml><?xml version="1.0" encoding="utf-8"?>
-<p:sld xmlns:a="http://schemas.openxmlformats.org/drawingml/2006/main" xmlns:r="http://schemas.openxmlformats.org/officeDocument/2006/relationships" xmlns:p="http://schemas.openxmlformats.org/presentationml/2006/main">
-  <p:cSld>
-    <p:spTree>
-      <p:nvGrpSpPr>
-        <p:cNvPr id="1" name=""/>
-        <p:cNvGrpSpPr/>
-        <p:nvPr/>
-      </p:nvGrpSpPr>
-      <p:grpSpPr>
-        <a:xfrm>
-          <a:off x="0" y="0"/>
-          <a:ext cx="0" cy="0"/>
-          <a:chOff x="0" y="0"/>
-          <a:chExt cx="0" cy="0"/>
-        </a:xfrm>
-      </p:grpSpPr>
-      <p:sp>
-        <p:nvSpPr>
-          <p:cNvPr id="2" name="Title 1"/>
-          <p:cNvSpPr>
-            <a:spLocks noGrp="1"/>
-          </p:cNvSpPr>
-          <p:nvPr>
-            <p:ph type="title"/>
-          </p:nvPr>
-        </p:nvSpPr>
-        <p:spPr/>
-        <p:txBody>
-          <a:bodyPr/>
-          <a:lstStyle/>
-          <a:p>
-            <a:r>
-              <a:rPr lang="en-US" dirty="0" smtClean="0"/>
-              <a:t>Do Not Do Drugs…</a:t>
-            </a:r>
-            <a:endParaRPr lang="en-US" dirty="0"/>
-          </a:p>
-        </p:txBody>
-      </p:sp>
-      <p:sp>
-        <p:nvSpPr>
-          <p:cNvPr id="3" name="Content Placeholder 2"/>
-          <p:cNvSpPr>
-            <a:spLocks noGrp="1"/>
-          </p:cNvSpPr>
-          <p:nvPr>
-            <p:ph idx="1"/>
-          </p:nvPr>
-        </p:nvSpPr>
-        <p:spPr>
-          <a:xfrm>
-            <a:off x="292308" y="1825625"/>
-            <a:ext cx="11527436" cy="1344795"/>
-          </a:xfrm>
-        </p:spPr>
-        <p:txBody>
-          <a:bodyPr>
-            <a:normAutofit/>
-          </a:bodyPr>
-          <a:lstStyle/>
-          <a:p>
-            <a:pPr marL="0" indent="0">
-              <a:buNone/>
-            </a:pPr>
-            <a:r>
-              <a:rPr lang="en-US" sz="4000" dirty="0" smtClean="0"/>
-              <a:t>Otherwise, one day you might end up designing languages like JavaScript…</a:t>
-            </a:r>
-            <a:endParaRPr lang="en-US" sz="4000" dirty="0"/>
-          </a:p>
-        </p:txBody>
-      </p:sp>
-      <p:pic>
-        <p:nvPicPr>
-          <p:cNvPr id="1026" name="Picture 2" descr="Image result for do not do drugs"/>
-          <p:cNvPicPr>
-            <a:picLocks noChangeAspect="1" noChangeArrowheads="1"/>
-          </p:cNvPicPr>
-          <p:nvPr/>
-        </p:nvPicPr>
-        <p:blipFill>
-          <a:blip r:embed="rId2">
-            <a:extLst>
-              <a:ext uri="{28A0092B-C50C-407E-A947-70E740481C1C}">
-                <a14:useLocalDpi xmlns:a14="http://schemas.microsoft.com/office/drawing/2010/main" val="0"/>
-              </a:ext>
-            </a:extLst>
-          </a:blip>
-          <a:srcRect/>
-          <a:stretch>
-            <a:fillRect/>
-          </a:stretch>
-        </p:blipFill>
-        <p:spPr bwMode="auto">
-          <a:xfrm>
-            <a:off x="3050498" y="3664714"/>
-            <a:ext cx="5134132" cy="2887949"/>
-          </a:xfrm>
-          <a:prstGeom prst="rect">
-            <a:avLst/>
-          </a:prstGeom>
-          <a:noFill/>
-          <a:extLst>
-            <a:ext uri="{909E8E84-426E-40DD-AFC4-6F175D3DCCD1}">
-              <a14:hiddenFill xmlns:a14="http://schemas.microsoft.com/office/drawing/2010/main">
-                <a:solidFill>
-                  <a:srgbClr val="FFFFFF"/>
-                </a:solidFill>
-              </a14:hiddenFill>
-            </a:ext>
-          </a:extLst>
-        </p:spPr>
-      </p:pic>
-    </p:spTree>
-    <p:extLst>
-      <p:ext uri="{BB962C8B-B14F-4D97-AF65-F5344CB8AC3E}">
-        <p14:creationId xmlns:p14="http://schemas.microsoft.com/office/powerpoint/2010/main" val="3768748344"/>
-      </p:ext>
-    </p:extLst>
-  </p:cSld>
-  <p:clrMapOvr>
-    <a:masterClrMapping/>
-  </p:clrMapOvr>
-</p:sld>
-</file>
-
-<file path=ppt/slides/slide23.xml><?xml version="1.0" encoding="utf-8"?>
-<p:sld xmlns:a="http://schemas.openxmlformats.org/drawingml/2006/main" xmlns:r="http://schemas.openxmlformats.org/officeDocument/2006/relationships" xmlns:p="http://schemas.openxmlformats.org/presentationml/2006/main">
-  <p:cSld>
-    <p:spTree>
-      <p:nvGrpSpPr>
-        <p:cNvPr id="1" name=""/>
-        <p:cNvGrpSpPr/>
-        <p:nvPr/>
-      </p:nvGrpSpPr>
-      <p:grpSpPr>
-        <a:xfrm>
-          <a:off x="0" y="0"/>
-          <a:ext cx="0" cy="0"/>
-          <a:chOff x="0" y="0"/>
-          <a:chExt cx="0" cy="0"/>
-        </a:xfrm>
-      </p:grpSpPr>
-      <p:sp>
-        <p:nvSpPr>
-          <p:cNvPr id="3" name="Content Placeholder 2"/>
-          <p:cNvSpPr>
-            <a:spLocks noGrp="1"/>
-          </p:cNvSpPr>
-          <p:nvPr>
-            <p:ph idx="1"/>
-          </p:nvPr>
-        </p:nvSpPr>
-        <p:spPr>
-          <a:xfrm>
-            <a:off x="131806" y="287722"/>
-            <a:ext cx="7587048" cy="6319024"/>
-          </a:xfrm>
-        </p:spPr>
-        <p:txBody>
-          <a:bodyPr>
-            <a:normAutofit/>
-          </a:bodyPr>
-          <a:lstStyle/>
-          <a:p>
-            <a:r>
-              <a:rPr lang="en-US" dirty="0" smtClean="0"/>
-              <a:t>By now… you should have guessed what is my opinion of JavaScript</a:t>
-            </a:r>
-          </a:p>
-          <a:p>
-            <a:r>
-              <a:rPr lang="en-US" dirty="0" smtClean="0"/>
-              <a:t>But JS is a </a:t>
-            </a:r>
-            <a:r>
-              <a:rPr lang="en-US" i="1" dirty="0" smtClean="0"/>
-              <a:t>must</a:t>
-            </a:r>
-            <a:r>
-              <a:rPr lang="en-US" dirty="0" smtClean="0"/>
-              <a:t> to learn if you are dealing with web development…</a:t>
-            </a:r>
-          </a:p>
-          <a:p>
-            <a:r>
-              <a:rPr lang="en-US" dirty="0" smtClean="0"/>
-              <a:t>… even if you just want to focus on backend</a:t>
-            </a:r>
-          </a:p>
-          <a:p>
-            <a:r>
-              <a:rPr lang="en-US" dirty="0" smtClean="0"/>
-              <a:t>Until </a:t>
-            </a:r>
-            <a:r>
-              <a:rPr lang="en-US" dirty="0" err="1" smtClean="0"/>
-              <a:t>WebAssembly</a:t>
-            </a:r>
-            <a:r>
-              <a:rPr lang="en-US" dirty="0" smtClean="0"/>
-              <a:t> will support DOM manipulation, or </a:t>
-            </a:r>
-            <a:r>
-              <a:rPr lang="en-US" dirty="0" err="1" smtClean="0"/>
-              <a:t>Kotlin</a:t>
-            </a:r>
-            <a:r>
-              <a:rPr lang="en-US" dirty="0" smtClean="0"/>
-              <a:t> </a:t>
-            </a:r>
-            <a:r>
-              <a:rPr lang="en-US" dirty="0" err="1" smtClean="0"/>
-              <a:t>transpilation</a:t>
-            </a:r>
-            <a:r>
-              <a:rPr lang="en-US" dirty="0" smtClean="0"/>
-              <a:t> will have better support, unfortunately we need to endure JS</a:t>
-            </a:r>
-          </a:p>
-          <a:p>
-            <a:pPr lvl="1"/>
-            <a:r>
-              <a:rPr lang="en-US" i="1" dirty="0" err="1" smtClean="0"/>
-              <a:t>TypeScript</a:t>
-            </a:r>
-            <a:r>
-              <a:rPr lang="en-US" dirty="0" smtClean="0"/>
-              <a:t> can ease the pain meanwhile…</a:t>
-            </a:r>
-            <a:endParaRPr lang="en-US" dirty="0"/>
-          </a:p>
-        </p:txBody>
-      </p:sp>
-      <p:pic>
-        <p:nvPicPr>
-          <p:cNvPr id="3076" name="Picture 4" descr="Image result for javascript underwater"/>
-          <p:cNvPicPr>
-            <a:picLocks noChangeAspect="1" noChangeArrowheads="1"/>
-          </p:cNvPicPr>
-          <p:nvPr/>
-        </p:nvPicPr>
-        <p:blipFill>
-          <a:blip r:embed="rId2">
-            <a:extLst>
-              <a:ext uri="{28A0092B-C50C-407E-A947-70E740481C1C}">
-                <a14:useLocalDpi xmlns:a14="http://schemas.microsoft.com/office/drawing/2010/main" val="0"/>
-              </a:ext>
-            </a:extLst>
-          </a:blip>
-          <a:srcRect/>
-          <a:stretch>
-            <a:fillRect/>
-          </a:stretch>
-        </p:blipFill>
-        <p:spPr bwMode="auto">
-          <a:xfrm>
-            <a:off x="7900086" y="287722"/>
-            <a:ext cx="4198294" cy="2784868"/>
-          </a:xfrm>
-          <a:prstGeom prst="rect">
-            <a:avLst/>
-          </a:prstGeom>
-          <a:noFill/>
-          <a:extLst>
-            <a:ext uri="{909E8E84-426E-40DD-AFC4-6F175D3DCCD1}">
-              <a14:hiddenFill xmlns:a14="http://schemas.microsoft.com/office/drawing/2010/main">
-                <a:solidFill>
-                  <a:srgbClr val="FFFFFF"/>
-                </a:solidFill>
-              </a14:hiddenFill>
-            </a:ext>
-          </a:extLst>
-        </p:spPr>
-      </p:pic>
-      <p:pic>
-        <p:nvPicPr>
-          <p:cNvPr id="3080" name="Picture 8" descr="Image result for javascript meme"/>
-          <p:cNvPicPr>
-            <a:picLocks noChangeAspect="1" noChangeArrowheads="1"/>
-          </p:cNvPicPr>
-          <p:nvPr/>
-        </p:nvPicPr>
-        <p:blipFill>
-          <a:blip r:embed="rId3">
-            <a:extLst>
-              <a:ext uri="{28A0092B-C50C-407E-A947-70E740481C1C}">
-                <a14:useLocalDpi xmlns:a14="http://schemas.microsoft.com/office/drawing/2010/main" val="0"/>
-              </a:ext>
-            </a:extLst>
-          </a:blip>
-          <a:srcRect/>
-          <a:stretch>
-            <a:fillRect/>
-          </a:stretch>
-        </p:blipFill>
-        <p:spPr bwMode="auto">
-          <a:xfrm>
-            <a:off x="9304111" y="3525794"/>
-            <a:ext cx="2542758" cy="3008485"/>
-          </a:xfrm>
-          <a:prstGeom prst="rect">
-            <a:avLst/>
-          </a:prstGeom>
-          <a:noFill/>
-          <a:extLst>
-            <a:ext uri="{909E8E84-426E-40DD-AFC4-6F175D3DCCD1}">
-              <a14:hiddenFill xmlns:a14="http://schemas.microsoft.com/office/drawing/2010/main">
-                <a:solidFill>
-                  <a:srgbClr val="FFFFFF"/>
-                </a:solidFill>
-              </a14:hiddenFill>
-            </a:ext>
-          </a:extLst>
-        </p:spPr>
-      </p:pic>
-    </p:spTree>
-    <p:extLst>
-      <p:ext uri="{BB962C8B-B14F-4D97-AF65-F5344CB8AC3E}">
-        <p14:creationId xmlns:p14="http://schemas.microsoft.com/office/powerpoint/2010/main" val="1241190510"/>
-      </p:ext>
-    </p:extLst>
-  </p:cSld>
-  <p:clrMapOvr>
-    <a:masterClrMapping/>
-  </p:clrMapOvr>
-</p:sld>
-</file>
-
-<file path=ppt/slides/slide24.xml><?xml version="1.0" encoding="utf-8"?>
-<p:sld xmlns:a="http://schemas.openxmlformats.org/drawingml/2006/main" xmlns:r="http://schemas.openxmlformats.org/officeDocument/2006/relationships" xmlns:p="http://schemas.openxmlformats.org/presentationml/2006/main">
-  <p:cSld>
-    <p:spTree>
-      <p:nvGrpSpPr>
-        <p:cNvPr id="1" name=""/>
-        <p:cNvGrpSpPr/>
-        <p:nvPr/>
-      </p:nvGrpSpPr>
-      <p:grpSpPr>
-        <a:xfrm>
-          <a:off x="0" y="0"/>
-          <a:ext cx="0" cy="0"/>
-          <a:chOff x="0" y="0"/>
-          <a:chExt cx="0" cy="0"/>
-        </a:xfrm>
-      </p:grpSpPr>
-      <p:sp>
-        <p:nvSpPr>
-          <p:cNvPr id="2" name="Title 1"/>
-          <p:cNvSpPr>
-            <a:spLocks noGrp="1"/>
-          </p:cNvSpPr>
-          <p:nvPr>
-            <p:ph type="title"/>
-          </p:nvPr>
-        </p:nvSpPr>
-        <p:spPr/>
-        <p:txBody>
-          <a:bodyPr/>
-          <a:lstStyle/>
-          <a:p>
-            <a:r>
-              <a:rPr lang="en-US" dirty="0" smtClean="0"/>
-              <a:t>Jokes apart…</a:t>
-            </a:r>
-            <a:endParaRPr lang="en-US" dirty="0"/>
-          </a:p>
-        </p:txBody>
-      </p:sp>
-      <p:sp>
-        <p:nvSpPr>
-          <p:cNvPr id="3" name="Content Placeholder 2"/>
-          <p:cNvSpPr>
-            <a:spLocks noGrp="1"/>
-          </p:cNvSpPr>
-          <p:nvPr>
-            <p:ph idx="1"/>
-          </p:nvPr>
-        </p:nvSpPr>
-        <p:spPr>
-          <a:xfrm>
-            <a:off x="230659" y="1825625"/>
-            <a:ext cx="11780109" cy="4805834"/>
-          </a:xfrm>
-        </p:spPr>
-        <p:txBody>
-          <a:bodyPr/>
-          <a:lstStyle/>
-          <a:p>
-            <a:r>
-              <a:rPr lang="en-US" dirty="0" smtClean="0"/>
-              <a:t>The pain of JS (and other dynamically typed languages) is when working on </a:t>
-            </a:r>
-            <a:r>
-              <a:rPr lang="en-US" i="1" dirty="0" smtClean="0"/>
-              <a:t>large</a:t>
-            </a:r>
-            <a:r>
-              <a:rPr lang="en-US" dirty="0" smtClean="0"/>
-              <a:t> projects…</a:t>
-            </a:r>
-          </a:p>
-          <a:p>
-            <a:r>
-              <a:rPr lang="en-US" dirty="0" smtClean="0"/>
-              <a:t>… where you might need to do </a:t>
-            </a:r>
-            <a:r>
-              <a:rPr lang="en-US" i="1" dirty="0" smtClean="0"/>
-              <a:t>refactoring</a:t>
-            </a:r>
-            <a:r>
-              <a:rPr lang="en-US" dirty="0" smtClean="0"/>
-              <a:t> </a:t>
-            </a:r>
-          </a:p>
-          <a:p>
-            <a:pPr lvl="1"/>
-            <a:r>
-              <a:rPr lang="en-US" dirty="0" smtClean="0"/>
-              <a:t>good luck, you </a:t>
-            </a:r>
-            <a:r>
-              <a:rPr lang="en-US" i="1" dirty="0" smtClean="0"/>
-              <a:t>poor</a:t>
-            </a:r>
-            <a:r>
-              <a:rPr lang="en-US" dirty="0" smtClean="0"/>
-              <a:t> </a:t>
-            </a:r>
-            <a:r>
-              <a:rPr lang="en-US" i="1" dirty="0" smtClean="0"/>
-              <a:t>souls</a:t>
-            </a:r>
-            <a:r>
-              <a:rPr lang="en-US" dirty="0" smtClean="0"/>
-              <a:t>…</a:t>
-            </a:r>
-          </a:p>
-          <a:p>
-            <a:r>
-              <a:rPr lang="en-US" dirty="0" smtClean="0"/>
-              <a:t>… and/or have to work on code written by others…</a:t>
-            </a:r>
-          </a:p>
-          <a:p>
-            <a:r>
-              <a:rPr lang="en-US" dirty="0" smtClean="0"/>
-              <a:t>For what you will see in this course, and during your degree, you will be (hopefully) fine, as working only on </a:t>
-            </a:r>
-            <a:r>
-              <a:rPr lang="en-US" i="1" dirty="0" smtClean="0"/>
-              <a:t>small</a:t>
-            </a:r>
-            <a:r>
-              <a:rPr lang="en-US" dirty="0" smtClean="0"/>
-              <a:t> systems</a:t>
-            </a:r>
-          </a:p>
-          <a:p>
-            <a:r>
-              <a:rPr lang="en-US" dirty="0" smtClean="0"/>
-              <a:t>Remember: </a:t>
-            </a:r>
-            <a:r>
-              <a:rPr lang="en-US" i="1" dirty="0" smtClean="0"/>
-              <a:t>what does not kill you, makes you stronger </a:t>
-            </a:r>
-          </a:p>
-          <a:p>
-            <a:endParaRPr lang="en-US" dirty="0"/>
-          </a:p>
-        </p:txBody>
-      </p:sp>
-    </p:spTree>
-    <p:extLst>
-      <p:ext uri="{BB962C8B-B14F-4D97-AF65-F5344CB8AC3E}">
-        <p14:creationId xmlns:p14="http://schemas.microsoft.com/office/powerpoint/2010/main" val="1955445389"/>
-      </p:ext>
-    </p:extLst>
-  </p:cSld>
-  <p:clrMapOvr>
-    <a:masterClrMapping/>
-  </p:clrMapOvr>
-</p:sld>
-</file>
-
-<file path=ppt/slides/slide25.xml><?xml version="1.0" encoding="utf-8"?>
 <p:sld xmlns:a="http://schemas.openxmlformats.org/drawingml/2006/main" xmlns:r="http://schemas.openxmlformats.org/officeDocument/2006/relationships" xmlns:p="http://schemas.openxmlformats.org/presentationml/2006/main">
   <p:cSld>
     <p:spTree>
@@ -6536,6 +6180,389 @@
 </p:sld>
 </file>
 
+<file path=ppt/slides/slide23.xml><?xml version="1.0" encoding="utf-8"?>
+<p:sld xmlns:a="http://schemas.openxmlformats.org/drawingml/2006/main" xmlns:r="http://schemas.openxmlformats.org/officeDocument/2006/relationships" xmlns:p="http://schemas.openxmlformats.org/presentationml/2006/main">
+  <p:cSld>
+    <p:spTree>
+      <p:nvGrpSpPr>
+        <p:cNvPr id="1" name=""/>
+        <p:cNvGrpSpPr/>
+        <p:nvPr/>
+      </p:nvGrpSpPr>
+      <p:grpSpPr>
+        <a:xfrm>
+          <a:off x="0" y="0"/>
+          <a:ext cx="0" cy="0"/>
+          <a:chOff x="0" y="0"/>
+          <a:chExt cx="0" cy="0"/>
+        </a:xfrm>
+      </p:grpSpPr>
+      <p:sp>
+        <p:nvSpPr>
+          <p:cNvPr id="2" name="Title 1"/>
+          <p:cNvSpPr>
+            <a:spLocks noGrp="1"/>
+          </p:cNvSpPr>
+          <p:nvPr>
+            <p:ph type="title"/>
+          </p:nvPr>
+        </p:nvSpPr>
+        <p:spPr>
+          <a:xfrm>
+            <a:off x="466725" y="365125"/>
+            <a:ext cx="11391900" cy="2663825"/>
+          </a:xfrm>
+        </p:spPr>
+        <p:txBody>
+          <a:bodyPr>
+            <a:normAutofit fontScale="90000"/>
+          </a:bodyPr>
+          <a:lstStyle/>
+          <a:p>
+            <a:r>
+              <a:rPr lang="en-US" dirty="0" smtClean="0"/>
+              <a:t>Quiz: what happens when you sort an array of integers like the following?</a:t>
+            </a:r>
+            <a:endParaRPr lang="en-US" dirty="0"/>
+          </a:p>
+        </p:txBody>
+      </p:sp>
+      <p:sp>
+        <p:nvSpPr>
+          <p:cNvPr id="3" name="Content Placeholder 2"/>
+          <p:cNvSpPr>
+            <a:spLocks noGrp="1"/>
+          </p:cNvSpPr>
+          <p:nvPr>
+            <p:ph idx="1"/>
+          </p:nvPr>
+        </p:nvSpPr>
+        <p:spPr>
+          <a:xfrm>
+            <a:off x="838200" y="4124325"/>
+            <a:ext cx="10515600" cy="2052638"/>
+          </a:xfrm>
+        </p:spPr>
+        <p:txBody>
+          <a:bodyPr>
+            <a:normAutofit/>
+          </a:bodyPr>
+          <a:lstStyle/>
+          <a:p>
+            <a:pPr marL="0" indent="0">
+              <a:buNone/>
+            </a:pPr>
+            <a:r>
+              <a:rPr lang="en-US" sz="6600" dirty="0"/>
+              <a:t> [3,18,1,2].sort()</a:t>
+            </a:r>
+          </a:p>
+        </p:txBody>
+      </p:sp>
+    </p:spTree>
+    <p:extLst>
+      <p:ext uri="{BB962C8B-B14F-4D97-AF65-F5344CB8AC3E}">
+        <p14:creationId xmlns:p14="http://schemas.microsoft.com/office/powerpoint/2010/main" val="1612046841"/>
+      </p:ext>
+    </p:extLst>
+  </p:cSld>
+  <p:clrMapOvr>
+    <a:masterClrMapping/>
+  </p:clrMapOvr>
+</p:sld>
+</file>
+
+<file path=ppt/slides/slide24.xml><?xml version="1.0" encoding="utf-8"?>
+<p:sld xmlns:a="http://schemas.openxmlformats.org/drawingml/2006/main" xmlns:r="http://schemas.openxmlformats.org/officeDocument/2006/relationships" xmlns:p="http://schemas.openxmlformats.org/presentationml/2006/main">
+  <p:cSld>
+    <p:spTree>
+      <p:nvGrpSpPr>
+        <p:cNvPr id="1" name=""/>
+        <p:cNvGrpSpPr/>
+        <p:nvPr/>
+      </p:nvGrpSpPr>
+      <p:grpSpPr>
+        <a:xfrm>
+          <a:off x="0" y="0"/>
+          <a:ext cx="0" cy="0"/>
+          <a:chOff x="0" y="0"/>
+          <a:chExt cx="0" cy="0"/>
+        </a:xfrm>
+      </p:grpSpPr>
+      <p:sp>
+        <p:nvSpPr>
+          <p:cNvPr id="2" name="Title 1"/>
+          <p:cNvSpPr>
+            <a:spLocks noGrp="1"/>
+          </p:cNvSpPr>
+          <p:nvPr>
+            <p:ph type="title"/>
+          </p:nvPr>
+        </p:nvSpPr>
+        <p:spPr/>
+        <p:txBody>
+          <a:bodyPr/>
+          <a:lstStyle/>
+          <a:p>
+            <a:r>
+              <a:rPr lang="en-US" b="1" dirty="0"/>
+              <a:t>[1, 18, 2, 3]</a:t>
+            </a:r>
+          </a:p>
+        </p:txBody>
+      </p:sp>
+      <p:sp>
+        <p:nvSpPr>
+          <p:cNvPr id="3" name="Content Placeholder 2"/>
+          <p:cNvSpPr>
+            <a:spLocks noGrp="1"/>
+          </p:cNvSpPr>
+          <p:nvPr>
+            <p:ph idx="1"/>
+          </p:nvPr>
+        </p:nvSpPr>
+        <p:spPr>
+          <a:xfrm>
+            <a:off x="190501" y="1825625"/>
+            <a:ext cx="11725274" cy="4813300"/>
+          </a:xfrm>
+        </p:spPr>
+        <p:txBody>
+          <a:bodyPr>
+            <a:normAutofit/>
+          </a:bodyPr>
+          <a:lstStyle/>
+          <a:p>
+            <a:r>
+              <a:rPr lang="en-US" i="1" dirty="0" smtClean="0"/>
+              <a:t>“Obviously”</a:t>
+            </a:r>
+            <a:r>
+              <a:rPr lang="en-US" dirty="0" smtClean="0"/>
+              <a:t> </a:t>
+            </a:r>
+            <a:r>
+              <a:rPr lang="en-US" b="1" dirty="0" smtClean="0"/>
+              <a:t>18</a:t>
+            </a:r>
+            <a:r>
+              <a:rPr lang="en-US" dirty="0" smtClean="0"/>
+              <a:t> is </a:t>
+            </a:r>
+            <a:r>
+              <a:rPr lang="en-US" i="1" dirty="0" smtClean="0"/>
+              <a:t>smaller</a:t>
+            </a:r>
+            <a:r>
+              <a:rPr lang="en-US" dirty="0" smtClean="0"/>
+              <a:t> than </a:t>
+            </a:r>
+            <a:r>
+              <a:rPr lang="en-US" b="1" dirty="0" smtClean="0"/>
+              <a:t>2</a:t>
+            </a:r>
+            <a:r>
+              <a:rPr lang="en-US" dirty="0" smtClean="0"/>
+              <a:t> and </a:t>
+            </a:r>
+            <a:r>
+              <a:rPr lang="en-US" b="1" dirty="0" smtClean="0"/>
+              <a:t>3</a:t>
+            </a:r>
+            <a:r>
+              <a:rPr lang="en-US" dirty="0" smtClean="0"/>
+              <a:t>, isn’t it?</a:t>
+            </a:r>
+          </a:p>
+          <a:p>
+            <a:r>
+              <a:rPr lang="en-US" dirty="0" smtClean="0"/>
+              <a:t>What the heck is happening here?</a:t>
+            </a:r>
+          </a:p>
+          <a:p>
+            <a:r>
+              <a:rPr lang="en-US" dirty="0" smtClean="0"/>
+              <a:t>JS has no concept of typed array… you could add all different kinds of types in same array</a:t>
+            </a:r>
+          </a:p>
+          <a:p>
+            <a:r>
+              <a:rPr lang="en-US" dirty="0" smtClean="0"/>
+              <a:t>So, no default way to define ordering on a JS array</a:t>
+            </a:r>
+          </a:p>
+          <a:p>
+            <a:r>
+              <a:rPr lang="en-US" dirty="0" smtClean="0"/>
+              <a:t>JS, by default, converts all values into STRINGs, and does comparisons based on string ordering</a:t>
+            </a:r>
+          </a:p>
+          <a:p>
+            <a:r>
+              <a:rPr lang="en-US" dirty="0" smtClean="0"/>
+              <a:t>The string </a:t>
+            </a:r>
+            <a:r>
+              <a:rPr lang="en-US" b="1" dirty="0" smtClean="0"/>
+              <a:t>“18”</a:t>
+            </a:r>
+            <a:r>
+              <a:rPr lang="en-US" dirty="0" smtClean="0"/>
+              <a:t> is smaller than string </a:t>
+            </a:r>
+            <a:r>
+              <a:rPr lang="en-US" b="1" dirty="0" smtClean="0"/>
+              <a:t>“2”</a:t>
+            </a:r>
+            <a:r>
+              <a:rPr lang="en-US" dirty="0" smtClean="0"/>
+              <a:t>, as starting with a 1</a:t>
+            </a:r>
+            <a:endParaRPr lang="en-US" b="1" dirty="0"/>
+          </a:p>
+        </p:txBody>
+      </p:sp>
+    </p:spTree>
+    <p:extLst>
+      <p:ext uri="{BB962C8B-B14F-4D97-AF65-F5344CB8AC3E}">
+        <p14:creationId xmlns:p14="http://schemas.microsoft.com/office/powerpoint/2010/main" val="1097527972"/>
+      </p:ext>
+    </p:extLst>
+  </p:cSld>
+  <p:clrMapOvr>
+    <a:masterClrMapping/>
+  </p:clrMapOvr>
+</p:sld>
+</file>
+
+<file path=ppt/slides/slide25.xml><?xml version="1.0" encoding="utf-8"?>
+<p:sld xmlns:a="http://schemas.openxmlformats.org/drawingml/2006/main" xmlns:r="http://schemas.openxmlformats.org/officeDocument/2006/relationships" xmlns:p="http://schemas.openxmlformats.org/presentationml/2006/main">
+  <p:cSld>
+    <p:spTree>
+      <p:nvGrpSpPr>
+        <p:cNvPr id="1" name=""/>
+        <p:cNvGrpSpPr/>
+        <p:nvPr/>
+      </p:nvGrpSpPr>
+      <p:grpSpPr>
+        <a:xfrm>
+          <a:off x="0" y="0"/>
+          <a:ext cx="0" cy="0"/>
+          <a:chOff x="0" y="0"/>
+          <a:chExt cx="0" cy="0"/>
+        </a:xfrm>
+      </p:grpSpPr>
+      <p:sp>
+        <p:nvSpPr>
+          <p:cNvPr id="2" name="Title 1"/>
+          <p:cNvSpPr>
+            <a:spLocks noGrp="1"/>
+          </p:cNvSpPr>
+          <p:nvPr>
+            <p:ph type="title"/>
+          </p:nvPr>
+        </p:nvSpPr>
+        <p:spPr/>
+        <p:txBody>
+          <a:bodyPr/>
+          <a:lstStyle/>
+          <a:p>
+            <a:r>
+              <a:rPr lang="en-US" dirty="0" smtClean="0"/>
+              <a:t>Do Not Do Drugs…</a:t>
+            </a:r>
+            <a:endParaRPr lang="en-US" dirty="0"/>
+          </a:p>
+        </p:txBody>
+      </p:sp>
+      <p:sp>
+        <p:nvSpPr>
+          <p:cNvPr id="3" name="Content Placeholder 2"/>
+          <p:cNvSpPr>
+            <a:spLocks noGrp="1"/>
+          </p:cNvSpPr>
+          <p:nvPr>
+            <p:ph idx="1"/>
+          </p:nvPr>
+        </p:nvSpPr>
+        <p:spPr>
+          <a:xfrm>
+            <a:off x="292308" y="1825625"/>
+            <a:ext cx="11527436" cy="1344795"/>
+          </a:xfrm>
+        </p:spPr>
+        <p:txBody>
+          <a:bodyPr>
+            <a:normAutofit/>
+          </a:bodyPr>
+          <a:lstStyle/>
+          <a:p>
+            <a:pPr marL="0" indent="0">
+              <a:buNone/>
+            </a:pPr>
+            <a:r>
+              <a:rPr lang="en-US" sz="4000" dirty="0" smtClean="0"/>
+              <a:t>Otherwise, one day you might end up designing languages like JavaScript…</a:t>
+            </a:r>
+            <a:endParaRPr lang="en-US" sz="4000" dirty="0"/>
+          </a:p>
+        </p:txBody>
+      </p:sp>
+      <p:pic>
+        <p:nvPicPr>
+          <p:cNvPr id="1026" name="Picture 2" descr="Image result for do not do drugs"/>
+          <p:cNvPicPr>
+            <a:picLocks noChangeAspect="1" noChangeArrowheads="1"/>
+          </p:cNvPicPr>
+          <p:nvPr/>
+        </p:nvPicPr>
+        <p:blipFill>
+          <a:blip r:embed="rId2">
+            <a:extLst>
+              <a:ext uri="{28A0092B-C50C-407E-A947-70E740481C1C}">
+                <a14:useLocalDpi xmlns:a14="http://schemas.microsoft.com/office/drawing/2010/main" val="0"/>
+              </a:ext>
+            </a:extLst>
+          </a:blip>
+          <a:srcRect/>
+          <a:stretch>
+            <a:fillRect/>
+          </a:stretch>
+        </p:blipFill>
+        <p:spPr bwMode="auto">
+          <a:xfrm>
+            <a:off x="3050498" y="3664714"/>
+            <a:ext cx="5134132" cy="2887949"/>
+          </a:xfrm>
+          <a:prstGeom prst="rect">
+            <a:avLst/>
+          </a:prstGeom>
+          <a:noFill/>
+          <a:extLst>
+            <a:ext uri="{909E8E84-426E-40DD-AFC4-6F175D3DCCD1}">
+              <a14:hiddenFill xmlns:a14="http://schemas.microsoft.com/office/drawing/2010/main">
+                <a:solidFill>
+                  <a:srgbClr val="FFFFFF"/>
+                </a:solidFill>
+              </a14:hiddenFill>
+            </a:ext>
+          </a:extLst>
+        </p:spPr>
+      </p:pic>
+    </p:spTree>
+    <p:extLst>
+      <p:ext uri="{BB962C8B-B14F-4D97-AF65-F5344CB8AC3E}">
+        <p14:creationId xmlns:p14="http://schemas.microsoft.com/office/powerpoint/2010/main" val="3768748344"/>
+      </p:ext>
+    </p:extLst>
+  </p:cSld>
+  <p:clrMapOvr>
+    <a:masterClrMapping/>
+  </p:clrMapOvr>
+</p:sld>
+</file>
+
 <file path=ppt/slides/slide26.xml><?xml version="1.0" encoding="utf-8"?>
 <p:sld xmlns:a="http://schemas.openxmlformats.org/drawingml/2006/main" xmlns:r="http://schemas.openxmlformats.org/officeDocument/2006/relationships" xmlns:p="http://schemas.openxmlformats.org/presentationml/2006/main">
   <p:cSld>
@@ -6555,267 +6582,222 @@
       </p:grpSpPr>
       <p:sp>
         <p:nvSpPr>
-          <p:cNvPr id="2" name="Title 1"/>
-          <p:cNvSpPr>
-            <a:spLocks noGrp="1"/>
-          </p:cNvSpPr>
-          <p:nvPr>
-            <p:ph type="title"/>
+          <p:cNvPr id="3" name="Content Placeholder 2"/>
+          <p:cNvSpPr>
+            <a:spLocks noGrp="1"/>
+          </p:cNvSpPr>
+          <p:nvPr>
+            <p:ph idx="1"/>
           </p:nvPr>
         </p:nvSpPr>
         <p:spPr>
           <a:xfrm>
-            <a:off x="89210" y="365125"/>
-            <a:ext cx="11264590" cy="1325563"/>
+            <a:off x="131806" y="287722"/>
+            <a:ext cx="7587048" cy="6319024"/>
           </a:xfrm>
         </p:spPr>
         <p:txBody>
           <a:bodyPr>
-            <a:normAutofit fontScale="90000"/>
+            <a:normAutofit/>
           </a:bodyPr>
           <a:lstStyle/>
           <a:p>
             <a:r>
               <a:rPr lang="en-US" dirty="0" smtClean="0"/>
-              <a:t>For equality, use “</a:t>
-            </a:r>
-            <a:r>
-              <a:rPr lang="en-US" b="1" dirty="0" smtClean="0"/>
-              <a:t>===</a:t>
-            </a:r>
-            <a:r>
-              <a:rPr lang="en-US" dirty="0" smtClean="0"/>
-              <a:t>“ and not “</a:t>
-            </a:r>
-            <a:r>
-              <a:rPr lang="en-US" b="1" dirty="0" smtClean="0"/>
-              <a:t>==</a:t>
-            </a:r>
-            <a:r>
-              <a:rPr lang="en-US" dirty="0" smtClean="0"/>
-              <a:t>”</a:t>
+              <a:t>By now… you should have guessed what is my opinion of JavaScript</a:t>
+            </a:r>
+          </a:p>
+          <a:p>
+            <a:r>
+              <a:rPr lang="en-US" dirty="0" smtClean="0"/>
+              <a:t>But JS is a </a:t>
+            </a:r>
+            <a:r>
+              <a:rPr lang="en-US" i="1" dirty="0" smtClean="0"/>
+              <a:t>must</a:t>
+            </a:r>
+            <a:r>
+              <a:rPr lang="en-US" dirty="0" smtClean="0"/>
+              <a:t> to learn if you are dealing with web development…</a:t>
+            </a:r>
+          </a:p>
+          <a:p>
+            <a:r>
+              <a:rPr lang="en-US" dirty="0" smtClean="0"/>
+              <a:t>… even if you just want to focus on backend</a:t>
+            </a:r>
+          </a:p>
+          <a:p>
+            <a:r>
+              <a:rPr lang="en-US" dirty="0" smtClean="0"/>
+              <a:t>Until </a:t>
+            </a:r>
+            <a:r>
+              <a:rPr lang="en-US" dirty="0" err="1" smtClean="0"/>
+              <a:t>WebAssembly</a:t>
+            </a:r>
+            <a:r>
+              <a:rPr lang="en-US" dirty="0" smtClean="0"/>
+              <a:t> will support DOM manipulation, or </a:t>
+            </a:r>
+            <a:r>
+              <a:rPr lang="en-US" dirty="0" err="1" smtClean="0"/>
+              <a:t>Kotlin</a:t>
+            </a:r>
+            <a:r>
+              <a:rPr lang="en-US" dirty="0" smtClean="0"/>
+              <a:t> </a:t>
+            </a:r>
+            <a:r>
+              <a:rPr lang="en-US" dirty="0" err="1" smtClean="0"/>
+              <a:t>transpilation</a:t>
+            </a:r>
+            <a:r>
+              <a:rPr lang="en-US" dirty="0" smtClean="0"/>
+              <a:t> will have better support, unfortunately we need to endure JS</a:t>
+            </a:r>
+          </a:p>
+          <a:p>
+            <a:pPr lvl="1"/>
+            <a:r>
+              <a:rPr lang="en-US" i="1" dirty="0" err="1" smtClean="0"/>
+              <a:t>TypeScript</a:t>
+            </a:r>
+            <a:r>
+              <a:rPr lang="en-US" dirty="0" smtClean="0"/>
+              <a:t> can ease the pain meanwhile…</a:t>
             </a:r>
             <a:endParaRPr lang="en-US" dirty="0"/>
           </a:p>
         </p:txBody>
       </p:sp>
-      <p:sp>
-        <p:nvSpPr>
-          <p:cNvPr id="3" name="Content Placeholder 2"/>
-          <p:cNvSpPr>
-            <a:spLocks noGrp="1"/>
-          </p:cNvSpPr>
-          <p:nvPr>
-            <p:ph idx="1"/>
-          </p:nvPr>
-        </p:nvSpPr>
-        <p:spPr>
+      <p:pic>
+        <p:nvPicPr>
+          <p:cNvPr id="3076" name="Picture 4" descr="Image result for javascript underwater"/>
+          <p:cNvPicPr>
+            <a:picLocks noChangeAspect="1" noChangeArrowheads="1"/>
+          </p:cNvPicPr>
+          <p:nvPr/>
+        </p:nvPicPr>
+        <p:blipFill>
+          <a:blip r:embed="rId3">
+            <a:extLst>
+              <a:ext uri="{28A0092B-C50C-407E-A947-70E740481C1C}">
+                <a14:useLocalDpi xmlns:a14="http://schemas.microsoft.com/office/drawing/2010/main" val="0"/>
+              </a:ext>
+            </a:extLst>
+          </a:blip>
+          <a:srcRect/>
+          <a:stretch>
+            <a:fillRect/>
+          </a:stretch>
+        </p:blipFill>
+        <p:spPr bwMode="auto">
           <a:xfrm>
-            <a:off x="347546" y="1732118"/>
-            <a:ext cx="11443009" cy="4861970"/>
+            <a:off x="7900086" y="287722"/>
+            <a:ext cx="4198294" cy="2784868"/>
           </a:xfrm>
+          <a:prstGeom prst="rect">
+            <a:avLst/>
+          </a:prstGeom>
+          <a:noFill/>
+          <a:extLst>
+            <a:ext uri="{909E8E84-426E-40DD-AFC4-6F175D3DCCD1}">
+              <a14:hiddenFill xmlns:a14="http://schemas.microsoft.com/office/drawing/2010/main">
+                <a:solidFill>
+                  <a:srgbClr val="FFFFFF"/>
+                </a:solidFill>
+              </a14:hiddenFill>
+            </a:ext>
+          </a:extLst>
         </p:spPr>
-        <p:txBody>
-          <a:bodyPr>
-            <a:normAutofit lnSpcReduction="10000"/>
-          </a:bodyPr>
-          <a:lstStyle/>
-          <a:p>
-            <a:r>
-              <a:rPr lang="en-US" b="1" dirty="0" smtClean="0"/>
-              <a:t>false == 0 </a:t>
-            </a:r>
-          </a:p>
-          <a:p>
-            <a:pPr lvl="1"/>
-            <a:r>
-              <a:rPr lang="en-US" dirty="0" smtClean="0"/>
-              <a:t>result is </a:t>
-            </a:r>
-            <a:r>
-              <a:rPr lang="en-US" b="1" dirty="0" smtClean="0"/>
-              <a:t>true</a:t>
-            </a:r>
-            <a:r>
-              <a:rPr lang="en-US" dirty="0" smtClean="0"/>
-              <a:t>, </a:t>
-            </a:r>
-            <a:r>
-              <a:rPr lang="en-US" dirty="0" err="1" smtClean="0"/>
-              <a:t>ie</a:t>
-            </a:r>
-            <a:r>
-              <a:rPr lang="en-US" dirty="0" smtClean="0"/>
-              <a:t>, </a:t>
-            </a:r>
-            <a:r>
-              <a:rPr lang="en-US" dirty="0" err="1" smtClean="0"/>
-              <a:t>boolean</a:t>
-            </a:r>
-            <a:r>
-              <a:rPr lang="en-US" dirty="0" smtClean="0"/>
-              <a:t> </a:t>
-            </a:r>
-            <a:r>
-              <a:rPr lang="en-US" b="1" dirty="0" smtClean="0"/>
-              <a:t>false</a:t>
-            </a:r>
-            <a:r>
-              <a:rPr lang="en-US" dirty="0" smtClean="0"/>
-              <a:t> is equivalent to numeric </a:t>
-            </a:r>
-            <a:r>
-              <a:rPr lang="en-US" b="1" dirty="0" smtClean="0"/>
-              <a:t>0</a:t>
-            </a:r>
-            <a:r>
-              <a:rPr lang="en-US" dirty="0" smtClean="0"/>
-              <a:t>, as the </a:t>
-            </a:r>
-            <a:r>
-              <a:rPr lang="en-US" b="1" dirty="0" smtClean="0"/>
-              <a:t>0</a:t>
-            </a:r>
-            <a:r>
-              <a:rPr lang="en-US" dirty="0" smtClean="0"/>
-              <a:t> gets transformed into a </a:t>
-            </a:r>
-            <a:r>
-              <a:rPr lang="en-US" dirty="0" err="1" smtClean="0"/>
-              <a:t>boolean</a:t>
-            </a:r>
-            <a:r>
-              <a:rPr lang="en-US" dirty="0" smtClean="0"/>
-              <a:t> to compare it with </a:t>
-            </a:r>
-            <a:r>
-              <a:rPr lang="en-US" b="1" dirty="0" smtClean="0"/>
-              <a:t>false</a:t>
-            </a:r>
-          </a:p>
-          <a:p>
-            <a:r>
-              <a:rPr lang="en-US" b="1" dirty="0" smtClean="0"/>
-              <a:t>false === 0  </a:t>
-            </a:r>
-          </a:p>
-          <a:p>
-            <a:pPr lvl="1"/>
-            <a:r>
-              <a:rPr lang="en-US" dirty="0" smtClean="0"/>
-              <a:t>result is </a:t>
-            </a:r>
-            <a:r>
-              <a:rPr lang="en-US" b="1" dirty="0" smtClean="0"/>
-              <a:t>false</a:t>
-            </a:r>
-            <a:r>
-              <a:rPr lang="en-US" dirty="0" smtClean="0"/>
-              <a:t>, as a </a:t>
-            </a:r>
-            <a:r>
-              <a:rPr lang="en-US" dirty="0" err="1" smtClean="0"/>
-              <a:t>boolean</a:t>
-            </a:r>
-            <a:r>
-              <a:rPr lang="en-US" dirty="0" smtClean="0"/>
-              <a:t> value is not equal to a numeric value </a:t>
-            </a:r>
-          </a:p>
-          <a:p>
-            <a:r>
-              <a:rPr lang="en-US" b="1" dirty="0"/>
-              <a:t>0 == </a:t>
-            </a:r>
-            <a:r>
-              <a:rPr lang="en-US" b="1" dirty="0" smtClean="0"/>
-              <a:t>[]</a:t>
-            </a:r>
-          </a:p>
-          <a:p>
-            <a:pPr lvl="1"/>
-            <a:r>
-              <a:rPr lang="en-US" dirty="0" smtClean="0"/>
-              <a:t>surprisingly, that is true in JS, </a:t>
-            </a:r>
-            <a:r>
-              <a:rPr lang="en-US" dirty="0" err="1" smtClean="0"/>
-              <a:t>ie</a:t>
-            </a:r>
-            <a:r>
-              <a:rPr lang="en-US" dirty="0" smtClean="0"/>
-              <a:t> the numeric </a:t>
-            </a:r>
-            <a:r>
-              <a:rPr lang="en-US" b="1" dirty="0" smtClean="0"/>
-              <a:t>0</a:t>
-            </a:r>
-            <a:r>
-              <a:rPr lang="en-US" dirty="0" smtClean="0"/>
-              <a:t> is equal to an empty array</a:t>
-            </a:r>
-          </a:p>
-          <a:p>
-            <a:pPr lvl="1"/>
-            <a:r>
-              <a:rPr lang="en-US" dirty="0"/>
-              <a:t>p</a:t>
-            </a:r>
-            <a:r>
-              <a:rPr lang="en-US" dirty="0" smtClean="0"/>
-              <a:t>lenty of </a:t>
-            </a:r>
-            <a:r>
-              <a:rPr lang="en-US" dirty="0"/>
-              <a:t>these </a:t>
-            </a:r>
-            <a:r>
-              <a:rPr lang="en-US" dirty="0" smtClean="0"/>
-              <a:t>hilarious cases</a:t>
-            </a:r>
-            <a:r>
-              <a:rPr lang="en-US" dirty="0"/>
-              <a:t>, see </a:t>
-            </a:r>
-            <a:r>
-              <a:rPr lang="en-US" dirty="0">
-                <a:hlinkClick r:id="rId2"/>
-              </a:rPr>
-              <a:t>https://dorey.github.io/JavaScript-Equality-Table</a:t>
-            </a:r>
-            <a:r>
-              <a:rPr lang="en-US" dirty="0" smtClean="0">
-                <a:hlinkClick r:id="rId2"/>
-              </a:rPr>
-              <a:t>/</a:t>
-            </a:r>
-            <a:endParaRPr lang="en-US" dirty="0" smtClean="0"/>
-          </a:p>
-          <a:p>
-            <a:r>
-              <a:rPr lang="en-US" dirty="0" smtClean="0"/>
-              <a:t>For negation, use </a:t>
-            </a:r>
-            <a:r>
-              <a:rPr lang="en-US" b="1" dirty="0" smtClean="0"/>
-              <a:t>!==</a:t>
-            </a:r>
-            <a:r>
-              <a:rPr lang="en-US" dirty="0" smtClean="0"/>
-              <a:t> instead of </a:t>
-            </a:r>
-            <a:r>
-              <a:rPr lang="en-US" b="1" dirty="0" smtClean="0"/>
-              <a:t>!=</a:t>
-            </a:r>
-            <a:endParaRPr lang="en-US" b="1" dirty="0"/>
-          </a:p>
-        </p:txBody>
-      </p:sp>
+      </p:pic>
+      <p:pic>
+        <p:nvPicPr>
+          <p:cNvPr id="3080" name="Picture 8" descr="Image result for javascript meme"/>
+          <p:cNvPicPr>
+            <a:picLocks noChangeAspect="1" noChangeArrowheads="1"/>
+          </p:cNvPicPr>
+          <p:nvPr/>
+        </p:nvPicPr>
+        <p:blipFill>
+          <a:blip r:embed="rId4">
+            <a:extLst>
+              <a:ext uri="{28A0092B-C50C-407E-A947-70E740481C1C}">
+                <a14:useLocalDpi xmlns:a14="http://schemas.microsoft.com/office/drawing/2010/main" val="0"/>
+              </a:ext>
+            </a:extLst>
+          </a:blip>
+          <a:srcRect/>
+          <a:stretch>
+            <a:fillRect/>
+          </a:stretch>
+        </p:blipFill>
+        <p:spPr bwMode="auto">
+          <a:xfrm>
+            <a:off x="9932690" y="3324225"/>
+            <a:ext cx="2165690" cy="2562354"/>
+          </a:xfrm>
+          <a:prstGeom prst="rect">
+            <a:avLst/>
+          </a:prstGeom>
+          <a:noFill/>
+          <a:extLst>
+            <a:ext uri="{909E8E84-426E-40DD-AFC4-6F175D3DCCD1}">
+              <a14:hiddenFill xmlns:a14="http://schemas.microsoft.com/office/drawing/2010/main">
+                <a:solidFill>
+                  <a:srgbClr val="FFFFFF"/>
+                </a:solidFill>
+              </a14:hiddenFill>
+            </a:ext>
+          </a:extLst>
+        </p:spPr>
+      </p:pic>
+      <p:pic>
+        <p:nvPicPr>
+          <p:cNvPr id="2050" name="Picture 2" descr="https://pics.awwmemes.com/notice-employees-must-wash-hands-after-using-java-scripit-keep-37161737.png"/>
+          <p:cNvPicPr>
+            <a:picLocks noChangeAspect="1" noChangeArrowheads="1"/>
+          </p:cNvPicPr>
+          <p:nvPr/>
+        </p:nvPicPr>
+        <p:blipFill>
+          <a:blip r:embed="rId5">
+            <a:extLst>
+              <a:ext uri="{28A0092B-C50C-407E-A947-70E740481C1C}">
+                <a14:useLocalDpi xmlns:a14="http://schemas.microsoft.com/office/drawing/2010/main" val="0"/>
+              </a:ext>
+            </a:extLst>
+          </a:blip>
+          <a:srcRect/>
+          <a:stretch>
+            <a:fillRect/>
+          </a:stretch>
+        </p:blipFill>
+        <p:spPr bwMode="auto">
+          <a:xfrm>
+            <a:off x="7771344" y="4419600"/>
+            <a:ext cx="2108856" cy="2286000"/>
+          </a:xfrm>
+          <a:prstGeom prst="rect">
+            <a:avLst/>
+          </a:prstGeom>
+          <a:noFill/>
+          <a:extLst>
+            <a:ext uri="{909E8E84-426E-40DD-AFC4-6F175D3DCCD1}">
+              <a14:hiddenFill xmlns:a14="http://schemas.microsoft.com/office/drawing/2010/main">
+                <a:solidFill>
+                  <a:srgbClr val="FFFFFF"/>
+                </a:solidFill>
+              </a14:hiddenFill>
+            </a:ext>
+          </a:extLst>
+        </p:spPr>
+      </p:pic>
     </p:spTree>
     <p:extLst>
       <p:ext uri="{BB962C8B-B14F-4D97-AF65-F5344CB8AC3E}">
-        <p14:creationId xmlns:p14="http://schemas.microsoft.com/office/powerpoint/2010/main" val="3084828600"/>
+        <p14:creationId xmlns:p14="http://schemas.microsoft.com/office/powerpoint/2010/main" val="1241190510"/>
       </p:ext>
     </p:extLst>
   </p:cSld>
@@ -6859,7 +6841,7 @@
           <a:p>
             <a:r>
               <a:rPr lang="en-US" dirty="0" smtClean="0"/>
-              <a:t>Function Declaration</a:t>
+              <a:t>Jokes apart…</a:t>
             </a:r>
             <a:endParaRPr lang="en-US" dirty="0"/>
           </a:p>
@@ -6875,106 +6857,97 @@
             <p:ph idx="1"/>
           </p:nvPr>
         </p:nvSpPr>
-        <p:spPr/>
+        <p:spPr>
+          <a:xfrm>
+            <a:off x="230659" y="1825625"/>
+            <a:ext cx="11780109" cy="4805834"/>
+          </a:xfrm>
+        </p:spPr>
         <p:txBody>
           <a:bodyPr/>
           <a:lstStyle/>
           <a:p>
             <a:r>
-              <a:rPr lang="en-US" b="1" dirty="0" smtClean="0"/>
-              <a:t>foo = function(){ return 1;}</a:t>
+              <a:rPr lang="en-US" dirty="0" smtClean="0"/>
+              <a:t>The pain of JS (and other dynamically typed languages) is when working on </a:t>
+            </a:r>
+            <a:r>
+              <a:rPr lang="en-US" i="1" dirty="0" smtClean="0"/>
+              <a:t>large</a:t>
+            </a:r>
+            <a:r>
+              <a:rPr lang="en-US" dirty="0" smtClean="0"/>
+              <a:t> projects…</a:t>
+            </a:r>
+          </a:p>
+          <a:p>
+            <a:r>
+              <a:rPr lang="en-US" dirty="0" smtClean="0"/>
+              <a:t>… where you might need to do </a:t>
+            </a:r>
+            <a:r>
+              <a:rPr lang="en-US" i="1" dirty="0" smtClean="0"/>
+              <a:t>refactoring</a:t>
+            </a:r>
+            <a:r>
+              <a:rPr lang="en-US" dirty="0" smtClean="0"/>
+              <a:t> </a:t>
             </a:r>
           </a:p>
           <a:p>
             <a:pPr lvl="1"/>
             <a:r>
               <a:rPr lang="en-US" dirty="0" smtClean="0"/>
-              <a:t>calling </a:t>
-            </a:r>
-            <a:r>
-              <a:rPr lang="en-US" b="1" dirty="0" smtClean="0"/>
-              <a:t>foo() </a:t>
-            </a:r>
-            <a:r>
-              <a:rPr lang="en-US" dirty="0" smtClean="0"/>
-              <a:t>will return value </a:t>
-            </a:r>
-            <a:r>
-              <a:rPr lang="en-US" b="1" dirty="0" smtClean="0"/>
-              <a:t>1</a:t>
-            </a:r>
-          </a:p>
-          <a:p>
-            <a:r>
-              <a:rPr lang="en-US" b="1" dirty="0"/>
-              <a:t>add = function(</a:t>
-            </a:r>
-            <a:r>
-              <a:rPr lang="en-US" b="1" dirty="0" err="1"/>
-              <a:t>x,y</a:t>
-            </a:r>
-            <a:r>
-              <a:rPr lang="en-US" b="1" dirty="0"/>
-              <a:t>){return </a:t>
-            </a:r>
-            <a:r>
-              <a:rPr lang="en-US" b="1" dirty="0" err="1" smtClean="0"/>
-              <a:t>x+y</a:t>
-            </a:r>
-            <a:r>
-              <a:rPr lang="en-US" b="1" dirty="0" smtClean="0"/>
-              <a:t>;}</a:t>
-            </a:r>
-          </a:p>
-          <a:p>
-            <a:pPr lvl="1"/>
-            <a:r>
-              <a:rPr lang="en-US" dirty="0" smtClean="0"/>
-              <a:t>calling </a:t>
-            </a:r>
-            <a:r>
-              <a:rPr lang="en-US" b="1" dirty="0" smtClean="0"/>
-              <a:t>add(1,2)</a:t>
-            </a:r>
-            <a:r>
-              <a:rPr lang="en-US" dirty="0" smtClean="0"/>
-              <a:t> will return </a:t>
-            </a:r>
-            <a:r>
-              <a:rPr lang="en-US" b="1" dirty="0" smtClean="0"/>
-              <a:t>3</a:t>
-            </a:r>
-          </a:p>
-          <a:p>
-            <a:pPr lvl="1"/>
-            <a:r>
-              <a:rPr lang="en-US" dirty="0"/>
-              <a:t>calling </a:t>
-            </a:r>
-            <a:r>
-              <a:rPr lang="en-US" b="1" dirty="0" smtClean="0"/>
-              <a:t>add(“a”,</a:t>
-            </a:r>
-            <a:r>
-              <a:rPr lang="en-US" b="1" dirty="0"/>
-              <a:t> “</a:t>
-            </a:r>
-            <a:r>
-              <a:rPr lang="en-US" b="1" dirty="0" smtClean="0"/>
-              <a:t>b”)</a:t>
-            </a:r>
-            <a:r>
-              <a:rPr lang="en-US" dirty="0" smtClean="0"/>
-              <a:t> will return </a:t>
-            </a:r>
-            <a:r>
-              <a:rPr lang="en-US" b="1" dirty="0" smtClean="0"/>
-              <a:t>“ab”</a:t>
+              <a:t>good luck, you </a:t>
+            </a:r>
+            <a:r>
+              <a:rPr lang="en-US" i="1" dirty="0" smtClean="0"/>
+              <a:t>poor</a:t>
             </a:r>
             <a:r>
               <a:rPr lang="en-US" dirty="0" smtClean="0"/>
               <a:t> </a:t>
             </a:r>
+            <a:r>
+              <a:rPr lang="en-US" i="1" dirty="0" smtClean="0"/>
+              <a:t>souls</a:t>
+            </a:r>
+            <a:r>
+              <a:rPr lang="en-US" dirty="0" smtClean="0"/>
+              <a:t>…</a:t>
+            </a:r>
+          </a:p>
+          <a:p>
+            <a:r>
+              <a:rPr lang="en-US" dirty="0" smtClean="0"/>
+              <a:t>… and/or have to work on code written by others…</a:t>
+            </a:r>
+          </a:p>
+          <a:p>
+            <a:r>
+              <a:rPr lang="en-US" dirty="0" smtClean="0"/>
+              <a:t>For what you will see in this course, and during your degree, you will be (hopefully) fine, as working only on </a:t>
+            </a:r>
+            <a:r>
+              <a:rPr lang="en-US" i="1" dirty="0" smtClean="0"/>
+              <a:t>small</a:t>
+            </a:r>
+            <a:r>
+              <a:rPr lang="en-US" dirty="0" smtClean="0"/>
+              <a:t> systems</a:t>
+            </a:r>
+          </a:p>
+          <a:p>
+            <a:r>
+              <a:rPr lang="en-US" dirty="0" smtClean="0"/>
+              <a:t>Remember: </a:t>
+            </a:r>
+            <a:r>
+              <a:rPr lang="en-US" i="1" dirty="0" smtClean="0"/>
+              <a:t>what does not kill you, makes you stronger </a:t>
+            </a:r>
+          </a:p>
+          <a:p>
             <a:endParaRPr lang="en-US" dirty="0"/>
           </a:p>
         </p:txBody>
@@ -6982,7 +6955,7 @@
     </p:spTree>
     <p:extLst>
       <p:ext uri="{BB962C8B-B14F-4D97-AF65-F5344CB8AC3E}">
-        <p14:creationId xmlns:p14="http://schemas.microsoft.com/office/powerpoint/2010/main" val="1106509370"/>
+        <p14:creationId xmlns:p14="http://schemas.microsoft.com/office/powerpoint/2010/main" val="1955445389"/>
       </p:ext>
     </p:extLst>
   </p:cSld>
@@ -7019,84 +6992,250 @@
             <p:ph type="title"/>
           </p:nvPr>
         </p:nvSpPr>
-        <p:spPr/>
-        <p:txBody>
-          <a:bodyPr/>
-          <a:lstStyle/>
-          <a:p>
-            <a:r>
-              <a:rPr lang="en-US" dirty="0" smtClean="0"/>
-              <a:t>Code Comments</a:t>
-            </a:r>
-            <a:endParaRPr lang="en-US" dirty="0"/>
-          </a:p>
-        </p:txBody>
-      </p:sp>
-      <p:sp>
-        <p:nvSpPr>
-          <p:cNvPr id="3" name="Content Placeholder 2"/>
-          <p:cNvSpPr>
-            <a:spLocks noGrp="1"/>
-          </p:cNvSpPr>
-          <p:nvPr>
-            <p:ph idx="1"/>
-          </p:nvPr>
-        </p:nvSpPr>
         <p:spPr>
           <a:xfrm>
-            <a:off x="344773" y="1825625"/>
-            <a:ext cx="11744793" cy="4710086"/>
+            <a:off x="89210" y="365125"/>
+            <a:ext cx="11264590" cy="1325563"/>
           </a:xfrm>
         </p:spPr>
         <p:txBody>
-          <a:bodyPr/>
-          <a:lstStyle/>
-          <a:p>
-            <a:r>
-              <a:rPr lang="en-US" dirty="0" smtClean="0"/>
-              <a:t>To document software, typical case of writing comments directly in the source code</a:t>
-            </a:r>
-          </a:p>
-          <a:p>
-            <a:r>
-              <a:rPr lang="en-US" dirty="0" smtClean="0"/>
-              <a:t>JS uses similar syntax to other languages (</a:t>
+          <a:bodyPr>
+            <a:normAutofit fontScale="90000"/>
+          </a:bodyPr>
+          <a:lstStyle/>
+          <a:p>
+            <a:r>
+              <a:rPr lang="en-US" dirty="0" smtClean="0"/>
+              <a:t>For equality, use “</a:t>
+            </a:r>
+            <a:r>
+              <a:rPr lang="en-US" b="1" dirty="0" smtClean="0"/>
+              <a:t>===</a:t>
+            </a:r>
+            <a:r>
+              <a:rPr lang="en-US" dirty="0" smtClean="0"/>
+              <a:t>“ and not “</a:t>
+            </a:r>
+            <a:r>
+              <a:rPr lang="en-US" b="1" dirty="0" smtClean="0"/>
+              <a:t>==</a:t>
+            </a:r>
+            <a:r>
+              <a:rPr lang="en-US" dirty="0" smtClean="0"/>
+              <a:t>”</a:t>
+            </a:r>
+            <a:endParaRPr lang="en-US" dirty="0"/>
+          </a:p>
+        </p:txBody>
+      </p:sp>
+      <p:sp>
+        <p:nvSpPr>
+          <p:cNvPr id="3" name="Content Placeholder 2"/>
+          <p:cNvSpPr>
+            <a:spLocks noGrp="1"/>
+          </p:cNvSpPr>
+          <p:nvPr>
+            <p:ph idx="1"/>
+          </p:nvPr>
+        </p:nvSpPr>
+        <p:spPr>
+          <a:xfrm>
+            <a:off x="347546" y="1732118"/>
+            <a:ext cx="11443009" cy="4861970"/>
+          </a:xfrm>
+        </p:spPr>
+        <p:txBody>
+          <a:bodyPr>
+            <a:normAutofit lnSpcReduction="10000"/>
+          </a:bodyPr>
+          <a:lstStyle/>
+          <a:p>
+            <a:r>
+              <a:rPr lang="en-US" b="1" dirty="0" smtClean="0"/>
+              <a:t>false == 0 </a:t>
+            </a:r>
+          </a:p>
+          <a:p>
+            <a:pPr lvl="1"/>
+            <a:r>
+              <a:rPr lang="en-US" dirty="0" smtClean="0"/>
+              <a:t>result is </a:t>
+            </a:r>
+            <a:r>
+              <a:rPr lang="en-US" b="1" dirty="0" smtClean="0"/>
+              <a:t>true</a:t>
+            </a:r>
+            <a:r>
+              <a:rPr lang="en-US" dirty="0" smtClean="0"/>
+              <a:t>, </a:t>
             </a:r>
             <a:r>
               <a:rPr lang="en-US" dirty="0" err="1" smtClean="0"/>
-              <a:t>eg</a:t>
-            </a:r>
-            <a:r>
-              <a:rPr lang="en-US" dirty="0" smtClean="0"/>
-              <a:t> Java)</a:t>
-            </a:r>
-          </a:p>
-          <a:p>
-            <a:r>
-              <a:rPr lang="en-US" dirty="0" smtClean="0"/>
-              <a:t>Single-line comment: </a:t>
+              <a:t>ie</a:t>
+            </a:r>
+            <a:r>
+              <a:rPr lang="en-US" dirty="0" smtClean="0"/>
+              <a:t>, </a:t>
+            </a:r>
+            <a:r>
+              <a:rPr lang="en-US" dirty="0" err="1" smtClean="0"/>
+              <a:t>boolean</a:t>
+            </a:r>
+            <a:r>
+              <a:rPr lang="en-US" dirty="0" smtClean="0"/>
+              <a:t> </a:t>
             </a:r>
             <a:r>
               <a:rPr lang="en-US" b="1" dirty="0" smtClean="0"/>
-              <a:t>//</a:t>
-            </a:r>
-          </a:p>
-          <a:p>
-            <a:r>
-              <a:rPr lang="en-US" dirty="0" smtClean="0"/>
-              <a:t>Multi-line comment: started with </a:t>
+              <a:t>false</a:t>
+            </a:r>
+            <a:r>
+              <a:rPr lang="en-US" dirty="0" smtClean="0"/>
+              <a:t> is equivalent to numeric </a:t>
             </a:r>
             <a:r>
               <a:rPr lang="en-US" b="1" dirty="0" smtClean="0"/>
-              <a:t>/*</a:t>
-            </a:r>
-            <a:r>
-              <a:rPr lang="en-US" dirty="0" smtClean="0"/>
-              <a:t>  and then closed with </a:t>
+              <a:t>0</a:t>
+            </a:r>
+            <a:r>
+              <a:rPr lang="en-US" dirty="0" smtClean="0"/>
+              <a:t>, as the </a:t>
             </a:r>
             <a:r>
               <a:rPr lang="en-US" b="1" dirty="0" smtClean="0"/>
-              <a:t>*/</a:t>
+              <a:t>0</a:t>
+            </a:r>
+            <a:r>
+              <a:rPr lang="en-US" dirty="0" smtClean="0"/>
+              <a:t> gets transformed into a </a:t>
+            </a:r>
+            <a:r>
+              <a:rPr lang="en-US" dirty="0" err="1" smtClean="0"/>
+              <a:t>boolean</a:t>
+            </a:r>
+            <a:r>
+              <a:rPr lang="en-US" dirty="0" smtClean="0"/>
+              <a:t> to compare it with </a:t>
+            </a:r>
+            <a:r>
+              <a:rPr lang="en-US" b="1" dirty="0" smtClean="0"/>
+              <a:t>false</a:t>
+            </a:r>
+          </a:p>
+          <a:p>
+            <a:r>
+              <a:rPr lang="en-US" b="1" dirty="0" smtClean="0"/>
+              <a:t>false === 0  </a:t>
+            </a:r>
+          </a:p>
+          <a:p>
+            <a:pPr lvl="1"/>
+            <a:r>
+              <a:rPr lang="en-US" dirty="0" smtClean="0"/>
+              <a:t>result is </a:t>
+            </a:r>
+            <a:r>
+              <a:rPr lang="en-US" b="1" dirty="0" smtClean="0"/>
+              <a:t>false</a:t>
+            </a:r>
+            <a:r>
+              <a:rPr lang="en-US" dirty="0" smtClean="0"/>
+              <a:t>, as a </a:t>
+            </a:r>
+            <a:r>
+              <a:rPr lang="en-US" dirty="0" err="1" smtClean="0"/>
+              <a:t>boolean</a:t>
+            </a:r>
+            <a:r>
+              <a:rPr lang="en-US" dirty="0" smtClean="0"/>
+              <a:t> value is not equal to a numeric value </a:t>
+            </a:r>
+          </a:p>
+          <a:p>
+            <a:r>
+              <a:rPr lang="en-US" b="1" dirty="0"/>
+              <a:t>0 == </a:t>
+            </a:r>
+            <a:r>
+              <a:rPr lang="en-US" b="1" dirty="0" smtClean="0"/>
+              <a:t>[]</a:t>
+            </a:r>
+          </a:p>
+          <a:p>
+            <a:pPr lvl="1"/>
+            <a:r>
+              <a:rPr lang="en-US" dirty="0" smtClean="0"/>
+              <a:t>surprisingly, that is true in JS, </a:t>
+            </a:r>
+            <a:r>
+              <a:rPr lang="en-US" dirty="0" err="1" smtClean="0"/>
+              <a:t>ie</a:t>
+            </a:r>
+            <a:r>
+              <a:rPr lang="en-US" dirty="0" smtClean="0"/>
+              <a:t> the numeric </a:t>
+            </a:r>
+            <a:r>
+              <a:rPr lang="en-US" b="1" dirty="0" smtClean="0"/>
+              <a:t>0</a:t>
+            </a:r>
+            <a:r>
+              <a:rPr lang="en-US" dirty="0" smtClean="0"/>
+              <a:t> is equal to an empty array</a:t>
+            </a:r>
+          </a:p>
+          <a:p>
+            <a:pPr lvl="1"/>
+            <a:r>
+              <a:rPr lang="en-US" dirty="0"/>
+              <a:t>p</a:t>
+            </a:r>
+            <a:r>
+              <a:rPr lang="en-US" dirty="0" smtClean="0"/>
+              <a:t>lenty of </a:t>
+            </a:r>
+            <a:r>
+              <a:rPr lang="en-US" dirty="0"/>
+              <a:t>these </a:t>
+            </a:r>
+            <a:r>
+              <a:rPr lang="en-US" dirty="0" smtClean="0"/>
+              <a:t>hilarious cases</a:t>
+            </a:r>
+            <a:r>
+              <a:rPr lang="en-US" dirty="0"/>
+              <a:t>, see </a:t>
+            </a:r>
+            <a:r>
+              <a:rPr lang="en-US" dirty="0">
+                <a:hlinkClick r:id="rId2"/>
+              </a:rPr>
+              <a:t>https://dorey.github.io/JavaScript-Equality-Table</a:t>
+            </a:r>
+            <a:r>
+              <a:rPr lang="en-US" dirty="0" smtClean="0">
+                <a:hlinkClick r:id="rId2"/>
+              </a:rPr>
+              <a:t>/</a:t>
+            </a:r>
+            <a:endParaRPr lang="en-US" dirty="0" smtClean="0"/>
+          </a:p>
+          <a:p>
+            <a:r>
+              <a:rPr lang="en-US" dirty="0" smtClean="0"/>
+              <a:t>For negation, use </a:t>
+            </a:r>
+            <a:r>
+              <a:rPr lang="en-US" b="1" dirty="0" smtClean="0"/>
+              <a:t>!==</a:t>
+            </a:r>
+            <a:r>
+              <a:rPr lang="en-US" dirty="0" smtClean="0"/>
+              <a:t> instead of </a:t>
+            </a:r>
+            <a:r>
+              <a:rPr lang="en-US" b="1" dirty="0" smtClean="0"/>
+              <a:t>!=</a:t>
             </a:r>
             <a:endParaRPr lang="en-US" b="1" dirty="0"/>
           </a:p>
@@ -7105,7 +7244,7 @@
     </p:spTree>
     <p:extLst>
       <p:ext uri="{BB962C8B-B14F-4D97-AF65-F5344CB8AC3E}">
-        <p14:creationId xmlns:p14="http://schemas.microsoft.com/office/powerpoint/2010/main" val="3431141054"/>
+        <p14:creationId xmlns:p14="http://schemas.microsoft.com/office/powerpoint/2010/main" val="3084828600"/>
       </p:ext>
     </p:extLst>
   </p:cSld>
@@ -7149,7 +7288,7 @@
           <a:p>
             <a:r>
               <a:rPr lang="en-US" dirty="0" smtClean="0"/>
-              <a:t>DOM Manipulation</a:t>
+              <a:t>Function Declaration</a:t>
             </a:r>
             <a:endParaRPr lang="en-US" dirty="0"/>
           </a:p>
@@ -7167,63 +7306,171 @@
         </p:nvSpPr>
         <p:spPr>
           <a:xfrm>
-            <a:off x="193287" y="1825624"/>
-            <a:ext cx="11864897" cy="4879975"/>
+            <a:off x="838200" y="1825624"/>
+            <a:ext cx="10515600" cy="4822825"/>
           </a:xfrm>
         </p:spPr>
         <p:txBody>
-          <a:bodyPr/>
-          <a:lstStyle/>
-          <a:p>
+          <a:bodyPr>
+            <a:normAutofit lnSpcReduction="10000"/>
+          </a:bodyPr>
+          <a:lstStyle/>
+          <a:p>
+            <a:r>
+              <a:rPr lang="en-US" b="1" dirty="0" smtClean="0"/>
+              <a:t>function foo(){ </a:t>
+            </a:r>
+            <a:r>
+              <a:rPr lang="en-US" b="1" dirty="0" smtClean="0"/>
+              <a:t>return 1;}</a:t>
+            </a:r>
+          </a:p>
+          <a:p>
+            <a:pPr lvl="1"/>
+            <a:r>
+              <a:rPr lang="en-US" dirty="0" smtClean="0"/>
+              <a:t>calling </a:t>
+            </a:r>
+            <a:r>
+              <a:rPr lang="en-US" b="1" dirty="0" smtClean="0"/>
+              <a:t>foo() </a:t>
+            </a:r>
+            <a:r>
+              <a:rPr lang="en-US" dirty="0" smtClean="0"/>
+              <a:t>will return value </a:t>
+            </a:r>
+            <a:r>
+              <a:rPr lang="en-US" b="1" dirty="0" smtClean="0"/>
+              <a:t>1</a:t>
+            </a:r>
+          </a:p>
+          <a:p>
+            <a:r>
+              <a:rPr lang="en-US" b="1" dirty="0"/>
+              <a:t>add = function(</a:t>
+            </a:r>
+            <a:r>
+              <a:rPr lang="en-US" b="1" dirty="0" err="1"/>
+              <a:t>x,y</a:t>
+            </a:r>
+            <a:r>
+              <a:rPr lang="en-US" b="1" dirty="0"/>
+              <a:t>){return </a:t>
+            </a:r>
+            <a:r>
+              <a:rPr lang="en-US" b="1" dirty="0" err="1" smtClean="0"/>
+              <a:t>x+y</a:t>
+            </a:r>
+            <a:r>
+              <a:rPr lang="en-US" b="1" dirty="0" smtClean="0"/>
+              <a:t>;}</a:t>
+            </a:r>
+          </a:p>
+          <a:p>
+            <a:pPr lvl="1"/>
+            <a:r>
+              <a:rPr lang="en-US" dirty="0" smtClean="0"/>
+              <a:t>calling </a:t>
+            </a:r>
+            <a:r>
+              <a:rPr lang="en-US" b="1" dirty="0" smtClean="0"/>
+              <a:t>add(1,2)</a:t>
+            </a:r>
+            <a:r>
+              <a:rPr lang="en-US" dirty="0" smtClean="0"/>
+              <a:t> will return </a:t>
+            </a:r>
+            <a:r>
+              <a:rPr lang="en-US" b="1" dirty="0" smtClean="0"/>
+              <a:t>3</a:t>
+            </a:r>
+          </a:p>
+          <a:p>
+            <a:pPr lvl="1"/>
             <a:r>
               <a:rPr lang="en-US" dirty="0"/>
-              <a:t>Document Object </a:t>
-            </a:r>
-            <a:r>
-              <a:rPr lang="en-US" dirty="0" smtClean="0"/>
-              <a:t>Model (DOM): object representation of the displayed HTML </a:t>
-            </a:r>
-          </a:p>
-          <a:p>
-            <a:r>
-              <a:rPr lang="en-US" dirty="0" smtClean="0"/>
-              <a:t>One of the main reasons to use JS is to manipulate the DOM, </a:t>
-            </a:r>
-            <a:r>
-              <a:rPr lang="en-US" dirty="0" err="1" smtClean="0"/>
-              <a:t>ie</a:t>
-            </a:r>
-            <a:r>
-              <a:rPr lang="en-US" dirty="0" smtClean="0"/>
-              <a:t> altering what is displayed to the user</a:t>
-            </a:r>
-          </a:p>
-          <a:p>
-            <a:r>
-              <a:rPr lang="en-US" dirty="0" smtClean="0"/>
-              <a:t>To access the DOM, JS can refer to the object called “</a:t>
+              <a:t>calling </a:t>
             </a:r>
             <a:r>
               <a:rPr lang="en-US" b="1" dirty="0" smtClean="0"/>
-              <a:t>document</a:t>
-            </a:r>
-            <a:r>
-              <a:rPr lang="en-US" dirty="0" smtClean="0"/>
-              <a:t>”</a:t>
-            </a:r>
-          </a:p>
-          <a:p>
-            <a:r>
-              <a:rPr lang="en-US" dirty="0" smtClean="0"/>
-              <a:t>Call methods on </a:t>
+              <a:t>add(“a”,</a:t>
+            </a:r>
+            <a:r>
+              <a:rPr lang="en-US" b="1" dirty="0"/>
+              <a:t> “</a:t>
             </a:r>
             <a:r>
               <a:rPr lang="en-US" b="1" dirty="0" smtClean="0"/>
-              <a:t>document</a:t>
-            </a:r>
-            <a:r>
-              <a:rPr lang="en-US" dirty="0" smtClean="0"/>
-              <a:t> to retrieve object representations of the DOM  </a:t>
+              <a:t>b”)</a:t>
+            </a:r>
+            <a:r>
+              <a:rPr lang="en-US" dirty="0" smtClean="0"/>
+              <a:t> will return </a:t>
+            </a:r>
+            <a:r>
+              <a:rPr lang="en-US" b="1" dirty="0" smtClean="0"/>
+              <a:t>“ab”</a:t>
+            </a:r>
+            <a:r>
+              <a:rPr lang="en-US" dirty="0" smtClean="0"/>
+              <a:t> </a:t>
+            </a:r>
+            <a:endParaRPr lang="en-US" dirty="0" smtClean="0"/>
+          </a:p>
+          <a:p>
+            <a:r>
+              <a:rPr lang="en-US" b="1" dirty="0" smtClean="0"/>
+              <a:t>add = (</a:t>
+            </a:r>
+            <a:r>
+              <a:rPr lang="en-US" b="1" dirty="0" err="1" smtClean="0"/>
+              <a:t>x,y</a:t>
+            </a:r>
+            <a:r>
+              <a:rPr lang="en-US" b="1" dirty="0" smtClean="0"/>
+              <a:t>) =&gt; {</a:t>
+            </a:r>
+            <a:r>
+              <a:rPr lang="en-US" b="1" dirty="0"/>
+              <a:t>return </a:t>
+            </a:r>
+            <a:r>
+              <a:rPr lang="en-US" b="1" dirty="0" err="1"/>
+              <a:t>x+y</a:t>
+            </a:r>
+            <a:r>
+              <a:rPr lang="en-US" b="1" dirty="0" smtClean="0"/>
+              <a:t>;}</a:t>
+            </a:r>
+          </a:p>
+          <a:p>
+            <a:pPr lvl="1"/>
+            <a:r>
+              <a:rPr lang="en-US" dirty="0" smtClean="0"/>
+              <a:t>the arrow notation is similar to </a:t>
+            </a:r>
+            <a:r>
+              <a:rPr lang="en-US" i="1" dirty="0" smtClean="0"/>
+              <a:t>function</a:t>
+            </a:r>
+            <a:r>
+              <a:rPr lang="en-US" dirty="0" smtClean="0"/>
+              <a:t>, but it treats </a:t>
+            </a:r>
+            <a:r>
+              <a:rPr lang="en-US" b="1" dirty="0" smtClean="0"/>
+              <a:t>this</a:t>
+            </a:r>
+            <a:r>
+              <a:rPr lang="en-US" dirty="0" smtClean="0"/>
+              <a:t> keyword differently, as not defining its own scope</a:t>
+            </a:r>
+          </a:p>
+          <a:p>
+            <a:pPr lvl="1"/>
+            <a:r>
+              <a:rPr lang="en-US" dirty="0" smtClean="0"/>
+              <a:t>this will become more clear when we will define callbacks inside React objects</a:t>
             </a:r>
             <a:endParaRPr lang="en-US" dirty="0"/>
           </a:p>
@@ -7232,7 +7479,7 @@
     </p:spTree>
     <p:extLst>
       <p:ext uri="{BB962C8B-B14F-4D97-AF65-F5344CB8AC3E}">
-        <p14:creationId xmlns:p14="http://schemas.microsoft.com/office/powerpoint/2010/main" val="4170625732"/>
+        <p14:creationId xmlns:p14="http://schemas.microsoft.com/office/powerpoint/2010/main" val="1106509370"/>
       </p:ext>
     </p:extLst>
   </p:cSld>
@@ -7360,6 +7607,256 @@
 </file>
 
 <file path=ppt/slides/slide30.xml><?xml version="1.0" encoding="utf-8"?>
+<p:sld xmlns:a="http://schemas.openxmlformats.org/drawingml/2006/main" xmlns:r="http://schemas.openxmlformats.org/officeDocument/2006/relationships" xmlns:p="http://schemas.openxmlformats.org/presentationml/2006/main">
+  <p:cSld>
+    <p:spTree>
+      <p:nvGrpSpPr>
+        <p:cNvPr id="1" name=""/>
+        <p:cNvGrpSpPr/>
+        <p:nvPr/>
+      </p:nvGrpSpPr>
+      <p:grpSpPr>
+        <a:xfrm>
+          <a:off x="0" y="0"/>
+          <a:ext cx="0" cy="0"/>
+          <a:chOff x="0" y="0"/>
+          <a:chExt cx="0" cy="0"/>
+        </a:xfrm>
+      </p:grpSpPr>
+      <p:sp>
+        <p:nvSpPr>
+          <p:cNvPr id="2" name="Title 1"/>
+          <p:cNvSpPr>
+            <a:spLocks noGrp="1"/>
+          </p:cNvSpPr>
+          <p:nvPr>
+            <p:ph type="title"/>
+          </p:nvPr>
+        </p:nvSpPr>
+        <p:spPr/>
+        <p:txBody>
+          <a:bodyPr/>
+          <a:lstStyle/>
+          <a:p>
+            <a:r>
+              <a:rPr lang="en-US" dirty="0" smtClean="0"/>
+              <a:t>Code Comments</a:t>
+            </a:r>
+            <a:endParaRPr lang="en-US" dirty="0"/>
+          </a:p>
+        </p:txBody>
+      </p:sp>
+      <p:sp>
+        <p:nvSpPr>
+          <p:cNvPr id="3" name="Content Placeholder 2"/>
+          <p:cNvSpPr>
+            <a:spLocks noGrp="1"/>
+          </p:cNvSpPr>
+          <p:nvPr>
+            <p:ph idx="1"/>
+          </p:nvPr>
+        </p:nvSpPr>
+        <p:spPr>
+          <a:xfrm>
+            <a:off x="344773" y="1825625"/>
+            <a:ext cx="11744793" cy="4710086"/>
+          </a:xfrm>
+        </p:spPr>
+        <p:txBody>
+          <a:bodyPr/>
+          <a:lstStyle/>
+          <a:p>
+            <a:r>
+              <a:rPr lang="en-US" dirty="0" smtClean="0"/>
+              <a:t>To document software, typical case of writing comments directly in the source code</a:t>
+            </a:r>
+          </a:p>
+          <a:p>
+            <a:r>
+              <a:rPr lang="en-US" dirty="0" smtClean="0"/>
+              <a:t>JS uses similar syntax to other languages (</a:t>
+            </a:r>
+            <a:r>
+              <a:rPr lang="en-US" dirty="0" err="1" smtClean="0"/>
+              <a:t>eg</a:t>
+            </a:r>
+            <a:r>
+              <a:rPr lang="en-US" dirty="0" smtClean="0"/>
+              <a:t> Java)</a:t>
+            </a:r>
+          </a:p>
+          <a:p>
+            <a:r>
+              <a:rPr lang="en-US" dirty="0" smtClean="0"/>
+              <a:t>Single-line comment: </a:t>
+            </a:r>
+            <a:r>
+              <a:rPr lang="en-US" b="1" dirty="0" smtClean="0"/>
+              <a:t>//</a:t>
+            </a:r>
+          </a:p>
+          <a:p>
+            <a:r>
+              <a:rPr lang="en-US" dirty="0" smtClean="0"/>
+              <a:t>Multi-line comment: started with </a:t>
+            </a:r>
+            <a:r>
+              <a:rPr lang="en-US" b="1" dirty="0" smtClean="0"/>
+              <a:t>/*</a:t>
+            </a:r>
+            <a:r>
+              <a:rPr lang="en-US" dirty="0" smtClean="0"/>
+              <a:t>  and then closed with </a:t>
+            </a:r>
+            <a:r>
+              <a:rPr lang="en-US" b="1" dirty="0" smtClean="0"/>
+              <a:t>*/</a:t>
+            </a:r>
+            <a:endParaRPr lang="en-US" b="1" dirty="0"/>
+          </a:p>
+        </p:txBody>
+      </p:sp>
+    </p:spTree>
+    <p:extLst>
+      <p:ext uri="{BB962C8B-B14F-4D97-AF65-F5344CB8AC3E}">
+        <p14:creationId xmlns:p14="http://schemas.microsoft.com/office/powerpoint/2010/main" val="3431141054"/>
+      </p:ext>
+    </p:extLst>
+  </p:cSld>
+  <p:clrMapOvr>
+    <a:masterClrMapping/>
+  </p:clrMapOvr>
+</p:sld>
+</file>
+
+<file path=ppt/slides/slide31.xml><?xml version="1.0" encoding="utf-8"?>
+<p:sld xmlns:a="http://schemas.openxmlformats.org/drawingml/2006/main" xmlns:r="http://schemas.openxmlformats.org/officeDocument/2006/relationships" xmlns:p="http://schemas.openxmlformats.org/presentationml/2006/main">
+  <p:cSld>
+    <p:spTree>
+      <p:nvGrpSpPr>
+        <p:cNvPr id="1" name=""/>
+        <p:cNvGrpSpPr/>
+        <p:nvPr/>
+      </p:nvGrpSpPr>
+      <p:grpSpPr>
+        <a:xfrm>
+          <a:off x="0" y="0"/>
+          <a:ext cx="0" cy="0"/>
+          <a:chOff x="0" y="0"/>
+          <a:chExt cx="0" cy="0"/>
+        </a:xfrm>
+      </p:grpSpPr>
+      <p:sp>
+        <p:nvSpPr>
+          <p:cNvPr id="2" name="Title 1"/>
+          <p:cNvSpPr>
+            <a:spLocks noGrp="1"/>
+          </p:cNvSpPr>
+          <p:nvPr>
+            <p:ph type="title"/>
+          </p:nvPr>
+        </p:nvSpPr>
+        <p:spPr/>
+        <p:txBody>
+          <a:bodyPr/>
+          <a:lstStyle/>
+          <a:p>
+            <a:r>
+              <a:rPr lang="en-US" dirty="0" smtClean="0"/>
+              <a:t>DOM Manipulation</a:t>
+            </a:r>
+            <a:endParaRPr lang="en-US" dirty="0"/>
+          </a:p>
+        </p:txBody>
+      </p:sp>
+      <p:sp>
+        <p:nvSpPr>
+          <p:cNvPr id="3" name="Content Placeholder 2"/>
+          <p:cNvSpPr>
+            <a:spLocks noGrp="1"/>
+          </p:cNvSpPr>
+          <p:nvPr>
+            <p:ph idx="1"/>
+          </p:nvPr>
+        </p:nvSpPr>
+        <p:spPr>
+          <a:xfrm>
+            <a:off x="193287" y="1825624"/>
+            <a:ext cx="11864897" cy="4879975"/>
+          </a:xfrm>
+        </p:spPr>
+        <p:txBody>
+          <a:bodyPr/>
+          <a:lstStyle/>
+          <a:p>
+            <a:r>
+              <a:rPr lang="en-US" dirty="0"/>
+              <a:t>Document Object </a:t>
+            </a:r>
+            <a:r>
+              <a:rPr lang="en-US" dirty="0" smtClean="0"/>
+              <a:t>Model (DOM): object representation of the displayed HTML </a:t>
+            </a:r>
+          </a:p>
+          <a:p>
+            <a:r>
+              <a:rPr lang="en-US" dirty="0" smtClean="0"/>
+              <a:t>One of the main reasons to use JS is to manipulate the DOM, </a:t>
+            </a:r>
+            <a:r>
+              <a:rPr lang="en-US" dirty="0" err="1" smtClean="0"/>
+              <a:t>ie</a:t>
+            </a:r>
+            <a:r>
+              <a:rPr lang="en-US" dirty="0" smtClean="0"/>
+              <a:t> altering what is displayed to the user</a:t>
+            </a:r>
+          </a:p>
+          <a:p>
+            <a:r>
+              <a:rPr lang="en-US" dirty="0" smtClean="0"/>
+              <a:t>To access the DOM, JS can refer to the object called “</a:t>
+            </a:r>
+            <a:r>
+              <a:rPr lang="en-US" b="1" dirty="0" smtClean="0"/>
+              <a:t>document</a:t>
+            </a:r>
+            <a:r>
+              <a:rPr lang="en-US" dirty="0" smtClean="0"/>
+              <a:t>”</a:t>
+            </a:r>
+          </a:p>
+          <a:p>
+            <a:r>
+              <a:rPr lang="en-US" dirty="0" smtClean="0"/>
+              <a:t>Call methods on </a:t>
+            </a:r>
+            <a:r>
+              <a:rPr lang="en-US" b="1" dirty="0" smtClean="0"/>
+              <a:t>document</a:t>
+            </a:r>
+            <a:r>
+              <a:rPr lang="en-US" dirty="0" smtClean="0"/>
+              <a:t> to retrieve object representations of the DOM  </a:t>
+            </a:r>
+            <a:endParaRPr lang="en-US" dirty="0"/>
+          </a:p>
+        </p:txBody>
+      </p:sp>
+    </p:spTree>
+    <p:extLst>
+      <p:ext uri="{BB962C8B-B14F-4D97-AF65-F5344CB8AC3E}">
+        <p14:creationId xmlns:p14="http://schemas.microsoft.com/office/powerpoint/2010/main" val="4170625732"/>
+      </p:ext>
+    </p:extLst>
+  </p:cSld>
+  <p:clrMapOvr>
+    <a:masterClrMapping/>
+  </p:clrMapOvr>
+</p:sld>
+</file>
+
+<file path=ppt/slides/slide32.xml><?xml version="1.0" encoding="utf-8"?>
 <p:sld xmlns:a="http://schemas.openxmlformats.org/drawingml/2006/main" xmlns:r="http://schemas.openxmlformats.org/officeDocument/2006/relationships" xmlns:p="http://schemas.openxmlformats.org/presentationml/2006/main">
   <p:cSld>
     <p:spTree>
@@ -8380,7 +8877,7 @@
 </p:sld>
 </file>
 
-<file path=ppt/slides/slide31.xml><?xml version="1.0" encoding="utf-8"?>
+<file path=ppt/slides/slide33.xml><?xml version="1.0" encoding="utf-8"?>
 <p:sld xmlns:a="http://schemas.openxmlformats.org/drawingml/2006/main" xmlns:r="http://schemas.openxmlformats.org/officeDocument/2006/relationships" xmlns:p="http://schemas.openxmlformats.org/presentationml/2006/main">
   <p:cSld>
     <p:spTree>
@@ -8629,7 +9126,7 @@
 </p:sld>
 </file>
 
-<file path=ppt/slides/slide32.xml><?xml version="1.0" encoding="utf-8"?>
+<file path=ppt/slides/slide34.xml><?xml version="1.0" encoding="utf-8"?>
 <p:sld xmlns:a="http://schemas.openxmlformats.org/drawingml/2006/main" xmlns:r="http://schemas.openxmlformats.org/officeDocument/2006/relationships" xmlns:p="http://schemas.openxmlformats.org/presentationml/2006/main">
   <p:cSld>
     <p:spTree>
@@ -8908,8 +9405,9 @@
           <a:p>
             <a:r>
               <a:rPr lang="en-US" dirty="0" smtClean="0"/>
-              <a:t>NPM</a:t>
-            </a:r>
+              <a:t>YARN</a:t>
+            </a:r>
+            <a:endParaRPr lang="en-US" dirty="0" smtClean="0"/>
           </a:p>
           <a:p>
             <a:r>
@@ -9169,7 +9667,9 @@
           </a:xfrm>
         </p:spPr>
         <p:txBody>
-          <a:bodyPr/>
+          <a:bodyPr>
+            <a:normAutofit/>
+          </a:bodyPr>
           <a:lstStyle/>
           <a:p>
             <a:r>
@@ -9193,14 +9693,11 @@
             <a:pPr lvl="1"/>
             <a:r>
               <a:rPr lang="en-US" dirty="0" smtClean="0"/>
-              <a:t>client-side HTML rendering</a:t>
-            </a:r>
-          </a:p>
-          <a:p>
-            <a:pPr lvl="1"/>
-            <a:r>
-              <a:rPr lang="en-US" dirty="0" smtClean="0"/>
-              <a:t>using </a:t>
+              <a:t>client-side HTML </a:t>
+            </a:r>
+            <a:r>
+              <a:rPr lang="en-US" dirty="0" smtClean="0"/>
+              <a:t>rendering, using </a:t>
             </a:r>
             <a:r>
               <a:rPr lang="en-US" i="1" dirty="0" smtClean="0"/>
@@ -9218,11 +9715,23 @@
             </a:r>
             <a:r>
               <a:rPr lang="en-US" i="1" dirty="0" smtClean="0"/>
-              <a:t>REST</a:t>
-            </a:r>
-            <a:r>
-              <a:rPr lang="en-US" dirty="0" smtClean="0"/>
-              <a:t> web services</a:t>
+              <a:t>REST </a:t>
+            </a:r>
+            <a:r>
+              <a:rPr lang="en-US" dirty="0" smtClean="0"/>
+              <a:t>and </a:t>
+            </a:r>
+            <a:r>
+              <a:rPr lang="en-US" i="1" dirty="0" err="1" smtClean="0"/>
+              <a:t>GraphQL</a:t>
+            </a:r>
+            <a:r>
+              <a:rPr lang="en-US" dirty="0" smtClean="0"/>
+              <a:t> </a:t>
+            </a:r>
+            <a:r>
+              <a:rPr lang="en-US" dirty="0" smtClean="0"/>
+              <a:t>web services</a:t>
             </a:r>
           </a:p>
           <a:p>
@@ -9234,6 +9743,20 @@
             <a:r>
               <a:rPr lang="en-US" i="1" dirty="0" err="1" smtClean="0"/>
               <a:t>NodeJS</a:t>
+            </a:r>
+            <a:endParaRPr lang="en-US" i="1" dirty="0" smtClean="0"/>
+          </a:p>
+          <a:p>
+            <a:r>
+              <a:rPr lang="en-US" i="1" dirty="0" err="1" smtClean="0"/>
+              <a:t>Websockets</a:t>
+            </a:r>
+            <a:endParaRPr lang="en-US" i="1" dirty="0" smtClean="0"/>
+          </a:p>
+          <a:p>
+            <a:r>
+              <a:rPr lang="en-US" i="1" dirty="0" smtClean="0"/>
+              <a:t>Security</a:t>
             </a:r>
             <a:endParaRPr lang="en-US" i="1" dirty="0" smtClean="0"/>
           </a:p>
@@ -9327,20 +9850,9 @@
           <a:p>
             <a:r>
               <a:rPr lang="en-US" dirty="0" smtClean="0"/>
-              <a:t>4 weeks</a:t>
-            </a:r>
-          </a:p>
-          <a:p>
-            <a:r>
-              <a:rPr lang="en-US" dirty="0" smtClean="0"/>
-              <a:t>Starting roughly 2 weeks before last class</a:t>
-            </a:r>
-          </a:p>
-          <a:p>
-            <a:r>
-              <a:rPr lang="en-US" dirty="0" smtClean="0"/>
-              <a:t>Details not decided yet</a:t>
-            </a:r>
+              <a:t>48 hours</a:t>
+            </a:r>
+            <a:endParaRPr lang="en-US" dirty="0" smtClean="0"/>
           </a:p>
           <a:p>
             <a:pPr lvl="1"/>

--- a/docs/slides/lesson_01.pptx
+++ b/docs/slides/lesson_01.pptx
@@ -230,7 +230,7 @@
           <a:p>
             <a:fld id="{9B5B52BA-3295-0343-9E28-A260A811DD10}" type="datetimeFigureOut">
               <a:rPr lang="en-US" smtClean="0"/>
-              <a:t>03-Dec-18</a:t>
+              <a:t>12/26/18</a:t>
             </a:fld>
             <a:endParaRPr lang="en-US"/>
           </a:p>
@@ -881,7 +881,7 @@
           <a:p>
             <a:fld id="{04F1D4A2-813C-F741-B481-C92B3A596030}" type="datetimeFigureOut">
               <a:rPr lang="en-US" smtClean="0"/>
-              <a:t>03-Dec-18</a:t>
+              <a:t>12/26/18</a:t>
             </a:fld>
             <a:endParaRPr lang="en-US"/>
           </a:p>
@@ -1051,7 +1051,7 @@
           <a:p>
             <a:fld id="{04F1D4A2-813C-F741-B481-C92B3A596030}" type="datetimeFigureOut">
               <a:rPr lang="en-US" smtClean="0"/>
-              <a:t>03-Dec-18</a:t>
+              <a:t>12/26/18</a:t>
             </a:fld>
             <a:endParaRPr lang="en-US"/>
           </a:p>
@@ -1231,7 +1231,7 @@
           <a:p>
             <a:fld id="{04F1D4A2-813C-F741-B481-C92B3A596030}" type="datetimeFigureOut">
               <a:rPr lang="en-US" smtClean="0"/>
-              <a:t>03-Dec-18</a:t>
+              <a:t>12/26/18</a:t>
             </a:fld>
             <a:endParaRPr lang="en-US"/>
           </a:p>
@@ -1412,7 +1412,7 @@
           <a:p>
             <a:fld id="{04F1D4A2-813C-F741-B481-C92B3A596030}" type="datetimeFigureOut">
               <a:rPr lang="en-US" smtClean="0"/>
-              <a:t>03-Dec-18</a:t>
+              <a:t>12/26/18</a:t>
             </a:fld>
             <a:endParaRPr lang="en-US"/>
           </a:p>
@@ -1658,7 +1658,7 @@
           <a:p>
             <a:fld id="{04F1D4A2-813C-F741-B481-C92B3A596030}" type="datetimeFigureOut">
               <a:rPr lang="en-US" smtClean="0"/>
-              <a:t>03-Dec-18</a:t>
+              <a:t>12/26/18</a:t>
             </a:fld>
             <a:endParaRPr lang="en-US"/>
           </a:p>
@@ -1890,7 +1890,7 @@
           <a:p>
             <a:fld id="{04F1D4A2-813C-F741-B481-C92B3A596030}" type="datetimeFigureOut">
               <a:rPr lang="en-US" smtClean="0"/>
-              <a:t>03-Dec-18</a:t>
+              <a:t>12/26/18</a:t>
             </a:fld>
             <a:endParaRPr lang="en-US"/>
           </a:p>
@@ -2257,7 +2257,7 @@
           <a:p>
             <a:fld id="{04F1D4A2-813C-F741-B481-C92B3A596030}" type="datetimeFigureOut">
               <a:rPr lang="en-US" smtClean="0"/>
-              <a:t>03-Dec-18</a:t>
+              <a:t>12/26/18</a:t>
             </a:fld>
             <a:endParaRPr lang="en-US"/>
           </a:p>
@@ -2375,7 +2375,7 @@
           <a:p>
             <a:fld id="{04F1D4A2-813C-F741-B481-C92B3A596030}" type="datetimeFigureOut">
               <a:rPr lang="en-US" smtClean="0"/>
-              <a:t>03-Dec-18</a:t>
+              <a:t>12/26/18</a:t>
             </a:fld>
             <a:endParaRPr lang="en-US"/>
           </a:p>
@@ -2470,7 +2470,7 @@
           <a:p>
             <a:fld id="{04F1D4A2-813C-F741-B481-C92B3A596030}" type="datetimeFigureOut">
               <a:rPr lang="en-US" smtClean="0"/>
-              <a:t>03-Dec-18</a:t>
+              <a:t>12/26/18</a:t>
             </a:fld>
             <a:endParaRPr lang="en-US"/>
           </a:p>
@@ -2747,7 +2747,7 @@
           <a:p>
             <a:fld id="{04F1D4A2-813C-F741-B481-C92B3A596030}" type="datetimeFigureOut">
               <a:rPr lang="en-US" smtClean="0"/>
-              <a:t>03-Dec-18</a:t>
+              <a:t>12/26/18</a:t>
             </a:fld>
             <a:endParaRPr lang="en-US"/>
           </a:p>
@@ -3000,7 +3000,7 @@
           <a:p>
             <a:fld id="{04F1D4A2-813C-F741-B481-C92B3A596030}" type="datetimeFigureOut">
               <a:rPr lang="en-US" smtClean="0"/>
-              <a:t>03-Dec-18</a:t>
+              <a:t>12/26/18</a:t>
             </a:fld>
             <a:endParaRPr lang="en-US"/>
           </a:p>
@@ -3213,7 +3213,7 @@
           <a:p>
             <a:fld id="{04F1D4A2-813C-F741-B481-C92B3A596030}" type="datetimeFigureOut">
               <a:rPr lang="en-US" smtClean="0"/>
-              <a:t>03-Dec-18</a:t>
+              <a:t>12/26/18</a:t>
             </a:fld>
             <a:endParaRPr lang="en-US"/>
           </a:p>
@@ -3688,7 +3688,15 @@
             <a:pPr algn="r"/>
             <a:r>
               <a:rPr lang="en-US" dirty="0" smtClean="0"/>
-              <a:t>Dr. Andrea </a:t>
+              <a:t>Prof</a:t>
+            </a:r>
+            <a:r>
+              <a:rPr lang="en-US" dirty="0" smtClean="0"/>
+              <a:t>. </a:t>
+            </a:r>
+            <a:r>
+              <a:rPr lang="en-US" dirty="0" smtClean="0"/>
+              <a:t>Andrea </a:t>
             </a:r>
             <a:r>
               <a:rPr lang="en-US" dirty="0" err="1" smtClean="0"/>
@@ -4508,10 +4516,14 @@
           <a:p>
             <a:r>
               <a:rPr lang="en-US" dirty="0" smtClean="0"/>
-              <a:t>Can be directly inside HTML, or in separated “.</a:t>
-            </a:r>
-            <a:r>
-              <a:rPr lang="en-US" dirty="0" err="1" smtClean="0"/>
+              <a:t>Can be directly inside HTML, or in separated “</a:t>
+            </a:r>
+            <a:r>
+              <a:rPr lang="en-US" i="1" dirty="0" smtClean="0"/>
+              <a:t>.</a:t>
+            </a:r>
+            <a:r>
+              <a:rPr lang="en-US" i="1" dirty="0" err="1" smtClean="0"/>
               <a:t>js</a:t>
             </a:r>
             <a:r>
@@ -4541,13 +4553,8 @@
             </a:r>
             <a:r>
               <a:rPr lang="en-US" dirty="0" smtClean="0"/>
-              <a:t>, using build tools like </a:t>
-            </a:r>
-            <a:r>
-              <a:rPr lang="en-US" dirty="0" smtClean="0"/>
-              <a:t>NPM/YARN</a:t>
-            </a:r>
-            <a:endParaRPr lang="en-US" dirty="0" smtClean="0"/>
+              <a:t>, using build tools like NPM/YARN</a:t>
+            </a:r>
           </a:p>
           <a:p>
             <a:pPr lvl="1"/>
@@ -4953,8 +4960,16 @@
           <a:lstStyle/>
           <a:p>
             <a:r>
-              <a:rPr lang="en-US" dirty="0" smtClean="0"/>
-              <a:t>if you declare a variable like </a:t>
+              <a:rPr lang="en-US" dirty="0"/>
+              <a:t>I</a:t>
+            </a:r>
+            <a:r>
+              <a:rPr lang="en-US" dirty="0" smtClean="0"/>
+              <a:t>f </a:t>
+            </a:r>
+            <a:r>
+              <a:rPr lang="en-US" dirty="0" smtClean="0"/>
+              <a:t>you declare a variable like </a:t>
             </a:r>
             <a:r>
               <a:rPr lang="en-US" b="1" dirty="0" smtClean="0"/>
@@ -7318,11 +7333,7 @@
           <a:p>
             <a:r>
               <a:rPr lang="en-US" b="1" dirty="0" smtClean="0"/>
-              <a:t>function foo(){ </a:t>
-            </a:r>
-            <a:r>
-              <a:rPr lang="en-US" b="1" dirty="0" smtClean="0"/>
-              <a:t>return 1;}</a:t>
+              <a:t>function foo(){ return 1;}</a:t>
             </a:r>
           </a:p>
           <a:p>
@@ -7415,7 +7426,6 @@
               <a:rPr lang="en-US" dirty="0" smtClean="0"/>
               <a:t> </a:t>
             </a:r>
-            <a:endParaRPr lang="en-US" dirty="0" smtClean="0"/>
           </a:p>
           <a:p>
             <a:r>
@@ -9407,7 +9417,6 @@
               <a:rPr lang="en-US" dirty="0" smtClean="0"/>
               <a:t>YARN</a:t>
             </a:r>
-            <a:endParaRPr lang="en-US" dirty="0" smtClean="0"/>
           </a:p>
           <a:p>
             <a:r>
@@ -9551,14 +9560,11 @@
               <a:rPr lang="en-US" u="sng" dirty="0" smtClean="0">
                 <a:hlinkClick r:id="rId3"/>
               </a:rPr>
-              <a:t>github.com/arcuri82/pg6300</a:t>
+              <a:t>github.com/arcuri82/web_development_and_api_design</a:t>
             </a:r>
             <a:endParaRPr lang="en-US" u="sng" dirty="0" smtClean="0"/>
           </a:p>
           <a:p>
-            <a:pPr marL="0" indent="0">
-              <a:buNone/>
-            </a:pPr>
             <a:endParaRPr lang="en-US" dirty="0" smtClean="0"/>
           </a:p>
           <a:p>
@@ -9581,11 +9587,7 @@
           <a:p>
             <a:r>
               <a:rPr lang="en-US" dirty="0" smtClean="0"/>
-              <a:t>No book, but plenty of external links to </a:t>
-            </a:r>
-            <a:r>
-              <a:rPr lang="en-US" smtClean="0"/>
-              <a:t>study from</a:t>
+              <a:t>No book, but plenty of external links to study from</a:t>
             </a:r>
             <a:endParaRPr lang="en-US" dirty="0"/>
           </a:p>
@@ -9693,11 +9695,7 @@
             <a:pPr lvl="1"/>
             <a:r>
               <a:rPr lang="en-US" dirty="0" smtClean="0"/>
-              <a:t>client-side HTML </a:t>
-            </a:r>
-            <a:r>
-              <a:rPr lang="en-US" dirty="0" smtClean="0"/>
-              <a:t>rendering, using </a:t>
+              <a:t>client-side HTML rendering, using </a:t>
             </a:r>
             <a:r>
               <a:rPr lang="en-US" i="1" dirty="0" smtClean="0"/>
@@ -9727,11 +9725,7 @@
             </a:r>
             <a:r>
               <a:rPr lang="en-US" dirty="0" smtClean="0"/>
-              <a:t> </a:t>
-            </a:r>
-            <a:r>
-              <a:rPr lang="en-US" dirty="0" smtClean="0"/>
-              <a:t>web services</a:t>
+              <a:t> web services</a:t>
             </a:r>
           </a:p>
           <a:p>
@@ -9758,7 +9752,6 @@
               <a:rPr lang="en-US" i="1" dirty="0" smtClean="0"/>
               <a:t>Security</a:t>
             </a:r>
-            <a:endParaRPr lang="en-US" i="1" dirty="0" smtClean="0"/>
           </a:p>
           <a:p>
             <a:endParaRPr lang="en-US" dirty="0" smtClean="0"/>
@@ -9852,7 +9845,6 @@
               <a:rPr lang="en-US" dirty="0" smtClean="0"/>
               <a:t>48 hours</a:t>
             </a:r>
-            <a:endParaRPr lang="en-US" dirty="0" smtClean="0"/>
           </a:p>
           <a:p>
             <a:pPr lvl="1"/>

--- a/docs/slides/lesson_01.pptx
+++ b/docs/slides/lesson_01.pptx
@@ -6,7 +6,7 @@
     <p:sldMasterId id="2147483660" r:id="rId2"/>
   </p:sldMasterIdLst>
   <p:notesMasterIdLst>
-    <p:notesMasterId r:id="rId42"/>
+    <p:notesMasterId r:id="rId43"/>
   </p:notesMasterIdLst>
   <p:sldIdLst>
     <p:sldId id="256" r:id="rId3"/>
@@ -41,13 +41,14 @@
     <p:sldId id="363" r:id="rId32"/>
     <p:sldId id="365" r:id="rId33"/>
     <p:sldId id="346" r:id="rId34"/>
-    <p:sldId id="348" r:id="rId35"/>
-    <p:sldId id="373" r:id="rId36"/>
-    <p:sldId id="347" r:id="rId37"/>
-    <p:sldId id="349" r:id="rId38"/>
-    <p:sldId id="350" r:id="rId39"/>
-    <p:sldId id="351" r:id="rId40"/>
-    <p:sldId id="352" r:id="rId41"/>
+    <p:sldId id="374" r:id="rId35"/>
+    <p:sldId id="348" r:id="rId36"/>
+    <p:sldId id="373" r:id="rId37"/>
+    <p:sldId id="347" r:id="rId38"/>
+    <p:sldId id="349" r:id="rId39"/>
+    <p:sldId id="350" r:id="rId40"/>
+    <p:sldId id="351" r:id="rId41"/>
+    <p:sldId id="352" r:id="rId42"/>
   </p:sldIdLst>
   <p:sldSz cx="12192000" cy="6858000"/>
   <p:notesSz cx="6858000" cy="9144000"/>
@@ -236,7 +237,7 @@
           <a:p>
             <a:fld id="{9B5B52BA-3295-0343-9E28-A260A811DD10}" type="datetimeFigureOut">
               <a:rPr lang="en-US" smtClean="0"/>
-              <a:t>02-Dec-19</a:t>
+              <a:t>12/8/19</a:t>
             </a:fld>
             <a:endParaRPr lang="en-US"/>
           </a:p>
@@ -300,38 +301,37 @@
           <a:p>
             <a:pPr lvl="0"/>
             <a:r>
-              <a:rPr lang="en-US" smtClean="0"/>
+              <a:rPr lang="en-US"/>
               <a:t>Click to edit Master text styles</a:t>
             </a:r>
           </a:p>
           <a:p>
             <a:pPr lvl="1"/>
             <a:r>
-              <a:rPr lang="en-US" smtClean="0"/>
+              <a:rPr lang="en-US"/>
               <a:t>Second level</a:t>
             </a:r>
           </a:p>
           <a:p>
             <a:pPr lvl="2"/>
             <a:r>
-              <a:rPr lang="en-US" smtClean="0"/>
+              <a:rPr lang="en-US"/>
               <a:t>Third level</a:t>
             </a:r>
           </a:p>
           <a:p>
             <a:pPr lvl="3"/>
             <a:r>
-              <a:rPr lang="en-US" smtClean="0"/>
+              <a:rPr lang="en-US"/>
               <a:t>Fourth level</a:t>
             </a:r>
           </a:p>
           <a:p>
             <a:pPr lvl="4"/>
             <a:r>
-              <a:rPr lang="en-US" smtClean="0"/>
+              <a:rPr lang="en-US"/>
               <a:t>Fifth level</a:t>
             </a:r>
-            <a:endParaRPr lang="en-US"/>
           </a:p>
         </p:txBody>
       </p:sp>
@@ -798,10 +798,9 @@
           </a:lstStyle>
           <a:p>
             <a:r>
-              <a:rPr lang="en-US" dirty="0" smtClean="0"/>
+              <a:rPr lang="en-US" dirty="0"/>
               <a:t>Click to edit Master title style</a:t>
             </a:r>
-            <a:endParaRPr lang="en-US" dirty="0"/>
           </a:p>
         </p:txBody>
       </p:sp>
@@ -863,10 +862,9 @@
           </a:lstStyle>
           <a:p>
             <a:r>
-              <a:rPr lang="en-US" dirty="0" smtClean="0"/>
+              <a:rPr lang="en-US" dirty="0"/>
               <a:t>Click to edit Master subtitle style</a:t>
             </a:r>
-            <a:endParaRPr lang="en-US" dirty="0"/>
           </a:p>
         </p:txBody>
       </p:sp>
@@ -887,7 +885,7 @@
           <a:p>
             <a:fld id="{04F1D4A2-813C-F741-B481-C92B3A596030}" type="datetimeFigureOut">
               <a:rPr lang="en-US" smtClean="0"/>
-              <a:t>02-Dec-19</a:t>
+              <a:t>12/8/19</a:t>
             </a:fld>
             <a:endParaRPr lang="en-US"/>
           </a:p>
@@ -981,10 +979,9 @@
           <a:lstStyle/>
           <a:p>
             <a:r>
-              <a:rPr lang="en-US" smtClean="0"/>
+              <a:rPr lang="en-US"/>
               <a:t>Click to edit Master title style</a:t>
             </a:r>
-            <a:endParaRPr lang="en-US"/>
           </a:p>
         </p:txBody>
       </p:sp>
@@ -1005,38 +1002,37 @@
           <a:p>
             <a:pPr lvl="0"/>
             <a:r>
-              <a:rPr lang="en-US" smtClean="0"/>
+              <a:rPr lang="en-US"/>
               <a:t>Click to edit Master text styles</a:t>
             </a:r>
           </a:p>
           <a:p>
             <a:pPr lvl="1"/>
             <a:r>
-              <a:rPr lang="en-US" smtClean="0"/>
+              <a:rPr lang="en-US"/>
               <a:t>Second level</a:t>
             </a:r>
           </a:p>
           <a:p>
             <a:pPr lvl="2"/>
             <a:r>
-              <a:rPr lang="en-US" smtClean="0"/>
+              <a:rPr lang="en-US"/>
               <a:t>Third level</a:t>
             </a:r>
           </a:p>
           <a:p>
             <a:pPr lvl="3"/>
             <a:r>
-              <a:rPr lang="en-US" smtClean="0"/>
+              <a:rPr lang="en-US"/>
               <a:t>Fourth level</a:t>
             </a:r>
           </a:p>
           <a:p>
             <a:pPr lvl="4"/>
             <a:r>
-              <a:rPr lang="en-US" smtClean="0"/>
+              <a:rPr lang="en-US"/>
               <a:t>Fifth level</a:t>
             </a:r>
-            <a:endParaRPr lang="en-US"/>
           </a:p>
         </p:txBody>
       </p:sp>
@@ -1057,7 +1053,7 @@
           <a:p>
             <a:fld id="{04F1D4A2-813C-F741-B481-C92B3A596030}" type="datetimeFigureOut">
               <a:rPr lang="en-US" smtClean="0"/>
-              <a:t>02-Dec-19</a:t>
+              <a:t>12/8/19</a:t>
             </a:fld>
             <a:endParaRPr lang="en-US"/>
           </a:p>
@@ -1156,10 +1152,9 @@
           <a:lstStyle/>
           <a:p>
             <a:r>
-              <a:rPr lang="en-US" smtClean="0"/>
+              <a:rPr lang="en-US"/>
               <a:t>Click to edit Master title style</a:t>
             </a:r>
-            <a:endParaRPr lang="en-US"/>
           </a:p>
         </p:txBody>
       </p:sp>
@@ -1185,38 +1180,37 @@
           <a:p>
             <a:pPr lvl="0"/>
             <a:r>
-              <a:rPr lang="en-US" smtClean="0"/>
+              <a:rPr lang="en-US"/>
               <a:t>Click to edit Master text styles</a:t>
             </a:r>
           </a:p>
           <a:p>
             <a:pPr lvl="1"/>
             <a:r>
-              <a:rPr lang="en-US" smtClean="0"/>
+              <a:rPr lang="en-US"/>
               <a:t>Second level</a:t>
             </a:r>
           </a:p>
           <a:p>
             <a:pPr lvl="2"/>
             <a:r>
-              <a:rPr lang="en-US" smtClean="0"/>
+              <a:rPr lang="en-US"/>
               <a:t>Third level</a:t>
             </a:r>
           </a:p>
           <a:p>
             <a:pPr lvl="3"/>
             <a:r>
-              <a:rPr lang="en-US" smtClean="0"/>
+              <a:rPr lang="en-US"/>
               <a:t>Fourth level</a:t>
             </a:r>
           </a:p>
           <a:p>
             <a:pPr lvl="4"/>
             <a:r>
-              <a:rPr lang="en-US" smtClean="0"/>
+              <a:rPr lang="en-US"/>
               <a:t>Fifth level</a:t>
             </a:r>
-            <a:endParaRPr lang="en-US"/>
           </a:p>
         </p:txBody>
       </p:sp>
@@ -1237,7 +1231,7 @@
           <a:p>
             <a:fld id="{04F1D4A2-813C-F741-B481-C92B3A596030}" type="datetimeFigureOut">
               <a:rPr lang="en-US" smtClean="0"/>
-              <a:t>02-Dec-19</a:t>
+              <a:t>12/8/19</a:t>
             </a:fld>
             <a:endParaRPr lang="en-US"/>
           </a:p>
@@ -2682,10 +2676,9 @@
           </a:lstStyle>
           <a:p>
             <a:r>
-              <a:rPr lang="en-US" dirty="0" smtClean="0"/>
+              <a:rPr lang="en-US" dirty="0"/>
               <a:t>Click to edit Master title style</a:t>
             </a:r>
-            <a:endParaRPr lang="en-US" dirty="0"/>
           </a:p>
         </p:txBody>
       </p:sp>
@@ -2713,38 +2706,37 @@
           <a:p>
             <a:pPr lvl="0"/>
             <a:r>
-              <a:rPr lang="en-US" dirty="0" smtClean="0"/>
+              <a:rPr lang="en-US" dirty="0"/>
               <a:t>Click to edit Master text styles</a:t>
             </a:r>
           </a:p>
           <a:p>
             <a:pPr lvl="1"/>
             <a:r>
-              <a:rPr lang="en-US" dirty="0" smtClean="0"/>
+              <a:rPr lang="en-US" dirty="0"/>
               <a:t>Second level</a:t>
             </a:r>
           </a:p>
           <a:p>
             <a:pPr lvl="2"/>
             <a:r>
-              <a:rPr lang="en-US" dirty="0" smtClean="0"/>
+              <a:rPr lang="en-US" dirty="0"/>
               <a:t>Third level</a:t>
             </a:r>
           </a:p>
           <a:p>
             <a:pPr lvl="3"/>
             <a:r>
-              <a:rPr lang="en-US" dirty="0" smtClean="0"/>
+              <a:rPr lang="en-US" dirty="0"/>
               <a:t>Fourth level</a:t>
             </a:r>
           </a:p>
           <a:p>
             <a:pPr lvl="4"/>
             <a:r>
-              <a:rPr lang="en-US" dirty="0" smtClean="0"/>
+              <a:rPr lang="en-US" dirty="0"/>
               <a:t>Fifth level</a:t>
             </a:r>
-            <a:endParaRPr lang="en-US" dirty="0"/>
           </a:p>
         </p:txBody>
       </p:sp>
@@ -2765,7 +2757,7 @@
           <a:p>
             <a:fld id="{04F1D4A2-813C-F741-B481-C92B3A596030}" type="datetimeFigureOut">
               <a:rPr lang="en-US" smtClean="0"/>
-              <a:t>02-Dec-19</a:t>
+              <a:t>12/8/19</a:t>
             </a:fld>
             <a:endParaRPr lang="en-US"/>
           </a:p>
@@ -3427,7 +3419,7 @@
                 <a:sym typeface="Helvetica Light"/>
               </a:rPr>
               <a:pPr algn="ctr" defTabSz="410751" hangingPunct="0"/>
-              <a:t>02-Dec-19</a:t>
+              <a:t>12/8/19</a:t>
             </a:fld>
             <a:endParaRPr lang="en-US" sz="2531" kern="0">
               <a:solidFill>
@@ -3558,10 +3550,9 @@
           </a:lstStyle>
           <a:p>
             <a:r>
-              <a:rPr lang="en-US" smtClean="0"/>
+              <a:rPr lang="en-US"/>
               <a:t>Click to edit Master title style</a:t>
             </a:r>
-            <a:endParaRPr lang="en-US"/>
           </a:p>
         </p:txBody>
       </p:sp>
@@ -3678,7 +3669,7 @@
           <a:p>
             <a:pPr lvl="0"/>
             <a:r>
-              <a:rPr lang="en-US" smtClean="0"/>
+              <a:rPr lang="en-US"/>
               <a:t>Click to edit Master text styles</a:t>
             </a:r>
           </a:p>
@@ -3701,7 +3692,7 @@
           <a:p>
             <a:fld id="{04F1D4A2-813C-F741-B481-C92B3A596030}" type="datetimeFigureOut">
               <a:rPr lang="en-US" smtClean="0"/>
-              <a:t>02-Dec-19</a:t>
+              <a:t>12/8/19</a:t>
             </a:fld>
             <a:endParaRPr lang="en-US"/>
           </a:p>
@@ -3795,10 +3786,9 @@
           <a:lstStyle/>
           <a:p>
             <a:r>
-              <a:rPr lang="en-US" smtClean="0"/>
+              <a:rPr lang="en-US"/>
               <a:t>Click to edit Master title style</a:t>
             </a:r>
-            <a:endParaRPr lang="en-US"/>
           </a:p>
         </p:txBody>
       </p:sp>
@@ -3824,38 +3814,37 @@
           <a:p>
             <a:pPr lvl="0"/>
             <a:r>
-              <a:rPr lang="en-US" smtClean="0"/>
+              <a:rPr lang="en-US"/>
               <a:t>Click to edit Master text styles</a:t>
             </a:r>
           </a:p>
           <a:p>
             <a:pPr lvl="1"/>
             <a:r>
-              <a:rPr lang="en-US" smtClean="0"/>
+              <a:rPr lang="en-US"/>
               <a:t>Second level</a:t>
             </a:r>
           </a:p>
           <a:p>
             <a:pPr lvl="2"/>
             <a:r>
-              <a:rPr lang="en-US" smtClean="0"/>
+              <a:rPr lang="en-US"/>
               <a:t>Third level</a:t>
             </a:r>
           </a:p>
           <a:p>
             <a:pPr lvl="3"/>
             <a:r>
-              <a:rPr lang="en-US" smtClean="0"/>
+              <a:rPr lang="en-US"/>
               <a:t>Fourth level</a:t>
             </a:r>
           </a:p>
           <a:p>
             <a:pPr lvl="4"/>
             <a:r>
-              <a:rPr lang="en-US" smtClean="0"/>
+              <a:rPr lang="en-US"/>
               <a:t>Fifth level</a:t>
             </a:r>
-            <a:endParaRPr lang="en-US"/>
           </a:p>
         </p:txBody>
       </p:sp>
@@ -3881,38 +3870,37 @@
           <a:p>
             <a:pPr lvl="0"/>
             <a:r>
-              <a:rPr lang="en-US" smtClean="0"/>
+              <a:rPr lang="en-US"/>
               <a:t>Click to edit Master text styles</a:t>
             </a:r>
           </a:p>
           <a:p>
             <a:pPr lvl="1"/>
             <a:r>
-              <a:rPr lang="en-US" smtClean="0"/>
+              <a:rPr lang="en-US"/>
               <a:t>Second level</a:t>
             </a:r>
           </a:p>
           <a:p>
             <a:pPr lvl="2"/>
             <a:r>
-              <a:rPr lang="en-US" smtClean="0"/>
+              <a:rPr lang="en-US"/>
               <a:t>Third level</a:t>
             </a:r>
           </a:p>
           <a:p>
             <a:pPr lvl="3"/>
             <a:r>
-              <a:rPr lang="en-US" smtClean="0"/>
+              <a:rPr lang="en-US"/>
               <a:t>Fourth level</a:t>
             </a:r>
           </a:p>
           <a:p>
             <a:pPr lvl="4"/>
             <a:r>
-              <a:rPr lang="en-US" smtClean="0"/>
+              <a:rPr lang="en-US"/>
               <a:t>Fifth level</a:t>
             </a:r>
-            <a:endParaRPr lang="en-US"/>
           </a:p>
         </p:txBody>
       </p:sp>
@@ -3933,7 +3921,7 @@
           <a:p>
             <a:fld id="{04F1D4A2-813C-F741-B481-C92B3A596030}" type="datetimeFigureOut">
               <a:rPr lang="en-US" smtClean="0"/>
-              <a:t>02-Dec-19</a:t>
+              <a:t>12/8/19</a:t>
             </a:fld>
             <a:endParaRPr lang="en-US"/>
           </a:p>
@@ -4032,10 +4020,9 @@
           <a:lstStyle/>
           <a:p>
             <a:r>
-              <a:rPr lang="en-US" smtClean="0"/>
+              <a:rPr lang="en-US"/>
               <a:t>Click to edit Master title style</a:t>
             </a:r>
-            <a:endParaRPr lang="en-US"/>
           </a:p>
         </p:txBody>
       </p:sp>
@@ -4098,7 +4085,7 @@
           <a:p>
             <a:pPr lvl="0"/>
             <a:r>
-              <a:rPr lang="en-US" smtClean="0"/>
+              <a:rPr lang="en-US"/>
               <a:t>Click to edit Master text styles</a:t>
             </a:r>
           </a:p>
@@ -4126,38 +4113,37 @@
           <a:p>
             <a:pPr lvl="0"/>
             <a:r>
-              <a:rPr lang="en-US" smtClean="0"/>
+              <a:rPr lang="en-US"/>
               <a:t>Click to edit Master text styles</a:t>
             </a:r>
           </a:p>
           <a:p>
             <a:pPr lvl="1"/>
             <a:r>
-              <a:rPr lang="en-US" smtClean="0"/>
+              <a:rPr lang="en-US"/>
               <a:t>Second level</a:t>
             </a:r>
           </a:p>
           <a:p>
             <a:pPr lvl="2"/>
             <a:r>
-              <a:rPr lang="en-US" smtClean="0"/>
+              <a:rPr lang="en-US"/>
               <a:t>Third level</a:t>
             </a:r>
           </a:p>
           <a:p>
             <a:pPr lvl="3"/>
             <a:r>
-              <a:rPr lang="en-US" smtClean="0"/>
+              <a:rPr lang="en-US"/>
               <a:t>Fourth level</a:t>
             </a:r>
           </a:p>
           <a:p>
             <a:pPr lvl="4"/>
             <a:r>
-              <a:rPr lang="en-US" smtClean="0"/>
+              <a:rPr lang="en-US"/>
               <a:t>Fifth level</a:t>
             </a:r>
-            <a:endParaRPr lang="en-US"/>
           </a:p>
         </p:txBody>
       </p:sp>
@@ -4220,7 +4206,7 @@
           <a:p>
             <a:pPr lvl="0"/>
             <a:r>
-              <a:rPr lang="en-US" smtClean="0"/>
+              <a:rPr lang="en-US"/>
               <a:t>Click to edit Master text styles</a:t>
             </a:r>
           </a:p>
@@ -4248,38 +4234,37 @@
           <a:p>
             <a:pPr lvl="0"/>
             <a:r>
-              <a:rPr lang="en-US" smtClean="0"/>
+              <a:rPr lang="en-US"/>
               <a:t>Click to edit Master text styles</a:t>
             </a:r>
           </a:p>
           <a:p>
             <a:pPr lvl="1"/>
             <a:r>
-              <a:rPr lang="en-US" smtClean="0"/>
+              <a:rPr lang="en-US"/>
               <a:t>Second level</a:t>
             </a:r>
           </a:p>
           <a:p>
             <a:pPr lvl="2"/>
             <a:r>
-              <a:rPr lang="en-US" smtClean="0"/>
+              <a:rPr lang="en-US"/>
               <a:t>Third level</a:t>
             </a:r>
           </a:p>
           <a:p>
             <a:pPr lvl="3"/>
             <a:r>
-              <a:rPr lang="en-US" smtClean="0"/>
+              <a:rPr lang="en-US"/>
               <a:t>Fourth level</a:t>
             </a:r>
           </a:p>
           <a:p>
             <a:pPr lvl="4"/>
             <a:r>
-              <a:rPr lang="en-US" smtClean="0"/>
+              <a:rPr lang="en-US"/>
               <a:t>Fifth level</a:t>
             </a:r>
-            <a:endParaRPr lang="en-US"/>
           </a:p>
         </p:txBody>
       </p:sp>
@@ -4300,7 +4285,7 @@
           <a:p>
             <a:fld id="{04F1D4A2-813C-F741-B481-C92B3A596030}" type="datetimeFigureOut">
               <a:rPr lang="en-US" smtClean="0"/>
-              <a:t>02-Dec-19</a:t>
+              <a:t>12/8/19</a:t>
             </a:fld>
             <a:endParaRPr lang="en-US"/>
           </a:p>
@@ -4394,10 +4379,9 @@
           <a:lstStyle/>
           <a:p>
             <a:r>
-              <a:rPr lang="en-US" smtClean="0"/>
+              <a:rPr lang="en-US"/>
               <a:t>Click to edit Master title style</a:t>
             </a:r>
-            <a:endParaRPr lang="en-US"/>
           </a:p>
         </p:txBody>
       </p:sp>
@@ -4418,7 +4402,7 @@
           <a:p>
             <a:fld id="{04F1D4A2-813C-F741-B481-C92B3A596030}" type="datetimeFigureOut">
               <a:rPr lang="en-US" smtClean="0"/>
-              <a:t>02-Dec-19</a:t>
+              <a:t>12/8/19</a:t>
             </a:fld>
             <a:endParaRPr lang="en-US"/>
           </a:p>
@@ -4513,7 +4497,7 @@
           <a:p>
             <a:fld id="{04F1D4A2-813C-F741-B481-C92B3A596030}" type="datetimeFigureOut">
               <a:rPr lang="en-US" smtClean="0"/>
-              <a:t>02-Dec-19</a:t>
+              <a:t>12/8/19</a:t>
             </a:fld>
             <a:endParaRPr lang="en-US"/>
           </a:p>
@@ -4616,10 +4600,9 @@
           </a:lstStyle>
           <a:p>
             <a:r>
-              <a:rPr lang="en-US" smtClean="0"/>
+              <a:rPr lang="en-US"/>
               <a:t>Click to edit Master title style</a:t>
             </a:r>
-            <a:endParaRPr lang="en-US"/>
           </a:p>
         </p:txBody>
       </p:sp>
@@ -4673,38 +4656,37 @@
           <a:p>
             <a:pPr lvl="0"/>
             <a:r>
-              <a:rPr lang="en-US" smtClean="0"/>
+              <a:rPr lang="en-US"/>
               <a:t>Click to edit Master text styles</a:t>
             </a:r>
           </a:p>
           <a:p>
             <a:pPr lvl="1"/>
             <a:r>
-              <a:rPr lang="en-US" smtClean="0"/>
+              <a:rPr lang="en-US"/>
               <a:t>Second level</a:t>
             </a:r>
           </a:p>
           <a:p>
             <a:pPr lvl="2"/>
             <a:r>
-              <a:rPr lang="en-US" smtClean="0"/>
+              <a:rPr lang="en-US"/>
               <a:t>Third level</a:t>
             </a:r>
           </a:p>
           <a:p>
             <a:pPr lvl="3"/>
             <a:r>
-              <a:rPr lang="en-US" smtClean="0"/>
+              <a:rPr lang="en-US"/>
               <a:t>Fourth level</a:t>
             </a:r>
           </a:p>
           <a:p>
             <a:pPr lvl="4"/>
             <a:r>
-              <a:rPr lang="en-US" smtClean="0"/>
+              <a:rPr lang="en-US"/>
               <a:t>Fifth level</a:t>
             </a:r>
-            <a:endParaRPr lang="en-US"/>
           </a:p>
         </p:txBody>
       </p:sp>
@@ -4767,7 +4749,7 @@
           <a:p>
             <a:pPr lvl="0"/>
             <a:r>
-              <a:rPr lang="en-US" smtClean="0"/>
+              <a:rPr lang="en-US"/>
               <a:t>Click to edit Master text styles</a:t>
             </a:r>
           </a:p>
@@ -4790,7 +4772,7 @@
           <a:p>
             <a:fld id="{04F1D4A2-813C-F741-B481-C92B3A596030}" type="datetimeFigureOut">
               <a:rPr lang="en-US" smtClean="0"/>
-              <a:t>02-Dec-19</a:t>
+              <a:t>12/8/19</a:t>
             </a:fld>
             <a:endParaRPr lang="en-US"/>
           </a:p>
@@ -4893,10 +4875,9 @@
           </a:lstStyle>
           <a:p>
             <a:r>
-              <a:rPr lang="en-US" smtClean="0"/>
+              <a:rPr lang="en-US"/>
               <a:t>Click to edit Master title style</a:t>
             </a:r>
-            <a:endParaRPr lang="en-US"/>
           </a:p>
         </p:txBody>
       </p:sp>
@@ -5020,7 +5001,7 @@
           <a:p>
             <a:pPr lvl="0"/>
             <a:r>
-              <a:rPr lang="en-US" smtClean="0"/>
+              <a:rPr lang="en-US"/>
               <a:t>Click to edit Master text styles</a:t>
             </a:r>
           </a:p>
@@ -5043,7 +5024,7 @@
           <a:p>
             <a:fld id="{04F1D4A2-813C-F741-B481-C92B3A596030}" type="datetimeFigureOut">
               <a:rPr lang="en-US" smtClean="0"/>
-              <a:t>02-Dec-19</a:t>
+              <a:t>12/8/19</a:t>
             </a:fld>
             <a:endParaRPr lang="en-US"/>
           </a:p>
@@ -5152,10 +5133,9 @@
           <a:lstStyle/>
           <a:p>
             <a:r>
-              <a:rPr lang="en-US" dirty="0" smtClean="0"/>
+              <a:rPr lang="en-US" dirty="0"/>
               <a:t>Click to edit Master title style</a:t>
             </a:r>
-            <a:endParaRPr lang="en-US" dirty="0"/>
           </a:p>
         </p:txBody>
       </p:sp>
@@ -5186,38 +5166,37 @@
           <a:p>
             <a:pPr lvl="0"/>
             <a:r>
-              <a:rPr lang="en-US" smtClean="0"/>
+              <a:rPr lang="en-US"/>
               <a:t>Click to edit Master text styles</a:t>
             </a:r>
           </a:p>
           <a:p>
             <a:pPr lvl="1"/>
             <a:r>
-              <a:rPr lang="en-US" smtClean="0"/>
+              <a:rPr lang="en-US"/>
               <a:t>Second level</a:t>
             </a:r>
           </a:p>
           <a:p>
             <a:pPr lvl="2"/>
             <a:r>
-              <a:rPr lang="en-US" smtClean="0"/>
+              <a:rPr lang="en-US"/>
               <a:t>Third level</a:t>
             </a:r>
           </a:p>
           <a:p>
             <a:pPr lvl="3"/>
             <a:r>
-              <a:rPr lang="en-US" smtClean="0"/>
+              <a:rPr lang="en-US"/>
               <a:t>Fourth level</a:t>
             </a:r>
           </a:p>
           <a:p>
             <a:pPr lvl="4"/>
             <a:r>
-              <a:rPr lang="en-US" smtClean="0"/>
+              <a:rPr lang="en-US"/>
               <a:t>Fifth level</a:t>
             </a:r>
-            <a:endParaRPr lang="en-US"/>
           </a:p>
         </p:txBody>
       </p:sp>
@@ -5256,7 +5235,7 @@
           <a:p>
             <a:fld id="{04F1D4A2-813C-F741-B481-C92B3A596030}" type="datetimeFigureOut">
               <a:rPr lang="en-US" smtClean="0"/>
-              <a:t>02-Dec-19</a:t>
+              <a:t>12/8/19</a:t>
             </a:fld>
             <a:endParaRPr lang="en-US"/>
           </a:p>
@@ -5692,7 +5671,7 @@
           </a:ln>
           <a:extLst>
             <a:ext uri="{C572A759-6A51-4108-AA02-DFA0A04FC94B}">
-              <ma14:wrappingTextBoxFlag xmlns="" xmlns:ma14="http://schemas.microsoft.com/office/mac/drawingml/2011/main" val="1"/>
+              <ma14:wrappingTextBoxFlag xmlns:ma14="http://schemas.microsoft.com/office/mac/drawingml/2011/main" xmlns="" val="1"/>
             </a:ext>
           </a:extLst>
         </p:spPr>
@@ -5731,7 +5710,7 @@
           </a:ln>
           <a:extLst>
             <a:ext uri="{C572A759-6A51-4108-AA02-DFA0A04FC94B}">
-              <ma14:wrappingTextBoxFlag xmlns="" xmlns:ma14="http://schemas.microsoft.com/office/mac/drawingml/2011/main" val="1"/>
+              <ma14:wrappingTextBoxFlag xmlns:ma14="http://schemas.microsoft.com/office/mac/drawingml/2011/main" xmlns="" val="1"/>
             </a:ext>
           </a:extLst>
         </p:spPr>
@@ -6682,24 +6661,19 @@
           <a:p>
             <a:pPr algn="l"/>
             <a:r>
-              <a:rPr lang="en-US" sz="6600" dirty="0" smtClean="0"/>
+              <a:rPr lang="en-US" sz="6600" dirty="0"/>
               <a:t>Web Development and API Design</a:t>
             </a:r>
             <a:br>
-              <a:rPr lang="en-US" sz="6600" dirty="0" smtClean="0"/>
+              <a:rPr lang="en-US" sz="6600" dirty="0"/>
             </a:br>
-            <a:r>
-              <a:rPr lang="en-US" sz="6600" dirty="0" smtClean="0"/>
-              <a:t/>
-            </a:r>
             <a:br>
-              <a:rPr lang="en-US" sz="6600" dirty="0" smtClean="0"/>
+              <a:rPr lang="en-US" sz="6600" dirty="0"/>
             </a:br>
             <a:r>
-              <a:rPr lang="en-US" sz="6600" dirty="0" smtClean="0"/>
+              <a:rPr lang="en-US" sz="6600" dirty="0"/>
               <a:t>Lesson 01: Introduction</a:t>
             </a:r>
-            <a:endParaRPr lang="en-US" sz="6600" dirty="0"/>
           </a:p>
         </p:txBody>
       </p:sp>
@@ -6727,14 +6701,14 @@
           <a:p>
             <a:pPr algn="r"/>
             <a:r>
-              <a:rPr lang="en-US" dirty="0" smtClean="0"/>
+              <a:rPr lang="en-US" dirty="0"/>
               <a:t>Prof. Andrea </a:t>
             </a:r>
             <a:r>
-              <a:rPr lang="en-US" dirty="0" err="1" smtClean="0"/>
+              <a:rPr lang="en-US" dirty="0" err="1"/>
               <a:t>Arcuri</a:t>
             </a:r>
-            <a:endParaRPr lang="en-US" dirty="0" smtClean="0"/>
+            <a:endParaRPr lang="en-US" dirty="0"/>
           </a:p>
         </p:txBody>
       </p:sp>
@@ -6784,10 +6758,9 @@
           <a:lstStyle/>
           <a:p>
             <a:r>
-              <a:rPr lang="en-US" dirty="0" smtClean="0"/>
+              <a:rPr lang="en-US" dirty="0"/>
               <a:t>JavaScript</a:t>
             </a:r>
-            <a:endParaRPr lang="en-US" dirty="0"/>
           </a:p>
         </p:txBody>
       </p:sp>
@@ -6801,14 +6774,6 @@
   <p:clrMapOvr>
     <a:masterClrMapping/>
   </p:clrMapOvr>
-  <mc:AlternateContent xmlns:mc="http://schemas.openxmlformats.org/markup-compatibility/2006" xmlns:p14="http://schemas.microsoft.com/office/powerpoint/2010/main">
-    <mc:Choice Requires="p14">
-      <p:transition spd="slow" p14:dur="2000"/>
-    </mc:Choice>
-    <mc:Fallback xmlns="">
-      <p:transition spd="slow"/>
-    </mc:Fallback>
-  </mc:AlternateContent>
 </p:sld>
 </file>
 
@@ -6845,10 +6810,9 @@
           <a:lstStyle/>
           <a:p>
             <a:r>
-              <a:rPr lang="en-US" dirty="0" smtClean="0"/>
+              <a:rPr lang="en-US" dirty="0"/>
               <a:t>JavaScript</a:t>
             </a:r>
-            <a:endParaRPr lang="en-US" dirty="0"/>
           </a:p>
         </p:txBody>
       </p:sp>
@@ -6882,21 +6846,17 @@
           <a:p>
             <a:r>
               <a:rPr lang="en-US" dirty="0"/>
-              <a:t>Programming language executed in the </a:t>
-            </a:r>
-            <a:r>
-              <a:rPr lang="en-US" dirty="0" smtClean="0"/>
-              <a:t>browser</a:t>
+              <a:t>Programming language executed in the browser</a:t>
             </a:r>
           </a:p>
           <a:p>
             <a:pPr lvl="1"/>
             <a:r>
-              <a:rPr lang="en-US" dirty="0" smtClean="0"/>
+              <a:rPr lang="en-US" dirty="0"/>
               <a:t>but now also on the server with </a:t>
             </a:r>
             <a:r>
-              <a:rPr lang="en-US" i="1" dirty="0" err="1" smtClean="0"/>
+              <a:rPr lang="en-US" i="1" dirty="0" err="1"/>
               <a:t>NodeJS</a:t>
             </a:r>
             <a:endParaRPr lang="en-US" i="1" dirty="0"/>
@@ -6988,13 +6948,8 @@
           <a:p>
             <a:r>
               <a:rPr lang="en-US" dirty="0"/>
-              <a:t>JavaScript is King on </a:t>
-            </a:r>
-            <a:r>
-              <a:rPr lang="en-US" dirty="0" smtClean="0"/>
-              <a:t>the Browser </a:t>
-            </a:r>
-            <a:endParaRPr lang="en-US" dirty="0"/>
+              <a:t>JavaScript is King on the Browser </a:t>
+            </a:r>
           </a:p>
         </p:txBody>
       </p:sp>
@@ -7184,29 +7139,25 @@
             </a:r>
             <a:r>
               <a:rPr lang="en-US" dirty="0"/>
-              <a:t> </a:t>
-            </a:r>
-            <a:r>
-              <a:rPr lang="en-US" dirty="0" smtClean="0"/>
-              <a:t>and </a:t>
-            </a:r>
-            <a:r>
-              <a:rPr lang="en-US" i="1" dirty="0" err="1" smtClean="0"/>
+              <a:t> and </a:t>
+            </a:r>
+            <a:r>
+              <a:rPr lang="en-US" i="1" dirty="0" err="1"/>
               <a:t>Kotlin</a:t>
             </a:r>
-            <a:endParaRPr lang="en-US" i="1" dirty="0" smtClean="0"/>
-          </a:p>
-          <a:p>
-            <a:r>
-              <a:rPr lang="en-US" dirty="0" smtClean="0"/>
+            <a:endParaRPr lang="en-US" i="1" dirty="0"/>
+          </a:p>
+          <a:p>
+            <a:r>
+              <a:rPr lang="en-US" dirty="0"/>
               <a:t>… and </a:t>
             </a:r>
             <a:r>
-              <a:rPr lang="en-US" i="1" dirty="0" err="1" smtClean="0"/>
+              <a:rPr lang="en-US" i="1" dirty="0" err="1"/>
               <a:t>WebAssembly</a:t>
             </a:r>
             <a:r>
-              <a:rPr lang="en-US" dirty="0" smtClean="0"/>
+              <a:rPr lang="en-US" dirty="0"/>
               <a:t> might (hopefully) replace JS one day…</a:t>
             </a:r>
           </a:p>
@@ -7299,10 +7250,9 @@
           <a:lstStyle/>
           <a:p>
             <a:r>
-              <a:rPr lang="en-US" dirty="0" smtClean="0"/>
+              <a:rPr lang="en-US" dirty="0"/>
               <a:t>Videos</a:t>
             </a:r>
-            <a:endParaRPr lang="en-US" dirty="0"/>
           </a:p>
         </p:txBody>
       </p:sp>
@@ -7325,15 +7275,9 @@
               <a:rPr lang="en-US" dirty="0">
                 <a:hlinkClick r:id="rId2"/>
               </a:rPr>
-              <a:t>https://</a:t>
-            </a:r>
-            <a:r>
-              <a:rPr lang="en-US" dirty="0" smtClean="0">
-                <a:hlinkClick r:id="rId2"/>
-              </a:rPr>
-              <a:t>www.destroyallsoftware.com/talks/wat</a:t>
-            </a:r>
-            <a:endParaRPr lang="en-US" dirty="0" smtClean="0"/>
+              <a:t>https://www.destroyallsoftware.com/talks/wat</a:t>
+            </a:r>
+            <a:endParaRPr lang="en-US" dirty="0"/>
           </a:p>
           <a:p>
             <a:pPr marL="0" indent="0">
@@ -7343,24 +7287,12 @@
           </a:p>
           <a:p>
             <a:r>
-              <a:rPr lang="en-US" dirty="0" smtClean="0">
-                <a:hlinkClick r:id="rId3"/>
-              </a:rPr>
-              <a:t>https</a:t>
-            </a:r>
-            <a:r>
               <a:rPr lang="en-US" dirty="0">
                 <a:hlinkClick r:id="rId3"/>
               </a:rPr>
-              <a:t>://</a:t>
-            </a:r>
-            <a:r>
-              <a:rPr lang="en-US" dirty="0" smtClean="0">
-                <a:hlinkClick r:id="rId3"/>
-              </a:rPr>
-              <a:t>www.youtube.com/watch?v=EtoMN_xi-AM</a:t>
-            </a:r>
-            <a:endParaRPr lang="en-US" dirty="0" smtClean="0"/>
+              <a:t>https://www.youtube.com/watch?v=EtoMN_xi-AM</a:t>
+            </a:r>
+            <a:endParaRPr lang="en-US" dirty="0"/>
           </a:p>
           <a:p>
             <a:pPr marL="0" indent="0">
@@ -7416,10 +7348,9 @@
           <a:lstStyle/>
           <a:p>
             <a:r>
-              <a:rPr lang="en-US" dirty="0" smtClean="0"/>
+              <a:rPr lang="en-US" dirty="0"/>
               <a:t>Main Characteristics</a:t>
             </a:r>
-            <a:endParaRPr lang="en-US" dirty="0"/>
           </a:p>
         </p:txBody>
       </p:sp>
@@ -7446,109 +7377,104 @@
           <a:lstStyle/>
           <a:p>
             <a:r>
-              <a:rPr lang="en-US" b="1" dirty="0" smtClean="0"/>
+              <a:rPr lang="en-US" b="1" dirty="0"/>
               <a:t>Interpreted</a:t>
             </a:r>
             <a:r>
-              <a:rPr lang="en-US" dirty="0" smtClean="0"/>
+              <a:rPr lang="en-US" dirty="0"/>
               <a:t>: you do not need to compile it (</a:t>
             </a:r>
             <a:r>
-              <a:rPr lang="en-US" dirty="0" err="1" smtClean="0"/>
+              <a:rPr lang="en-US" dirty="0" err="1"/>
               <a:t>eg</a:t>
             </a:r>
             <a:r>
-              <a:rPr lang="en-US" dirty="0" smtClean="0"/>
+              <a:rPr lang="en-US" dirty="0"/>
               <a:t>, in contrast to Java which is compiled down to bytecode)</a:t>
             </a:r>
           </a:p>
           <a:p>
             <a:pPr lvl="1"/>
             <a:r>
-              <a:rPr lang="en-US" dirty="0" smtClean="0"/>
+              <a:rPr lang="en-US" dirty="0"/>
               <a:t>Note: for performance reasons, the </a:t>
             </a:r>
             <a:r>
-              <a:rPr lang="en-US" i="1" dirty="0" smtClean="0"/>
+              <a:rPr lang="en-US" i="1" dirty="0"/>
               <a:t>runtime </a:t>
             </a:r>
             <a:r>
-              <a:rPr lang="en-US" dirty="0" smtClean="0"/>
+              <a:rPr lang="en-US" dirty="0"/>
               <a:t>(</a:t>
             </a:r>
             <a:r>
-              <a:rPr lang="en-US" dirty="0" err="1" smtClean="0"/>
+              <a:rPr lang="en-US" dirty="0" err="1"/>
               <a:t>eg</a:t>
             </a:r>
             <a:r>
-              <a:rPr lang="en-US" dirty="0" smtClean="0"/>
+              <a:rPr lang="en-US" dirty="0"/>
               <a:t> a browser like Chrome) will compile JS </a:t>
             </a:r>
             <a:r>
-              <a:rPr lang="en-US" i="1" dirty="0" smtClean="0"/>
+              <a:rPr lang="en-US" i="1" dirty="0"/>
               <a:t>on the fly </a:t>
             </a:r>
             <a:r>
-              <a:rPr lang="en-US" dirty="0" smtClean="0"/>
+              <a:rPr lang="en-US" dirty="0"/>
               <a:t>into machine code</a:t>
             </a:r>
           </a:p>
           <a:p>
             <a:r>
-              <a:rPr lang="en-US" b="1" dirty="0" smtClean="0"/>
+              <a:rPr lang="en-US" b="1" dirty="0"/>
               <a:t>Dynamically Typed</a:t>
             </a:r>
             <a:r>
-              <a:rPr lang="en-US" dirty="0" smtClean="0"/>
+              <a:rPr lang="en-US" dirty="0"/>
               <a:t>: when declaring variables, no need to specify the type, </a:t>
             </a:r>
             <a:r>
-              <a:rPr lang="en-US" dirty="0" err="1" smtClean="0"/>
+              <a:rPr lang="en-US" dirty="0" err="1"/>
               <a:t>eg</a:t>
             </a:r>
             <a:r>
-              <a:rPr lang="en-US" dirty="0" smtClean="0"/>
+              <a:rPr lang="en-US" dirty="0"/>
               <a:t> </a:t>
             </a:r>
             <a:r>
-              <a:rPr lang="en-US" i="1" dirty="0" smtClean="0"/>
+              <a:rPr lang="en-US" i="1" dirty="0"/>
               <a:t>String</a:t>
             </a:r>
             <a:r>
-              <a:rPr lang="en-US" dirty="0" smtClean="0"/>
+              <a:rPr lang="en-US" dirty="0"/>
               <a:t> or </a:t>
             </a:r>
             <a:r>
-              <a:rPr lang="en-US" i="1" dirty="0" smtClean="0"/>
+              <a:rPr lang="en-US" i="1" dirty="0"/>
               <a:t>Numeric</a:t>
             </a:r>
             <a:r>
-              <a:rPr lang="en-US" dirty="0" smtClean="0"/>
+              <a:rPr lang="en-US" dirty="0"/>
               <a:t>, and can reassign to different types</a:t>
             </a:r>
           </a:p>
           <a:p>
             <a:r>
               <a:rPr lang="en-US" b="1" dirty="0"/>
-              <a:t>Weakly </a:t>
-            </a:r>
-            <a:r>
-              <a:rPr lang="en-US" b="1" dirty="0" smtClean="0"/>
-              <a:t>Typed</a:t>
-            </a:r>
-            <a:r>
-              <a:rPr lang="en-US" dirty="0" smtClean="0"/>
+              <a:t>Weakly Typed</a:t>
+            </a:r>
+            <a:r>
+              <a:rPr lang="en-US" dirty="0"/>
               <a:t>: you can use operators like “+” and “-” on different types (</a:t>
             </a:r>
             <a:r>
-              <a:rPr lang="en-US" dirty="0" err="1" smtClean="0"/>
+              <a:rPr lang="en-US" dirty="0" err="1"/>
               <a:t>eg</a:t>
             </a:r>
             <a:r>
-              <a:rPr lang="en-US" dirty="0" smtClean="0"/>
+              <a:rPr lang="en-US" dirty="0"/>
               <a:t> arrays and strings) without throwing errors</a:t>
             </a:r>
-            <a:endParaRPr lang="en-US" dirty="0"/>
           </a:p>
         </p:txBody>
       </p:sp>
@@ -7598,10 +7524,9 @@
           <a:lstStyle/>
           <a:p>
             <a:r>
-              <a:rPr lang="en-US" dirty="0" smtClean="0"/>
+              <a:rPr lang="en-US" dirty="0"/>
               <a:t>Interpreted</a:t>
             </a:r>
-            <a:endParaRPr lang="en-US" dirty="0"/>
           </a:p>
         </p:txBody>
       </p:sp>
@@ -7626,110 +7551,105 @@
           <a:lstStyle/>
           <a:p>
             <a:r>
-              <a:rPr lang="en-US" dirty="0" smtClean="0"/>
+              <a:rPr lang="en-US" dirty="0"/>
               <a:t>Can just provide source code directly to the browser</a:t>
             </a:r>
           </a:p>
           <a:p>
             <a:r>
-              <a:rPr lang="en-US" dirty="0" smtClean="0"/>
+              <a:rPr lang="en-US" dirty="0"/>
               <a:t>Can be directly inside HTML, or in separated “</a:t>
             </a:r>
             <a:r>
-              <a:rPr lang="en-US" i="1" dirty="0" smtClean="0"/>
+              <a:rPr lang="en-US" i="1" dirty="0"/>
               <a:t>.</a:t>
             </a:r>
             <a:r>
-              <a:rPr lang="en-US" i="1" dirty="0" err="1" smtClean="0"/>
+              <a:rPr lang="en-US" i="1" dirty="0" err="1"/>
               <a:t>js</a:t>
             </a:r>
             <a:r>
-              <a:rPr lang="en-US" dirty="0" smtClean="0"/>
+              <a:rPr lang="en-US" dirty="0"/>
               <a:t>” files imported like any other resource (CSS, images, etc.)</a:t>
             </a:r>
           </a:p>
           <a:p>
             <a:r>
-              <a:rPr lang="en-US" dirty="0" smtClean="0"/>
+              <a:rPr lang="en-US" dirty="0"/>
               <a:t>Note: current practice is to use </a:t>
             </a:r>
             <a:r>
-              <a:rPr lang="en-US" i="1" dirty="0" err="1" smtClean="0"/>
+              <a:rPr lang="en-US" i="1" dirty="0" err="1"/>
               <a:t>transpilation</a:t>
             </a:r>
             <a:r>
-              <a:rPr lang="en-US" dirty="0" smtClean="0"/>
+              <a:rPr lang="en-US" dirty="0"/>
               <a:t> steps</a:t>
             </a:r>
           </a:p>
           <a:p>
             <a:pPr lvl="1"/>
             <a:r>
-              <a:rPr lang="en-US" dirty="0" err="1" smtClean="0"/>
+              <a:rPr lang="en-US" dirty="0" err="1"/>
               <a:t>eg</a:t>
             </a:r>
             <a:r>
-              <a:rPr lang="en-US" dirty="0" smtClean="0"/>
+              <a:rPr lang="en-US" dirty="0"/>
               <a:t>, using build tools like </a:t>
             </a:r>
             <a:r>
-              <a:rPr lang="en-US" i="1" dirty="0" smtClean="0"/>
+              <a:rPr lang="en-US" i="1" dirty="0"/>
               <a:t>NPM/YARN</a:t>
             </a:r>
           </a:p>
           <a:p>
             <a:pPr lvl="1"/>
             <a:r>
-              <a:rPr lang="en-US" dirty="0" smtClean="0"/>
+              <a:rPr lang="en-US" dirty="0"/>
               <a:t>bundle dependencies like libraries (</a:t>
             </a:r>
             <a:r>
-              <a:rPr lang="en-US" i="1" dirty="0" smtClean="0"/>
+              <a:rPr lang="en-US" i="1" dirty="0"/>
               <a:t>React/Angular/</a:t>
             </a:r>
             <a:r>
-              <a:rPr lang="en-US" i="1" dirty="0" err="1" smtClean="0"/>
+              <a:rPr lang="en-US" i="1" dirty="0" err="1"/>
               <a:t>Vue</a:t>
             </a:r>
             <a:r>
-              <a:rPr lang="en-US" i="1" dirty="0" smtClean="0"/>
+              <a:rPr lang="en-US" i="1" dirty="0"/>
               <a:t>/</a:t>
             </a:r>
             <a:r>
-              <a:rPr lang="en-US" dirty="0" smtClean="0"/>
+              <a:rPr lang="en-US" dirty="0"/>
               <a:t>etc.)</a:t>
             </a:r>
           </a:p>
           <a:p>
             <a:pPr lvl="1"/>
             <a:r>
-              <a:rPr lang="en-US" dirty="0" smtClean="0"/>
+              <a:rPr lang="en-US" dirty="0"/>
               <a:t>transformations to support old browsers</a:t>
             </a:r>
           </a:p>
           <a:p>
             <a:pPr lvl="1"/>
             <a:r>
-              <a:rPr lang="en-US" dirty="0" smtClean="0"/>
+              <a:rPr lang="en-US" dirty="0"/>
               <a:t>enabling typing with </a:t>
             </a:r>
             <a:r>
-              <a:rPr lang="en-US" i="1" dirty="0" err="1" smtClean="0"/>
+              <a:rPr lang="en-US" i="1" dirty="0" err="1"/>
               <a:t>TypeScript</a:t>
             </a:r>
-            <a:endParaRPr lang="en-US" i="1" dirty="0" smtClean="0"/>
+            <a:endParaRPr lang="en-US" i="1" dirty="0"/>
           </a:p>
           <a:p>
             <a:pPr lvl="1"/>
             <a:r>
               <a:rPr lang="en-US" dirty="0"/>
-              <a:t>e</a:t>
-            </a:r>
-            <a:r>
-              <a:rPr lang="en-US" dirty="0" smtClean="0"/>
-              <a:t>tc.</a:t>
-            </a:r>
-            <a:endParaRPr lang="en-US" dirty="0"/>
+              <a:t>etc.</a:t>
+            </a:r>
           </a:p>
         </p:txBody>
       </p:sp>
@@ -7784,10 +7704,9 @@
           <a:lstStyle/>
           <a:p>
             <a:r>
-              <a:rPr lang="en-US" dirty="0" smtClean="0"/>
+              <a:rPr lang="en-US" dirty="0"/>
               <a:t>Dynamically Typed</a:t>
             </a:r>
-            <a:endParaRPr lang="en-US" dirty="0"/>
           </a:p>
         </p:txBody>
       </p:sp>
@@ -7814,143 +7733,139 @@
           <a:lstStyle/>
           <a:p>
             <a:r>
-              <a:rPr lang="en-US" b="1" dirty="0" err="1" smtClean="0"/>
-              <a:t>var</a:t>
-            </a:r>
-            <a:r>
-              <a:rPr lang="en-US" b="1" dirty="0" smtClean="0"/>
-              <a:t> x = 1;</a:t>
-            </a:r>
-          </a:p>
-          <a:p>
-            <a:pPr lvl="1"/>
-            <a:r>
-              <a:rPr lang="en-US" dirty="0" smtClean="0"/>
-              <a:t>declare a variable called </a:t>
-            </a:r>
-            <a:r>
-              <a:rPr lang="en-US" b="1" dirty="0" smtClean="0"/>
-              <a:t>x</a:t>
-            </a:r>
-            <a:r>
-              <a:rPr lang="en-US" dirty="0" smtClean="0"/>
-              <a:t> with a numeric value equal to </a:t>
-            </a:r>
-            <a:r>
-              <a:rPr lang="en-US" b="1" dirty="0" smtClean="0"/>
-              <a:t>1</a:t>
-            </a:r>
-          </a:p>
-          <a:p>
-            <a:pPr lvl="1"/>
-            <a:r>
-              <a:rPr lang="en-US" dirty="0" smtClean="0"/>
-              <a:t>note we did not need to specify the “numeric” type</a:t>
-            </a:r>
-          </a:p>
-          <a:p>
-            <a:r>
               <a:rPr lang="en-US" b="1" dirty="0" err="1"/>
               <a:t>var</a:t>
             </a:r>
             <a:r>
               <a:rPr lang="en-US" b="1" dirty="0"/>
-              <a:t> x = </a:t>
-            </a:r>
-            <a:r>
-              <a:rPr lang="en-US" b="1" dirty="0" smtClean="0"/>
-              <a:t>1;  </a:t>
-            </a:r>
-            <a:r>
-              <a:rPr lang="en-US" b="1" dirty="0" err="1" smtClean="0"/>
+              <a:t> x = 1;</a:t>
+            </a:r>
+          </a:p>
+          <a:p>
+            <a:pPr lvl="1"/>
+            <a:r>
+              <a:rPr lang="en-US" dirty="0"/>
+              <a:t>declare a variable called </a:t>
+            </a:r>
+            <a:r>
+              <a:rPr lang="en-US" b="1" dirty="0"/>
+              <a:t>x</a:t>
+            </a:r>
+            <a:r>
+              <a:rPr lang="en-US" dirty="0"/>
+              <a:t> with a numeric value equal to </a:t>
+            </a:r>
+            <a:r>
+              <a:rPr lang="en-US" b="1" dirty="0"/>
+              <a:t>1</a:t>
+            </a:r>
+          </a:p>
+          <a:p>
+            <a:pPr lvl="1"/>
+            <a:r>
+              <a:rPr lang="en-US" dirty="0"/>
+              <a:t>note we did not need to specify the “numeric” type</a:t>
+            </a:r>
+          </a:p>
+          <a:p>
+            <a:r>
+              <a:rPr lang="en-US" b="1" dirty="0" err="1"/>
               <a:t>var</a:t>
             </a:r>
             <a:r>
-              <a:rPr lang="en-US" b="1" dirty="0" smtClean="0"/>
+              <a:rPr lang="en-US" b="1" dirty="0"/>
+              <a:t> x = 1;  </a:t>
+            </a:r>
+            <a:r>
+              <a:rPr lang="en-US" b="1" dirty="0" err="1"/>
+              <a:t>var</a:t>
+            </a:r>
+            <a:r>
+              <a:rPr lang="en-US" b="1" dirty="0"/>
               <a:t> x = “a”;</a:t>
             </a:r>
           </a:p>
           <a:p>
             <a:pPr lvl="1"/>
             <a:r>
-              <a:rPr lang="en-US" b="1" dirty="0" smtClean="0"/>
+              <a:rPr lang="en-US" b="1" dirty="0"/>
               <a:t>x</a:t>
             </a:r>
             <a:r>
-              <a:rPr lang="en-US" dirty="0" smtClean="0"/>
+              <a:rPr lang="en-US" dirty="0"/>
               <a:t> contains a string in the end. So, we changed the type from numeric to string</a:t>
             </a:r>
           </a:p>
           <a:p>
             <a:r>
-              <a:rPr lang="en-US" b="1" dirty="0" smtClean="0"/>
+              <a:rPr lang="en-US" b="1" dirty="0"/>
               <a:t>x = 1</a:t>
             </a:r>
           </a:p>
           <a:p>
             <a:pPr lvl="1"/>
             <a:r>
-              <a:rPr lang="en-US" dirty="0" smtClean="0"/>
+              <a:rPr lang="en-US" dirty="0"/>
               <a:t>the “</a:t>
             </a:r>
             <a:r>
-              <a:rPr lang="en-US" b="1" dirty="0" err="1" smtClean="0"/>
+              <a:rPr lang="en-US" b="1" dirty="0" err="1"/>
               <a:t>var</a:t>
             </a:r>
             <a:r>
-              <a:rPr lang="en-US" dirty="0" smtClean="0"/>
+              <a:rPr lang="en-US" dirty="0"/>
               <a:t>” and “</a:t>
             </a:r>
             <a:r>
-              <a:rPr lang="en-US" b="1" dirty="0" smtClean="0"/>
+              <a:rPr lang="en-US" b="1" dirty="0"/>
               <a:t>;</a:t>
             </a:r>
             <a:r>
-              <a:rPr lang="en-US" dirty="0" smtClean="0"/>
+              <a:rPr lang="en-US" dirty="0"/>
               <a:t>” could be omitted, but you should NOT omit them</a:t>
             </a:r>
           </a:p>
           <a:p>
             <a:pPr lvl="1"/>
             <a:r>
-              <a:rPr lang="en-US" dirty="0" smtClean="0"/>
+              <a:rPr lang="en-US" dirty="0"/>
               <a:t>“</a:t>
             </a:r>
             <a:r>
-              <a:rPr lang="en-US" b="1" dirty="0" err="1" smtClean="0"/>
+              <a:rPr lang="en-US" b="1" dirty="0" err="1"/>
               <a:t>var</a:t>
             </a:r>
             <a:r>
-              <a:rPr lang="en-US" dirty="0" smtClean="0"/>
+              <a:rPr lang="en-US" dirty="0"/>
               <a:t>”: makes a local variable, otherwise is global scope (which is </a:t>
             </a:r>
             <a:r>
-              <a:rPr lang="en-US" i="1" dirty="0" smtClean="0"/>
+              <a:rPr lang="en-US" i="1" dirty="0"/>
               <a:t>bad</a:t>
             </a:r>
             <a:r>
-              <a:rPr lang="en-US" dirty="0" smtClean="0"/>
+              <a:rPr lang="en-US" dirty="0"/>
               <a:t>)</a:t>
             </a:r>
           </a:p>
           <a:p>
             <a:pPr lvl="1"/>
             <a:r>
-              <a:rPr lang="en-US" dirty="0" smtClean="0"/>
+              <a:rPr lang="en-US" dirty="0"/>
               <a:t>omitting “</a:t>
             </a:r>
             <a:r>
-              <a:rPr lang="en-US" b="1" dirty="0" smtClean="0"/>
+              <a:rPr lang="en-US" b="1" dirty="0"/>
               <a:t>;</a:t>
             </a:r>
             <a:r>
-              <a:rPr lang="en-US" dirty="0" smtClean="0"/>
+              <a:rPr lang="en-US" dirty="0"/>
               <a:t>” can lead to subtle bugs…</a:t>
             </a:r>
           </a:p>
           <a:p>
             <a:pPr lvl="1"/>
-            <a:endParaRPr lang="en-US" dirty="0" smtClean="0"/>
+            <a:endParaRPr lang="en-US" dirty="0"/>
           </a:p>
           <a:p>
             <a:endParaRPr lang="en-US" dirty="0"/>
@@ -8049,19 +7964,19 @@
           <a:lstStyle/>
           <a:p>
             <a:r>
-              <a:rPr lang="en-US" b="1" dirty="0" smtClean="0"/>
+              <a:rPr lang="en-US" b="1" dirty="0"/>
               <a:t>let/</a:t>
             </a:r>
             <a:r>
-              <a:rPr lang="en-US" b="1" dirty="0" err="1" smtClean="0"/>
+              <a:rPr lang="en-US" b="1" dirty="0" err="1"/>
               <a:t>const</a:t>
             </a:r>
             <a:r>
-              <a:rPr lang="en-US" dirty="0" smtClean="0"/>
+              <a:rPr lang="en-US" dirty="0"/>
               <a:t> vs. </a:t>
             </a:r>
             <a:r>
-              <a:rPr lang="en-US" b="1" dirty="0" err="1" smtClean="0"/>
+              <a:rPr lang="en-US" b="1" dirty="0" err="1"/>
               <a:t>var</a:t>
             </a:r>
             <a:endParaRPr lang="en-US" b="1" dirty="0"/>
@@ -8090,150 +8005,126 @@
           <a:p>
             <a:r>
               <a:rPr lang="en-US" dirty="0"/>
-              <a:t>I</a:t>
-            </a:r>
-            <a:r>
-              <a:rPr lang="en-US" dirty="0" smtClean="0"/>
-              <a:t>f you declare a variable like </a:t>
-            </a:r>
-            <a:r>
-              <a:rPr lang="en-US" b="1" dirty="0" smtClean="0"/>
-              <a:t>x </a:t>
+              <a:t>If you declare a variable like </a:t>
             </a:r>
             <a:r>
               <a:rPr lang="en-US" b="1" dirty="0"/>
-              <a:t>= </a:t>
-            </a:r>
-            <a:r>
-              <a:rPr lang="en-US" b="1" dirty="0" smtClean="0"/>
-              <a:t>1</a:t>
-            </a:r>
-            <a:r>
-              <a:rPr lang="en-US" dirty="0" smtClean="0"/>
+              <a:t>x = 1</a:t>
+            </a:r>
+            <a:r>
+              <a:rPr lang="en-US" dirty="0"/>
               <a:t>, that will have </a:t>
             </a:r>
             <a:r>
-              <a:rPr lang="en-US" i="1" dirty="0" smtClean="0"/>
+              <a:rPr lang="en-US" i="1" dirty="0"/>
               <a:t>global</a:t>
             </a:r>
             <a:r>
-              <a:rPr lang="en-US" dirty="0" smtClean="0"/>
+              <a:rPr lang="en-US" dirty="0"/>
               <a:t> </a:t>
             </a:r>
             <a:r>
-              <a:rPr lang="en-US" i="1" dirty="0" smtClean="0"/>
+              <a:rPr lang="en-US" i="1" dirty="0"/>
               <a:t>scope</a:t>
             </a:r>
             <a:r>
-              <a:rPr lang="en-US" dirty="0" smtClean="0"/>
+              <a:rPr lang="en-US" dirty="0"/>
               <a:t>: you must avoid it</a:t>
             </a:r>
           </a:p>
           <a:p>
             <a:r>
-              <a:rPr lang="en-US" b="1" dirty="0" err="1" smtClean="0"/>
+              <a:rPr lang="en-US" b="1" dirty="0" err="1"/>
               <a:t>var</a:t>
             </a:r>
             <a:r>
-              <a:rPr lang="en-US" b="1" dirty="0" smtClean="0"/>
-              <a:t> x </a:t>
-            </a:r>
-            <a:r>
               <a:rPr lang="en-US" b="1" dirty="0"/>
-              <a:t>= 1</a:t>
-            </a:r>
-            <a:r>
-              <a:rPr lang="en-US" dirty="0" smtClean="0"/>
+              <a:t> x = 1</a:t>
+            </a:r>
+            <a:r>
+              <a:rPr lang="en-US" dirty="0"/>
               <a:t>, does declare it a </a:t>
             </a:r>
             <a:r>
-              <a:rPr lang="en-US" i="1" dirty="0" smtClean="0"/>
+              <a:rPr lang="en-US" i="1" dirty="0"/>
               <a:t>function scope</a:t>
             </a:r>
             <a:r>
-              <a:rPr lang="en-US" dirty="0" smtClean="0"/>
+              <a:rPr lang="en-US" dirty="0"/>
               <a:t>: variable in a block would still be visible after the block inside the same function</a:t>
             </a:r>
           </a:p>
           <a:p>
             <a:r>
-              <a:rPr lang="en-US" b="1" dirty="0" smtClean="0"/>
+              <a:rPr lang="en-US" b="1" dirty="0"/>
               <a:t>let x = 1</a:t>
             </a:r>
             <a:r>
-              <a:rPr lang="en-US" dirty="0" smtClean="0"/>
+              <a:rPr lang="en-US" dirty="0"/>
               <a:t>, the sane way, </a:t>
             </a:r>
             <a:r>
-              <a:rPr lang="en-US" dirty="0" err="1" smtClean="0"/>
+              <a:rPr lang="en-US" dirty="0" err="1"/>
               <a:t>ie</a:t>
             </a:r>
             <a:r>
-              <a:rPr lang="en-US" dirty="0" smtClean="0"/>
+              <a:rPr lang="en-US" dirty="0"/>
               <a:t> </a:t>
             </a:r>
             <a:r>
-              <a:rPr lang="en-US" i="1" dirty="0" smtClean="0"/>
+              <a:rPr lang="en-US" i="1" dirty="0"/>
               <a:t>block scope</a:t>
             </a:r>
           </a:p>
           <a:p>
             <a:r>
-              <a:rPr lang="en-US" b="1" dirty="0" err="1" smtClean="0"/>
+              <a:rPr lang="en-US" b="1" dirty="0" err="1"/>
               <a:t>const</a:t>
             </a:r>
             <a:r>
-              <a:rPr lang="en-US" b="1" dirty="0" smtClean="0"/>
+              <a:rPr lang="en-US" b="1" dirty="0"/>
               <a:t> x = 1</a:t>
             </a:r>
             <a:r>
-              <a:rPr lang="en-US" dirty="0" smtClean="0"/>
+              <a:rPr lang="en-US" dirty="0"/>
               <a:t>, </a:t>
             </a:r>
             <a:r>
               <a:rPr lang="en-US" i="1" dirty="0"/>
-              <a:t>block </a:t>
-            </a:r>
-            <a:r>
-              <a:rPr lang="en-US" i="1" dirty="0" smtClean="0"/>
-              <a:t>scope </a:t>
-            </a:r>
-            <a:r>
-              <a:rPr lang="en-US" dirty="0" smtClean="0"/>
+              <a:t>block scope </a:t>
+            </a:r>
+            <a:r>
+              <a:rPr lang="en-US" dirty="0"/>
               <a:t>like </a:t>
             </a:r>
             <a:r>
-              <a:rPr lang="en-US" b="1" dirty="0" smtClean="0"/>
+              <a:rPr lang="en-US" b="1" dirty="0"/>
               <a:t>let</a:t>
             </a:r>
             <a:r>
-              <a:rPr lang="en-US" dirty="0" smtClean="0"/>
+              <a:rPr lang="en-US" dirty="0"/>
               <a:t>, but cannot change value (similar to </a:t>
             </a:r>
             <a:r>
-              <a:rPr lang="en-US" b="1" dirty="0" smtClean="0"/>
+              <a:rPr lang="en-US" b="1" dirty="0"/>
               <a:t>final</a:t>
             </a:r>
             <a:r>
               <a:rPr lang="en-US" dirty="0"/>
-              <a:t> </a:t>
-            </a:r>
-            <a:r>
-              <a:rPr lang="en-US" dirty="0" smtClean="0"/>
-              <a:t>in Java)</a:t>
-            </a:r>
-          </a:p>
-          <a:p>
-            <a:r>
-              <a:rPr lang="en-US" dirty="0" smtClean="0"/>
+              <a:t> in Java)</a:t>
+            </a:r>
+          </a:p>
+          <a:p>
+            <a:r>
+              <a:rPr lang="en-US" dirty="0"/>
               <a:t>In other words, use </a:t>
             </a:r>
             <a:r>
-              <a:rPr lang="en-US" b="1" dirty="0" smtClean="0"/>
+              <a:rPr lang="en-US" b="1" dirty="0"/>
               <a:t>let/</a:t>
             </a:r>
             <a:r>
-              <a:rPr lang="en-US" b="1" dirty="0" err="1" smtClean="0"/>
+              <a:rPr lang="en-US" b="1" dirty="0" err="1"/>
               <a:t>const</a:t>
             </a:r>
             <a:endParaRPr lang="en-US" b="1" dirty="0"/>
@@ -8286,10 +8177,9 @@
           <a:lstStyle/>
           <a:p>
             <a:r>
-              <a:rPr lang="en-US" dirty="0" smtClean="0"/>
+              <a:rPr lang="en-US" dirty="0"/>
               <a:t>Weakly Typed</a:t>
             </a:r>
-            <a:endParaRPr lang="en-US" dirty="0"/>
           </a:p>
         </p:txBody>
       </p:sp>
@@ -8316,128 +8206,128 @@
           <a:lstStyle/>
           <a:p>
             <a:r>
-              <a:rPr lang="en-US" dirty="0" smtClean="0"/>
+              <a:rPr lang="en-US" dirty="0"/>
               <a:t>A string plus a number? Concatenation</a:t>
             </a:r>
           </a:p>
           <a:p>
             <a:pPr lvl="1"/>
             <a:r>
-              <a:rPr lang="en-US" b="1" dirty="0" smtClean="0"/>
+              <a:rPr lang="en-US" b="1" dirty="0"/>
               <a:t>“a” + 1</a:t>
             </a:r>
             <a:r>
-              <a:rPr lang="en-US" dirty="0" smtClean="0"/>
+              <a:rPr lang="en-US" dirty="0"/>
               <a:t>  becomes </a:t>
             </a:r>
             <a:r>
-              <a:rPr lang="en-US" b="1" dirty="0" smtClean="0"/>
+              <a:rPr lang="en-US" b="1" dirty="0"/>
               <a:t>“a1”</a:t>
             </a:r>
           </a:p>
           <a:p>
             <a:r>
-              <a:rPr lang="en-US" dirty="0" smtClean="0"/>
+              <a:rPr lang="en-US" dirty="0"/>
               <a:t>A string minus a number? Result is not a number…</a:t>
             </a:r>
           </a:p>
           <a:p>
             <a:pPr lvl="1"/>
             <a:r>
-              <a:rPr lang="en-US" b="1" dirty="0" smtClean="0"/>
+              <a:rPr lang="en-US" b="1" dirty="0"/>
               <a:t>“a” – 1</a:t>
             </a:r>
             <a:r>
-              <a:rPr lang="en-US" dirty="0" smtClean="0"/>
+              <a:rPr lang="en-US" dirty="0"/>
               <a:t> becomes </a:t>
             </a:r>
             <a:r>
-              <a:rPr lang="en-US" b="1" dirty="0" err="1" smtClean="0"/>
+              <a:rPr lang="en-US" b="1" dirty="0" err="1"/>
               <a:t>NaN</a:t>
             </a:r>
-            <a:endParaRPr lang="en-US" b="1" dirty="0" smtClean="0"/>
-          </a:p>
-          <a:p>
-            <a:r>
-              <a:rPr lang="en-US" dirty="0" smtClean="0"/>
+            <a:endParaRPr lang="en-US" b="1" dirty="0"/>
+          </a:p>
+          <a:p>
+            <a:r>
+              <a:rPr lang="en-US" dirty="0"/>
               <a:t>An empty object plus an empty array? Numeric 0…</a:t>
             </a:r>
           </a:p>
           <a:p>
             <a:pPr lvl="1"/>
             <a:r>
-              <a:rPr lang="en-US" b="1" dirty="0" smtClean="0"/>
+              <a:rPr lang="en-US" b="1" dirty="0"/>
               <a:t>{} + []</a:t>
             </a:r>
             <a:r>
-              <a:rPr lang="en-US" dirty="0" smtClean="0"/>
+              <a:rPr lang="en-US" dirty="0"/>
               <a:t> becomes </a:t>
             </a:r>
             <a:r>
-              <a:rPr lang="en-US" b="1" dirty="0" smtClean="0"/>
+              <a:rPr lang="en-US" b="1" dirty="0"/>
               <a:t>0</a:t>
             </a:r>
             <a:r>
-              <a:rPr lang="en-US" dirty="0" smtClean="0"/>
+              <a:rPr lang="en-US" dirty="0"/>
               <a:t>  </a:t>
             </a:r>
           </a:p>
           <a:p>
             <a:r>
-              <a:rPr lang="en-US" dirty="0" smtClean="0"/>
+              <a:rPr lang="en-US" dirty="0"/>
               <a:t>Other dynamically typed languages (</a:t>
             </a:r>
             <a:r>
-              <a:rPr lang="en-US" dirty="0" err="1" smtClean="0"/>
+              <a:rPr lang="en-US" dirty="0" err="1"/>
               <a:t>eg</a:t>
             </a:r>
             <a:r>
-              <a:rPr lang="en-US" dirty="0" smtClean="0"/>
+              <a:rPr lang="en-US" dirty="0"/>
               <a:t>, </a:t>
             </a:r>
             <a:r>
-              <a:rPr lang="en-US" i="1" dirty="0" smtClean="0"/>
+              <a:rPr lang="en-US" i="1" dirty="0"/>
               <a:t>Python</a:t>
             </a:r>
             <a:r>
-              <a:rPr lang="en-US" dirty="0" smtClean="0"/>
+              <a:rPr lang="en-US" dirty="0"/>
               <a:t>) would throw an exception at runtime</a:t>
             </a:r>
           </a:p>
           <a:p>
             <a:pPr lvl="1"/>
             <a:r>
-              <a:rPr lang="en-US" dirty="0" smtClean="0"/>
+              <a:rPr lang="en-US" dirty="0"/>
               <a:t>They are called </a:t>
             </a:r>
             <a:r>
-              <a:rPr lang="en-US" i="1" dirty="0" smtClean="0"/>
+              <a:rPr lang="en-US" i="1" dirty="0"/>
               <a:t>Strongly Typed</a:t>
             </a:r>
           </a:p>
           <a:p>
             <a:r>
-              <a:rPr lang="en-US" dirty="0" smtClean="0"/>
+              <a:rPr lang="en-US" dirty="0"/>
               <a:t>Statically typed languages (</a:t>
             </a:r>
             <a:r>
-              <a:rPr lang="en-US" dirty="0" err="1" smtClean="0"/>
+              <a:rPr lang="en-US" dirty="0" err="1"/>
               <a:t>eg</a:t>
             </a:r>
             <a:r>
-              <a:rPr lang="en-US" dirty="0" smtClean="0"/>
+              <a:rPr lang="en-US" dirty="0"/>
               <a:t>, </a:t>
             </a:r>
             <a:r>
-              <a:rPr lang="en-US" i="1" dirty="0" smtClean="0"/>
+              <a:rPr lang="en-US" i="1" dirty="0"/>
               <a:t>Java</a:t>
             </a:r>
             <a:r>
-              <a:rPr lang="en-US" dirty="0" smtClean="0"/>
+              <a:rPr lang="en-US" dirty="0"/>
               <a:t>) would not even </a:t>
             </a:r>
             <a:r>
-              <a:rPr lang="en-US" i="1" dirty="0" smtClean="0"/>
+              <a:rPr lang="en-US" i="1" dirty="0"/>
               <a:t>compile</a:t>
             </a:r>
           </a:p>
@@ -8445,21 +8335,16 @@
             <a:pPr lvl="1"/>
             <a:r>
               <a:rPr lang="en-US" dirty="0"/>
-              <a:t>w</a:t>
-            </a:r>
-            <a:r>
-              <a:rPr lang="en-US" dirty="0" smtClean="0"/>
-              <a:t>ith the only </a:t>
-            </a:r>
-            <a:r>
-              <a:rPr lang="en-US" i="1" dirty="0" smtClean="0"/>
+              <a:t>with the only </a:t>
+            </a:r>
+            <a:r>
+              <a:rPr lang="en-US" i="1" dirty="0"/>
               <a:t>exception</a:t>
             </a:r>
             <a:r>
-              <a:rPr lang="en-US" dirty="0" smtClean="0"/>
+              <a:rPr lang="en-US" dirty="0"/>
               <a:t> of “+” on String objects </a:t>
             </a:r>
-            <a:endParaRPr lang="en-US" dirty="0"/>
           </a:p>
         </p:txBody>
       </p:sp>
@@ -8509,10 +8394,9 @@
           <a:lstStyle/>
           <a:p>
             <a:r>
-              <a:rPr lang="en-US" dirty="0" smtClean="0"/>
+              <a:rPr lang="en-US" dirty="0"/>
               <a:t>Goals/Topics</a:t>
             </a:r>
-            <a:endParaRPr lang="en-US" dirty="0"/>
           </a:p>
         </p:txBody>
       </p:sp>
@@ -8539,102 +8423,98 @@
           <a:lstStyle/>
           <a:p>
             <a:r>
-              <a:rPr lang="en-US" dirty="0" smtClean="0"/>
+              <a:rPr lang="en-US" dirty="0"/>
               <a:t>Develop </a:t>
             </a:r>
             <a:r>
-              <a:rPr lang="en-US" b="1" dirty="0" smtClean="0"/>
+              <a:rPr lang="en-US" b="1" dirty="0"/>
               <a:t>Web Applications</a:t>
             </a:r>
             <a:r>
-              <a:rPr lang="en-US" dirty="0" smtClean="0"/>
+              <a:rPr lang="en-US" dirty="0"/>
               <a:t>, with focus on </a:t>
             </a:r>
             <a:r>
-              <a:rPr lang="en-US" b="1" dirty="0" smtClean="0"/>
+              <a:rPr lang="en-US" b="1" dirty="0"/>
               <a:t>Frontend</a:t>
             </a:r>
           </a:p>
           <a:p>
             <a:r>
-              <a:rPr lang="en-US" dirty="0" smtClean="0"/>
-              <a:t>Technical </a:t>
-            </a:r>
-            <a:r>
-              <a:rPr lang="en-US" dirty="0" smtClean="0"/>
-              <a:t>details of JavaScript, but NOT web design</a:t>
-            </a:r>
-          </a:p>
-          <a:p>
-            <a:r>
-              <a:rPr lang="en-US" i="1" dirty="0" smtClean="0"/>
+              <a:rPr lang="en-US" dirty="0"/>
+              <a:t>Technical details of JavaScript, but NOT web design</a:t>
+            </a:r>
+          </a:p>
+          <a:p>
+            <a:r>
+              <a:rPr lang="en-US" i="1" dirty="0"/>
               <a:t>Single-Page Applications (SPA)</a:t>
             </a:r>
           </a:p>
           <a:p>
             <a:pPr lvl="1"/>
             <a:r>
-              <a:rPr lang="en-US" dirty="0" smtClean="0"/>
+              <a:rPr lang="en-US" dirty="0"/>
               <a:t>client-side HTML rendering, using </a:t>
             </a:r>
             <a:r>
-              <a:rPr lang="en-US" i="1" dirty="0" smtClean="0"/>
+              <a:rPr lang="en-US" i="1" dirty="0"/>
               <a:t>React</a:t>
             </a:r>
             <a:r>
-              <a:rPr lang="en-US" dirty="0" smtClean="0"/>
+              <a:rPr lang="en-US" dirty="0"/>
               <a:t> from Facebook</a:t>
             </a:r>
           </a:p>
           <a:p>
             <a:r>
-              <a:rPr lang="en-US" dirty="0" smtClean="0"/>
+              <a:rPr lang="en-US" dirty="0"/>
               <a:t>Intro to </a:t>
             </a:r>
             <a:r>
-              <a:rPr lang="en-US" i="1" dirty="0" smtClean="0"/>
+              <a:rPr lang="en-US" i="1" dirty="0"/>
               <a:t>REST </a:t>
             </a:r>
             <a:r>
-              <a:rPr lang="en-US" dirty="0" smtClean="0"/>
+              <a:rPr lang="en-US" dirty="0"/>
               <a:t>and </a:t>
             </a:r>
             <a:r>
-              <a:rPr lang="en-US" i="1" dirty="0" err="1" smtClean="0"/>
+              <a:rPr lang="en-US" i="1" dirty="0" err="1"/>
               <a:t>GraphQL</a:t>
             </a:r>
             <a:r>
-              <a:rPr lang="en-US" dirty="0" smtClean="0"/>
+              <a:rPr lang="en-US" dirty="0"/>
               <a:t> web services</a:t>
             </a:r>
           </a:p>
           <a:p>
             <a:pPr lvl="1"/>
             <a:r>
-              <a:rPr lang="en-US" dirty="0" smtClean="0"/>
+              <a:rPr lang="en-US" dirty="0"/>
               <a:t>JS on the server, using </a:t>
             </a:r>
             <a:r>
-              <a:rPr lang="en-US" i="1" dirty="0" err="1" smtClean="0"/>
+              <a:rPr lang="en-US" i="1" dirty="0" err="1"/>
               <a:t>NodeJS</a:t>
             </a:r>
-            <a:endParaRPr lang="en-US" i="1" dirty="0" smtClean="0"/>
-          </a:p>
-          <a:p>
-            <a:r>
-              <a:rPr lang="en-US" i="1" dirty="0" err="1" smtClean="0"/>
+            <a:endParaRPr lang="en-US" i="1" dirty="0"/>
+          </a:p>
+          <a:p>
+            <a:r>
+              <a:rPr lang="en-US" i="1" dirty="0" err="1"/>
               <a:t>Websockets</a:t>
             </a:r>
-            <a:endParaRPr lang="en-US" i="1" dirty="0" smtClean="0"/>
-          </a:p>
-          <a:p>
-            <a:r>
-              <a:rPr lang="en-US" i="1" dirty="0" smtClean="0"/>
+            <a:endParaRPr lang="en-US" i="1" dirty="0"/>
+          </a:p>
+          <a:p>
+            <a:r>
+              <a:rPr lang="en-US" i="1" dirty="0"/>
               <a:t>Security</a:t>
             </a:r>
           </a:p>
           <a:p>
-            <a:endParaRPr lang="en-US" dirty="0" smtClean="0"/>
+            <a:endParaRPr lang="en-US" dirty="0"/>
           </a:p>
         </p:txBody>
       </p:sp>
@@ -8691,10 +8571,9 @@
           <a:lstStyle/>
           <a:p>
             <a:r>
-              <a:rPr lang="en-US" dirty="0" smtClean="0"/>
+              <a:rPr lang="en-US" dirty="0"/>
               <a:t>Quiz: what is the result of this expression?</a:t>
             </a:r>
-            <a:endParaRPr lang="en-US" dirty="0"/>
           </a:p>
         </p:txBody>
       </p:sp>
@@ -8795,10 +8674,9 @@
           <a:lstStyle/>
           <a:p>
             <a:r>
-              <a:rPr lang="en-US" sz="7200" b="1" dirty="0" smtClean="0"/>
+              <a:rPr lang="en-US" sz="7200" b="1" dirty="0"/>
               <a:t>banana</a:t>
             </a:r>
-            <a:endParaRPr lang="en-US" sz="7200" b="1" dirty="0"/>
           </a:p>
         </p:txBody>
       </p:sp>
@@ -8825,222 +8703,170 @@
           <a:lstStyle/>
           <a:p>
             <a:r>
-              <a:rPr lang="en-US" dirty="0" smtClean="0"/>
+              <a:rPr lang="en-US" dirty="0"/>
               <a:t>“</a:t>
             </a:r>
             <a:r>
-              <a:rPr lang="en-US" i="1" dirty="0" smtClean="0"/>
+              <a:rPr lang="en-US" i="1" dirty="0"/>
               <a:t>obviously</a:t>
             </a:r>
             <a:r>
-              <a:rPr lang="en-US" dirty="0" smtClean="0"/>
+              <a:rPr lang="en-US" dirty="0"/>
               <a:t>”…</a:t>
             </a:r>
           </a:p>
           <a:p>
             <a:r>
-              <a:rPr lang="en-US" b="1" dirty="0" smtClean="0"/>
-              <a:t>‘b’+</a:t>
-            </a:r>
-            <a:r>
               <a:rPr lang="en-US" b="1" dirty="0"/>
-              <a:t> </a:t>
-            </a:r>
-            <a:r>
-              <a:rPr lang="en-US" b="1" dirty="0" smtClean="0"/>
-              <a:t>‘a’ </a:t>
-            </a:r>
-            <a:r>
-              <a:rPr lang="en-US" dirty="0" smtClean="0"/>
+              <a:t>‘b’+ ‘a’ </a:t>
+            </a:r>
+            <a:r>
+              <a:rPr lang="en-US" dirty="0"/>
               <a:t>=</a:t>
             </a:r>
             <a:r>
-              <a:rPr lang="en-US" b="1" dirty="0" smtClean="0"/>
+              <a:rPr lang="en-US" b="1" dirty="0"/>
               <a:t> ‘</a:t>
             </a:r>
             <a:r>
-              <a:rPr lang="en-US" b="1" dirty="0" err="1" smtClean="0"/>
+              <a:rPr lang="en-US" b="1" dirty="0" err="1"/>
               <a:t>ba</a:t>
             </a:r>
             <a:r>
-              <a:rPr lang="en-US" b="1" dirty="0" smtClean="0"/>
+              <a:rPr lang="en-US" b="1" dirty="0"/>
               <a:t>’</a:t>
             </a:r>
           </a:p>
           <a:p>
             <a:pPr lvl="1"/>
             <a:r>
-              <a:rPr lang="en-US" dirty="0" smtClean="0"/>
+              <a:rPr lang="en-US" dirty="0"/>
               <a:t>concatenation of strings… that’s OK</a:t>
             </a:r>
           </a:p>
           <a:p>
             <a:r>
-              <a:rPr lang="en-US" b="1" dirty="0" smtClean="0"/>
+              <a:rPr lang="en-US" b="1" dirty="0"/>
               <a:t>‘a’ + + ‘a’</a:t>
             </a:r>
             <a:r>
-              <a:rPr lang="en-US" dirty="0" smtClean="0"/>
-              <a:t> is equivalent </a:t>
-            </a:r>
-            <a:r>
-              <a:rPr lang="en-US" dirty="0"/>
-              <a:t>to </a:t>
+              <a:rPr lang="en-US" dirty="0"/>
+              <a:t> is equivalent to </a:t>
+            </a:r>
+            <a:r>
+              <a:rPr lang="en-US" b="1" dirty="0"/>
+              <a:t>‘a’ + (+ ‘a’)</a:t>
+            </a:r>
+          </a:p>
+          <a:p>
+            <a:r>
+              <a:rPr lang="en-US" b="1" dirty="0"/>
+              <a:t> (+ ‘a’)  </a:t>
+            </a:r>
+            <a:r>
+              <a:rPr lang="en-US" dirty="0"/>
+              <a:t>does try to convert the content of the string as positive number… but </a:t>
+            </a:r>
+            <a:r>
+              <a:rPr lang="en-US" b="1" dirty="0"/>
+              <a:t>‘a’</a:t>
+            </a:r>
+            <a:r>
+              <a:rPr lang="en-US" dirty="0"/>
+              <a:t> is </a:t>
+            </a:r>
+            <a:r>
+              <a:rPr lang="en-US" i="1" dirty="0"/>
+              <a:t>not a number</a:t>
+            </a:r>
+            <a:r>
+              <a:rPr lang="en-US" dirty="0"/>
+              <a:t>, so get a </a:t>
+            </a:r>
+            <a:r>
+              <a:rPr lang="en-US" b="1" dirty="0" err="1"/>
+              <a:t>NaN</a:t>
+            </a:r>
+            <a:r>
+              <a:rPr lang="en-US" dirty="0"/>
+              <a:t> result</a:t>
+            </a:r>
+          </a:p>
+          <a:p>
+            <a:r>
+              <a:rPr lang="en-US" b="1" dirty="0"/>
+              <a:t>‘a’ + + ‘a’</a:t>
+            </a:r>
+            <a:r>
+              <a:rPr lang="en-US" dirty="0"/>
+              <a:t> = </a:t>
+            </a:r>
+            <a:r>
+              <a:rPr lang="en-US" b="1" dirty="0"/>
+              <a:t>‘a’ + (+ ‘a’)</a:t>
+            </a:r>
+            <a:r>
+              <a:rPr lang="en-US" dirty="0"/>
+              <a:t> = </a:t>
             </a:r>
             <a:r>
               <a:rPr lang="en-US" b="1" dirty="0"/>
               <a:t>‘a’ + </a:t>
             </a:r>
             <a:r>
-              <a:rPr lang="en-US" b="1" dirty="0" smtClean="0"/>
-              <a:t>(+ </a:t>
+              <a:rPr lang="en-US" b="1" dirty="0" err="1"/>
+              <a:t>NaN</a:t>
+            </a:r>
+            <a:r>
+              <a:rPr lang="en-US" dirty="0"/>
+              <a:t> = </a:t>
             </a:r>
             <a:r>
               <a:rPr lang="en-US" b="1" dirty="0"/>
-              <a:t>‘a</a:t>
-            </a:r>
-            <a:r>
-              <a:rPr lang="en-US" b="1" dirty="0" smtClean="0"/>
-              <a:t>’)</a:t>
-            </a:r>
-          </a:p>
-          <a:p>
+              <a:t>‘</a:t>
+            </a:r>
+            <a:r>
+              <a:rPr lang="en-US" b="1" dirty="0" err="1"/>
+              <a:t>aNaN</a:t>
+            </a:r>
             <a:r>
               <a:rPr lang="en-US" b="1" dirty="0"/>
-              <a:t> (+ ‘a</a:t>
-            </a:r>
-            <a:r>
-              <a:rPr lang="en-US" b="1" dirty="0" smtClean="0"/>
-              <a:t>’)  </a:t>
-            </a:r>
-            <a:r>
-              <a:rPr lang="en-US" dirty="0" smtClean="0"/>
-              <a:t>does try to convert the content of the string as positive number… but </a:t>
-            </a:r>
-            <a:r>
-              <a:rPr lang="en-US" b="1" dirty="0" smtClean="0"/>
-              <a:t>‘a’</a:t>
-            </a:r>
-            <a:r>
-              <a:rPr lang="en-US" dirty="0" smtClean="0"/>
-              <a:t> is </a:t>
-            </a:r>
-            <a:r>
-              <a:rPr lang="en-US" i="1" dirty="0" smtClean="0"/>
-              <a:t>not a number</a:t>
-            </a:r>
-            <a:r>
-              <a:rPr lang="en-US" dirty="0" smtClean="0"/>
-              <a:t>, so get a </a:t>
-            </a:r>
-            <a:r>
-              <a:rPr lang="en-US" b="1" dirty="0" err="1" smtClean="0"/>
-              <a:t>NaN</a:t>
-            </a:r>
-            <a:r>
-              <a:rPr lang="en-US" dirty="0" smtClean="0"/>
-              <a:t> result</a:t>
+              <a:t>’</a:t>
             </a:r>
           </a:p>
           <a:p>
             <a:r>
               <a:rPr lang="en-US" b="1" dirty="0"/>
-              <a:t>‘a’ + + ‘a’</a:t>
-            </a:r>
-            <a:r>
-              <a:rPr lang="en-US" dirty="0"/>
-              <a:t> </a:t>
-            </a:r>
-            <a:r>
-              <a:rPr lang="en-US" dirty="0" smtClean="0"/>
+              <a:t>'</a:t>
+            </a:r>
+            <a:r>
+              <a:rPr lang="en-US" b="1" dirty="0" err="1"/>
+              <a:t>b'+'a</a:t>
+            </a:r>
+            <a:r>
+              <a:rPr lang="en-US" b="1" dirty="0"/>
+              <a:t>'+ + 'a' + 'a' </a:t>
+            </a:r>
+            <a:r>
+              <a:rPr lang="en-US" dirty="0"/>
               <a:t>= </a:t>
             </a:r>
             <a:r>
               <a:rPr lang="en-US" b="1" dirty="0"/>
-              <a:t>‘a’ + </a:t>
-            </a:r>
-            <a:r>
-              <a:rPr lang="en-US" b="1" dirty="0" smtClean="0"/>
-              <a:t>(+ </a:t>
+              <a:t>‘</a:t>
+            </a:r>
+            <a:r>
+              <a:rPr lang="en-US" b="1" dirty="0" err="1"/>
+              <a:t>baNaNa</a:t>
             </a:r>
             <a:r>
               <a:rPr lang="en-US" b="1" dirty="0"/>
-              <a:t>‘a</a:t>
-            </a:r>
-            <a:r>
-              <a:rPr lang="en-US" b="1" dirty="0" smtClean="0"/>
-              <a:t>’)</a:t>
-            </a:r>
-            <a:r>
-              <a:rPr lang="en-US" dirty="0" smtClean="0"/>
-              <a:t> = </a:t>
-            </a:r>
-            <a:r>
-              <a:rPr lang="en-US" b="1" dirty="0" smtClean="0"/>
-              <a:t>‘a’ + </a:t>
-            </a:r>
-            <a:r>
-              <a:rPr lang="en-US" b="1" dirty="0" err="1" smtClean="0"/>
-              <a:t>NaN</a:t>
-            </a:r>
-            <a:r>
-              <a:rPr lang="en-US" dirty="0" smtClean="0"/>
-              <a:t> = </a:t>
-            </a:r>
-            <a:r>
-              <a:rPr lang="en-US" b="1" dirty="0" smtClean="0"/>
-              <a:t>‘</a:t>
-            </a:r>
-            <a:r>
-              <a:rPr lang="en-US" b="1" dirty="0" err="1" smtClean="0"/>
-              <a:t>aNaN</a:t>
-            </a:r>
-            <a:r>
-              <a:rPr lang="en-US" b="1" dirty="0" smtClean="0"/>
               <a:t>’</a:t>
             </a:r>
           </a:p>
           <a:p>
             <a:r>
-              <a:rPr lang="en-US" b="1" dirty="0" smtClean="0"/>
-              <a:t>'</a:t>
-            </a:r>
-            <a:r>
-              <a:rPr lang="en-US" b="1" dirty="0" err="1" smtClean="0"/>
-              <a:t>b</a:t>
-            </a:r>
-            <a:r>
-              <a:rPr lang="en-US" b="1" dirty="0" err="1"/>
-              <a:t>'+'a</a:t>
-            </a:r>
-            <a:r>
-              <a:rPr lang="en-US" b="1" dirty="0"/>
-              <a:t>'+ + 'a' + 'a</a:t>
-            </a:r>
-            <a:r>
-              <a:rPr lang="en-US" b="1" dirty="0" smtClean="0"/>
-              <a:t>' </a:t>
-            </a:r>
-            <a:r>
-              <a:rPr lang="en-US" dirty="0" smtClean="0"/>
-              <a:t>= </a:t>
-            </a:r>
-            <a:r>
-              <a:rPr lang="en-US" b="1" dirty="0" smtClean="0"/>
-              <a:t>‘</a:t>
-            </a:r>
-            <a:r>
-              <a:rPr lang="en-US" b="1" dirty="0" err="1" smtClean="0"/>
-              <a:t>baNaNa</a:t>
-            </a:r>
-            <a:r>
-              <a:rPr lang="en-US" b="1" dirty="0" smtClean="0"/>
-              <a:t>’</a:t>
-            </a:r>
-          </a:p>
-          <a:p>
-            <a:r>
-              <a:rPr lang="en-US" dirty="0" smtClean="0"/>
+              <a:rPr lang="en-US" dirty="0"/>
               <a:t>the </a:t>
             </a:r>
             <a:r>
@@ -9052,26 +8878,25 @@
               <a:t>toLowerCase</a:t>
             </a:r>
             <a:r>
-              <a:rPr lang="en-US" b="1" dirty="0" smtClean="0"/>
+              <a:rPr lang="en-US" b="1" dirty="0"/>
               <a:t>() </a:t>
             </a:r>
             <a:r>
-              <a:rPr lang="en-US" dirty="0" smtClean="0"/>
+              <a:rPr lang="en-US" dirty="0"/>
               <a:t>just changes the </a:t>
             </a:r>
             <a:r>
-              <a:rPr lang="en-US" b="1" dirty="0" smtClean="0"/>
+              <a:rPr lang="en-US" b="1" dirty="0"/>
               <a:t>‘N’</a:t>
             </a:r>
             <a:r>
-              <a:rPr lang="en-US" dirty="0" smtClean="0"/>
+              <a:rPr lang="en-US" dirty="0"/>
               <a:t> into </a:t>
             </a:r>
             <a:r>
-              <a:rPr lang="en-US" b="1" dirty="0" smtClean="0"/>
+              <a:rPr lang="en-US" b="1" dirty="0"/>
               <a:t>‘n’</a:t>
             </a:r>
-            <a:endParaRPr lang="en-US" b="1" dirty="0"/>
           </a:p>
         </p:txBody>
       </p:sp>
@@ -9169,10 +8994,9 @@
           <a:lstStyle/>
           <a:p>
             <a:r>
-              <a:rPr lang="en-US" dirty="0" smtClean="0"/>
+              <a:rPr lang="en-US" dirty="0"/>
               <a:t>Quiz: what is the result of this expression?</a:t>
             </a:r>
-            <a:endParaRPr lang="en-US" dirty="0"/>
           </a:p>
         </p:txBody>
       </p:sp>
@@ -9257,10 +9081,9 @@
           <a:p>
             <a:pPr algn="ctr"/>
             <a:r>
-              <a:rPr lang="en-US" sz="9600" b="1" dirty="0" smtClean="0"/>
+              <a:rPr lang="en-US" sz="9600" b="1" dirty="0"/>
               <a:t>42</a:t>
             </a:r>
-            <a:endParaRPr lang="en-US" sz="9600" b="1" dirty="0"/>
           </a:p>
         </p:txBody>
       </p:sp>
@@ -9285,111 +9108,110 @@
           <a:lstStyle/>
           <a:p>
             <a:r>
-              <a:rPr lang="en-US" i="1" dirty="0" smtClean="0"/>
+              <a:rPr lang="en-US" i="1" dirty="0"/>
               <a:t>Obviously</a:t>
             </a:r>
             <a:r>
-              <a:rPr lang="en-US" dirty="0" smtClean="0"/>
+              <a:rPr lang="en-US" dirty="0"/>
               <a:t>…</a:t>
             </a:r>
           </a:p>
           <a:p>
             <a:r>
-              <a:rPr lang="en-US" b="1" dirty="0" smtClean="0"/>
+              <a:rPr lang="en-US" b="1" dirty="0"/>
               <a:t>[]</a:t>
             </a:r>
             <a:r>
-              <a:rPr lang="en-US" dirty="0" smtClean="0"/>
+              <a:rPr lang="en-US" dirty="0"/>
               <a:t>: empty array</a:t>
             </a:r>
           </a:p>
           <a:p>
             <a:r>
-              <a:rPr lang="en-US" b="1" dirty="0" smtClean="0"/>
+              <a:rPr lang="en-US" b="1" dirty="0"/>
               <a:t>![]</a:t>
             </a:r>
             <a:r>
-              <a:rPr lang="en-US" dirty="0" smtClean="0"/>
+              <a:rPr lang="en-US" dirty="0"/>
               <a:t>: negation of an array, which obviously returns </a:t>
             </a:r>
             <a:r>
-              <a:rPr lang="en-US" b="1" dirty="0" smtClean="0"/>
+              <a:rPr lang="en-US" b="1" dirty="0"/>
               <a:t>false</a:t>
             </a:r>
           </a:p>
           <a:p>
             <a:r>
-              <a:rPr lang="en-US" b="1" dirty="0" smtClean="0"/>
+              <a:rPr lang="en-US" b="1" dirty="0"/>
               <a:t>!![]</a:t>
             </a:r>
             <a:r>
-              <a:rPr lang="en-US" dirty="0" smtClean="0"/>
+              <a:rPr lang="en-US" dirty="0"/>
               <a:t>: equivalent to </a:t>
             </a:r>
             <a:r>
-              <a:rPr lang="en-US" b="1" dirty="0" smtClean="0"/>
+              <a:rPr lang="en-US" b="1" dirty="0"/>
               <a:t>!false</a:t>
             </a:r>
             <a:r>
-              <a:rPr lang="en-US" dirty="0" smtClean="0"/>
+              <a:rPr lang="en-US" dirty="0"/>
               <a:t>, which results in </a:t>
             </a:r>
             <a:r>
-              <a:rPr lang="en-US" b="1" dirty="0" smtClean="0"/>
+              <a:rPr lang="en-US" b="1" dirty="0"/>
               <a:t>true</a:t>
             </a:r>
           </a:p>
           <a:p>
             <a:pPr lvl="1"/>
             <a:r>
-              <a:rPr lang="en-US" dirty="0" smtClean="0"/>
+              <a:rPr lang="en-US" dirty="0"/>
               <a:t>this actually makes sense…</a:t>
             </a:r>
           </a:p>
           <a:p>
             <a:r>
-              <a:rPr lang="en-US" b="1" dirty="0" smtClean="0"/>
+              <a:rPr lang="en-US" b="1" dirty="0"/>
               <a:t>!![]+!![]</a:t>
             </a:r>
             <a:r>
-              <a:rPr lang="en-US" dirty="0" smtClean="0"/>
+              <a:rPr lang="en-US" dirty="0"/>
               <a:t>: equivalent to </a:t>
             </a:r>
             <a:r>
-              <a:rPr lang="en-US" b="1" dirty="0" err="1" smtClean="0"/>
+              <a:rPr lang="en-US" b="1" dirty="0" err="1"/>
               <a:t>true+true</a:t>
             </a:r>
             <a:r>
-              <a:rPr lang="en-US" dirty="0" smtClean="0"/>
+              <a:rPr lang="en-US" dirty="0"/>
               <a:t>, which JS converts to numbers, and sees </a:t>
             </a:r>
             <a:r>
-              <a:rPr lang="en-US" b="1" dirty="0" smtClean="0"/>
+              <a:rPr lang="en-US" b="1" dirty="0"/>
               <a:t>1+1</a:t>
             </a:r>
           </a:p>
           <a:p>
             <a:r>
-              <a:rPr lang="en-US" b="1" dirty="0" smtClean="0"/>
+              <a:rPr lang="en-US" b="1" dirty="0"/>
               <a:t>!![]+!![]+!![]+!![]</a:t>
             </a:r>
             <a:r>
-              <a:rPr lang="en-US" dirty="0" smtClean="0"/>
+              <a:rPr lang="en-US" dirty="0"/>
               <a:t>: equivalent to </a:t>
             </a:r>
             <a:r>
-              <a:rPr lang="en-US" b="1" dirty="0" smtClean="0"/>
+              <a:rPr lang="en-US" b="1" dirty="0"/>
               <a:t>1+1+1+1</a:t>
             </a:r>
             <a:r>
-              <a:rPr lang="en-US" dirty="0" smtClean="0"/>
+              <a:rPr lang="en-US" dirty="0"/>
               <a:t>, which is </a:t>
             </a:r>
             <a:r>
-              <a:rPr lang="en-US" b="1" dirty="0" smtClean="0"/>
+              <a:rPr lang="en-US" b="1" dirty="0"/>
               <a:t>4 </a:t>
             </a:r>
-            <a:endParaRPr lang="en-US" b="1" dirty="0"/>
           </a:p>
         </p:txBody>
       </p:sp>
@@ -9439,10 +9261,9 @@
           <a:lstStyle/>
           <a:p>
             <a:r>
-              <a:rPr lang="en-US" dirty="0" smtClean="0"/>
+              <a:rPr lang="en-US" dirty="0"/>
               <a:t>Cont.</a:t>
             </a:r>
-            <a:endParaRPr lang="en-US" dirty="0"/>
           </a:p>
         </p:txBody>
       </p:sp>
@@ -9469,145 +9290,136 @@
           <a:lstStyle/>
           <a:p>
             <a:r>
-              <a:rPr lang="en-US" b="1" dirty="0" smtClean="0"/>
+              <a:rPr lang="en-US" b="1" dirty="0"/>
               <a:t>!![]+!![]+!![]+!![]+[]</a:t>
             </a:r>
             <a:r>
-              <a:rPr lang="en-US" dirty="0" smtClean="0"/>
+              <a:rPr lang="en-US" dirty="0"/>
               <a:t>: equivalent to </a:t>
             </a:r>
             <a:r>
-              <a:rPr lang="en-US" b="1" dirty="0" smtClean="0"/>
+              <a:rPr lang="en-US" b="1" dirty="0"/>
               <a:t>4+[]</a:t>
             </a:r>
             <a:r>
-              <a:rPr lang="en-US" dirty="0" smtClean="0"/>
+              <a:rPr lang="en-US" dirty="0"/>
               <a:t>, which JS sees as a concatenation of strings, where </a:t>
             </a:r>
             <a:r>
-              <a:rPr lang="en-US" b="1" dirty="0" smtClean="0"/>
+              <a:rPr lang="en-US" b="1" dirty="0"/>
               <a:t>[]</a:t>
             </a:r>
             <a:r>
-              <a:rPr lang="en-US" dirty="0" smtClean="0"/>
+              <a:rPr lang="en-US" dirty="0"/>
               <a:t> is </a:t>
             </a:r>
             <a:r>
-              <a:rPr lang="en-US" i="1" dirty="0" smtClean="0"/>
+              <a:rPr lang="en-US" i="1" dirty="0"/>
               <a:t>obviously</a:t>
             </a:r>
             <a:r>
-              <a:rPr lang="en-US" dirty="0" smtClean="0"/>
+              <a:rPr lang="en-US" dirty="0"/>
               <a:t> coerced into the empty string, so result is </a:t>
             </a:r>
             <a:r>
-              <a:rPr lang="en-US" b="1" dirty="0" smtClean="0"/>
-              <a:t>“4</a:t>
-            </a:r>
-            <a:r>
               <a:rPr lang="en-US" b="1" dirty="0"/>
-              <a:t>”+ “”</a:t>
-            </a:r>
-            <a:r>
-              <a:rPr lang="en-US" dirty="0" smtClean="0"/>
+              <a:t>“4”+ “”</a:t>
+            </a:r>
+            <a:r>
+              <a:rPr lang="en-US" dirty="0"/>
+              <a:t>, which is just </a:t>
+            </a:r>
+            <a:r>
+              <a:rPr lang="en-US" b="1" dirty="0"/>
+              <a:t>“4”</a:t>
+            </a:r>
+            <a:r>
+              <a:rPr lang="en-US" dirty="0"/>
+              <a:t> </a:t>
+            </a:r>
+          </a:p>
+          <a:p>
+            <a:r>
+              <a:rPr lang="en-US" b="1" dirty="0"/>
+              <a:t>!![]+!![]+!![]+!![]+[]+(!![]+!![])</a:t>
+            </a:r>
+            <a:r>
+              <a:rPr lang="en-US" dirty="0"/>
+              <a:t>: equivalent to </a:t>
+            </a:r>
+            <a:r>
+              <a:rPr lang="en-US" b="1" dirty="0"/>
+              <a:t>“4”+2</a:t>
+            </a:r>
+            <a:r>
+              <a:rPr lang="en-US" dirty="0"/>
+              <a:t>, which, as a concatenation of strings and not numbers, results into </a:t>
+            </a:r>
+            <a:r>
+              <a:rPr lang="en-US" b="1" dirty="0"/>
+              <a:t>“42”</a:t>
+            </a:r>
+          </a:p>
+          <a:p>
+            <a:pPr lvl="1"/>
+            <a:r>
+              <a:rPr lang="en-US" dirty="0" err="1"/>
+              <a:t>ie</a:t>
+            </a:r>
+            <a:r>
+              <a:rPr lang="en-US" dirty="0"/>
               <a:t>, </a:t>
             </a:r>
             <a:r>
-              <a:rPr lang="en-US" dirty="0" smtClean="0"/>
-              <a:t>which is just </a:t>
-            </a:r>
-            <a:r>
-              <a:rPr lang="en-US" b="1" dirty="0" smtClean="0"/>
+              <a:rPr lang="en-US" b="1" dirty="0"/>
+              <a:t>2</a:t>
+            </a:r>
+            <a:r>
+              <a:rPr lang="en-US" dirty="0"/>
+              <a:t> is coerced into a string like </a:t>
+            </a:r>
+            <a:r>
+              <a:rPr lang="en-US" b="1" dirty="0"/>
+              <a:t>“2”</a:t>
+            </a:r>
+            <a:r>
+              <a:rPr lang="en-US" dirty="0"/>
+              <a:t>, and NOT </a:t>
+            </a:r>
+            <a:r>
+              <a:rPr lang="en-US" b="1" dirty="0"/>
               <a:t>“4”</a:t>
             </a:r>
             <a:r>
-              <a:rPr lang="en-US" dirty="0" smtClean="0"/>
-              <a:t> </a:t>
-            </a:r>
-          </a:p>
-          <a:p>
-            <a:r>
-              <a:rPr lang="en-US" b="1" dirty="0" smtClean="0"/>
-              <a:t>!![]+!![]+!![]+!![]+[]+(!![]+!![])</a:t>
-            </a:r>
-            <a:r>
-              <a:rPr lang="en-US" dirty="0" smtClean="0"/>
+              <a:rPr lang="en-US" dirty="0"/>
+              <a:t> into a number like </a:t>
+            </a:r>
+            <a:r>
+              <a:rPr lang="en-US" b="1" dirty="0"/>
+              <a:t>4</a:t>
+            </a:r>
+          </a:p>
+          <a:p>
+            <a:r>
+              <a:rPr lang="en-US" b="1" dirty="0"/>
+              <a:t>+(!![]+!![]+!![]+!![]+[]+(!![]+!![]))</a:t>
+            </a:r>
+            <a:r>
+              <a:rPr lang="en-US" dirty="0"/>
               <a:t>: equivalent to </a:t>
             </a:r>
             <a:r>
-              <a:rPr lang="en-US" b="1" dirty="0" smtClean="0"/>
-              <a:t>“4”+2</a:t>
-            </a:r>
-            <a:r>
-              <a:rPr lang="en-US" dirty="0" smtClean="0"/>
-              <a:t>, which, as a concatenation of strings and not numbers, results into </a:t>
-            </a:r>
-            <a:r>
-              <a:rPr lang="en-US" b="1" dirty="0" smtClean="0"/>
-              <a:t>“42”</a:t>
-            </a:r>
-          </a:p>
-          <a:p>
-            <a:pPr lvl="1"/>
-            <a:r>
-              <a:rPr lang="en-US" dirty="0" err="1" smtClean="0"/>
-              <a:t>ie</a:t>
-            </a:r>
-            <a:r>
-              <a:rPr lang="en-US" dirty="0" smtClean="0"/>
-              <a:t>, </a:t>
-            </a:r>
-            <a:r>
-              <a:rPr lang="en-US" b="1" dirty="0" smtClean="0"/>
-              <a:t>2</a:t>
-            </a:r>
-            <a:r>
-              <a:rPr lang="en-US" dirty="0" smtClean="0"/>
-              <a:t> is coerced into a string like </a:t>
-            </a:r>
-            <a:r>
-              <a:rPr lang="en-US" b="1" dirty="0" smtClean="0"/>
-              <a:t>“2”</a:t>
-            </a:r>
-            <a:r>
-              <a:rPr lang="en-US" dirty="0" smtClean="0"/>
-              <a:t>, and NOT </a:t>
-            </a:r>
-            <a:r>
-              <a:rPr lang="en-US" b="1" dirty="0" smtClean="0"/>
-              <a:t>“4”</a:t>
-            </a:r>
-            <a:r>
-              <a:rPr lang="en-US" dirty="0" smtClean="0"/>
-              <a:t> into a number like </a:t>
-            </a:r>
-            <a:r>
-              <a:rPr lang="en-US" b="1" dirty="0" smtClean="0"/>
-              <a:t>4</a:t>
-            </a:r>
-          </a:p>
-          <a:p>
-            <a:r>
-              <a:rPr lang="en-US" b="1" dirty="0" smtClean="0"/>
-              <a:t>+(!![]+!![]+!![]+!![]+[]+(!![]+!![]))</a:t>
-            </a:r>
-            <a:r>
-              <a:rPr lang="en-US" dirty="0" smtClean="0"/>
-              <a:t>: equivalent to </a:t>
-            </a:r>
-            <a:r>
-              <a:rPr lang="en-US" b="1" dirty="0" smtClean="0"/>
+              <a:rPr lang="en-US" b="1" dirty="0"/>
               <a:t>+(“42”)</a:t>
             </a:r>
             <a:r>
-              <a:rPr lang="en-US" dirty="0" smtClean="0"/>
+              <a:rPr lang="en-US" dirty="0"/>
               <a:t>, which considers the string as a positive number, and so coerced into </a:t>
             </a:r>
             <a:r>
-              <a:rPr lang="en-US" b="1" dirty="0" smtClean="0"/>
+              <a:rPr lang="en-US" b="1" dirty="0"/>
               <a:t>42</a:t>
             </a:r>
-            <a:endParaRPr lang="en-US" b="1" dirty="0"/>
           </a:p>
         </p:txBody>
       </p:sp>
@@ -9664,29 +9476,24 @@
           <a:lstStyle/>
           <a:p>
             <a:r>
-              <a:rPr lang="en-US" b="1" dirty="0" smtClean="0"/>
+              <a:rPr lang="en-US" b="1" dirty="0"/>
               <a:t>+(!![]+!![]+!![]+!![]+[]+(!![]+!![]))</a:t>
             </a:r>
-            <a:r>
-              <a:rPr lang="en-US" dirty="0" smtClean="0"/>
-              <a:t/>
-            </a:r>
             <a:br>
-              <a:rPr lang="en-US" dirty="0" smtClean="0"/>
+              <a:rPr lang="en-US" dirty="0"/>
             </a:br>
             <a:r>
-              <a:rPr lang="en-US" dirty="0" smtClean="0"/>
+              <a:rPr lang="en-US" dirty="0"/>
               <a:t>yes… obviously </a:t>
             </a:r>
             <a:r>
-              <a:rPr lang="en-US" b="1" dirty="0" smtClean="0"/>
+              <a:rPr lang="en-US" b="1" dirty="0"/>
               <a:t>42</a:t>
             </a:r>
             <a:r>
-              <a:rPr lang="en-US" dirty="0" smtClean="0"/>
+              <a:rPr lang="en-US" dirty="0"/>
               <a:t>…</a:t>
             </a:r>
-            <a:endParaRPr lang="en-US" dirty="0"/>
           </a:p>
         </p:txBody>
       </p:sp>
@@ -9777,18 +9584,17 @@
           <a:lstStyle/>
           <a:p>
             <a:r>
-              <a:rPr lang="en-US" dirty="0" smtClean="0"/>
+              <a:rPr lang="en-US" dirty="0"/>
               <a:t>Anyway… why </a:t>
             </a:r>
             <a:r>
-              <a:rPr lang="en-US" b="1" dirty="0" smtClean="0"/>
+              <a:rPr lang="en-US" b="1" dirty="0"/>
               <a:t>42</a:t>
             </a:r>
             <a:r>
-              <a:rPr lang="en-US" dirty="0" smtClean="0"/>
+              <a:rPr lang="en-US" dirty="0"/>
               <a:t>?</a:t>
             </a:r>
-            <a:endParaRPr lang="en-US" dirty="0"/>
           </a:p>
         </p:txBody>
       </p:sp>
@@ -9813,63 +9619,47 @@
           <a:lstStyle/>
           <a:p>
             <a:r>
-              <a:rPr lang="en-US" dirty="0" smtClean="0"/>
+              <a:rPr lang="en-US" dirty="0"/>
               <a:t>You will see </a:t>
             </a:r>
             <a:r>
-              <a:rPr lang="en-US" b="1" dirty="0" smtClean="0"/>
+              <a:rPr lang="en-US" b="1" dirty="0"/>
               <a:t>42</a:t>
             </a:r>
             <a:r>
-              <a:rPr lang="en-US" dirty="0" smtClean="0"/>
+              <a:rPr lang="en-US" dirty="0"/>
               <a:t> all the time…</a:t>
             </a:r>
           </a:p>
           <a:p>
             <a:r>
-              <a:rPr lang="en-US" dirty="0" smtClean="0"/>
-              <a:t>Geeky reference </a:t>
-            </a:r>
-            <a:r>
-              <a:rPr lang="en-US" dirty="0"/>
-              <a:t>to the </a:t>
-            </a:r>
-            <a:r>
-              <a:rPr lang="en-US" dirty="0" smtClean="0"/>
-              <a:t>“</a:t>
-            </a:r>
-            <a:r>
-              <a:rPr lang="en-US" i="1" dirty="0" smtClean="0"/>
+              <a:rPr lang="en-US" dirty="0"/>
+              <a:t>Geeky reference to the “</a:t>
+            </a:r>
+            <a:r>
+              <a:rPr lang="en-US" i="1" dirty="0"/>
               <a:t>The</a:t>
             </a:r>
             <a:r>
-              <a:rPr lang="en-US" dirty="0" smtClean="0"/>
+              <a:rPr lang="en-US" dirty="0"/>
               <a:t> </a:t>
             </a:r>
             <a:r>
-              <a:rPr lang="en-US" i="1" dirty="0" smtClean="0"/>
-              <a:t>Hitchhiker's Guide </a:t>
-            </a:r>
-            <a:r>
               <a:rPr lang="en-US" i="1" dirty="0"/>
-              <a:t>to the </a:t>
-            </a:r>
-            <a:r>
-              <a:rPr lang="en-US" i="1" dirty="0" smtClean="0"/>
-              <a:t>Galaxy</a:t>
-            </a:r>
-            <a:r>
-              <a:rPr lang="en-US" dirty="0" smtClean="0"/>
+              <a:t>Hitchhiker's Guide to the Galaxy</a:t>
+            </a:r>
+            <a:r>
+              <a:rPr lang="en-US" dirty="0"/>
               <a:t>”</a:t>
             </a:r>
           </a:p>
           <a:p>
             <a:r>
-              <a:rPr lang="en-US" dirty="0" smtClean="0"/>
+              <a:rPr lang="en-US" dirty="0"/>
               <a:t>It is the “</a:t>
             </a:r>
             <a:r>
-              <a:rPr lang="en-US" b="1" i="1" dirty="0" smtClean="0"/>
+              <a:rPr lang="en-US" b="1" i="1" dirty="0"/>
               <a:t>Answer</a:t>
             </a:r>
             <a:r>
@@ -9877,10 +9667,9 @@
               <a:t> to the Ultimate Question of Life, the Universe, and Everything</a:t>
             </a:r>
             <a:r>
-              <a:rPr lang="en-US" dirty="0" smtClean="0"/>
+              <a:rPr lang="en-US" dirty="0"/>
               <a:t>”</a:t>
             </a:r>
-            <a:endParaRPr lang="en-US" dirty="0"/>
           </a:p>
         </p:txBody>
       </p:sp>
@@ -10019,10 +9808,9 @@
           <a:lstStyle/>
           <a:p>
             <a:r>
-              <a:rPr lang="en-US" dirty="0" smtClean="0"/>
+              <a:rPr lang="en-US" dirty="0"/>
               <a:t>Quiz: what happens when you sort an array of integers like the following?</a:t>
             </a:r>
-            <a:endParaRPr lang="en-US" dirty="0"/>
           </a:p>
         </p:txBody>
       </p:sp>
@@ -10133,89 +9921,89 @@
           <a:lstStyle/>
           <a:p>
             <a:r>
-              <a:rPr lang="en-US" i="1" dirty="0" smtClean="0"/>
+              <a:rPr lang="en-US" i="1" dirty="0"/>
               <a:t>“Obviously”</a:t>
             </a:r>
             <a:r>
-              <a:rPr lang="en-US" dirty="0" smtClean="0"/>
+              <a:rPr lang="en-US" dirty="0"/>
               <a:t> </a:t>
             </a:r>
             <a:r>
-              <a:rPr lang="en-US" b="1" dirty="0" smtClean="0"/>
+              <a:rPr lang="en-US" b="1" dirty="0"/>
               <a:t>18</a:t>
             </a:r>
             <a:r>
-              <a:rPr lang="en-US" dirty="0" smtClean="0"/>
+              <a:rPr lang="en-US" dirty="0"/>
               <a:t> is </a:t>
             </a:r>
             <a:r>
-              <a:rPr lang="en-US" i="1" dirty="0" smtClean="0"/>
+              <a:rPr lang="en-US" i="1" dirty="0"/>
               <a:t>smaller</a:t>
             </a:r>
             <a:r>
-              <a:rPr lang="en-US" dirty="0" smtClean="0"/>
+              <a:rPr lang="en-US" dirty="0"/>
               <a:t> than </a:t>
             </a:r>
             <a:r>
-              <a:rPr lang="en-US" b="1" dirty="0" smtClean="0"/>
+              <a:rPr lang="en-US" b="1" dirty="0"/>
               <a:t>2</a:t>
             </a:r>
             <a:r>
-              <a:rPr lang="en-US" dirty="0" smtClean="0"/>
+              <a:rPr lang="en-US" dirty="0"/>
               <a:t> and </a:t>
             </a:r>
             <a:r>
-              <a:rPr lang="en-US" b="1" dirty="0" smtClean="0"/>
+              <a:rPr lang="en-US" b="1" dirty="0"/>
               <a:t>3</a:t>
             </a:r>
             <a:r>
-              <a:rPr lang="en-US" dirty="0" smtClean="0"/>
+              <a:rPr lang="en-US" dirty="0"/>
               <a:t>, isn’t it?</a:t>
             </a:r>
           </a:p>
           <a:p>
             <a:r>
-              <a:rPr lang="en-US" dirty="0" smtClean="0"/>
+              <a:rPr lang="en-US" dirty="0"/>
               <a:t>What the heck is happening here?</a:t>
             </a:r>
           </a:p>
           <a:p>
             <a:r>
-              <a:rPr lang="en-US" dirty="0" smtClean="0"/>
+              <a:rPr lang="en-US" dirty="0"/>
               <a:t>JS has no concept of typed array… you could add all different kinds of types in same array</a:t>
             </a:r>
           </a:p>
           <a:p>
             <a:r>
-              <a:rPr lang="en-US" dirty="0" smtClean="0"/>
+              <a:rPr lang="en-US" dirty="0"/>
               <a:t>So, no default way to define ordering on a JS array</a:t>
             </a:r>
           </a:p>
           <a:p>
             <a:r>
-              <a:rPr lang="en-US" dirty="0" smtClean="0"/>
+              <a:rPr lang="en-US" dirty="0"/>
               <a:t>JS, by default, converts all values into STRINGs, and does comparisons based on string ordering</a:t>
             </a:r>
           </a:p>
           <a:p>
             <a:r>
-              <a:rPr lang="en-US" dirty="0" smtClean="0"/>
+              <a:rPr lang="en-US" dirty="0"/>
               <a:t>The string </a:t>
             </a:r>
             <a:r>
-              <a:rPr lang="en-US" b="1" dirty="0" smtClean="0"/>
+              <a:rPr lang="en-US" b="1" dirty="0"/>
               <a:t>“18”</a:t>
             </a:r>
             <a:r>
-              <a:rPr lang="en-US" dirty="0" smtClean="0"/>
+              <a:rPr lang="en-US" dirty="0"/>
               <a:t> is smaller than string </a:t>
             </a:r>
             <a:r>
-              <a:rPr lang="en-US" b="1" dirty="0" smtClean="0"/>
+              <a:rPr lang="en-US" b="1" dirty="0"/>
               <a:t>“2”</a:t>
             </a:r>
             <a:r>
-              <a:rPr lang="en-US" dirty="0" smtClean="0"/>
+              <a:rPr lang="en-US" dirty="0"/>
               <a:t>, as starting with a 1</a:t>
             </a:r>
             <a:endParaRPr lang="en-US" b="1" dirty="0"/>
@@ -10268,10 +10056,9 @@
           <a:lstStyle/>
           <a:p>
             <a:r>
-              <a:rPr lang="en-US" dirty="0" smtClean="0"/>
+              <a:rPr lang="en-US" dirty="0"/>
               <a:t>Do Not Do Drugs…</a:t>
             </a:r>
-            <a:endParaRPr lang="en-US" dirty="0"/>
           </a:p>
         </p:txBody>
       </p:sp>
@@ -10301,10 +10088,9 @@
               <a:buNone/>
             </a:pPr>
             <a:r>
-              <a:rPr lang="en-US" sz="4000" dirty="0" smtClean="0"/>
+              <a:rPr lang="en-US" sz="4000" dirty="0"/>
               <a:t>Otherwise, one day you might end up designing languages like JavaScript…</a:t>
             </a:r>
-            <a:endParaRPr lang="en-US" sz="4000" dirty="0"/>
           </a:p>
         </p:txBody>
       </p:sp>
@@ -10459,7 +10245,7 @@
           </a:ln>
           <a:extLst>
             <a:ext uri="{C572A759-6A51-4108-AA02-DFA0A04FC94B}">
-              <ma14:wrappingTextBoxFlag xmlns:ma14="http://schemas.microsoft.com/office/mac/drawingml/2011/main" xmlns="" val="1"/>
+              <ma14:wrappingTextBoxFlag xmlns="" xmlns:ma14="http://schemas.microsoft.com/office/mac/drawingml/2011/main" val="1"/>
             </a:ext>
           </a:extLst>
         </p:spPr>
@@ -10874,71 +10660,70 @@
           <a:lstStyle/>
           <a:p>
             <a:r>
-              <a:rPr lang="en-US" dirty="0" smtClean="0"/>
+              <a:rPr lang="en-US" dirty="0"/>
               <a:t>By now… you should have guessed what is my opinion of JavaScript</a:t>
             </a:r>
           </a:p>
           <a:p>
             <a:r>
-              <a:rPr lang="en-US" dirty="0" smtClean="0"/>
+              <a:rPr lang="en-US" dirty="0"/>
               <a:t>But JS is a </a:t>
             </a:r>
             <a:r>
-              <a:rPr lang="en-US" i="1" dirty="0" smtClean="0"/>
+              <a:rPr lang="en-US" i="1" dirty="0"/>
               <a:t>must</a:t>
             </a:r>
             <a:r>
-              <a:rPr lang="en-US" dirty="0" smtClean="0"/>
+              <a:rPr lang="en-US" dirty="0"/>
               <a:t> to learn if you are dealing with web development…</a:t>
             </a:r>
           </a:p>
           <a:p>
             <a:r>
-              <a:rPr lang="en-US" dirty="0" smtClean="0"/>
+              <a:rPr lang="en-US" dirty="0"/>
               <a:t>… even if you just want to focus on backend</a:t>
             </a:r>
           </a:p>
           <a:p>
             <a:r>
-              <a:rPr lang="en-US" dirty="0" smtClean="0"/>
+              <a:rPr lang="en-US" dirty="0"/>
               <a:t>Until </a:t>
             </a:r>
             <a:r>
-              <a:rPr lang="en-US" i="1" dirty="0" err="1" smtClean="0"/>
+              <a:rPr lang="en-US" i="1" dirty="0" err="1"/>
               <a:t>WebAssembly</a:t>
             </a:r>
             <a:r>
-              <a:rPr lang="en-US" dirty="0" smtClean="0"/>
+              <a:rPr lang="en-US" dirty="0"/>
               <a:t> will support DOM manipulation, or </a:t>
             </a:r>
             <a:r>
-              <a:rPr lang="en-US" i="1" dirty="0" err="1" smtClean="0"/>
+              <a:rPr lang="en-US" i="1" dirty="0" err="1"/>
               <a:t>Kotlin</a:t>
             </a:r>
             <a:r>
-              <a:rPr lang="en-US" dirty="0" smtClean="0"/>
+              <a:rPr lang="en-US" dirty="0"/>
               <a:t> </a:t>
             </a:r>
             <a:r>
-              <a:rPr lang="en-US" dirty="0" err="1" smtClean="0"/>
+              <a:rPr lang="en-US" dirty="0" err="1"/>
               <a:t>transpilation</a:t>
             </a:r>
             <a:r>
-              <a:rPr lang="en-US" dirty="0" smtClean="0"/>
+              <a:rPr lang="en-US" dirty="0"/>
               <a:t> will have better support, unfortunately we need to endure JS</a:t>
             </a:r>
           </a:p>
           <a:p>
             <a:pPr lvl="1"/>
             <a:r>
-              <a:rPr lang="en-US" i="1" dirty="0" err="1" smtClean="0"/>
+              <a:rPr lang="en-US" i="1" dirty="0" err="1"/>
               <a:t>TypeScript</a:t>
             </a:r>
             <a:r>
-              <a:rPr lang="en-US" dirty="0" smtClean="0"/>
+              <a:rPr lang="en-US" dirty="0"/>
               <a:t> can ease the pain meanwhile…</a:t>
             </a:r>
-            <a:endParaRPr lang="en-US" dirty="0"/>
           </a:p>
         </p:txBody>
       </p:sp>
@@ -11111,10 +10896,9 @@
           <a:lstStyle/>
           <a:p>
             <a:r>
-              <a:rPr lang="en-US" dirty="0" smtClean="0"/>
+              <a:rPr lang="en-US" dirty="0"/>
               <a:t>Jokes apart…</a:t>
             </a:r>
-            <a:endParaRPr lang="en-US" dirty="0"/>
           </a:p>
         </p:txBody>
       </p:sp>
@@ -11141,101 +10925,96 @@
           <a:lstStyle/>
           <a:p>
             <a:r>
-              <a:rPr lang="en-US" dirty="0" smtClean="0"/>
+              <a:rPr lang="en-US" dirty="0"/>
               <a:t>The pain of JS (and other dynamically typed languages) is when working on </a:t>
             </a:r>
             <a:r>
-              <a:rPr lang="en-US" i="1" dirty="0" smtClean="0"/>
+              <a:rPr lang="en-US" i="1" dirty="0"/>
               <a:t>large</a:t>
             </a:r>
             <a:r>
-              <a:rPr lang="en-US" dirty="0" smtClean="0"/>
+              <a:rPr lang="en-US" dirty="0"/>
               <a:t> projects…</a:t>
             </a:r>
           </a:p>
           <a:p>
             <a:r>
-              <a:rPr lang="en-US" dirty="0" smtClean="0"/>
+              <a:rPr lang="en-US" dirty="0"/>
               <a:t>… where you might need to do </a:t>
             </a:r>
             <a:r>
-              <a:rPr lang="en-US" i="1" dirty="0" smtClean="0"/>
+              <a:rPr lang="en-US" i="1" dirty="0"/>
               <a:t>refactoring</a:t>
             </a:r>
             <a:r>
-              <a:rPr lang="en-US" dirty="0" smtClean="0"/>
+              <a:rPr lang="en-US" dirty="0"/>
               <a:t> </a:t>
             </a:r>
           </a:p>
           <a:p>
             <a:pPr lvl="1"/>
             <a:r>
-              <a:rPr lang="en-US" dirty="0" smtClean="0"/>
+              <a:rPr lang="en-US" dirty="0"/>
               <a:t>good luck, you </a:t>
             </a:r>
             <a:r>
-              <a:rPr lang="en-US" i="1" dirty="0" smtClean="0"/>
+              <a:rPr lang="en-US" i="1" dirty="0"/>
               <a:t>poor</a:t>
             </a:r>
             <a:r>
-              <a:rPr lang="en-US" dirty="0" smtClean="0"/>
+              <a:rPr lang="en-US" dirty="0"/>
               <a:t> </a:t>
             </a:r>
             <a:r>
-              <a:rPr lang="en-US" i="1" dirty="0" smtClean="0"/>
+              <a:rPr lang="en-US" i="1" dirty="0"/>
               <a:t>souls</a:t>
             </a:r>
             <a:r>
-              <a:rPr lang="en-US" dirty="0" smtClean="0"/>
+              <a:rPr lang="en-US" dirty="0"/>
               <a:t>…</a:t>
             </a:r>
           </a:p>
           <a:p>
             <a:r>
-              <a:rPr lang="en-US" dirty="0" smtClean="0"/>
+              <a:rPr lang="en-US" dirty="0"/>
               <a:t>… and/or have to work on code written by others…</a:t>
             </a:r>
           </a:p>
           <a:p>
             <a:r>
-              <a:rPr lang="en-US" dirty="0" smtClean="0"/>
+              <a:rPr lang="en-US" dirty="0"/>
               <a:t>For what you will see in this course, and during your degree, you will be (hopefully) fine, as working only on </a:t>
             </a:r>
             <a:r>
-              <a:rPr lang="en-US" i="1" dirty="0" smtClean="0"/>
+              <a:rPr lang="en-US" i="1" dirty="0"/>
               <a:t>small</a:t>
             </a:r>
             <a:r>
-              <a:rPr lang="en-US" dirty="0" smtClean="0"/>
-              <a:t> </a:t>
-            </a:r>
-            <a:r>
-              <a:rPr lang="en-US" dirty="0" smtClean="0"/>
-              <a:t>systems</a:t>
-            </a:r>
-          </a:p>
-          <a:p>
-            <a:r>
-              <a:rPr lang="en-US" dirty="0" smtClean="0"/>
+              <a:rPr lang="en-US" dirty="0"/>
+              <a:t> systems</a:t>
+            </a:r>
+          </a:p>
+          <a:p>
+            <a:r>
+              <a:rPr lang="en-US" dirty="0"/>
               <a:t>You need to get experience in building a project with a dynamically typed language (and so </a:t>
             </a:r>
             <a:r>
-              <a:rPr lang="en-US" i="1" dirty="0" err="1" smtClean="0"/>
+              <a:rPr lang="en-US" i="1" dirty="0" err="1"/>
               <a:t>TypeScript</a:t>
             </a:r>
             <a:r>
-              <a:rPr lang="en-US" dirty="0" smtClean="0"/>
+              <a:rPr lang="en-US" dirty="0"/>
               <a:t> will not be allowed in the exam)</a:t>
             </a:r>
-            <a:endParaRPr lang="en-US" dirty="0" smtClean="0"/>
-          </a:p>
-          <a:p>
-            <a:r>
-              <a:rPr lang="en-US" dirty="0" smtClean="0"/>
+          </a:p>
+          <a:p>
+            <a:r>
+              <a:rPr lang="en-US" dirty="0"/>
               <a:t>Remember: </a:t>
             </a:r>
             <a:r>
-              <a:rPr lang="en-US" i="1" dirty="0" smtClean="0"/>
+              <a:rPr lang="en-US" i="1" dirty="0"/>
               <a:t>what does not kill you, makes you stronger </a:t>
             </a:r>
           </a:p>
@@ -11297,26 +11076,25 @@
           <a:lstStyle/>
           <a:p>
             <a:r>
-              <a:rPr lang="en-US" dirty="0" smtClean="0"/>
+              <a:rPr lang="en-US" dirty="0"/>
               <a:t>For equality, use “</a:t>
             </a:r>
             <a:r>
-              <a:rPr lang="en-US" b="1" dirty="0" smtClean="0"/>
+              <a:rPr lang="en-US" b="1" dirty="0"/>
               <a:t>===</a:t>
             </a:r>
             <a:r>
-              <a:rPr lang="en-US" dirty="0" smtClean="0"/>
+              <a:rPr lang="en-US" dirty="0"/>
               <a:t>“ and not “</a:t>
             </a:r>
             <a:r>
-              <a:rPr lang="en-US" b="1" dirty="0" smtClean="0"/>
+              <a:rPr lang="en-US" b="1" dirty="0"/>
               <a:t>==</a:t>
             </a:r>
             <a:r>
-              <a:rPr lang="en-US" dirty="0" smtClean="0"/>
+              <a:rPr lang="en-US" dirty="0"/>
               <a:t>”</a:t>
             </a:r>
-            <a:endParaRPr lang="en-US" dirty="0"/>
           </a:p>
         </p:txBody>
       </p:sp>
@@ -11343,136 +11121,132 @@
           <a:lstStyle/>
           <a:p>
             <a:r>
-              <a:rPr lang="en-US" b="1" dirty="0" smtClean="0"/>
+              <a:rPr lang="en-US" b="1" dirty="0"/>
               <a:t>false == 0 </a:t>
             </a:r>
           </a:p>
           <a:p>
             <a:pPr lvl="1"/>
             <a:r>
-              <a:rPr lang="en-US" dirty="0" smtClean="0"/>
+              <a:rPr lang="en-US" dirty="0"/>
               <a:t>result is </a:t>
             </a:r>
             <a:r>
-              <a:rPr lang="en-US" b="1" dirty="0" smtClean="0"/>
+              <a:rPr lang="en-US" b="1" dirty="0"/>
               <a:t>true</a:t>
             </a:r>
             <a:r>
-              <a:rPr lang="en-US" dirty="0" smtClean="0"/>
+              <a:rPr lang="en-US" dirty="0"/>
               <a:t>, </a:t>
             </a:r>
             <a:r>
-              <a:rPr lang="en-US" dirty="0" err="1" smtClean="0"/>
+              <a:rPr lang="en-US" dirty="0" err="1"/>
               <a:t>ie</a:t>
             </a:r>
             <a:r>
-              <a:rPr lang="en-US" dirty="0" smtClean="0"/>
+              <a:rPr lang="en-US" dirty="0"/>
               <a:t>, </a:t>
             </a:r>
             <a:r>
-              <a:rPr lang="en-US" dirty="0" err="1" smtClean="0"/>
+              <a:rPr lang="en-US" dirty="0" err="1"/>
               <a:t>boolean</a:t>
             </a:r>
             <a:r>
-              <a:rPr lang="en-US" dirty="0" smtClean="0"/>
+              <a:rPr lang="en-US" dirty="0"/>
               <a:t> </a:t>
             </a:r>
             <a:r>
-              <a:rPr lang="en-US" b="1" dirty="0" smtClean="0"/>
+              <a:rPr lang="en-US" b="1" dirty="0"/>
               <a:t>false</a:t>
             </a:r>
             <a:r>
-              <a:rPr lang="en-US" dirty="0" smtClean="0"/>
+              <a:rPr lang="en-US" dirty="0"/>
               <a:t> is equivalent to numeric </a:t>
             </a:r>
             <a:r>
-              <a:rPr lang="en-US" b="1" dirty="0" smtClean="0"/>
+              <a:rPr lang="en-US" b="1" dirty="0"/>
               <a:t>0</a:t>
             </a:r>
             <a:r>
-              <a:rPr lang="en-US" dirty="0" smtClean="0"/>
+              <a:rPr lang="en-US" dirty="0"/>
               <a:t>, as the </a:t>
             </a:r>
             <a:r>
-              <a:rPr lang="en-US" b="1" dirty="0" smtClean="0"/>
+              <a:rPr lang="en-US" b="1" dirty="0"/>
               <a:t>0</a:t>
             </a:r>
             <a:r>
-              <a:rPr lang="en-US" dirty="0" smtClean="0"/>
+              <a:rPr lang="en-US" dirty="0"/>
               <a:t> gets transformed into a </a:t>
             </a:r>
             <a:r>
-              <a:rPr lang="en-US" dirty="0" err="1" smtClean="0"/>
+              <a:rPr lang="en-US" dirty="0" err="1"/>
               <a:t>boolean</a:t>
             </a:r>
             <a:r>
-              <a:rPr lang="en-US" dirty="0" smtClean="0"/>
+              <a:rPr lang="en-US" dirty="0"/>
               <a:t> to compare it with </a:t>
             </a:r>
             <a:r>
-              <a:rPr lang="en-US" b="1" dirty="0" smtClean="0"/>
+              <a:rPr lang="en-US" b="1" dirty="0"/>
               <a:t>false</a:t>
             </a:r>
           </a:p>
           <a:p>
             <a:r>
-              <a:rPr lang="en-US" b="1" dirty="0" smtClean="0"/>
+              <a:rPr lang="en-US" b="1" dirty="0"/>
               <a:t>false === 0  </a:t>
             </a:r>
           </a:p>
           <a:p>
             <a:pPr lvl="1"/>
             <a:r>
-              <a:rPr lang="en-US" dirty="0" smtClean="0"/>
+              <a:rPr lang="en-US" dirty="0"/>
               <a:t>result is </a:t>
             </a:r>
             <a:r>
-              <a:rPr lang="en-US" b="1" dirty="0" smtClean="0"/>
+              <a:rPr lang="en-US" b="1" dirty="0"/>
               <a:t>false</a:t>
             </a:r>
             <a:r>
-              <a:rPr lang="en-US" dirty="0" smtClean="0"/>
+              <a:rPr lang="en-US" dirty="0"/>
               <a:t>, as a </a:t>
             </a:r>
             <a:r>
-              <a:rPr lang="en-US" dirty="0" err="1" smtClean="0"/>
+              <a:rPr lang="en-US" dirty="0" err="1"/>
               <a:t>boolean</a:t>
             </a:r>
             <a:r>
-              <a:rPr lang="en-US" dirty="0" smtClean="0"/>
+              <a:rPr lang="en-US" dirty="0"/>
               <a:t> value is not equal to a numeric value </a:t>
             </a:r>
           </a:p>
           <a:p>
             <a:r>
               <a:rPr lang="en-US" b="1" dirty="0"/>
-              <a:t>0 == </a:t>
-            </a:r>
-            <a:r>
-              <a:rPr lang="en-US" b="1" dirty="0" smtClean="0"/>
-              <a:t>[]</a:t>
+              <a:t>0 == []</a:t>
             </a:r>
           </a:p>
           <a:p>
             <a:pPr lvl="1"/>
             <a:r>
-              <a:rPr lang="en-US" dirty="0" smtClean="0"/>
+              <a:rPr lang="en-US" dirty="0"/>
               <a:t>surprisingly, that is true in JS, </a:t>
             </a:r>
             <a:r>
-              <a:rPr lang="en-US" dirty="0" err="1" smtClean="0"/>
+              <a:rPr lang="en-US" dirty="0" err="1"/>
               <a:t>ie</a:t>
             </a:r>
             <a:r>
-              <a:rPr lang="en-US" dirty="0" smtClean="0"/>
+              <a:rPr lang="en-US" dirty="0"/>
               <a:t> the numeric </a:t>
             </a:r>
             <a:r>
-              <a:rPr lang="en-US" b="1" dirty="0" smtClean="0"/>
+              <a:rPr lang="en-US" b="1" dirty="0"/>
               <a:t>0</a:t>
             </a:r>
             <a:r>
-              <a:rPr lang="en-US" dirty="0" smtClean="0"/>
+              <a:rPr lang="en-US" dirty="0"/>
               <a:t> is equal to an empty array</a:t>
             </a:r>
           </a:p>
@@ -11480,56 +11254,33 @@
             <a:pPr lvl="1"/>
             <a:r>
               <a:rPr lang="en-US" dirty="0"/>
-              <a:t>p</a:t>
-            </a:r>
-            <a:r>
-              <a:rPr lang="en-US" dirty="0" smtClean="0"/>
-              <a:t>lenty of </a:t>
-            </a:r>
-            <a:r>
-              <a:rPr lang="en-US" dirty="0"/>
-              <a:t>these </a:t>
-            </a:r>
-            <a:r>
-              <a:rPr lang="en-US" dirty="0" smtClean="0"/>
-              <a:t>hilarious cases</a:t>
-            </a:r>
-            <a:r>
-              <a:rPr lang="en-US" dirty="0"/>
-              <a:t>, see </a:t>
+              <a:t>plenty of these hilarious cases, see </a:t>
             </a:r>
             <a:r>
               <a:rPr lang="en-US" dirty="0">
                 <a:hlinkClick r:id="rId2"/>
               </a:rPr>
-              <a:t>https://dorey.github.io/JavaScript-Equality-Table</a:t>
-            </a:r>
-            <a:r>
-              <a:rPr lang="en-US" dirty="0" smtClean="0">
-                <a:hlinkClick r:id="rId2"/>
-              </a:rPr>
-              <a:t>/</a:t>
-            </a:r>
-            <a:endParaRPr lang="en-US" dirty="0" smtClean="0"/>
-          </a:p>
-          <a:p>
-            <a:r>
-              <a:rPr lang="en-US" dirty="0" smtClean="0"/>
+              <a:t>https://dorey.github.io/JavaScript-Equality-Table/</a:t>
+            </a:r>
+            <a:endParaRPr lang="en-US" dirty="0"/>
+          </a:p>
+          <a:p>
+            <a:r>
+              <a:rPr lang="en-US" dirty="0"/>
               <a:t>For negation, use </a:t>
             </a:r>
             <a:r>
-              <a:rPr lang="en-US" b="1" dirty="0" smtClean="0"/>
+              <a:rPr lang="en-US" b="1" dirty="0"/>
               <a:t>!==</a:t>
             </a:r>
             <a:r>
-              <a:rPr lang="en-US" dirty="0" smtClean="0"/>
+              <a:rPr lang="en-US" dirty="0"/>
               <a:t> instead of </a:t>
             </a:r>
             <a:r>
-              <a:rPr lang="en-US" b="1" dirty="0" smtClean="0"/>
+              <a:rPr lang="en-US" b="1" dirty="0"/>
               <a:t>!=</a:t>
             </a:r>
-            <a:endParaRPr lang="en-US" b="1" dirty="0"/>
           </a:p>
         </p:txBody>
       </p:sp>
@@ -11565,7 +11316,13 @@
       </p:grpSpPr>
       <p:sp>
         <p:nvSpPr>
-          <p:cNvPr id="2" name="Title 1"/>
+          <p:cNvPr id="2" name="Title 1">
+            <a:extLst>
+              <a:ext uri="{FF2B5EF4-FFF2-40B4-BE49-F238E27FC236}">
+                <a16:creationId xmlns:a16="http://schemas.microsoft.com/office/drawing/2014/main" id="{B9AC4AA6-A79A-634F-9B77-1E5D56181F76}"/>
+              </a:ext>
+            </a:extLst>
+          </p:cNvPr>
           <p:cNvSpPr>
             <a:spLocks noGrp="1"/>
           </p:cNvSpPr>
@@ -11579,16 +11336,21 @@
           <a:lstStyle/>
           <a:p>
             <a:r>
-              <a:rPr lang="en-US" dirty="0" smtClean="0"/>
-              <a:t>Function Declaration</a:t>
-            </a:r>
-            <a:endParaRPr lang="en-US" dirty="0"/>
-          </a:p>
-        </p:txBody>
-      </p:sp>
-      <p:sp>
-        <p:nvSpPr>
-          <p:cNvPr id="3" name="Content Placeholder 2"/>
+              <a:rPr lang="en-US" dirty="0"/>
+              <a:t>Booleans</a:t>
+            </a:r>
+          </a:p>
+        </p:txBody>
+      </p:sp>
+      <p:sp>
+        <p:nvSpPr>
+          <p:cNvPr id="3" name="Content Placeholder 2">
+            <a:extLst>
+              <a:ext uri="{FF2B5EF4-FFF2-40B4-BE49-F238E27FC236}">
+                <a16:creationId xmlns:a16="http://schemas.microsoft.com/office/drawing/2014/main" id="{4625539A-BE4E-774D-84BA-D79B25F52A4C}"/>
+              </a:ext>
+            </a:extLst>
+          </p:cNvPr>
           <p:cNvSpPr>
             <a:spLocks noGrp="1"/>
           </p:cNvSpPr>
@@ -11598,175 +11360,138 @@
         </p:nvSpPr>
         <p:spPr>
           <a:xfrm>
-            <a:off x="297180" y="1825624"/>
-            <a:ext cx="11605260" cy="4822825"/>
+            <a:off x="232913" y="1825624"/>
+            <a:ext cx="11766430" cy="4911606"/>
           </a:xfrm>
         </p:spPr>
         <p:txBody>
-          <a:bodyPr>
-            <a:normAutofit lnSpcReduction="10000"/>
-          </a:bodyPr>
-          <a:lstStyle/>
-          <a:p>
-            <a:r>
-              <a:rPr lang="en-US" b="1" dirty="0" smtClean="0"/>
-              <a:t>function foo(){ return 1;}</a:t>
+          <a:bodyPr/>
+          <a:lstStyle/>
+          <a:p>
+            <a:r>
+              <a:rPr lang="en-US" dirty="0"/>
+              <a:t>6 values evaluates to “</a:t>
+            </a:r>
+            <a:r>
+              <a:rPr lang="en-US" i="1" dirty="0"/>
+              <a:t>false</a:t>
+            </a:r>
+            <a:r>
+              <a:rPr lang="en-US" dirty="0"/>
+              <a:t>” when used as </a:t>
+            </a:r>
+            <a:r>
+              <a:rPr lang="en-US" dirty="0" err="1"/>
+              <a:t>booleans</a:t>
+            </a:r>
+            <a:r>
+              <a:rPr lang="en-US" dirty="0"/>
+              <a:t>, all others evaluate to “</a:t>
+            </a:r>
+            <a:r>
+              <a:rPr lang="en-US" i="1" dirty="0"/>
+              <a:t>true</a:t>
+            </a:r>
+            <a:r>
+              <a:rPr lang="en-US" dirty="0"/>
+              <a:t>”</a:t>
             </a:r>
           </a:p>
           <a:p>
             <a:pPr lvl="1"/>
             <a:r>
-              <a:rPr lang="en-US" dirty="0" smtClean="0"/>
-              <a:t>calling </a:t>
-            </a:r>
-            <a:r>
-              <a:rPr lang="en-US" b="1" dirty="0" smtClean="0"/>
-              <a:t>foo() </a:t>
-            </a:r>
-            <a:r>
-              <a:rPr lang="en-US" dirty="0" smtClean="0"/>
-              <a:t>will return value </a:t>
-            </a:r>
-            <a:r>
-              <a:rPr lang="en-US" b="1" dirty="0" smtClean="0"/>
-              <a:t>1</a:t>
-            </a:r>
-          </a:p>
-          <a:p>
-            <a:r>
               <a:rPr lang="en-US" b="1" dirty="0"/>
-              <a:t>add = function(</a:t>
-            </a:r>
+              <a:t>false</a:t>
+            </a:r>
+          </a:p>
+          <a:p>
+            <a:pPr lvl="1"/>
+            <a:r>
+              <a:rPr lang="en-US" b="1" dirty="0"/>
+              <a:t>0</a:t>
+            </a:r>
+          </a:p>
+          <a:p>
+            <a:pPr lvl="1"/>
+            <a:r>
+              <a:rPr lang="en-US" b="1" dirty="0"/>
+              <a:t>“”</a:t>
+            </a:r>
+            <a:r>
+              <a:rPr lang="en-US" dirty="0"/>
+              <a:t> (empty string)</a:t>
+            </a:r>
+          </a:p>
+          <a:p>
+            <a:pPr lvl="1"/>
+            <a:r>
+              <a:rPr lang="en-US" b="1" dirty="0"/>
+              <a:t>null</a:t>
+            </a:r>
+          </a:p>
+          <a:p>
+            <a:pPr lvl="1"/>
+            <a:r>
+              <a:rPr lang="en-US" b="1" dirty="0"/>
+              <a:t>undefined</a:t>
+            </a:r>
+          </a:p>
+          <a:p>
+            <a:pPr lvl="1"/>
             <a:r>
               <a:rPr lang="en-US" b="1" dirty="0" err="1"/>
-              <a:t>x,y</a:t>
+              <a:t>NaN</a:t>
+            </a:r>
+            <a:endParaRPr lang="en-US" b="1" dirty="0"/>
+          </a:p>
+          <a:p>
+            <a:r>
+              <a:rPr lang="en-US" dirty="0"/>
+              <a:t>Ex. </a:t>
             </a:r>
             <a:r>
               <a:rPr lang="en-US" b="1" dirty="0"/>
-              <a:t>){return </a:t>
-            </a:r>
-            <a:r>
-              <a:rPr lang="en-US" b="1" dirty="0" err="1" smtClean="0"/>
-              <a:t>x+y</a:t>
-            </a:r>
-            <a:r>
-              <a:rPr lang="en-US" b="1" dirty="0" smtClean="0"/>
-              <a:t>;}</a:t>
-            </a:r>
-          </a:p>
-          <a:p>
-            <a:pPr lvl="1"/>
-            <a:r>
-              <a:rPr lang="en-US" dirty="0" smtClean="0"/>
-              <a:t>calling </a:t>
-            </a:r>
-            <a:r>
-              <a:rPr lang="en-US" b="1" dirty="0" smtClean="0"/>
-              <a:t>add(1,2)</a:t>
-            </a:r>
-            <a:r>
-              <a:rPr lang="en-US" dirty="0" smtClean="0"/>
-              <a:t> will return </a:t>
-            </a:r>
-            <a:r>
-              <a:rPr lang="en-US" b="1" dirty="0" smtClean="0"/>
-              <a:t>3</a:t>
-            </a:r>
-          </a:p>
-          <a:p>
-            <a:pPr lvl="1"/>
-            <a:r>
-              <a:rPr lang="en-US" dirty="0"/>
-              <a:t>calling </a:t>
-            </a:r>
-            <a:r>
-              <a:rPr lang="en-US" b="1" dirty="0" smtClean="0"/>
-              <a:t>add(“a”,</a:t>
+              <a:t>if(“foo”) </a:t>
+            </a:r>
+            <a:r>
+              <a:rPr lang="en-US" dirty="0"/>
+              <a:t>and </a:t>
             </a:r>
             <a:r>
               <a:rPr lang="en-US" b="1" dirty="0"/>
-              <a:t> “</a:t>
-            </a:r>
-            <a:r>
-              <a:rPr lang="en-US" b="1" dirty="0" smtClean="0"/>
-              <a:t>b”)</a:t>
-            </a:r>
-            <a:r>
-              <a:rPr lang="en-US" dirty="0" smtClean="0"/>
-              <a:t> will return </a:t>
-            </a:r>
-            <a:r>
-              <a:rPr lang="en-US" b="1" dirty="0" smtClean="0"/>
-              <a:t>“ab”</a:t>
-            </a:r>
-            <a:r>
-              <a:rPr lang="en-US" dirty="0" smtClean="0"/>
-              <a:t> </a:t>
-            </a:r>
-          </a:p>
-          <a:p>
-            <a:r>
-              <a:rPr lang="en-US" b="1" dirty="0" smtClean="0"/>
-              <a:t>add = (</a:t>
-            </a:r>
-            <a:r>
-              <a:rPr lang="en-US" b="1" dirty="0" err="1" smtClean="0"/>
-              <a:t>x,y</a:t>
-            </a:r>
-            <a:r>
-              <a:rPr lang="en-US" b="1" dirty="0" smtClean="0"/>
-              <a:t>) =&gt; {</a:t>
+              <a:t>if(42) </a:t>
+            </a:r>
+            <a:r>
+              <a:rPr lang="en-US" dirty="0"/>
+              <a:t>would execute the </a:t>
+            </a:r>
+            <a:r>
+              <a:rPr lang="en-US" i="1" dirty="0"/>
+              <a:t>then</a:t>
+            </a:r>
+            <a:r>
+              <a:rPr lang="en-US" dirty="0"/>
+              <a:t> branch, but not </a:t>
             </a:r>
             <a:r>
               <a:rPr lang="en-US" b="1" dirty="0"/>
-              <a:t>return </a:t>
-            </a:r>
-            <a:r>
-              <a:rPr lang="en-US" b="1" dirty="0" err="1"/>
-              <a:t>x+y</a:t>
-            </a:r>
-            <a:r>
-              <a:rPr lang="en-US" b="1" dirty="0" smtClean="0"/>
-              <a:t>;}</a:t>
-            </a:r>
-          </a:p>
-          <a:p>
-            <a:pPr lvl="1"/>
-            <a:r>
-              <a:rPr lang="en-US" dirty="0" smtClean="0"/>
-              <a:t>the arrow notation is similar to </a:t>
-            </a:r>
-            <a:r>
-              <a:rPr lang="en-US" i="1" dirty="0" smtClean="0"/>
-              <a:t>function</a:t>
-            </a:r>
-            <a:r>
-              <a:rPr lang="en-US" dirty="0" smtClean="0"/>
-              <a:t>, but it treats </a:t>
-            </a:r>
-            <a:r>
-              <a:rPr lang="en-US" b="1" dirty="0" smtClean="0"/>
-              <a:t>this</a:t>
-            </a:r>
-            <a:r>
-              <a:rPr lang="en-US" dirty="0" smtClean="0"/>
-              <a:t> keyword differently, as not defining its own scope</a:t>
-            </a:r>
-          </a:p>
-          <a:p>
-            <a:pPr lvl="1"/>
-            <a:r>
-              <a:rPr lang="en-US" dirty="0" smtClean="0"/>
-              <a:t>this will become more clear when we will define callbacks inside React objects</a:t>
-            </a:r>
-            <a:endParaRPr lang="en-US" dirty="0"/>
+              <a:t>if(“”) </a:t>
+            </a:r>
+            <a:r>
+              <a:rPr lang="en-US" dirty="0"/>
+              <a:t>nor </a:t>
+            </a:r>
+            <a:r>
+              <a:rPr lang="en-US" b="1" dirty="0"/>
+              <a:t>if(0)</a:t>
+            </a:r>
           </a:p>
         </p:txBody>
       </p:sp>
     </p:spTree>
     <p:extLst>
       <p:ext uri="{BB962C8B-B14F-4D97-AF65-F5344CB8AC3E}">
-        <p14:creationId xmlns:p14="http://schemas.microsoft.com/office/powerpoint/2010/main" val="1106509370"/>
+        <p14:creationId xmlns:p14="http://schemas.microsoft.com/office/powerpoint/2010/main" val="1967887398"/>
       </p:ext>
     </p:extLst>
   </p:cSld>
@@ -11809,10 +11534,9 @@
           <a:lstStyle/>
           <a:p>
             <a:r>
-              <a:rPr lang="en-US" dirty="0" smtClean="0"/>
-              <a:t>Functions as variables </a:t>
-            </a:r>
-            <a:endParaRPr lang="en-US" dirty="0"/>
+              <a:rPr lang="en-US" dirty="0"/>
+              <a:t>Function Declaration</a:t>
+            </a:r>
           </a:p>
         </p:txBody>
       </p:sp>
@@ -11828,22 +11552,47 @@
         </p:nvSpPr>
         <p:spPr>
           <a:xfrm>
-            <a:off x="281940" y="1825624"/>
-            <a:ext cx="11704320" cy="4811395"/>
+            <a:off x="297180" y="1825624"/>
+            <a:ext cx="11605260" cy="4822825"/>
           </a:xfrm>
         </p:spPr>
         <p:txBody>
           <a:bodyPr>
-            <a:normAutofit fontScale="85000" lnSpcReduction="20000"/>
+            <a:normAutofit lnSpcReduction="10000"/>
           </a:bodyPr>
           <a:lstStyle/>
           <a:p>
             <a:r>
-              <a:rPr lang="en-US" b="1" dirty="0" smtClean="0"/>
-              <a:t>function foo(</a:t>
-            </a:r>
-            <a:r>
-              <a:rPr lang="en-US" b="1" dirty="0" err="1" smtClean="0"/>
+              <a:rPr lang="en-US" b="1" dirty="0"/>
+              <a:t>function foo(){ return 1;}</a:t>
+            </a:r>
+          </a:p>
+          <a:p>
+            <a:pPr lvl="1"/>
+            <a:r>
+              <a:rPr lang="en-US" dirty="0"/>
+              <a:t>calling </a:t>
+            </a:r>
+            <a:r>
+              <a:rPr lang="en-US" b="1" dirty="0"/>
+              <a:t>foo() </a:t>
+            </a:r>
+            <a:r>
+              <a:rPr lang="en-US" dirty="0"/>
+              <a:t>will return value </a:t>
+            </a:r>
+            <a:r>
+              <a:rPr lang="en-US" b="1" dirty="0"/>
+              <a:t>1</a:t>
+            </a:r>
+          </a:p>
+          <a:p>
+            <a:r>
+              <a:rPr lang="en-US" b="1" dirty="0"/>
+              <a:t>add = function(</a:t>
+            </a:r>
+            <a:r>
+              <a:rPr lang="en-US" b="1" dirty="0" err="1"/>
               <a:t>x,y</a:t>
             </a:r>
             <a:r>
@@ -11855,180 +11604,110 @@
               <a:t>x+y</a:t>
             </a:r>
             <a:r>
-              <a:rPr lang="en-US" b="1" dirty="0" smtClean="0"/>
+              <a:rPr lang="en-US" b="1" dirty="0"/>
               <a:t>;}</a:t>
             </a:r>
           </a:p>
           <a:p>
             <a:pPr lvl="1"/>
             <a:r>
-              <a:rPr lang="en-US" dirty="0" smtClean="0"/>
-              <a:t>declare a function called </a:t>
-            </a:r>
-            <a:r>
-              <a:rPr lang="en-US" b="1" dirty="0" smtClean="0"/>
-              <a:t>foo</a:t>
-            </a:r>
-          </a:p>
-          <a:p>
-            <a:r>
-              <a:rPr lang="en-US" b="1" dirty="0" smtClean="0"/>
-              <a:t>x = foo(1,2)</a:t>
+              <a:rPr lang="en-US" dirty="0"/>
+              <a:t>calling </a:t>
+            </a:r>
+            <a:r>
+              <a:rPr lang="en-US" b="1" dirty="0"/>
+              <a:t>add(1,2)</a:t>
+            </a:r>
+            <a:r>
+              <a:rPr lang="en-US" dirty="0"/>
+              <a:t> will return </a:t>
+            </a:r>
+            <a:r>
+              <a:rPr lang="en-US" b="1" dirty="0"/>
+              <a:t>3</a:t>
             </a:r>
           </a:p>
           <a:p>
             <a:pPr lvl="1"/>
             <a:r>
-              <a:rPr lang="en-US" dirty="0" smtClean="0"/>
-              <a:t>call the function, and store its result </a:t>
-            </a:r>
-            <a:r>
-              <a:rPr lang="en-US" b="1" dirty="0" smtClean="0"/>
-              <a:t>3</a:t>
-            </a:r>
-            <a:r>
-              <a:rPr lang="en-US" dirty="0" smtClean="0"/>
-              <a:t> in the variable </a:t>
-            </a:r>
-            <a:r>
-              <a:rPr lang="en-US" b="1" dirty="0" smtClean="0"/>
-              <a:t>x</a:t>
-            </a:r>
-          </a:p>
-          <a:p>
-            <a:r>
-              <a:rPr lang="en-US" b="1" dirty="0" smtClean="0"/>
-              <a:t>x = foo;</a:t>
-            </a:r>
-            <a:r>
-              <a:rPr lang="en-US" dirty="0" smtClean="0"/>
-              <a:t>   </a:t>
-            </a:r>
-            <a:r>
-              <a:rPr lang="en-US" b="1" dirty="0" smtClean="0"/>
-              <a:t>x(1,2)</a:t>
+              <a:rPr lang="en-US" dirty="0"/>
+              <a:t>calling </a:t>
+            </a:r>
+            <a:r>
+              <a:rPr lang="en-US" b="1" dirty="0"/>
+              <a:t>add(“a”, “b”)</a:t>
+            </a:r>
+            <a:r>
+              <a:rPr lang="en-US" dirty="0"/>
+              <a:t> will return </a:t>
+            </a:r>
+            <a:r>
+              <a:rPr lang="en-US" b="1" dirty="0"/>
+              <a:t>“ab”</a:t>
+            </a:r>
+            <a:r>
+              <a:rPr lang="en-US" dirty="0"/>
+              <a:t> </a:t>
+            </a:r>
+          </a:p>
+          <a:p>
+            <a:r>
+              <a:rPr lang="en-US" b="1" dirty="0"/>
+              <a:t>add = (</a:t>
+            </a:r>
+            <a:r>
+              <a:rPr lang="en-US" b="1" dirty="0" err="1"/>
+              <a:t>x,y</a:t>
+            </a:r>
+            <a:r>
+              <a:rPr lang="en-US" b="1" dirty="0"/>
+              <a:t>) =&gt; {return </a:t>
+            </a:r>
+            <a:r>
+              <a:rPr lang="en-US" b="1" dirty="0" err="1"/>
+              <a:t>x+y</a:t>
+            </a:r>
+            <a:r>
+              <a:rPr lang="en-US" b="1" dirty="0"/>
+              <a:t>;}</a:t>
             </a:r>
           </a:p>
           <a:p>
             <a:pPr lvl="1"/>
             <a:r>
-              <a:rPr lang="en-US" dirty="0" smtClean="0"/>
-              <a:t>store the code of the function </a:t>
-            </a:r>
-            <a:r>
-              <a:rPr lang="en-US" b="1" dirty="0" smtClean="0"/>
-              <a:t>foo</a:t>
-            </a:r>
-            <a:r>
-              <a:rPr lang="en-US" dirty="0" smtClean="0"/>
-              <a:t> in a variable </a:t>
-            </a:r>
-            <a:r>
-              <a:rPr lang="en-US" b="1" dirty="0" smtClean="0"/>
-              <a:t>x</a:t>
-            </a:r>
-            <a:r>
-              <a:rPr lang="en-US" dirty="0" smtClean="0"/>
-              <a:t>, and then call it by using </a:t>
-            </a:r>
-            <a:r>
-              <a:rPr lang="en-US" b="1" dirty="0" smtClean="0"/>
-              <a:t>()</a:t>
-            </a:r>
-            <a:r>
-              <a:rPr lang="en-US" dirty="0" smtClean="0"/>
-              <a:t> on such variable with inputs </a:t>
-            </a:r>
-            <a:r>
-              <a:rPr lang="en-US" b="1" dirty="0" smtClean="0"/>
-              <a:t>1</a:t>
-            </a:r>
-            <a:r>
-              <a:rPr lang="en-US" dirty="0" smtClean="0"/>
-              <a:t> and </a:t>
-            </a:r>
-            <a:r>
-              <a:rPr lang="en-US" b="1" dirty="0" smtClean="0"/>
-              <a:t>2</a:t>
-            </a:r>
-          </a:p>
-          <a:p>
-            <a:r>
-              <a:rPr lang="en-US" b="1" dirty="0" smtClean="0"/>
-              <a:t>x = () =&gt; foo(1,2);</a:t>
-            </a:r>
-            <a:r>
-              <a:rPr lang="en-US" dirty="0" smtClean="0"/>
-              <a:t>   </a:t>
-            </a:r>
-            <a:r>
-              <a:rPr lang="en-US" b="1" dirty="0" smtClean="0"/>
-              <a:t>x()</a:t>
+              <a:rPr lang="en-US" dirty="0"/>
+              <a:t>the arrow notation is similar to </a:t>
+            </a:r>
+            <a:r>
+              <a:rPr lang="en-US" i="1" dirty="0"/>
+              <a:t>function</a:t>
+            </a:r>
+            <a:r>
+              <a:rPr lang="en-US" dirty="0"/>
+              <a:t>, but it treats </a:t>
+            </a:r>
+            <a:r>
+              <a:rPr lang="en-US" b="1" dirty="0"/>
+              <a:t>this</a:t>
+            </a:r>
+            <a:r>
+              <a:rPr lang="en-US" dirty="0"/>
+              <a:t> keyword differently, as not defining its own scope</a:t>
             </a:r>
           </a:p>
           <a:p>
             <a:pPr lvl="1"/>
             <a:r>
-              <a:rPr lang="en-US" dirty="0" smtClean="0"/>
-              <a:t>create a new function with no inputs and that just calls </a:t>
-            </a:r>
-            <a:r>
-              <a:rPr lang="en-US" b="1" dirty="0" smtClean="0"/>
-              <a:t>foo(1,2)</a:t>
-            </a:r>
-            <a:r>
-              <a:rPr lang="en-US" dirty="0" smtClean="0"/>
-              <a:t>, and store it in a variable </a:t>
-            </a:r>
-            <a:r>
-              <a:rPr lang="en-US" b="1" dirty="0" smtClean="0"/>
-              <a:t>x</a:t>
-            </a:r>
-            <a:r>
-              <a:rPr lang="en-US" dirty="0" smtClean="0"/>
-              <a:t>. Then call such function by using () on it</a:t>
-            </a:r>
-          </a:p>
-          <a:p>
-            <a:r>
-              <a:rPr lang="en-US" b="1" dirty="0" err="1" smtClean="0"/>
-              <a:t>addOne</a:t>
-            </a:r>
-            <a:r>
-              <a:rPr lang="en-US" b="1" dirty="0" smtClean="0"/>
-              <a:t> = y =&gt; foo(y,1);  </a:t>
-            </a:r>
-            <a:r>
-              <a:rPr lang="en-US" b="1" dirty="0" err="1" smtClean="0"/>
-              <a:t>addOne</a:t>
-            </a:r>
-            <a:r>
-              <a:rPr lang="en-US" b="1" dirty="0" smtClean="0"/>
-              <a:t>(5)</a:t>
-            </a:r>
-          </a:p>
-          <a:p>
-            <a:pPr lvl="1"/>
-            <a:r>
-              <a:rPr lang="en-US" dirty="0" smtClean="0"/>
-              <a:t>create a new function that takes an input y, and return it with a +1. So, </a:t>
-            </a:r>
-            <a:r>
-              <a:rPr lang="en-US" dirty="0" err="1" smtClean="0"/>
-              <a:t>addOne</a:t>
-            </a:r>
-            <a:r>
-              <a:rPr lang="en-US" dirty="0" smtClean="0"/>
-              <a:t>(5) does return the value 6 here</a:t>
-            </a:r>
-            <a:endParaRPr lang="en-US" dirty="0"/>
+              <a:rPr lang="en-US" dirty="0"/>
+              <a:t>this will become more clear when we will define callbacks inside React objects</a:t>
+            </a:r>
           </a:p>
         </p:txBody>
       </p:sp>
     </p:spTree>
     <p:extLst>
       <p:ext uri="{BB962C8B-B14F-4D97-AF65-F5344CB8AC3E}">
-        <p14:creationId xmlns:p14="http://schemas.microsoft.com/office/powerpoint/2010/main" val="538919611"/>
+        <p14:creationId xmlns:p14="http://schemas.microsoft.com/office/powerpoint/2010/main" val="1106509370"/>
       </p:ext>
     </p:extLst>
   </p:cSld>
@@ -12071,10 +11750,9 @@
           <a:lstStyle/>
           <a:p>
             <a:r>
-              <a:rPr lang="en-US" dirty="0" smtClean="0"/>
-              <a:t>Code Comments</a:t>
-            </a:r>
-            <a:endParaRPr lang="en-US" dirty="0"/>
+              <a:rPr lang="en-US" dirty="0"/>
+              <a:t>Functions as variables </a:t>
+            </a:r>
           </a:p>
         </p:txBody>
       </p:sp>
@@ -12090,68 +11768,206 @@
         </p:nvSpPr>
         <p:spPr>
           <a:xfrm>
-            <a:off x="344773" y="1825625"/>
-            <a:ext cx="11744793" cy="4710086"/>
+            <a:off x="281940" y="1825624"/>
+            <a:ext cx="11704320" cy="4811395"/>
           </a:xfrm>
         </p:spPr>
         <p:txBody>
-          <a:bodyPr/>
-          <a:lstStyle/>
-          <a:p>
-            <a:r>
-              <a:rPr lang="en-US" dirty="0" smtClean="0"/>
-              <a:t>To document software, typical case of writing comments directly in the source code</a:t>
-            </a:r>
-          </a:p>
-          <a:p>
-            <a:r>
-              <a:rPr lang="en-US" dirty="0" smtClean="0"/>
-              <a:t>JS uses similar syntax to other languages (</a:t>
-            </a:r>
-            <a:r>
-              <a:rPr lang="en-US" dirty="0" err="1" smtClean="0"/>
-              <a:t>eg</a:t>
-            </a:r>
-            <a:r>
-              <a:rPr lang="en-US" dirty="0" smtClean="0"/>
-              <a:t> Java)</a:t>
-            </a:r>
-          </a:p>
-          <a:p>
-            <a:r>
-              <a:rPr lang="en-US" dirty="0" smtClean="0"/>
-              <a:t>Single-line comment: </a:t>
-            </a:r>
-            <a:r>
-              <a:rPr lang="en-US" b="1" dirty="0" smtClean="0"/>
-              <a:t>//</a:t>
-            </a:r>
-          </a:p>
-          <a:p>
-            <a:r>
-              <a:rPr lang="en-US" dirty="0" smtClean="0"/>
-              <a:t>Multi-line comment: started with </a:t>
-            </a:r>
-            <a:r>
-              <a:rPr lang="en-US" b="1" dirty="0" smtClean="0"/>
-              <a:t>/*</a:t>
-            </a:r>
-            <a:r>
-              <a:rPr lang="en-US" dirty="0" smtClean="0"/>
-              <a:t>  and then closed with </a:t>
-            </a:r>
-            <a:r>
-              <a:rPr lang="en-US" b="1" dirty="0" smtClean="0"/>
-              <a:t>*/</a:t>
-            </a:r>
-            <a:endParaRPr lang="en-US" b="1" dirty="0"/>
+          <a:bodyPr>
+            <a:normAutofit fontScale="85000" lnSpcReduction="20000"/>
+          </a:bodyPr>
+          <a:lstStyle/>
+          <a:p>
+            <a:r>
+              <a:rPr lang="en-US" b="1" dirty="0"/>
+              <a:t>function foo(</a:t>
+            </a:r>
+            <a:r>
+              <a:rPr lang="en-US" b="1" dirty="0" err="1"/>
+              <a:t>x,y</a:t>
+            </a:r>
+            <a:r>
+              <a:rPr lang="en-US" b="1" dirty="0"/>
+              <a:t>){return </a:t>
+            </a:r>
+            <a:r>
+              <a:rPr lang="en-US" b="1" dirty="0" err="1"/>
+              <a:t>x+y</a:t>
+            </a:r>
+            <a:r>
+              <a:rPr lang="en-US" b="1" dirty="0"/>
+              <a:t>;}</a:t>
+            </a:r>
+          </a:p>
+          <a:p>
+            <a:pPr lvl="1"/>
+            <a:r>
+              <a:rPr lang="en-US" dirty="0"/>
+              <a:t>declare a function called </a:t>
+            </a:r>
+            <a:r>
+              <a:rPr lang="en-US" b="1" dirty="0"/>
+              <a:t>foo</a:t>
+            </a:r>
+          </a:p>
+          <a:p>
+            <a:r>
+              <a:rPr lang="en-US" b="1" dirty="0"/>
+              <a:t>x = foo(1,2)</a:t>
+            </a:r>
+          </a:p>
+          <a:p>
+            <a:pPr lvl="1"/>
+            <a:r>
+              <a:rPr lang="en-US" dirty="0"/>
+              <a:t>call the function, and store its result </a:t>
+            </a:r>
+            <a:r>
+              <a:rPr lang="en-US" b="1" dirty="0"/>
+              <a:t>3</a:t>
+            </a:r>
+            <a:r>
+              <a:rPr lang="en-US" dirty="0"/>
+              <a:t> in the variable </a:t>
+            </a:r>
+            <a:r>
+              <a:rPr lang="en-US" b="1" dirty="0"/>
+              <a:t>x</a:t>
+            </a:r>
+          </a:p>
+          <a:p>
+            <a:r>
+              <a:rPr lang="en-US" b="1" dirty="0"/>
+              <a:t>x = foo;</a:t>
+            </a:r>
+            <a:r>
+              <a:rPr lang="en-US" dirty="0"/>
+              <a:t>   </a:t>
+            </a:r>
+            <a:r>
+              <a:rPr lang="en-US" b="1" dirty="0"/>
+              <a:t>x(1,2)</a:t>
+            </a:r>
+          </a:p>
+          <a:p>
+            <a:pPr lvl="1"/>
+            <a:r>
+              <a:rPr lang="en-US" dirty="0"/>
+              <a:t>store the code of the function </a:t>
+            </a:r>
+            <a:r>
+              <a:rPr lang="en-US" b="1" dirty="0"/>
+              <a:t>foo</a:t>
+            </a:r>
+            <a:r>
+              <a:rPr lang="en-US" dirty="0"/>
+              <a:t> in a variable </a:t>
+            </a:r>
+            <a:r>
+              <a:rPr lang="en-US" b="1" dirty="0"/>
+              <a:t>x</a:t>
+            </a:r>
+            <a:r>
+              <a:rPr lang="en-US" dirty="0"/>
+              <a:t>, and then call it by using </a:t>
+            </a:r>
+            <a:r>
+              <a:rPr lang="en-US" b="1" dirty="0"/>
+              <a:t>()</a:t>
+            </a:r>
+            <a:r>
+              <a:rPr lang="en-US" dirty="0"/>
+              <a:t> on such variable with inputs </a:t>
+            </a:r>
+            <a:r>
+              <a:rPr lang="en-US" b="1" dirty="0"/>
+              <a:t>1</a:t>
+            </a:r>
+            <a:r>
+              <a:rPr lang="en-US" dirty="0"/>
+              <a:t> and </a:t>
+            </a:r>
+            <a:r>
+              <a:rPr lang="en-US" b="1" dirty="0"/>
+              <a:t>2</a:t>
+            </a:r>
+          </a:p>
+          <a:p>
+            <a:r>
+              <a:rPr lang="en-US" b="1" dirty="0"/>
+              <a:t>x = () =&gt; foo(1,2);</a:t>
+            </a:r>
+            <a:r>
+              <a:rPr lang="en-US" dirty="0"/>
+              <a:t>   </a:t>
+            </a:r>
+            <a:r>
+              <a:rPr lang="en-US" b="1" dirty="0"/>
+              <a:t>x()</a:t>
+            </a:r>
+          </a:p>
+          <a:p>
+            <a:pPr lvl="1"/>
+            <a:r>
+              <a:rPr lang="en-US" dirty="0"/>
+              <a:t>create a new function with no inputs and that just calls </a:t>
+            </a:r>
+            <a:r>
+              <a:rPr lang="en-US" b="1" dirty="0"/>
+              <a:t>foo(1,2)</a:t>
+            </a:r>
+            <a:r>
+              <a:rPr lang="en-US" dirty="0"/>
+              <a:t>, and store it in a variable </a:t>
+            </a:r>
+            <a:r>
+              <a:rPr lang="en-US" b="1" dirty="0"/>
+              <a:t>x</a:t>
+            </a:r>
+            <a:r>
+              <a:rPr lang="en-US" dirty="0"/>
+              <a:t>. Then call such function by using () on it</a:t>
+            </a:r>
+          </a:p>
+          <a:p>
+            <a:r>
+              <a:rPr lang="en-US" b="1" dirty="0" err="1"/>
+              <a:t>addOne</a:t>
+            </a:r>
+            <a:r>
+              <a:rPr lang="en-US" b="1" dirty="0"/>
+              <a:t> = y =&gt; foo(y,1);  </a:t>
+            </a:r>
+            <a:r>
+              <a:rPr lang="en-US" b="1" dirty="0" err="1"/>
+              <a:t>addOne</a:t>
+            </a:r>
+            <a:r>
+              <a:rPr lang="en-US" b="1" dirty="0"/>
+              <a:t>(5)</a:t>
+            </a:r>
+          </a:p>
+          <a:p>
+            <a:pPr lvl="1"/>
+            <a:r>
+              <a:rPr lang="en-US" dirty="0"/>
+              <a:t>create a new function that takes an input y, and return it with a +1. So, </a:t>
+            </a:r>
+            <a:r>
+              <a:rPr lang="en-US" dirty="0" err="1"/>
+              <a:t>addOne</a:t>
+            </a:r>
+            <a:r>
+              <a:rPr lang="en-US" dirty="0"/>
+              <a:t>(5) does return the value 6 here</a:t>
+            </a:r>
           </a:p>
         </p:txBody>
       </p:sp>
     </p:spTree>
     <p:extLst>
       <p:ext uri="{BB962C8B-B14F-4D97-AF65-F5344CB8AC3E}">
-        <p14:creationId xmlns:p14="http://schemas.microsoft.com/office/powerpoint/2010/main" val="3431141054"/>
+        <p14:creationId xmlns:p14="http://schemas.microsoft.com/office/powerpoint/2010/main" val="538919611"/>
       </p:ext>
     </p:extLst>
   </p:cSld>
@@ -12194,10 +12010,9 @@
           <a:lstStyle/>
           <a:p>
             <a:r>
-              <a:rPr lang="en-US" dirty="0" smtClean="0"/>
-              <a:t>DOM Manipulation</a:t>
-            </a:r>
-            <a:endParaRPr lang="en-US" dirty="0"/>
+              <a:rPr lang="en-US" dirty="0"/>
+              <a:t>Code Comments</a:t>
+            </a:r>
           </a:p>
         </p:txBody>
       </p:sp>
@@ -12213,8 +12028,8 @@
         </p:nvSpPr>
         <p:spPr>
           <a:xfrm>
-            <a:off x="193287" y="1825624"/>
-            <a:ext cx="11864897" cy="4879975"/>
+            <a:off x="344773" y="1825625"/>
+            <a:ext cx="11744793" cy="4710086"/>
           </a:xfrm>
         </p:spPr>
         <p:txBody>
@@ -12223,62 +12038,57 @@
           <a:p>
             <a:r>
               <a:rPr lang="en-US" dirty="0"/>
-              <a:t>Document Object </a:t>
-            </a:r>
-            <a:r>
-              <a:rPr lang="en-US" dirty="0" smtClean="0"/>
-              <a:t>Model (DOM): object representation of the displayed HTML </a:t>
-            </a:r>
-          </a:p>
-          <a:p>
-            <a:r>
-              <a:rPr lang="en-US" dirty="0" smtClean="0"/>
-              <a:t>One of the main reasons to use JS is to manipulate the DOM, </a:t>
-            </a:r>
-            <a:r>
-              <a:rPr lang="en-US" dirty="0" err="1" smtClean="0"/>
-              <a:t>ie</a:t>
-            </a:r>
-            <a:r>
-              <a:rPr lang="en-US" dirty="0" smtClean="0"/>
-              <a:t> altering what is displayed to the user</a:t>
-            </a:r>
-          </a:p>
-          <a:p>
-            <a:r>
-              <a:rPr lang="en-US" dirty="0" smtClean="0"/>
-              <a:t>To access the DOM, JS can refer to the object called “</a:t>
-            </a:r>
-            <a:r>
-              <a:rPr lang="en-US" b="1" dirty="0" smtClean="0"/>
-              <a:t>document</a:t>
-            </a:r>
-            <a:r>
-              <a:rPr lang="en-US" dirty="0" smtClean="0"/>
-              <a:t>”</a:t>
-            </a:r>
-          </a:p>
-          <a:p>
-            <a:r>
-              <a:rPr lang="en-US" dirty="0" smtClean="0"/>
-              <a:t>Call methods on </a:t>
-            </a:r>
-            <a:r>
-              <a:rPr lang="en-US" b="1" dirty="0" smtClean="0"/>
-              <a:t>document</a:t>
-            </a:r>
-            <a:r>
-              <a:rPr lang="en-US" dirty="0" smtClean="0"/>
-              <a:t> to retrieve object representations of the DOM  </a:t>
-            </a:r>
-            <a:endParaRPr lang="en-US" dirty="0"/>
+              <a:t>To document software, typical case of writing comments directly in the source code</a:t>
+            </a:r>
+          </a:p>
+          <a:p>
+            <a:r>
+              <a:rPr lang="en-US" dirty="0"/>
+              <a:t>JS uses similar syntax to other languages (</a:t>
+            </a:r>
+            <a:r>
+              <a:rPr lang="en-US" dirty="0" err="1"/>
+              <a:t>eg</a:t>
+            </a:r>
+            <a:r>
+              <a:rPr lang="en-US" dirty="0"/>
+              <a:t> Java)</a:t>
+            </a:r>
+          </a:p>
+          <a:p>
+            <a:r>
+              <a:rPr lang="en-US" dirty="0"/>
+              <a:t>Single-line comment: </a:t>
+            </a:r>
+            <a:r>
+              <a:rPr lang="en-US" b="1" dirty="0"/>
+              <a:t>//</a:t>
+            </a:r>
+          </a:p>
+          <a:p>
+            <a:r>
+              <a:rPr lang="en-US" dirty="0"/>
+              <a:t>Multi-line comment: started with </a:t>
+            </a:r>
+            <a:r>
+              <a:rPr lang="en-US" b="1" dirty="0"/>
+              <a:t>/*</a:t>
+            </a:r>
+            <a:r>
+              <a:rPr lang="en-US" dirty="0"/>
+              <a:t>  and then closed with </a:t>
+            </a:r>
+            <a:r>
+              <a:rPr lang="en-US" b="1" dirty="0"/>
+              <a:t>*/</a:t>
+            </a:r>
           </a:p>
         </p:txBody>
       </p:sp>
     </p:spTree>
     <p:extLst>
       <p:ext uri="{BB962C8B-B14F-4D97-AF65-F5344CB8AC3E}">
-        <p14:creationId xmlns:p14="http://schemas.microsoft.com/office/powerpoint/2010/main" val="4170625732"/>
+        <p14:creationId xmlns:p14="http://schemas.microsoft.com/office/powerpoint/2010/main" val="3431141054"/>
       </p:ext>
     </p:extLst>
   </p:cSld>
@@ -12307,6 +12117,127 @@
       </p:grpSpPr>
       <p:sp>
         <p:nvSpPr>
+          <p:cNvPr id="2" name="Title 1"/>
+          <p:cNvSpPr>
+            <a:spLocks noGrp="1"/>
+          </p:cNvSpPr>
+          <p:nvPr>
+            <p:ph type="title"/>
+          </p:nvPr>
+        </p:nvSpPr>
+        <p:spPr/>
+        <p:txBody>
+          <a:bodyPr/>
+          <a:lstStyle/>
+          <a:p>
+            <a:r>
+              <a:rPr lang="en-US" dirty="0"/>
+              <a:t>DOM Manipulation</a:t>
+            </a:r>
+          </a:p>
+        </p:txBody>
+      </p:sp>
+      <p:sp>
+        <p:nvSpPr>
+          <p:cNvPr id="3" name="Content Placeholder 2"/>
+          <p:cNvSpPr>
+            <a:spLocks noGrp="1"/>
+          </p:cNvSpPr>
+          <p:nvPr>
+            <p:ph idx="1"/>
+          </p:nvPr>
+        </p:nvSpPr>
+        <p:spPr>
+          <a:xfrm>
+            <a:off x="193287" y="1825624"/>
+            <a:ext cx="11864897" cy="4879975"/>
+          </a:xfrm>
+        </p:spPr>
+        <p:txBody>
+          <a:bodyPr/>
+          <a:lstStyle/>
+          <a:p>
+            <a:r>
+              <a:rPr lang="en-US" dirty="0"/>
+              <a:t>Document Object Model (DOM): object representation of the displayed HTML </a:t>
+            </a:r>
+          </a:p>
+          <a:p>
+            <a:r>
+              <a:rPr lang="en-US" dirty="0"/>
+              <a:t>One of the main reasons to use JS is to manipulate the DOM, </a:t>
+            </a:r>
+            <a:r>
+              <a:rPr lang="en-US" dirty="0" err="1"/>
+              <a:t>ie</a:t>
+            </a:r>
+            <a:r>
+              <a:rPr lang="en-US" dirty="0"/>
+              <a:t> altering what is displayed to the user</a:t>
+            </a:r>
+          </a:p>
+          <a:p>
+            <a:r>
+              <a:rPr lang="en-US" dirty="0"/>
+              <a:t>To access the DOM, JS can refer to the object called “</a:t>
+            </a:r>
+            <a:r>
+              <a:rPr lang="en-US" b="1" dirty="0"/>
+              <a:t>document</a:t>
+            </a:r>
+            <a:r>
+              <a:rPr lang="en-US" dirty="0"/>
+              <a:t>”</a:t>
+            </a:r>
+          </a:p>
+          <a:p>
+            <a:r>
+              <a:rPr lang="en-US" dirty="0"/>
+              <a:t>Call methods on </a:t>
+            </a:r>
+            <a:r>
+              <a:rPr lang="en-US" b="1" dirty="0"/>
+              <a:t>document</a:t>
+            </a:r>
+            <a:r>
+              <a:rPr lang="en-US" dirty="0"/>
+              <a:t> to retrieve object representations of the DOM  </a:t>
+            </a:r>
+          </a:p>
+        </p:txBody>
+      </p:sp>
+    </p:spTree>
+    <p:extLst>
+      <p:ext uri="{BB962C8B-B14F-4D97-AF65-F5344CB8AC3E}">
+        <p14:creationId xmlns:p14="http://schemas.microsoft.com/office/powerpoint/2010/main" val="4170625732"/>
+      </p:ext>
+    </p:extLst>
+  </p:cSld>
+  <p:clrMapOvr>
+    <a:masterClrMapping/>
+  </p:clrMapOvr>
+</p:sld>
+</file>
+
+<file path=ppt/slides/slide38.xml><?xml version="1.0" encoding="utf-8"?>
+<p:sld xmlns:a="http://schemas.openxmlformats.org/drawingml/2006/main" xmlns:r="http://schemas.openxmlformats.org/officeDocument/2006/relationships" xmlns:p="http://schemas.openxmlformats.org/presentationml/2006/main">
+  <p:cSld>
+    <p:spTree>
+      <p:nvGrpSpPr>
+        <p:cNvPr id="1" name=""/>
+        <p:cNvGrpSpPr/>
+        <p:nvPr/>
+      </p:nvGrpSpPr>
+      <p:grpSpPr>
+        <a:xfrm>
+          <a:off x="0" y="0"/>
+          <a:ext cx="0" cy="0"/>
+          <a:chOff x="0" y="0"/>
+          <a:chExt cx="0" cy="0"/>
+        </a:xfrm>
+      </p:grpSpPr>
+      <p:sp>
+        <p:nvSpPr>
           <p:cNvPr id="3" name="Content Placeholder 2"/>
           <p:cNvSpPr>
             <a:spLocks noGrp="1"/>
@@ -12326,22 +12257,18 @@
           <a:lstStyle/>
           <a:p>
             <a:r>
-              <a:rPr lang="en-US" dirty="0" smtClean="0"/>
+              <a:rPr lang="en-US" dirty="0"/>
               <a:t>Easiest way to retrieve DOM objects is by </a:t>
             </a:r>
             <a:r>
-              <a:rPr lang="en-US" i="1" dirty="0" smtClean="0"/>
+              <a:rPr lang="en-US" i="1" dirty="0"/>
               <a:t>id</a:t>
             </a:r>
           </a:p>
           <a:p>
             <a:r>
-              <a:rPr lang="en-US" dirty="0" smtClean="0"/>
-              <a:t>The id needs to be set as HTML attribute, e.g</a:t>
-            </a:r>
-            <a:r>
-              <a:rPr lang="en-US" dirty="0"/>
-              <a:t>. </a:t>
+              <a:rPr lang="en-US" dirty="0"/>
+              <a:t>The id needs to be set as HTML attribute, e.g. </a:t>
             </a:r>
             <a:r>
               <a:rPr lang="en-US" b="1" dirty="0"/>
@@ -12354,14 +12281,6 @@
             <a:r>
               <a:rPr lang="en-US" b="1" dirty="0"/>
               <a:t> </a:t>
-            </a:r>
-            <a:r>
-              <a:rPr lang="en-US" b="1" dirty="0" smtClean="0">
-                <a:solidFill>
-                  <a:schemeClr val="accent5"/>
-                </a:solidFill>
-              </a:rPr>
-              <a:t>id</a:t>
             </a:r>
             <a:r>
               <a:rPr lang="en-US" b="1" dirty="0">
@@ -12369,7 +12288,7 @@
                   <a:schemeClr val="accent5"/>
                 </a:solidFill>
               </a:rPr>
-              <a:t>="</a:t>
+              <a:t>id="</a:t>
             </a:r>
             <a:r>
               <a:rPr lang="en-US" b="1" dirty="0" err="1">
@@ -12473,7 +12392,7 @@
               <a:tabLst/>
             </a:pPr>
             <a:r>
-              <a:rPr kumimoji="0" lang="en-US" altLang="en-US" sz="2400" b="0" i="0" u="none" strike="noStrike" cap="none" normalizeH="0" baseline="0" dirty="0" err="1" smtClean="0">
+              <a:rPr kumimoji="0" lang="en-US" altLang="en-US" sz="2400" b="0" i="0" u="none" strike="noStrike" cap="none" normalizeH="0" baseline="0" dirty="0" err="1">
                 <a:ln>
                   <a:noFill/>
                 </a:ln>
@@ -12487,7 +12406,7 @@
               <a:t>clearText</a:t>
             </a:r>
             <a:r>
-              <a:rPr kumimoji="0" lang="en-US" altLang="en-US" sz="2400" b="0" i="0" u="none" strike="noStrike" cap="none" normalizeH="0" baseline="0" dirty="0" smtClean="0">
+              <a:rPr kumimoji="0" lang="en-US" altLang="en-US" sz="2400" b="0" i="0" u="none" strike="noStrike" cap="none" normalizeH="0" baseline="0" dirty="0">
                 <a:ln>
                   <a:noFill/>
                 </a:ln>
@@ -12501,7 +12420,7 @@
               <a:t> </a:t>
             </a:r>
             <a:r>
-              <a:rPr kumimoji="0" lang="en-US" altLang="en-US" sz="2400" b="0" i="0" u="none" strike="noStrike" cap="none" normalizeH="0" baseline="0" dirty="0" smtClean="0">
+              <a:rPr kumimoji="0" lang="en-US" altLang="en-US" sz="2400" b="0" i="0" u="none" strike="noStrike" cap="none" normalizeH="0" baseline="0" dirty="0">
                 <a:ln>
                   <a:noFill/>
                 </a:ln>
@@ -12515,7 +12434,7 @@
               <a:t>= </a:t>
             </a:r>
             <a:r>
-              <a:rPr kumimoji="0" lang="en-US" altLang="en-US" sz="2400" b="1" i="0" u="none" strike="noStrike" cap="none" normalizeH="0" baseline="0" dirty="0" smtClean="0">
+              <a:rPr kumimoji="0" lang="en-US" altLang="en-US" sz="2400" b="1" i="0" u="none" strike="noStrike" cap="none" normalizeH="0" baseline="0" dirty="0">
                 <a:ln>
                   <a:noFill/>
                 </a:ln>
@@ -12529,7 +12448,7 @@
               <a:t>function</a:t>
             </a:r>
             <a:r>
-              <a:rPr kumimoji="0" lang="en-US" altLang="en-US" sz="2400" b="0" i="0" u="none" strike="noStrike" cap="none" normalizeH="0" baseline="0" dirty="0" smtClean="0">
+              <a:rPr kumimoji="0" lang="en-US" altLang="en-US" sz="2400" b="0" i="0" u="none" strike="noStrike" cap="none" normalizeH="0" baseline="0" dirty="0">
                 <a:ln>
                   <a:noFill/>
                 </a:ln>
@@ -12543,7 +12462,7 @@
               <a:t>(){</a:t>
             </a:r>
             <a:br>
-              <a:rPr kumimoji="0" lang="en-US" altLang="en-US" sz="2400" b="0" i="0" u="none" strike="noStrike" cap="none" normalizeH="0" baseline="0" dirty="0" smtClean="0">
+              <a:rPr kumimoji="0" lang="en-US" altLang="en-US" sz="2400" b="0" i="0" u="none" strike="noStrike" cap="none" normalizeH="0" baseline="0" dirty="0">
                 <a:ln>
                   <a:noFill/>
                 </a:ln>
@@ -12555,22 +12474,8 @@
                 <a:cs typeface="Courier New" panose="02070309020205020404" pitchFamily="49" charset="0"/>
               </a:rPr>
             </a:br>
-            <a:r>
-              <a:rPr kumimoji="0" lang="en-US" altLang="en-US" sz="2400" b="0" i="0" u="none" strike="noStrike" cap="none" normalizeH="0" baseline="0" dirty="0" smtClean="0">
-                <a:ln>
-                  <a:noFill/>
-                </a:ln>
-                <a:solidFill>
-                  <a:srgbClr val="000000"/>
-                </a:solidFill>
-                <a:effectLst/>
-                <a:latin typeface="Courier New" panose="02070309020205020404" pitchFamily="49" charset="0"/>
-                <a:cs typeface="Courier New" panose="02070309020205020404" pitchFamily="49" charset="0"/>
-              </a:rPr>
-              <a:t/>
-            </a:r>
             <a:br>
-              <a:rPr kumimoji="0" lang="en-US" altLang="en-US" sz="2400" b="0" i="0" u="none" strike="noStrike" cap="none" normalizeH="0" baseline="0" dirty="0" smtClean="0">
+              <a:rPr kumimoji="0" lang="en-US" altLang="en-US" sz="2400" b="0" i="0" u="none" strike="noStrike" cap="none" normalizeH="0" baseline="0" dirty="0">
                 <a:ln>
                   <a:noFill/>
                 </a:ln>
@@ -12583,7 +12488,7 @@
               </a:rPr>
             </a:br>
             <a:r>
-              <a:rPr kumimoji="0" lang="en-US" altLang="en-US" sz="2400" b="0" i="0" u="none" strike="noStrike" cap="none" normalizeH="0" baseline="0" dirty="0" smtClean="0">
+              <a:rPr kumimoji="0" lang="en-US" altLang="en-US" sz="2400" b="0" i="0" u="none" strike="noStrike" cap="none" normalizeH="0" baseline="0" dirty="0">
                 <a:ln>
                   <a:noFill/>
                 </a:ln>
@@ -12597,7 +12502,7 @@
               <a:t>    </a:t>
             </a:r>
             <a:r>
-              <a:rPr lang="en-US" altLang="en-US" sz="2400" b="1" dirty="0" err="1" smtClean="0">
+              <a:rPr lang="en-US" altLang="en-US" sz="2400" b="1" dirty="0" err="1">
                 <a:solidFill>
                   <a:srgbClr val="000080"/>
                 </a:solidFill>
@@ -12607,7 +12512,7 @@
               <a:t>const</a:t>
             </a:r>
             <a:r>
-              <a:rPr kumimoji="0" lang="en-US" altLang="en-US" sz="2400" b="1" i="0" u="none" strike="noStrike" cap="none" normalizeH="0" baseline="0" dirty="0" smtClean="0">
+              <a:rPr kumimoji="0" lang="en-US" altLang="en-US" sz="2400" b="1" i="0" u="none" strike="noStrike" cap="none" normalizeH="0" baseline="0" dirty="0">
                 <a:ln>
                   <a:noFill/>
                 </a:ln>
@@ -12621,7 +12526,7 @@
               <a:t> </a:t>
             </a:r>
             <a:r>
-              <a:rPr kumimoji="0" lang="en-US" altLang="en-US" sz="2400" b="0" i="0" u="none" strike="noStrike" cap="none" normalizeH="0" baseline="0" dirty="0" err="1" smtClean="0">
+              <a:rPr kumimoji="0" lang="en-US" altLang="en-US" sz="2400" b="0" i="0" u="none" strike="noStrike" cap="none" normalizeH="0" baseline="0" dirty="0" err="1">
                 <a:ln>
                   <a:noFill/>
                 </a:ln>
@@ -12635,7 +12540,7 @@
               <a:t>textArea</a:t>
             </a:r>
             <a:r>
-              <a:rPr kumimoji="0" lang="en-US" altLang="en-US" sz="2400" b="0" i="0" u="none" strike="noStrike" cap="none" normalizeH="0" baseline="0" dirty="0" smtClean="0">
+              <a:rPr kumimoji="0" lang="en-US" altLang="en-US" sz="2400" b="0" i="0" u="none" strike="noStrike" cap="none" normalizeH="0" baseline="0" dirty="0">
                 <a:ln>
                   <a:noFill/>
                 </a:ln>
@@ -12649,7 +12554,7 @@
               <a:t> </a:t>
             </a:r>
             <a:r>
-              <a:rPr kumimoji="0" lang="en-US" altLang="en-US" sz="2400" b="0" i="0" u="none" strike="noStrike" cap="none" normalizeH="0" baseline="0" dirty="0" smtClean="0">
+              <a:rPr kumimoji="0" lang="en-US" altLang="en-US" sz="2400" b="0" i="0" u="none" strike="noStrike" cap="none" normalizeH="0" baseline="0" dirty="0">
                 <a:ln>
                   <a:noFill/>
                 </a:ln>
@@ -12663,7 +12568,7 @@
               <a:t>= </a:t>
             </a:r>
             <a:r>
-              <a:rPr kumimoji="0" lang="en-US" altLang="en-US" sz="2400" b="1" i="1" u="none" strike="noStrike" cap="none" normalizeH="0" baseline="0" dirty="0" err="1" smtClean="0">
+              <a:rPr kumimoji="0" lang="en-US" altLang="en-US" sz="2400" b="1" i="1" u="none" strike="noStrike" cap="none" normalizeH="0" baseline="0" dirty="0" err="1">
                 <a:ln>
                   <a:noFill/>
                 </a:ln>
@@ -12677,7 +12582,7 @@
               <a:t>document</a:t>
             </a:r>
             <a:r>
-              <a:rPr kumimoji="0" lang="en-US" altLang="en-US" sz="2400" b="0" i="0" u="none" strike="noStrike" cap="none" normalizeH="0" baseline="0" dirty="0" err="1" smtClean="0">
+              <a:rPr kumimoji="0" lang="en-US" altLang="en-US" sz="2400" b="0" i="0" u="none" strike="noStrike" cap="none" normalizeH="0" baseline="0" dirty="0" err="1">
                 <a:ln>
                   <a:noFill/>
                 </a:ln>
@@ -12691,7 +12596,7 @@
               <a:t>.</a:t>
             </a:r>
             <a:r>
-              <a:rPr kumimoji="0" lang="en-US" altLang="en-US" sz="2400" b="0" i="0" u="none" strike="noStrike" cap="none" normalizeH="0" baseline="0" dirty="0" err="1" smtClean="0">
+              <a:rPr kumimoji="0" lang="en-US" altLang="en-US" sz="2400" b="0" i="0" u="none" strike="noStrike" cap="none" normalizeH="0" baseline="0" dirty="0" err="1">
                 <a:ln>
                   <a:noFill/>
                 </a:ln>
@@ -12705,7 +12610,7 @@
               <a:t>getElementById</a:t>
             </a:r>
             <a:r>
-              <a:rPr kumimoji="0" lang="en-US" altLang="en-US" sz="2400" b="0" i="0" u="none" strike="noStrike" cap="none" normalizeH="0" baseline="0" dirty="0" smtClean="0">
+              <a:rPr kumimoji="0" lang="en-US" altLang="en-US" sz="2400" b="0" i="0" u="none" strike="noStrike" cap="none" normalizeH="0" baseline="0" dirty="0">
                 <a:ln>
                   <a:noFill/>
                 </a:ln>
@@ -12719,7 +12624,7 @@
               <a:t>(</a:t>
             </a:r>
             <a:r>
-              <a:rPr kumimoji="0" lang="en-US" altLang="en-US" sz="2400" b="1" i="0" u="none" strike="noStrike" cap="none" normalizeH="0" baseline="0" dirty="0" smtClean="0">
+              <a:rPr kumimoji="0" lang="en-US" altLang="en-US" sz="2400" b="1" i="0" u="none" strike="noStrike" cap="none" normalizeH="0" baseline="0" dirty="0">
                 <a:ln>
                   <a:noFill/>
                 </a:ln>
@@ -12733,7 +12638,7 @@
               <a:t>"</a:t>
             </a:r>
             <a:r>
-              <a:rPr kumimoji="0" lang="en-US" altLang="en-US" sz="2400" b="1" i="0" u="none" strike="noStrike" cap="none" normalizeH="0" baseline="0" dirty="0" err="1" smtClean="0">
+              <a:rPr kumimoji="0" lang="en-US" altLang="en-US" sz="2400" b="1" i="0" u="none" strike="noStrike" cap="none" normalizeH="0" baseline="0" dirty="0" err="1">
                 <a:ln>
                   <a:noFill/>
                 </a:ln>
@@ -12747,7 +12652,7 @@
               <a:t>textId</a:t>
             </a:r>
             <a:r>
-              <a:rPr kumimoji="0" lang="en-US" altLang="en-US" sz="2400" b="1" i="0" u="none" strike="noStrike" cap="none" normalizeH="0" baseline="0" dirty="0" smtClean="0">
+              <a:rPr kumimoji="0" lang="en-US" altLang="en-US" sz="2400" b="1" i="0" u="none" strike="noStrike" cap="none" normalizeH="0" baseline="0" dirty="0">
                 <a:ln>
                   <a:noFill/>
                 </a:ln>
@@ -12761,7 +12666,7 @@
               <a:t>"</a:t>
             </a:r>
             <a:r>
-              <a:rPr kumimoji="0" lang="en-US" altLang="en-US" sz="2400" b="0" i="0" u="none" strike="noStrike" cap="none" normalizeH="0" baseline="0" dirty="0" smtClean="0">
+              <a:rPr kumimoji="0" lang="en-US" altLang="en-US" sz="2400" b="0" i="0" u="none" strike="noStrike" cap="none" normalizeH="0" baseline="0" dirty="0">
                 <a:ln>
                   <a:noFill/>
                 </a:ln>
@@ -12775,7 +12680,7 @@
               <a:t>);</a:t>
             </a:r>
             <a:br>
-              <a:rPr kumimoji="0" lang="en-US" altLang="en-US" sz="2400" b="0" i="0" u="none" strike="noStrike" cap="none" normalizeH="0" baseline="0" dirty="0" smtClean="0">
+              <a:rPr kumimoji="0" lang="en-US" altLang="en-US" sz="2400" b="0" i="0" u="none" strike="noStrike" cap="none" normalizeH="0" baseline="0" dirty="0">
                 <a:ln>
                   <a:noFill/>
                 </a:ln>
@@ -12788,7 +12693,7 @@
               </a:rPr>
             </a:br>
             <a:r>
-              <a:rPr kumimoji="0" lang="en-US" altLang="en-US" sz="2400" b="0" i="0" u="none" strike="noStrike" cap="none" normalizeH="0" baseline="0" dirty="0" smtClean="0">
+              <a:rPr kumimoji="0" lang="en-US" altLang="en-US" sz="2400" b="0" i="0" u="none" strike="noStrike" cap="none" normalizeH="0" baseline="0" dirty="0">
                 <a:ln>
                   <a:noFill/>
                 </a:ln>
@@ -12802,7 +12707,7 @@
               <a:t>    </a:t>
             </a:r>
             <a:r>
-              <a:rPr lang="en-US" altLang="en-US" sz="2400" b="1" dirty="0" err="1" smtClean="0">
+              <a:rPr lang="en-US" altLang="en-US" sz="2400" b="1" dirty="0" err="1">
                 <a:solidFill>
                   <a:srgbClr val="000080"/>
                 </a:solidFill>
@@ -12812,7 +12717,7 @@
               <a:t>const</a:t>
             </a:r>
             <a:r>
-              <a:rPr kumimoji="0" lang="en-US" altLang="en-US" sz="2400" b="1" i="0" u="none" strike="noStrike" cap="none" normalizeH="0" baseline="0" dirty="0" smtClean="0">
+              <a:rPr kumimoji="0" lang="en-US" altLang="en-US" sz="2400" b="1" i="0" u="none" strike="noStrike" cap="none" normalizeH="0" baseline="0" dirty="0">
                 <a:ln>
                   <a:noFill/>
                 </a:ln>
@@ -12826,7 +12731,7 @@
               <a:t> </a:t>
             </a:r>
             <a:r>
-              <a:rPr kumimoji="0" lang="en-US" altLang="en-US" sz="2400" b="0" i="0" u="none" strike="noStrike" cap="none" normalizeH="0" baseline="0" dirty="0" err="1" smtClean="0">
+              <a:rPr kumimoji="0" lang="en-US" altLang="en-US" sz="2400" b="0" i="0" u="none" strike="noStrike" cap="none" normalizeH="0" baseline="0" dirty="0" err="1">
                 <a:ln>
                   <a:noFill/>
                 </a:ln>
@@ -12840,7 +12745,7 @@
               <a:t>resultArea</a:t>
             </a:r>
             <a:r>
-              <a:rPr kumimoji="0" lang="en-US" altLang="en-US" sz="2400" b="0" i="0" u="none" strike="noStrike" cap="none" normalizeH="0" baseline="0" dirty="0" smtClean="0">
+              <a:rPr kumimoji="0" lang="en-US" altLang="en-US" sz="2400" b="0" i="0" u="none" strike="noStrike" cap="none" normalizeH="0" baseline="0" dirty="0">
                 <a:ln>
                   <a:noFill/>
                 </a:ln>
@@ -12854,7 +12759,7 @@
               <a:t> </a:t>
             </a:r>
             <a:r>
-              <a:rPr kumimoji="0" lang="en-US" altLang="en-US" sz="2400" b="0" i="0" u="none" strike="noStrike" cap="none" normalizeH="0" baseline="0" dirty="0" smtClean="0">
+              <a:rPr kumimoji="0" lang="en-US" altLang="en-US" sz="2400" b="0" i="0" u="none" strike="noStrike" cap="none" normalizeH="0" baseline="0" dirty="0">
                 <a:ln>
                   <a:noFill/>
                 </a:ln>
@@ -12868,7 +12773,7 @@
               <a:t>= </a:t>
             </a:r>
             <a:r>
-              <a:rPr kumimoji="0" lang="en-US" altLang="en-US" sz="2400" b="1" i="1" u="none" strike="noStrike" cap="none" normalizeH="0" baseline="0" dirty="0" err="1" smtClean="0">
+              <a:rPr kumimoji="0" lang="en-US" altLang="en-US" sz="2400" b="1" i="1" u="none" strike="noStrike" cap="none" normalizeH="0" baseline="0" dirty="0" err="1">
                 <a:ln>
                   <a:noFill/>
                 </a:ln>
@@ -12882,7 +12787,7 @@
               <a:t>document</a:t>
             </a:r>
             <a:r>
-              <a:rPr kumimoji="0" lang="en-US" altLang="en-US" sz="2400" b="0" i="0" u="none" strike="noStrike" cap="none" normalizeH="0" baseline="0" dirty="0" err="1" smtClean="0">
+              <a:rPr kumimoji="0" lang="en-US" altLang="en-US" sz="2400" b="0" i="0" u="none" strike="noStrike" cap="none" normalizeH="0" baseline="0" dirty="0" err="1">
                 <a:ln>
                   <a:noFill/>
                 </a:ln>
@@ -12896,7 +12801,7 @@
               <a:t>.</a:t>
             </a:r>
             <a:r>
-              <a:rPr kumimoji="0" lang="en-US" altLang="en-US" sz="2400" b="0" i="0" u="none" strike="noStrike" cap="none" normalizeH="0" baseline="0" dirty="0" err="1" smtClean="0">
+              <a:rPr kumimoji="0" lang="en-US" altLang="en-US" sz="2400" b="0" i="0" u="none" strike="noStrike" cap="none" normalizeH="0" baseline="0" dirty="0" err="1">
                 <a:ln>
                   <a:noFill/>
                 </a:ln>
@@ -12910,7 +12815,7 @@
               <a:t>getElementById</a:t>
             </a:r>
             <a:r>
-              <a:rPr kumimoji="0" lang="en-US" altLang="en-US" sz="2400" b="0" i="0" u="none" strike="noStrike" cap="none" normalizeH="0" baseline="0" dirty="0" smtClean="0">
+              <a:rPr kumimoji="0" lang="en-US" altLang="en-US" sz="2400" b="0" i="0" u="none" strike="noStrike" cap="none" normalizeH="0" baseline="0" dirty="0">
                 <a:ln>
                   <a:noFill/>
                 </a:ln>
@@ -12924,7 +12829,7 @@
               <a:t>(</a:t>
             </a:r>
             <a:r>
-              <a:rPr kumimoji="0" lang="en-US" altLang="en-US" sz="2400" b="1" i="0" u="none" strike="noStrike" cap="none" normalizeH="0" baseline="0" dirty="0" smtClean="0">
+              <a:rPr kumimoji="0" lang="en-US" altLang="en-US" sz="2400" b="1" i="0" u="none" strike="noStrike" cap="none" normalizeH="0" baseline="0" dirty="0">
                 <a:ln>
                   <a:noFill/>
                 </a:ln>
@@ -12938,7 +12843,7 @@
               <a:t>"</a:t>
             </a:r>
             <a:r>
-              <a:rPr kumimoji="0" lang="en-US" altLang="en-US" sz="2400" b="1" i="0" u="none" strike="noStrike" cap="none" normalizeH="0" baseline="0" dirty="0" err="1" smtClean="0">
+              <a:rPr kumimoji="0" lang="en-US" altLang="en-US" sz="2400" b="1" i="0" u="none" strike="noStrike" cap="none" normalizeH="0" baseline="0" dirty="0" err="1">
                 <a:ln>
                   <a:noFill/>
                 </a:ln>
@@ -12952,7 +12857,7 @@
               <a:t>resultId</a:t>
             </a:r>
             <a:r>
-              <a:rPr kumimoji="0" lang="en-US" altLang="en-US" sz="2400" b="1" i="0" u="none" strike="noStrike" cap="none" normalizeH="0" baseline="0" dirty="0" smtClean="0">
+              <a:rPr kumimoji="0" lang="en-US" altLang="en-US" sz="2400" b="1" i="0" u="none" strike="noStrike" cap="none" normalizeH="0" baseline="0" dirty="0">
                 <a:ln>
                   <a:noFill/>
                 </a:ln>
@@ -12966,7 +12871,7 @@
               <a:t>"</a:t>
             </a:r>
             <a:r>
-              <a:rPr kumimoji="0" lang="en-US" altLang="en-US" sz="2400" b="0" i="0" u="none" strike="noStrike" cap="none" normalizeH="0" baseline="0" dirty="0" smtClean="0">
+              <a:rPr kumimoji="0" lang="en-US" altLang="en-US" sz="2400" b="0" i="0" u="none" strike="noStrike" cap="none" normalizeH="0" baseline="0" dirty="0">
                 <a:ln>
                   <a:noFill/>
                 </a:ln>
@@ -12980,7 +12885,7 @@
               <a:t>);</a:t>
             </a:r>
             <a:br>
-              <a:rPr kumimoji="0" lang="en-US" altLang="en-US" sz="2400" b="0" i="0" u="none" strike="noStrike" cap="none" normalizeH="0" baseline="0" dirty="0" smtClean="0">
+              <a:rPr kumimoji="0" lang="en-US" altLang="en-US" sz="2400" b="0" i="0" u="none" strike="noStrike" cap="none" normalizeH="0" baseline="0" dirty="0">
                 <a:ln>
                   <a:noFill/>
                 </a:ln>
@@ -12992,22 +12897,8 @@
                 <a:cs typeface="Courier New" panose="02070309020205020404" pitchFamily="49" charset="0"/>
               </a:rPr>
             </a:br>
-            <a:r>
-              <a:rPr kumimoji="0" lang="en-US" altLang="en-US" sz="2400" b="0" i="0" u="none" strike="noStrike" cap="none" normalizeH="0" baseline="0" dirty="0" smtClean="0">
-                <a:ln>
-                  <a:noFill/>
-                </a:ln>
-                <a:solidFill>
-                  <a:srgbClr val="000000"/>
-                </a:solidFill>
-                <a:effectLst/>
-                <a:latin typeface="Courier New" panose="02070309020205020404" pitchFamily="49" charset="0"/>
-                <a:cs typeface="Courier New" panose="02070309020205020404" pitchFamily="49" charset="0"/>
-              </a:rPr>
-              <a:t/>
-            </a:r>
             <a:br>
-              <a:rPr kumimoji="0" lang="en-US" altLang="en-US" sz="2400" b="0" i="0" u="none" strike="noStrike" cap="none" normalizeH="0" baseline="0" dirty="0" smtClean="0">
+              <a:rPr kumimoji="0" lang="en-US" altLang="en-US" sz="2400" b="0" i="0" u="none" strike="noStrike" cap="none" normalizeH="0" baseline="0" dirty="0">
                 <a:ln>
                   <a:noFill/>
                 </a:ln>
@@ -13020,7 +12911,7 @@
               </a:rPr>
             </a:br>
             <a:r>
-              <a:rPr kumimoji="0" lang="en-US" altLang="en-US" sz="2400" b="0" i="0" u="none" strike="noStrike" cap="none" normalizeH="0" baseline="0" dirty="0" smtClean="0">
+              <a:rPr kumimoji="0" lang="en-US" altLang="en-US" sz="2400" b="0" i="0" u="none" strike="noStrike" cap="none" normalizeH="0" baseline="0" dirty="0">
                 <a:ln>
                   <a:noFill/>
                 </a:ln>
@@ -13034,7 +12925,7 @@
               <a:t>    </a:t>
             </a:r>
             <a:r>
-              <a:rPr kumimoji="0" lang="en-US" altLang="en-US" sz="2400" b="0" i="0" u="none" strike="noStrike" cap="none" normalizeH="0" baseline="0" dirty="0" err="1" smtClean="0">
+              <a:rPr kumimoji="0" lang="en-US" altLang="en-US" sz="2400" b="0" i="0" u="none" strike="noStrike" cap="none" normalizeH="0" baseline="0" dirty="0" err="1">
                 <a:ln>
                   <a:noFill/>
                 </a:ln>
@@ -13048,7 +12939,7 @@
               <a:t>textArea</a:t>
             </a:r>
             <a:r>
-              <a:rPr kumimoji="0" lang="en-US" altLang="en-US" sz="2400" b="0" i="0" u="none" strike="noStrike" cap="none" normalizeH="0" baseline="0" dirty="0" err="1" smtClean="0">
+              <a:rPr kumimoji="0" lang="en-US" altLang="en-US" sz="2400" b="0" i="0" u="none" strike="noStrike" cap="none" normalizeH="0" baseline="0" dirty="0" err="1">
                 <a:ln>
                   <a:noFill/>
                 </a:ln>
@@ -13062,7 +12953,7 @@
               <a:t>.</a:t>
             </a:r>
             <a:r>
-              <a:rPr kumimoji="0" lang="en-US" altLang="en-US" sz="2400" b="1" i="0" u="none" strike="noStrike" cap="none" normalizeH="0" baseline="0" dirty="0" err="1" smtClean="0">
+              <a:rPr kumimoji="0" lang="en-US" altLang="en-US" sz="2400" b="1" i="0" u="none" strike="noStrike" cap="none" normalizeH="0" baseline="0" dirty="0" err="1">
                 <a:ln>
                   <a:noFill/>
                 </a:ln>
@@ -13076,7 +12967,7 @@
               <a:t>value</a:t>
             </a:r>
             <a:r>
-              <a:rPr kumimoji="0" lang="en-US" altLang="en-US" sz="2400" b="1" i="0" u="none" strike="noStrike" cap="none" normalizeH="0" baseline="0" dirty="0" smtClean="0">
+              <a:rPr kumimoji="0" lang="en-US" altLang="en-US" sz="2400" b="1" i="0" u="none" strike="noStrike" cap="none" normalizeH="0" baseline="0" dirty="0">
                 <a:ln>
                   <a:noFill/>
                 </a:ln>
@@ -13090,7 +12981,7 @@
               <a:t> </a:t>
             </a:r>
             <a:r>
-              <a:rPr kumimoji="0" lang="en-US" altLang="en-US" sz="2400" b="0" i="0" u="none" strike="noStrike" cap="none" normalizeH="0" baseline="0" dirty="0" smtClean="0">
+              <a:rPr kumimoji="0" lang="en-US" altLang="en-US" sz="2400" b="0" i="0" u="none" strike="noStrike" cap="none" normalizeH="0" baseline="0" dirty="0">
                 <a:ln>
                   <a:noFill/>
                 </a:ln>
@@ -13104,7 +12995,7 @@
               <a:t>= </a:t>
             </a:r>
             <a:r>
-              <a:rPr kumimoji="0" lang="en-US" altLang="en-US" sz="2400" b="1" i="0" u="none" strike="noStrike" cap="none" normalizeH="0" baseline="0" dirty="0" smtClean="0">
+              <a:rPr kumimoji="0" lang="en-US" altLang="en-US" sz="2400" b="1" i="0" u="none" strike="noStrike" cap="none" normalizeH="0" baseline="0" dirty="0">
                 <a:ln>
                   <a:noFill/>
                 </a:ln>
@@ -13118,7 +13009,7 @@
               <a:t>''</a:t>
             </a:r>
             <a:r>
-              <a:rPr kumimoji="0" lang="en-US" altLang="en-US" sz="2400" b="0" i="0" u="none" strike="noStrike" cap="none" normalizeH="0" baseline="0" dirty="0" smtClean="0">
+              <a:rPr kumimoji="0" lang="en-US" altLang="en-US" sz="2400" b="0" i="0" u="none" strike="noStrike" cap="none" normalizeH="0" baseline="0" dirty="0">
                 <a:ln>
                   <a:noFill/>
                 </a:ln>
@@ -13132,7 +13023,7 @@
               <a:t>;</a:t>
             </a:r>
             <a:br>
-              <a:rPr kumimoji="0" lang="en-US" altLang="en-US" sz="2400" b="0" i="0" u="none" strike="noStrike" cap="none" normalizeH="0" baseline="0" dirty="0" smtClean="0">
+              <a:rPr kumimoji="0" lang="en-US" altLang="en-US" sz="2400" b="0" i="0" u="none" strike="noStrike" cap="none" normalizeH="0" baseline="0" dirty="0">
                 <a:ln>
                   <a:noFill/>
                 </a:ln>
@@ -13145,7 +13036,7 @@
               </a:rPr>
             </a:br>
             <a:r>
-              <a:rPr kumimoji="0" lang="en-US" altLang="en-US" sz="2400" b="0" i="0" u="none" strike="noStrike" cap="none" normalizeH="0" baseline="0" dirty="0" smtClean="0">
+              <a:rPr kumimoji="0" lang="en-US" altLang="en-US" sz="2400" b="0" i="0" u="none" strike="noStrike" cap="none" normalizeH="0" baseline="0" dirty="0">
                 <a:ln>
                   <a:noFill/>
                 </a:ln>
@@ -13159,7 +13050,7 @@
               <a:t>    </a:t>
             </a:r>
             <a:r>
-              <a:rPr kumimoji="0" lang="en-US" altLang="en-US" sz="2400" b="0" i="0" u="none" strike="noStrike" cap="none" normalizeH="0" baseline="0" dirty="0" err="1" smtClean="0">
+              <a:rPr kumimoji="0" lang="en-US" altLang="en-US" sz="2400" b="0" i="0" u="none" strike="noStrike" cap="none" normalizeH="0" baseline="0" dirty="0" err="1">
                 <a:ln>
                   <a:noFill/>
                 </a:ln>
@@ -13173,7 +13064,7 @@
               <a:t>resultArea</a:t>
             </a:r>
             <a:r>
-              <a:rPr kumimoji="0" lang="en-US" altLang="en-US" sz="2400" b="0" i="0" u="none" strike="noStrike" cap="none" normalizeH="0" baseline="0" dirty="0" err="1" smtClean="0">
+              <a:rPr kumimoji="0" lang="en-US" altLang="en-US" sz="2400" b="0" i="0" u="none" strike="noStrike" cap="none" normalizeH="0" baseline="0" dirty="0" err="1">
                 <a:ln>
                   <a:noFill/>
                 </a:ln>
@@ -13187,7 +13078,7 @@
               <a:t>.</a:t>
             </a:r>
             <a:r>
-              <a:rPr kumimoji="0" lang="en-US" altLang="en-US" sz="2400" b="1" i="0" u="none" strike="noStrike" cap="none" normalizeH="0" baseline="0" dirty="0" err="1" smtClean="0">
+              <a:rPr kumimoji="0" lang="en-US" altLang="en-US" sz="2400" b="1" i="0" u="none" strike="noStrike" cap="none" normalizeH="0" baseline="0" dirty="0" err="1">
                 <a:ln>
                   <a:noFill/>
                 </a:ln>
@@ -13201,7 +13092,7 @@
               <a:t>value</a:t>
             </a:r>
             <a:r>
-              <a:rPr kumimoji="0" lang="en-US" altLang="en-US" sz="2400" b="1" i="0" u="none" strike="noStrike" cap="none" normalizeH="0" baseline="0" dirty="0" smtClean="0">
+              <a:rPr kumimoji="0" lang="en-US" altLang="en-US" sz="2400" b="1" i="0" u="none" strike="noStrike" cap="none" normalizeH="0" baseline="0" dirty="0">
                 <a:ln>
                   <a:noFill/>
                 </a:ln>
@@ -13215,7 +13106,7 @@
               <a:t> </a:t>
             </a:r>
             <a:r>
-              <a:rPr kumimoji="0" lang="en-US" altLang="en-US" sz="2400" b="0" i="0" u="none" strike="noStrike" cap="none" normalizeH="0" baseline="0" dirty="0" smtClean="0">
+              <a:rPr kumimoji="0" lang="en-US" altLang="en-US" sz="2400" b="0" i="0" u="none" strike="noStrike" cap="none" normalizeH="0" baseline="0" dirty="0">
                 <a:ln>
                   <a:noFill/>
                 </a:ln>
@@ -13229,7 +13120,7 @@
               <a:t>= </a:t>
             </a:r>
             <a:r>
-              <a:rPr kumimoji="0" lang="en-US" altLang="en-US" sz="2400" b="1" i="0" u="none" strike="noStrike" cap="none" normalizeH="0" baseline="0" dirty="0" smtClean="0">
+              <a:rPr kumimoji="0" lang="en-US" altLang="en-US" sz="2400" b="1" i="0" u="none" strike="noStrike" cap="none" normalizeH="0" baseline="0" dirty="0">
                 <a:ln>
                   <a:noFill/>
                 </a:ln>
@@ -13243,7 +13134,7 @@
               <a:t>''</a:t>
             </a:r>
             <a:r>
-              <a:rPr kumimoji="0" lang="en-US" altLang="en-US" sz="2400" b="0" i="0" u="none" strike="noStrike" cap="none" normalizeH="0" baseline="0" dirty="0" smtClean="0">
+              <a:rPr kumimoji="0" lang="en-US" altLang="en-US" sz="2400" b="0" i="0" u="none" strike="noStrike" cap="none" normalizeH="0" baseline="0" dirty="0">
                 <a:ln>
                   <a:noFill/>
                 </a:ln>
@@ -13257,7 +13148,7 @@
               <a:t>;</a:t>
             </a:r>
             <a:br>
-              <a:rPr kumimoji="0" lang="en-US" altLang="en-US" sz="2400" b="0" i="0" u="none" strike="noStrike" cap="none" normalizeH="0" baseline="0" dirty="0" smtClean="0">
+              <a:rPr kumimoji="0" lang="en-US" altLang="en-US" sz="2400" b="0" i="0" u="none" strike="noStrike" cap="none" normalizeH="0" baseline="0" dirty="0">
                 <a:ln>
                   <a:noFill/>
                 </a:ln>
@@ -13270,7 +13161,7 @@
               </a:rPr>
             </a:br>
             <a:r>
-              <a:rPr kumimoji="0" lang="en-US" altLang="en-US" sz="2400" b="0" i="0" u="none" strike="noStrike" cap="none" normalizeH="0" baseline="0" dirty="0" smtClean="0">
+              <a:rPr kumimoji="0" lang="en-US" altLang="en-US" sz="2400" b="0" i="0" u="none" strike="noStrike" cap="none" normalizeH="0" baseline="0" dirty="0">
                 <a:ln>
                   <a:noFill/>
                 </a:ln>
@@ -13283,7 +13174,7 @@
               </a:rPr>
               <a:t>};</a:t>
             </a:r>
-            <a:endParaRPr kumimoji="0" lang="en-US" altLang="en-US" sz="2400" b="0" i="0" u="none" strike="noStrike" cap="none" normalizeH="0" baseline="0" dirty="0" smtClean="0">
+            <a:endParaRPr kumimoji="0" lang="en-US" altLang="en-US" sz="2400" b="0" i="0" u="none" strike="noStrike" cap="none" normalizeH="0" baseline="0" dirty="0">
               <a:ln>
                 <a:noFill/>
               </a:ln>
@@ -13300,255 +13191,6 @@
     <p:extLst>
       <p:ext uri="{BB962C8B-B14F-4D97-AF65-F5344CB8AC3E}">
         <p14:creationId xmlns:p14="http://schemas.microsoft.com/office/powerpoint/2010/main" val="3475102690"/>
-      </p:ext>
-    </p:extLst>
-  </p:cSld>
-  <p:clrMapOvr>
-    <a:masterClrMapping/>
-  </p:clrMapOvr>
-</p:sld>
-</file>
-
-<file path=ppt/slides/slide38.xml><?xml version="1.0" encoding="utf-8"?>
-<p:sld xmlns:a="http://schemas.openxmlformats.org/drawingml/2006/main" xmlns:r="http://schemas.openxmlformats.org/officeDocument/2006/relationships" xmlns:p="http://schemas.openxmlformats.org/presentationml/2006/main">
-  <p:cSld>
-    <p:spTree>
-      <p:nvGrpSpPr>
-        <p:cNvPr id="1" name=""/>
-        <p:cNvGrpSpPr/>
-        <p:nvPr/>
-      </p:nvGrpSpPr>
-      <p:grpSpPr>
-        <a:xfrm>
-          <a:off x="0" y="0"/>
-          <a:ext cx="0" cy="0"/>
-          <a:chOff x="0" y="0"/>
-          <a:chExt cx="0" cy="0"/>
-        </a:xfrm>
-      </p:grpSpPr>
-      <p:sp>
-        <p:nvSpPr>
-          <p:cNvPr id="2" name="Title 1"/>
-          <p:cNvSpPr>
-            <a:spLocks noGrp="1"/>
-          </p:cNvSpPr>
-          <p:nvPr>
-            <p:ph type="title"/>
-          </p:nvPr>
-        </p:nvSpPr>
-        <p:spPr/>
-        <p:txBody>
-          <a:bodyPr/>
-          <a:lstStyle/>
-          <a:p>
-            <a:r>
-              <a:rPr lang="en-US" dirty="0" smtClean="0"/>
-              <a:t>JS Interactions</a:t>
-            </a:r>
-            <a:endParaRPr lang="en-US" dirty="0"/>
-          </a:p>
-        </p:txBody>
-      </p:sp>
-      <p:sp>
-        <p:nvSpPr>
-          <p:cNvPr id="3" name="Content Placeholder 2"/>
-          <p:cNvSpPr>
-            <a:spLocks noGrp="1"/>
-          </p:cNvSpPr>
-          <p:nvPr>
-            <p:ph idx="1"/>
-          </p:nvPr>
-        </p:nvSpPr>
-        <p:spPr>
-          <a:xfrm>
-            <a:off x="243840" y="1825624"/>
-            <a:ext cx="11788140" cy="4895216"/>
-          </a:xfrm>
-        </p:spPr>
-        <p:txBody>
-          <a:bodyPr/>
-          <a:lstStyle/>
-          <a:p>
-            <a:r>
-              <a:rPr lang="en-US" dirty="0" smtClean="0"/>
-              <a:t>There are different ways to execute JS in a page</a:t>
-            </a:r>
-          </a:p>
-          <a:p>
-            <a:r>
-              <a:rPr lang="en-US" dirty="0" smtClean="0"/>
-              <a:t>One  simple approach is to directly register </a:t>
-            </a:r>
-            <a:r>
-              <a:rPr lang="en-US" i="1" dirty="0" smtClean="0"/>
-              <a:t>event handlers </a:t>
-            </a:r>
-            <a:r>
-              <a:rPr lang="en-US" dirty="0" smtClean="0"/>
-              <a:t>on the HTML tags</a:t>
-            </a:r>
-          </a:p>
-          <a:p>
-            <a:pPr lvl="1"/>
-            <a:r>
-              <a:rPr lang="en-US" dirty="0"/>
-              <a:t> </a:t>
-            </a:r>
-            <a:r>
-              <a:rPr lang="en-US" b="1" dirty="0"/>
-              <a:t>&lt;div  </a:t>
-            </a:r>
-            <a:r>
-              <a:rPr lang="en-US" b="1" dirty="0" err="1">
-                <a:solidFill>
-                  <a:schemeClr val="accent5"/>
-                </a:solidFill>
-              </a:rPr>
-              <a:t>onclick</a:t>
-            </a:r>
-            <a:r>
-              <a:rPr lang="en-US" b="1" dirty="0">
-                <a:solidFill>
-                  <a:schemeClr val="accent5"/>
-                </a:solidFill>
-              </a:rPr>
-              <a:t>="</a:t>
-            </a:r>
-            <a:r>
-              <a:rPr lang="en-US" b="1" dirty="0" err="1">
-                <a:solidFill>
-                  <a:schemeClr val="accent5"/>
-                </a:solidFill>
-              </a:rPr>
-              <a:t>clearText</a:t>
-            </a:r>
-            <a:r>
-              <a:rPr lang="en-US" b="1" dirty="0">
-                <a:solidFill>
-                  <a:schemeClr val="accent5"/>
-                </a:solidFill>
-              </a:rPr>
-              <a:t>()" </a:t>
-            </a:r>
-            <a:r>
-              <a:rPr lang="en-US" b="1" dirty="0" smtClean="0"/>
-              <a:t>&gt;</a:t>
-            </a:r>
-            <a:r>
-              <a:rPr lang="en-US" b="1" dirty="0"/>
-              <a:t>Clear&lt;/div</a:t>
-            </a:r>
-            <a:r>
-              <a:rPr lang="en-US" b="1" dirty="0" smtClean="0"/>
-              <a:t>&gt;</a:t>
-            </a:r>
-          </a:p>
-          <a:p>
-            <a:pPr lvl="1"/>
-            <a:r>
-              <a:rPr lang="en-US" dirty="0"/>
-              <a:t>w</a:t>
-            </a:r>
-            <a:r>
-              <a:rPr lang="en-US" dirty="0" smtClean="0"/>
-              <a:t>hen user on browser clicks on that button, the JS function “</a:t>
-            </a:r>
-            <a:r>
-              <a:rPr lang="en-US" i="1" dirty="0" err="1" smtClean="0"/>
-              <a:t>clearText</a:t>
-            </a:r>
-            <a:r>
-              <a:rPr lang="en-US" i="1" dirty="0" smtClean="0"/>
-              <a:t>()</a:t>
-            </a:r>
-            <a:r>
-              <a:rPr lang="en-US" dirty="0" smtClean="0"/>
-              <a:t>” is going to be executed</a:t>
-            </a:r>
-          </a:p>
-          <a:p>
-            <a:r>
-              <a:rPr lang="en-US" dirty="0" smtClean="0"/>
-              <a:t>Event handlers:</a:t>
-            </a:r>
-          </a:p>
-          <a:p>
-            <a:pPr lvl="1"/>
-            <a:r>
-              <a:rPr lang="en-US" i="1" dirty="0" err="1" smtClean="0"/>
-              <a:t>onclick</a:t>
-            </a:r>
-            <a:r>
-              <a:rPr lang="en-US" dirty="0" smtClean="0"/>
-              <a:t>, </a:t>
-            </a:r>
-            <a:r>
-              <a:rPr lang="en-US" i="1" dirty="0" err="1" smtClean="0"/>
-              <a:t>onchange</a:t>
-            </a:r>
-            <a:r>
-              <a:rPr lang="en-US" dirty="0" smtClean="0"/>
-              <a:t>, </a:t>
-            </a:r>
-            <a:r>
-              <a:rPr lang="en-US" i="1" dirty="0" err="1" smtClean="0"/>
-              <a:t>onmouseover</a:t>
-            </a:r>
-            <a:r>
-              <a:rPr lang="en-US" dirty="0" smtClean="0"/>
-              <a:t>, </a:t>
-            </a:r>
-            <a:r>
-              <a:rPr lang="en-US" i="1" dirty="0" err="1" smtClean="0"/>
-              <a:t>onmouseout</a:t>
-            </a:r>
-            <a:r>
-              <a:rPr lang="en-US" dirty="0" smtClean="0"/>
-              <a:t>, </a:t>
-            </a:r>
-            <a:r>
-              <a:rPr lang="en-US" i="1" dirty="0" err="1" smtClean="0"/>
-              <a:t>onkeydown</a:t>
-            </a:r>
-            <a:r>
-              <a:rPr lang="en-US" dirty="0" smtClean="0"/>
-              <a:t>, etc.</a:t>
-            </a:r>
-          </a:p>
-          <a:p>
-            <a:pPr lvl="1"/>
-            <a:r>
-              <a:rPr lang="en-US" dirty="0" smtClean="0"/>
-              <a:t>see </a:t>
-            </a:r>
-            <a:r>
-              <a:rPr lang="en-US" dirty="0"/>
-              <a:t>for example </a:t>
-            </a:r>
-            <a:r>
-              <a:rPr lang="en-US" dirty="0">
-                <a:hlinkClick r:id="rId2"/>
-              </a:rPr>
-              <a:t>https://</a:t>
-            </a:r>
-            <a:r>
-              <a:rPr lang="en-US" dirty="0" smtClean="0">
-                <a:hlinkClick r:id="rId2"/>
-              </a:rPr>
-              <a:t>www.w3schools.com/js/js_events.asp</a:t>
-            </a:r>
-            <a:endParaRPr lang="en-US" dirty="0" smtClean="0"/>
-          </a:p>
-          <a:p>
-            <a:pPr lvl="1"/>
-            <a:endParaRPr lang="en-US" dirty="0"/>
-          </a:p>
-        </p:txBody>
-      </p:sp>
-    </p:spTree>
-    <p:extLst>
-      <p:ext uri="{BB962C8B-B14F-4D97-AF65-F5344CB8AC3E}">
-        <p14:creationId xmlns:p14="http://schemas.microsoft.com/office/powerpoint/2010/main" val="2008931276"/>
       </p:ext>
     </p:extLst>
   </p:cSld>
@@ -13577,6 +13219,353 @@
       </p:grpSpPr>
       <p:sp>
         <p:nvSpPr>
+          <p:cNvPr id="2" name="Title 1"/>
+          <p:cNvSpPr>
+            <a:spLocks noGrp="1"/>
+          </p:cNvSpPr>
+          <p:nvPr>
+            <p:ph type="title"/>
+          </p:nvPr>
+        </p:nvSpPr>
+        <p:spPr/>
+        <p:txBody>
+          <a:bodyPr/>
+          <a:lstStyle/>
+          <a:p>
+            <a:r>
+              <a:rPr lang="en-US" dirty="0"/>
+              <a:t>JS Interactions</a:t>
+            </a:r>
+          </a:p>
+        </p:txBody>
+      </p:sp>
+      <p:sp>
+        <p:nvSpPr>
+          <p:cNvPr id="3" name="Content Placeholder 2"/>
+          <p:cNvSpPr>
+            <a:spLocks noGrp="1"/>
+          </p:cNvSpPr>
+          <p:nvPr>
+            <p:ph idx="1"/>
+          </p:nvPr>
+        </p:nvSpPr>
+        <p:spPr>
+          <a:xfrm>
+            <a:off x="243840" y="1825624"/>
+            <a:ext cx="11788140" cy="4895216"/>
+          </a:xfrm>
+        </p:spPr>
+        <p:txBody>
+          <a:bodyPr/>
+          <a:lstStyle/>
+          <a:p>
+            <a:r>
+              <a:rPr lang="en-US" dirty="0"/>
+              <a:t>There are different ways to execute JS in a page</a:t>
+            </a:r>
+          </a:p>
+          <a:p>
+            <a:r>
+              <a:rPr lang="en-US" dirty="0"/>
+              <a:t>One  simple approach is to directly register </a:t>
+            </a:r>
+            <a:r>
+              <a:rPr lang="en-US" i="1" dirty="0"/>
+              <a:t>event handlers </a:t>
+            </a:r>
+            <a:r>
+              <a:rPr lang="en-US" dirty="0"/>
+              <a:t>on the HTML tags</a:t>
+            </a:r>
+          </a:p>
+          <a:p>
+            <a:pPr lvl="1"/>
+            <a:r>
+              <a:rPr lang="en-US" dirty="0"/>
+              <a:t> </a:t>
+            </a:r>
+            <a:r>
+              <a:rPr lang="en-US" b="1" dirty="0"/>
+              <a:t>&lt;div  </a:t>
+            </a:r>
+            <a:r>
+              <a:rPr lang="en-US" b="1" dirty="0" err="1">
+                <a:solidFill>
+                  <a:schemeClr val="accent5"/>
+                </a:solidFill>
+              </a:rPr>
+              <a:t>onclick</a:t>
+            </a:r>
+            <a:r>
+              <a:rPr lang="en-US" b="1" dirty="0">
+                <a:solidFill>
+                  <a:schemeClr val="accent5"/>
+                </a:solidFill>
+              </a:rPr>
+              <a:t>="</a:t>
+            </a:r>
+            <a:r>
+              <a:rPr lang="en-US" b="1" dirty="0" err="1">
+                <a:solidFill>
+                  <a:schemeClr val="accent5"/>
+                </a:solidFill>
+              </a:rPr>
+              <a:t>clearText</a:t>
+            </a:r>
+            <a:r>
+              <a:rPr lang="en-US" b="1" dirty="0">
+                <a:solidFill>
+                  <a:schemeClr val="accent5"/>
+                </a:solidFill>
+              </a:rPr>
+              <a:t>()" </a:t>
+            </a:r>
+            <a:r>
+              <a:rPr lang="en-US" b="1" dirty="0"/>
+              <a:t>&gt;Clear&lt;/div&gt;</a:t>
+            </a:r>
+          </a:p>
+          <a:p>
+            <a:pPr lvl="1"/>
+            <a:r>
+              <a:rPr lang="en-US" dirty="0"/>
+              <a:t>when user on browser clicks on that button, the JS function “</a:t>
+            </a:r>
+            <a:r>
+              <a:rPr lang="en-US" i="1" dirty="0" err="1"/>
+              <a:t>clearText</a:t>
+            </a:r>
+            <a:r>
+              <a:rPr lang="en-US" i="1" dirty="0"/>
+              <a:t>()</a:t>
+            </a:r>
+            <a:r>
+              <a:rPr lang="en-US" dirty="0"/>
+              <a:t>” is going to be executed</a:t>
+            </a:r>
+          </a:p>
+          <a:p>
+            <a:r>
+              <a:rPr lang="en-US" dirty="0"/>
+              <a:t>Event handlers:</a:t>
+            </a:r>
+          </a:p>
+          <a:p>
+            <a:pPr lvl="1"/>
+            <a:r>
+              <a:rPr lang="en-US" i="1" dirty="0" err="1"/>
+              <a:t>onclick</a:t>
+            </a:r>
+            <a:r>
+              <a:rPr lang="en-US" dirty="0"/>
+              <a:t>, </a:t>
+            </a:r>
+            <a:r>
+              <a:rPr lang="en-US" i="1" dirty="0" err="1"/>
+              <a:t>onchange</a:t>
+            </a:r>
+            <a:r>
+              <a:rPr lang="en-US" dirty="0"/>
+              <a:t>, </a:t>
+            </a:r>
+            <a:r>
+              <a:rPr lang="en-US" i="1" dirty="0" err="1"/>
+              <a:t>onmouseover</a:t>
+            </a:r>
+            <a:r>
+              <a:rPr lang="en-US" dirty="0"/>
+              <a:t>, </a:t>
+            </a:r>
+            <a:r>
+              <a:rPr lang="en-US" i="1" dirty="0" err="1"/>
+              <a:t>onmouseout</a:t>
+            </a:r>
+            <a:r>
+              <a:rPr lang="en-US" dirty="0"/>
+              <a:t>, </a:t>
+            </a:r>
+            <a:r>
+              <a:rPr lang="en-US" i="1" dirty="0" err="1"/>
+              <a:t>onkeydown</a:t>
+            </a:r>
+            <a:r>
+              <a:rPr lang="en-US" dirty="0"/>
+              <a:t>, etc.</a:t>
+            </a:r>
+          </a:p>
+          <a:p>
+            <a:pPr lvl="1"/>
+            <a:r>
+              <a:rPr lang="en-US" dirty="0"/>
+              <a:t>see for example </a:t>
+            </a:r>
+            <a:r>
+              <a:rPr lang="en-US" dirty="0">
+                <a:hlinkClick r:id="rId2"/>
+              </a:rPr>
+              <a:t>https://www.w3schools.com/js/js_events.asp</a:t>
+            </a:r>
+            <a:endParaRPr lang="en-US" dirty="0"/>
+          </a:p>
+          <a:p>
+            <a:pPr lvl="1"/>
+            <a:endParaRPr lang="en-US" dirty="0"/>
+          </a:p>
+        </p:txBody>
+      </p:sp>
+    </p:spTree>
+    <p:extLst>
+      <p:ext uri="{BB962C8B-B14F-4D97-AF65-F5344CB8AC3E}">
+        <p14:creationId xmlns:p14="http://schemas.microsoft.com/office/powerpoint/2010/main" val="2008931276"/>
+      </p:ext>
+    </p:extLst>
+  </p:cSld>
+  <p:clrMapOvr>
+    <a:masterClrMapping/>
+  </p:clrMapOvr>
+</p:sld>
+</file>
+
+<file path=ppt/slides/slide4.xml><?xml version="1.0" encoding="utf-8"?>
+<p:sld xmlns:a="http://schemas.openxmlformats.org/drawingml/2006/main" xmlns:r="http://schemas.openxmlformats.org/officeDocument/2006/relationships" xmlns:p="http://schemas.openxmlformats.org/presentationml/2006/main">
+  <p:cSld>
+    <p:spTree>
+      <p:nvGrpSpPr>
+        <p:cNvPr id="1" name=""/>
+        <p:cNvGrpSpPr/>
+        <p:nvPr/>
+      </p:nvGrpSpPr>
+      <p:grpSpPr>
+        <a:xfrm>
+          <a:off x="0" y="0"/>
+          <a:ext cx="0" cy="0"/>
+          <a:chOff x="0" y="0"/>
+          <a:chExt cx="0" cy="0"/>
+        </a:xfrm>
+      </p:grpSpPr>
+      <p:sp>
+        <p:nvSpPr>
+          <p:cNvPr id="2" name="Title 1"/>
+          <p:cNvSpPr>
+            <a:spLocks noGrp="1"/>
+          </p:cNvSpPr>
+          <p:nvPr>
+            <p:ph type="title"/>
+          </p:nvPr>
+        </p:nvSpPr>
+        <p:spPr/>
+        <p:txBody>
+          <a:bodyPr/>
+          <a:lstStyle/>
+          <a:p>
+            <a:r>
+              <a:rPr lang="en-US" dirty="0"/>
+              <a:t>Course Info</a:t>
+            </a:r>
+          </a:p>
+        </p:txBody>
+      </p:sp>
+      <p:sp>
+        <p:nvSpPr>
+          <p:cNvPr id="3" name="Content Placeholder 2"/>
+          <p:cNvSpPr>
+            <a:spLocks noGrp="1"/>
+          </p:cNvSpPr>
+          <p:nvPr>
+            <p:ph idx="1"/>
+          </p:nvPr>
+        </p:nvSpPr>
+        <p:spPr>
+          <a:xfrm>
+            <a:off x="373380" y="1825625"/>
+            <a:ext cx="11590020" cy="4351338"/>
+          </a:xfrm>
+        </p:spPr>
+        <p:txBody>
+          <a:bodyPr>
+            <a:normAutofit/>
+          </a:bodyPr>
+          <a:lstStyle/>
+          <a:p>
+            <a:pPr marL="0" indent="0">
+              <a:buNone/>
+            </a:pPr>
+            <a:endParaRPr lang="en-US" dirty="0"/>
+          </a:p>
+          <a:p>
+            <a:r>
+              <a:rPr lang="en-US" dirty="0"/>
+              <a:t>12 lessons, once a week</a:t>
+            </a:r>
+          </a:p>
+          <a:p>
+            <a:endParaRPr lang="en-US" dirty="0"/>
+          </a:p>
+          <a:p>
+            <a:r>
+              <a:rPr lang="en-US" dirty="0"/>
+              <a:t>Check </a:t>
+            </a:r>
+            <a:r>
+              <a:rPr lang="en-US" dirty="0" err="1"/>
+              <a:t>TimeEdit</a:t>
+            </a:r>
+            <a:r>
+              <a:rPr lang="en-US" dirty="0"/>
+              <a:t> for possible changes of time and rooms</a:t>
+            </a:r>
+          </a:p>
+          <a:p>
+            <a:endParaRPr lang="en-US" dirty="0"/>
+          </a:p>
+          <a:p>
+            <a:r>
+              <a:rPr lang="en-US" dirty="0"/>
+              <a:t>During the course, do </a:t>
+            </a:r>
+            <a:r>
+              <a:rPr lang="en-US" b="1" dirty="0"/>
+              <a:t>NOT</a:t>
+            </a:r>
+            <a:r>
+              <a:rPr lang="en-US" dirty="0"/>
+              <a:t> send me private messages, but rather use the discussion forum of the course</a:t>
+            </a:r>
+          </a:p>
+        </p:txBody>
+      </p:sp>
+    </p:spTree>
+    <p:extLst>
+      <p:ext uri="{BB962C8B-B14F-4D97-AF65-F5344CB8AC3E}">
+        <p14:creationId xmlns:p14="http://schemas.microsoft.com/office/powerpoint/2010/main" val="772506603"/>
+      </p:ext>
+    </p:extLst>
+  </p:cSld>
+  <p:clrMapOvr>
+    <a:masterClrMapping/>
+  </p:clrMapOvr>
+</p:sld>
+</file>
+
+<file path=ppt/slides/slide40.xml><?xml version="1.0" encoding="utf-8"?>
+<p:sld xmlns:a="http://schemas.openxmlformats.org/drawingml/2006/main" xmlns:r="http://schemas.openxmlformats.org/officeDocument/2006/relationships" xmlns:p="http://schemas.openxmlformats.org/presentationml/2006/main">
+  <p:cSld>
+    <p:spTree>
+      <p:nvGrpSpPr>
+        <p:cNvPr id="1" name=""/>
+        <p:cNvGrpSpPr/>
+        <p:nvPr/>
+      </p:nvGrpSpPr>
+      <p:grpSpPr>
+        <a:xfrm>
+          <a:off x="0" y="0"/>
+          <a:ext cx="0" cy="0"/>
+          <a:chOff x="0" y="0"/>
+          <a:chExt cx="0" cy="0"/>
+        </a:xfrm>
+      </p:grpSpPr>
+      <p:sp>
+        <p:nvSpPr>
           <p:cNvPr id="3" name="Content Placeholder 2"/>
           <p:cNvSpPr>
             <a:spLocks noGrp="1"/>
@@ -13601,16 +13590,15 @@
               <a:buNone/>
             </a:pPr>
             <a:r>
-              <a:rPr lang="en-US" dirty="0" smtClean="0"/>
+              <a:rPr lang="en-US" dirty="0"/>
               <a:t>JS Console, from Chrome Developer Tools</a:t>
             </a:r>
-            <a:endParaRPr lang="en-US" dirty="0"/>
           </a:p>
           <a:p>
             <a:pPr marL="0" indent="0">
               <a:buNone/>
             </a:pPr>
-            <a:endParaRPr lang="en-US" dirty="0" smtClean="0"/>
+            <a:endParaRPr lang="en-US" dirty="0"/>
           </a:p>
           <a:p>
             <a:pPr marL="0" indent="0">
@@ -13618,13 +13606,8 @@
             </a:pPr>
             <a:r>
               <a:rPr lang="en-US" dirty="0"/>
-              <a:t>U</a:t>
-            </a:r>
-            <a:r>
-              <a:rPr lang="en-US" dirty="0" smtClean="0"/>
-              <a:t>seful for debugging and learning by running custom JS directly on page</a:t>
-            </a:r>
-            <a:endParaRPr lang="en-US" dirty="0"/>
+              <a:t>Useful for debugging and learning by running custom JS directly on page</a:t>
+            </a:r>
           </a:p>
         </p:txBody>
       </p:sp>
@@ -13665,128 +13648,6 @@
 </p:sld>
 </file>
 
-<file path=ppt/slides/slide4.xml><?xml version="1.0" encoding="utf-8"?>
-<p:sld xmlns:a="http://schemas.openxmlformats.org/drawingml/2006/main" xmlns:r="http://schemas.openxmlformats.org/officeDocument/2006/relationships" xmlns:p="http://schemas.openxmlformats.org/presentationml/2006/main">
-  <p:cSld>
-    <p:spTree>
-      <p:nvGrpSpPr>
-        <p:cNvPr id="1" name=""/>
-        <p:cNvGrpSpPr/>
-        <p:nvPr/>
-      </p:nvGrpSpPr>
-      <p:grpSpPr>
-        <a:xfrm>
-          <a:off x="0" y="0"/>
-          <a:ext cx="0" cy="0"/>
-          <a:chOff x="0" y="0"/>
-          <a:chExt cx="0" cy="0"/>
-        </a:xfrm>
-      </p:grpSpPr>
-      <p:sp>
-        <p:nvSpPr>
-          <p:cNvPr id="2" name="Title 1"/>
-          <p:cNvSpPr>
-            <a:spLocks noGrp="1"/>
-          </p:cNvSpPr>
-          <p:nvPr>
-            <p:ph type="title"/>
-          </p:nvPr>
-        </p:nvSpPr>
-        <p:spPr/>
-        <p:txBody>
-          <a:bodyPr/>
-          <a:lstStyle/>
-          <a:p>
-            <a:r>
-              <a:rPr lang="en-US" dirty="0" smtClean="0"/>
-              <a:t>Course Info</a:t>
-            </a:r>
-            <a:endParaRPr lang="en-US" dirty="0"/>
-          </a:p>
-        </p:txBody>
-      </p:sp>
-      <p:sp>
-        <p:nvSpPr>
-          <p:cNvPr id="3" name="Content Placeholder 2"/>
-          <p:cNvSpPr>
-            <a:spLocks noGrp="1"/>
-          </p:cNvSpPr>
-          <p:nvPr>
-            <p:ph idx="1"/>
-          </p:nvPr>
-        </p:nvSpPr>
-        <p:spPr>
-          <a:xfrm>
-            <a:off x="373380" y="1825625"/>
-            <a:ext cx="11590020" cy="4351338"/>
-          </a:xfrm>
-        </p:spPr>
-        <p:txBody>
-          <a:bodyPr>
-            <a:normAutofit/>
-          </a:bodyPr>
-          <a:lstStyle/>
-          <a:p>
-            <a:pPr marL="0" indent="0">
-              <a:buNone/>
-            </a:pPr>
-            <a:endParaRPr lang="en-US" dirty="0"/>
-          </a:p>
-          <a:p>
-            <a:r>
-              <a:rPr lang="en-US" dirty="0" smtClean="0"/>
-              <a:t>12 lessons, once a week</a:t>
-            </a:r>
-          </a:p>
-          <a:p>
-            <a:endParaRPr lang="en-US" dirty="0" smtClean="0"/>
-          </a:p>
-          <a:p>
-            <a:r>
-              <a:rPr lang="en-US" dirty="0" smtClean="0"/>
-              <a:t>Check </a:t>
-            </a:r>
-            <a:r>
-              <a:rPr lang="en-US" dirty="0" err="1" smtClean="0"/>
-              <a:t>TimeEdit</a:t>
-            </a:r>
-            <a:r>
-              <a:rPr lang="en-US" dirty="0" smtClean="0"/>
-              <a:t> for possible changes of time and rooms</a:t>
-            </a:r>
-          </a:p>
-          <a:p>
-            <a:endParaRPr lang="en-US" dirty="0"/>
-          </a:p>
-          <a:p>
-            <a:r>
-              <a:rPr lang="en-US" dirty="0" smtClean="0"/>
-              <a:t>During the course, do </a:t>
-            </a:r>
-            <a:r>
-              <a:rPr lang="en-US" b="1" dirty="0" smtClean="0"/>
-              <a:t>NOT</a:t>
-            </a:r>
-            <a:r>
-              <a:rPr lang="en-US" dirty="0" smtClean="0"/>
-              <a:t> send me private messages, but rather use the discussion forum of the course</a:t>
-            </a:r>
-          </a:p>
-        </p:txBody>
-      </p:sp>
-    </p:spTree>
-    <p:extLst>
-      <p:ext uri="{BB962C8B-B14F-4D97-AF65-F5344CB8AC3E}">
-        <p14:creationId xmlns:p14="http://schemas.microsoft.com/office/powerpoint/2010/main" val="772506603"/>
-      </p:ext>
-    </p:extLst>
-  </p:cSld>
-  <p:clrMapOvr>
-    <a:masterClrMapping/>
-  </p:clrMapOvr>
-</p:sld>
-</file>
-
 <file path=ppt/slides/slide5.xml><?xml version="1.0" encoding="utf-8"?>
 <p:sld xmlns:a="http://schemas.openxmlformats.org/drawingml/2006/main" xmlns:r="http://schemas.openxmlformats.org/officeDocument/2006/relationships" xmlns:p="http://schemas.openxmlformats.org/presentationml/2006/main">
   <p:cSld>
@@ -13820,10 +13681,9 @@
           <a:lstStyle/>
           <a:p>
             <a:r>
-              <a:rPr lang="en-US" dirty="0" smtClean="0"/>
+              <a:rPr lang="en-US" dirty="0"/>
               <a:t>Class Structure</a:t>
             </a:r>
-            <a:endParaRPr lang="en-US" dirty="0"/>
           </a:p>
         </p:txBody>
       </p:sp>
@@ -13863,11 +13723,7 @@
             <a:pPr lvl="1"/>
             <a:r>
               <a:rPr lang="en-US" dirty="0"/>
-              <a:t>2 hours in which you should do exercises and get </a:t>
-            </a:r>
-            <a:r>
-              <a:rPr lang="en-US" dirty="0" smtClean="0"/>
-              <a:t>help</a:t>
+              <a:t>2 hours in which you should do exercises and get help</a:t>
             </a:r>
           </a:p>
           <a:p>
@@ -13937,11 +13793,11 @@
           <a:lstStyle/>
           <a:p>
             <a:r>
-              <a:rPr lang="en-US" dirty="0" smtClean="0"/>
+              <a:rPr lang="en-US" dirty="0"/>
               <a:t>If You Skip Class</a:t>
             </a:r>
             <a:r>
-              <a:rPr lang="mr-IN" dirty="0" smtClean="0"/>
+              <a:rPr lang="mr-IN" dirty="0"/>
               <a:t>…</a:t>
             </a:r>
             <a:endParaRPr lang="en-US" dirty="0"/>
@@ -13964,33 +13820,33 @@
           <a:lstStyle/>
           <a:p>
             <a:r>
-              <a:rPr lang="en-US" dirty="0" smtClean="0"/>
+              <a:rPr lang="en-US" dirty="0"/>
               <a:t>Usually acceptable that a student skips 1-2 classes</a:t>
             </a:r>
           </a:p>
           <a:p>
-            <a:endParaRPr lang="en-US" dirty="0" smtClean="0"/>
-          </a:p>
-          <a:p>
-            <a:r>
-              <a:rPr lang="en-US" dirty="0" smtClean="0"/>
+            <a:endParaRPr lang="en-US" dirty="0"/>
+          </a:p>
+          <a:p>
+            <a:r>
+              <a:rPr lang="en-US" dirty="0"/>
               <a:t>You are supposed to attend, although no strict checks</a:t>
             </a:r>
           </a:p>
           <a:p>
-            <a:endParaRPr lang="en-US" dirty="0" smtClean="0"/>
-          </a:p>
-          <a:p>
-            <a:r>
-              <a:rPr lang="en-US" dirty="0" smtClean="0"/>
+            <a:endParaRPr lang="en-US" dirty="0"/>
+          </a:p>
+          <a:p>
+            <a:r>
+              <a:rPr lang="en-US" dirty="0"/>
               <a:t>If you skip too many classes, it is </a:t>
             </a:r>
             <a:r>
-              <a:rPr lang="en-US" b="1" dirty="0" smtClean="0"/>
+              <a:rPr lang="en-US" b="1" dirty="0"/>
               <a:t>YOUR</a:t>
             </a:r>
             <a:r>
-              <a:rPr lang="en-US" dirty="0" smtClean="0"/>
+              <a:rPr lang="en-US" dirty="0"/>
               <a:t> responsibility to catch up and find out what done in class</a:t>
             </a:r>
           </a:p>
@@ -14045,10 +13901,9 @@
           <a:lstStyle/>
           <a:p>
             <a:r>
-              <a:rPr lang="en-US" dirty="0" smtClean="0"/>
+              <a:rPr lang="en-US" dirty="0"/>
               <a:t>Necessary Tools</a:t>
             </a:r>
-            <a:endParaRPr lang="en-US" dirty="0"/>
           </a:p>
         </p:txBody>
       </p:sp>
@@ -14075,43 +13930,38 @@
           <a:lstStyle/>
           <a:p>
             <a:r>
-              <a:rPr lang="en-US" dirty="0" smtClean="0"/>
+              <a:rPr lang="en-US" dirty="0"/>
               <a:t>YARN</a:t>
             </a:r>
           </a:p>
           <a:p>
             <a:r>
-              <a:rPr lang="en-US" dirty="0" err="1" smtClean="0"/>
+              <a:rPr lang="en-US" dirty="0" err="1"/>
               <a:t>NodeJS</a:t>
             </a:r>
-            <a:endParaRPr lang="en-US" dirty="0" smtClean="0"/>
-          </a:p>
-          <a:p>
-            <a:r>
-              <a:rPr lang="en-US" dirty="0" err="1" smtClean="0"/>
+            <a:endParaRPr lang="en-US" dirty="0"/>
+          </a:p>
+          <a:p>
+            <a:r>
+              <a:rPr lang="en-US" dirty="0" err="1"/>
               <a:t>Git</a:t>
             </a:r>
-            <a:endParaRPr lang="en-US" dirty="0" smtClean="0"/>
-          </a:p>
-          <a:p>
-            <a:r>
-              <a:rPr lang="en-US" dirty="0" smtClean="0"/>
+            <a:endParaRPr lang="en-US" dirty="0"/>
+          </a:p>
+          <a:p>
+            <a:r>
+              <a:rPr lang="en-US" dirty="0"/>
               <a:t>An IDE </a:t>
             </a:r>
-            <a:endParaRPr lang="en-US" dirty="0" smtClean="0"/>
           </a:p>
           <a:p>
             <a:pPr lvl="1"/>
             <a:r>
-              <a:rPr lang="en-US" dirty="0" smtClean="0"/>
-              <a:t>I </a:t>
-            </a:r>
-            <a:r>
-              <a:rPr lang="en-US" dirty="0" smtClean="0"/>
-              <a:t>recommend </a:t>
-            </a:r>
-            <a:r>
-              <a:rPr lang="en-US" i="1" dirty="0" err="1" smtClean="0"/>
+              <a:rPr lang="en-US" dirty="0"/>
+              <a:t>I recommend </a:t>
+            </a:r>
+            <a:r>
+              <a:rPr lang="en-US" i="1" dirty="0" err="1"/>
               <a:t>WebStorm</a:t>
             </a:r>
             <a:endParaRPr lang="en-US" dirty="0"/>
@@ -14119,40 +13969,39 @@
           <a:p>
             <a:pPr lvl="1"/>
             <a:r>
-              <a:rPr lang="en-US" dirty="0" smtClean="0"/>
+              <a:rPr lang="en-US" dirty="0"/>
               <a:t>but </a:t>
             </a:r>
             <a:r>
-              <a:rPr lang="en-US" i="1" dirty="0" smtClean="0"/>
+              <a:rPr lang="en-US" i="1" dirty="0"/>
               <a:t>Visual Studio Code</a:t>
             </a:r>
             <a:r>
-              <a:rPr lang="en-US" dirty="0" smtClean="0"/>
+              <a:rPr lang="en-US" dirty="0"/>
               <a:t> is fine as well</a:t>
             </a:r>
-            <a:endParaRPr lang="en-US" dirty="0" smtClean="0"/>
-          </a:p>
-          <a:p>
-            <a:r>
-              <a:rPr lang="en-US" dirty="0" smtClean="0"/>
+          </a:p>
+          <a:p>
+            <a:r>
+              <a:rPr lang="en-US" dirty="0"/>
               <a:t>A Bash command-line terminal </a:t>
             </a:r>
           </a:p>
           <a:p>
             <a:pPr lvl="1"/>
             <a:r>
-              <a:rPr lang="en-US" dirty="0" smtClean="0"/>
+              <a:rPr lang="en-US" dirty="0"/>
               <a:t>Mac/Linux: use the built-in one</a:t>
             </a:r>
           </a:p>
           <a:p>
             <a:pPr lvl="1"/>
             <a:r>
-              <a:rPr lang="en-US" dirty="0" smtClean="0"/>
+              <a:rPr lang="en-US" dirty="0"/>
               <a:t>Windows: I recommend </a:t>
             </a:r>
             <a:r>
-              <a:rPr lang="en-US" dirty="0" err="1" smtClean="0"/>
+              <a:rPr lang="en-US" dirty="0" err="1"/>
               <a:t>GitBash</a:t>
             </a:r>
             <a:endParaRPr lang="en-US" dirty="0"/>
@@ -14205,14 +14054,13 @@
           <a:lstStyle/>
           <a:p>
             <a:r>
-              <a:rPr lang="en-US" dirty="0" err="1" smtClean="0"/>
+              <a:rPr lang="en-US" dirty="0" err="1"/>
               <a:t>Git</a:t>
             </a:r>
             <a:r>
-              <a:rPr lang="en-US" dirty="0" smtClean="0"/>
+              <a:rPr lang="en-US" dirty="0"/>
               <a:t> Repository</a:t>
             </a:r>
-            <a:endParaRPr lang="en-US" dirty="0"/>
           </a:p>
         </p:txBody>
       </p:sp>
@@ -14240,42 +14088,27 @@
               <a:rPr lang="en-US" u="sng" dirty="0">
                 <a:hlinkClick r:id="rId3"/>
               </a:rPr>
-              <a:t>https://</a:t>
-            </a:r>
-            <a:r>
-              <a:rPr lang="en-US" u="sng" dirty="0" smtClean="0">
-                <a:hlinkClick r:id="rId3"/>
-              </a:rPr>
-              <a:t>github.com/arcuri82/web_development_and_api_design</a:t>
-            </a:r>
-            <a:endParaRPr lang="en-US" u="sng" dirty="0" smtClean="0"/>
-          </a:p>
-          <a:p>
-            <a:endParaRPr lang="en-US" dirty="0" smtClean="0"/>
-          </a:p>
-          <a:p>
-            <a:r>
-              <a:rPr lang="en-US" dirty="0" smtClean="0"/>
-              <a:t>Note</a:t>
-            </a:r>
-            <a:r>
-              <a:rPr lang="en-US" dirty="0"/>
-              <a:t>: pull often, as new material will be added during the </a:t>
-            </a:r>
-            <a:r>
-              <a:rPr lang="en-US" dirty="0" smtClean="0"/>
-              <a:t>course</a:t>
-            </a:r>
+              <a:t>https://github.com/arcuri82/web_development_and_api_design</a:t>
+            </a:r>
+            <a:endParaRPr lang="en-US" u="sng" dirty="0"/>
           </a:p>
           <a:p>
             <a:endParaRPr lang="en-US" dirty="0"/>
           </a:p>
           <a:p>
             <a:r>
-              <a:rPr lang="en-US" dirty="0" smtClean="0"/>
+              <a:rPr lang="en-US" dirty="0"/>
+              <a:t>Note: pull often, as new material will be added during the course</a:t>
+            </a:r>
+          </a:p>
+          <a:p>
+            <a:endParaRPr lang="en-US" dirty="0"/>
+          </a:p>
+          <a:p>
+            <a:r>
+              <a:rPr lang="en-US" dirty="0"/>
               <a:t>No book, but plenty of external links to study from</a:t>
             </a:r>
-            <a:endParaRPr lang="en-US" dirty="0"/>
           </a:p>
           <a:p>
             <a:pPr marL="0" indent="0">
@@ -14331,10 +14164,9 @@
           <a:lstStyle/>
           <a:p>
             <a:r>
-              <a:rPr lang="en-US" dirty="0" smtClean="0"/>
+              <a:rPr lang="en-US" dirty="0"/>
               <a:t>Exam</a:t>
             </a:r>
-            <a:endParaRPr lang="en-US" dirty="0"/>
           </a:p>
         </p:txBody>
       </p:sp>
@@ -14359,17 +14191,13 @@
           <a:lstStyle/>
           <a:p>
             <a:r>
-              <a:rPr lang="en-US" dirty="0" smtClean="0"/>
-              <a:t>100% home-assignment </a:t>
-            </a:r>
-            <a:r>
-              <a:rPr lang="en-US" dirty="0"/>
-              <a:t>exam</a:t>
-            </a:r>
-          </a:p>
-          <a:p>
-            <a:r>
-              <a:rPr lang="en-US" dirty="0" smtClean="0"/>
+              <a:rPr lang="en-US" dirty="0"/>
+              <a:t>100% home-assignment exam</a:t>
+            </a:r>
+          </a:p>
+          <a:p>
+            <a:r>
+              <a:rPr lang="en-US" dirty="0"/>
               <a:t>48 hours</a:t>
             </a:r>
           </a:p>

--- a/docs/slides/lesson_01.pptx
+++ b/docs/slides/lesson_01.pptx
@@ -6,7 +6,7 @@
     <p:sldMasterId id="2147483660" r:id="rId2"/>
   </p:sldMasterIdLst>
   <p:notesMasterIdLst>
-    <p:notesMasterId r:id="rId43"/>
+    <p:notesMasterId r:id="rId50"/>
   </p:notesMasterIdLst>
   <p:sldIdLst>
     <p:sldId id="256" r:id="rId3"/>
@@ -45,10 +45,17 @@
     <p:sldId id="348" r:id="rId36"/>
     <p:sldId id="373" r:id="rId37"/>
     <p:sldId id="347" r:id="rId38"/>
-    <p:sldId id="349" r:id="rId39"/>
-    <p:sldId id="350" r:id="rId40"/>
-    <p:sldId id="351" r:id="rId41"/>
-    <p:sldId id="352" r:id="rId42"/>
+    <p:sldId id="375" r:id="rId39"/>
+    <p:sldId id="376" r:id="rId40"/>
+    <p:sldId id="377" r:id="rId41"/>
+    <p:sldId id="378" r:id="rId42"/>
+    <p:sldId id="379" r:id="rId43"/>
+    <p:sldId id="380" r:id="rId44"/>
+    <p:sldId id="381" r:id="rId45"/>
+    <p:sldId id="349" r:id="rId46"/>
+    <p:sldId id="350" r:id="rId47"/>
+    <p:sldId id="351" r:id="rId48"/>
+    <p:sldId id="352" r:id="rId49"/>
   </p:sldIdLst>
   <p:sldSz cx="12192000" cy="6858000"/>
   <p:notesSz cx="6858000" cy="9144000"/>
@@ -5671,7 +5678,7 @@
           </a:ln>
           <a:extLst>
             <a:ext uri="{C572A759-6A51-4108-AA02-DFA0A04FC94B}">
-              <ma14:wrappingTextBoxFlag xmlns:ma14="http://schemas.microsoft.com/office/mac/drawingml/2011/main" xmlns="" val="1"/>
+              <ma14:wrappingTextBoxFlag xmlns="" xmlns:ma14="http://schemas.microsoft.com/office/mac/drawingml/2011/main" val="1"/>
             </a:ext>
           </a:extLst>
         </p:spPr>
@@ -5710,7 +5717,7 @@
           </a:ln>
           <a:extLst>
             <a:ext uri="{C572A759-6A51-4108-AA02-DFA0A04FC94B}">
-              <ma14:wrappingTextBoxFlag xmlns:ma14="http://schemas.microsoft.com/office/mac/drawingml/2011/main" xmlns="" val="1"/>
+              <ma14:wrappingTextBoxFlag xmlns="" xmlns:ma14="http://schemas.microsoft.com/office/mac/drawingml/2011/main" val="1"/>
             </a:ext>
           </a:extLst>
         </p:spPr>
@@ -10245,7 +10252,7 @@
           </a:ln>
           <a:extLst>
             <a:ext uri="{C572A759-6A51-4108-AA02-DFA0A04FC94B}">
-              <ma14:wrappingTextBoxFlag xmlns="" xmlns:ma14="http://schemas.microsoft.com/office/mac/drawingml/2011/main" val="1"/>
+              <ma14:wrappingTextBoxFlag xmlns:ma14="http://schemas.microsoft.com/office/mac/drawingml/2011/main" xmlns="" val="1"/>
             </a:ext>
           </a:extLst>
         </p:spPr>
@@ -11370,7 +11377,7 @@
           <a:p>
             <a:r>
               <a:rPr lang="en-US" dirty="0"/>
-              <a:t>6 values evaluates to “</a:t>
+              <a:t>6 values evaluate to “</a:t>
             </a:r>
             <a:r>
               <a:rPr lang="en-US" i="1" dirty="0"/>
@@ -11382,7 +11389,7 @@
             </a:r>
             <a:r>
               <a:rPr lang="en-US" dirty="0" err="1"/>
-              <a:t>booleans</a:t>
+              <a:t>boolean</a:t>
             </a:r>
             <a:r>
               <a:rPr lang="en-US" dirty="0"/>
@@ -11699,7 +11706,15 @@
             <a:pPr lvl="1"/>
             <a:r>
               <a:rPr lang="en-US" dirty="0"/>
-              <a:t>this will become more clear when we will define callbacks inside React objects</a:t>
+              <a:t>this will become more clear when we will define callbacks inside </a:t>
+            </a:r>
+            <a:r>
+              <a:rPr lang="en-US" i="1" dirty="0"/>
+              <a:t>React</a:t>
+            </a:r>
+            <a:r>
+              <a:rPr lang="en-US" dirty="0"/>
+              <a:t> objects</a:t>
             </a:r>
           </a:p>
         </p:txBody>
@@ -11926,7 +11941,15 @@
             </a:r>
             <a:r>
               <a:rPr lang="en-US" dirty="0"/>
-              <a:t>. Then call such function by using () on it</a:t>
+              <a:t>. Then call such function by using </a:t>
+            </a:r>
+            <a:r>
+              <a:rPr lang="en-US" b="1" dirty="0"/>
+              <a:t>()</a:t>
+            </a:r>
+            <a:r>
+              <a:rPr lang="en-US" dirty="0"/>
+              <a:t> on it</a:t>
             </a:r>
           </a:p>
           <a:p>
@@ -11951,15 +11974,43 @@
             <a:pPr lvl="1"/>
             <a:r>
               <a:rPr lang="en-US" dirty="0"/>
-              <a:t>create a new function that takes an input y, and return it with a +1. So, </a:t>
-            </a:r>
-            <a:r>
-              <a:rPr lang="en-US" dirty="0" err="1"/>
+              <a:t>create a new function that takes an input </a:t>
+            </a:r>
+            <a:r>
+              <a:rPr lang="en-US" b="1" dirty="0"/>
+              <a:t>y</a:t>
+            </a:r>
+            <a:r>
+              <a:rPr lang="en-US" dirty="0"/>
+              <a:t>, and return it with a </a:t>
+            </a:r>
+            <a:r>
+              <a:rPr lang="en-US" b="1" dirty="0"/>
+              <a:t>+1</a:t>
+            </a:r>
+            <a:r>
+              <a:rPr lang="en-US" dirty="0"/>
+              <a:t>. So, </a:t>
+            </a:r>
+            <a:r>
+              <a:rPr lang="en-US" b="1" dirty="0" err="1"/>
               <a:t>addOne</a:t>
             </a:r>
             <a:r>
-              <a:rPr lang="en-US" dirty="0"/>
-              <a:t>(5) does return the value 6 here</a:t>
+              <a:rPr lang="en-US" b="1" dirty="0"/>
+              <a:t>(5)</a:t>
+            </a:r>
+            <a:r>
+              <a:rPr lang="en-US" dirty="0"/>
+              <a:t> does return the value </a:t>
+            </a:r>
+            <a:r>
+              <a:rPr lang="en-US" b="1" dirty="0"/>
+              <a:t>6</a:t>
+            </a:r>
+            <a:r>
+              <a:rPr lang="en-US" dirty="0"/>
+              <a:t> here</a:t>
             </a:r>
           </a:p>
         </p:txBody>
@@ -12117,6 +12168,1334 @@
       </p:grpSpPr>
       <p:sp>
         <p:nvSpPr>
+          <p:cNvPr id="2" name="Title 1">
+            <a:extLst>
+              <a:ext uri="{FF2B5EF4-FFF2-40B4-BE49-F238E27FC236}">
+                <a16:creationId xmlns:a16="http://schemas.microsoft.com/office/drawing/2014/main" id="{42CF5FF0-A507-7F48-93F3-967D7F410E4D}"/>
+              </a:ext>
+            </a:extLst>
+          </p:cNvPr>
+          <p:cNvSpPr>
+            <a:spLocks noGrp="1"/>
+          </p:cNvSpPr>
+          <p:nvPr>
+            <p:ph type="title"/>
+          </p:nvPr>
+        </p:nvSpPr>
+        <p:spPr/>
+        <p:txBody>
+          <a:bodyPr/>
+          <a:lstStyle/>
+          <a:p>
+            <a:r>
+              <a:rPr lang="en-US" dirty="0"/>
+              <a:t>Map and Filter</a:t>
+            </a:r>
+          </a:p>
+        </p:txBody>
+      </p:sp>
+      <p:sp>
+        <p:nvSpPr>
+          <p:cNvPr id="3" name="Content Placeholder 2">
+            <a:extLst>
+              <a:ext uri="{FF2B5EF4-FFF2-40B4-BE49-F238E27FC236}">
+                <a16:creationId xmlns:a16="http://schemas.microsoft.com/office/drawing/2014/main" id="{9F477486-CBEE-9B4F-A2E1-D3009B4B8ACC}"/>
+              </a:ext>
+            </a:extLst>
+          </p:cNvPr>
+          <p:cNvSpPr>
+            <a:spLocks noGrp="1"/>
+          </p:cNvSpPr>
+          <p:nvPr>
+            <p:ph idx="1"/>
+          </p:nvPr>
+        </p:nvSpPr>
+        <p:spPr>
+          <a:xfrm>
+            <a:off x="215900" y="1825625"/>
+            <a:ext cx="11887200" cy="4886326"/>
+          </a:xfrm>
+        </p:spPr>
+        <p:txBody>
+          <a:bodyPr/>
+          <a:lstStyle/>
+          <a:p>
+            <a:r>
+              <a:rPr lang="en-US" dirty="0"/>
+              <a:t>Throughout the course, we will often use </a:t>
+            </a:r>
+            <a:r>
+              <a:rPr lang="en-US" i="1" dirty="0"/>
+              <a:t>.map() </a:t>
+            </a:r>
+            <a:r>
+              <a:rPr lang="en-US" dirty="0"/>
+              <a:t>and </a:t>
+            </a:r>
+            <a:r>
+              <a:rPr lang="en-US" i="1" dirty="0"/>
+              <a:t>.filter()</a:t>
+            </a:r>
+            <a:r>
+              <a:rPr lang="en-US" dirty="0"/>
+              <a:t> operations on </a:t>
+            </a:r>
+            <a:r>
+              <a:rPr lang="en-US" i="1" dirty="0"/>
+              <a:t>arrays/lists</a:t>
+            </a:r>
+          </a:p>
+          <a:p>
+            <a:r>
+              <a:rPr lang="en-US" dirty="0"/>
+              <a:t>They return a new copy the array</a:t>
+            </a:r>
+          </a:p>
+          <a:p>
+            <a:r>
+              <a:rPr lang="en-US" i="1" dirty="0"/>
+              <a:t>Filter</a:t>
+            </a:r>
+            <a:r>
+              <a:rPr lang="en-US" dirty="0"/>
+              <a:t>: a subset of the array, according to a predicate</a:t>
+            </a:r>
+          </a:p>
+          <a:p>
+            <a:r>
+              <a:rPr lang="en-US" i="1" dirty="0"/>
+              <a:t>Map</a:t>
+            </a:r>
+            <a:r>
+              <a:rPr lang="en-US" dirty="0"/>
+              <a:t>: each element is transformed into a new element, according to the provided mapping function</a:t>
+            </a:r>
+          </a:p>
+        </p:txBody>
+      </p:sp>
+    </p:spTree>
+    <p:extLst>
+      <p:ext uri="{BB962C8B-B14F-4D97-AF65-F5344CB8AC3E}">
+        <p14:creationId xmlns:p14="http://schemas.microsoft.com/office/powerpoint/2010/main" val="1819955954"/>
+      </p:ext>
+    </p:extLst>
+  </p:cSld>
+  <p:clrMapOvr>
+    <a:masterClrMapping/>
+  </p:clrMapOvr>
+</p:sld>
+</file>
+
+<file path=ppt/slides/slide38.xml><?xml version="1.0" encoding="utf-8"?>
+<p:sld xmlns:a="http://schemas.openxmlformats.org/drawingml/2006/main" xmlns:r="http://schemas.openxmlformats.org/officeDocument/2006/relationships" xmlns:p="http://schemas.openxmlformats.org/presentationml/2006/main">
+  <p:cSld>
+    <p:spTree>
+      <p:nvGrpSpPr>
+        <p:cNvPr id="1" name=""/>
+        <p:cNvGrpSpPr/>
+        <p:nvPr/>
+      </p:nvGrpSpPr>
+      <p:grpSpPr>
+        <a:xfrm>
+          <a:off x="0" y="0"/>
+          <a:ext cx="0" cy="0"/>
+          <a:chOff x="0" y="0"/>
+          <a:chExt cx="0" cy="0"/>
+        </a:xfrm>
+      </p:grpSpPr>
+      <p:sp>
+        <p:nvSpPr>
+          <p:cNvPr id="2" name="Title 1">
+            <a:extLst>
+              <a:ext uri="{FF2B5EF4-FFF2-40B4-BE49-F238E27FC236}">
+                <a16:creationId xmlns:a16="http://schemas.microsoft.com/office/drawing/2014/main" id="{5F929575-B379-BF4A-B41A-1182D35E58B5}"/>
+              </a:ext>
+            </a:extLst>
+          </p:cNvPr>
+          <p:cNvSpPr>
+            <a:spLocks noGrp="1"/>
+          </p:cNvSpPr>
+          <p:nvPr>
+            <p:ph type="title"/>
+          </p:nvPr>
+        </p:nvSpPr>
+        <p:spPr/>
+        <p:txBody>
+          <a:bodyPr/>
+          <a:lstStyle/>
+          <a:p>
+            <a:r>
+              <a:rPr lang="en-US" dirty="0"/>
+              <a:t>Filter Example </a:t>
+            </a:r>
+          </a:p>
+        </p:txBody>
+      </p:sp>
+      <p:sp>
+        <p:nvSpPr>
+          <p:cNvPr id="3" name="Content Placeholder 2">
+            <a:extLst>
+              <a:ext uri="{FF2B5EF4-FFF2-40B4-BE49-F238E27FC236}">
+                <a16:creationId xmlns:a16="http://schemas.microsoft.com/office/drawing/2014/main" id="{A0A73FC6-0FBF-FC4D-9ADC-DDD8D03B4DC4}"/>
+              </a:ext>
+            </a:extLst>
+          </p:cNvPr>
+          <p:cNvSpPr>
+            <a:spLocks noGrp="1"/>
+          </p:cNvSpPr>
+          <p:nvPr>
+            <p:ph idx="1"/>
+          </p:nvPr>
+        </p:nvSpPr>
+        <p:spPr>
+          <a:xfrm>
+            <a:off x="146050" y="1825624"/>
+            <a:ext cx="11957050" cy="4918076"/>
+          </a:xfrm>
+        </p:spPr>
+        <p:txBody>
+          <a:bodyPr>
+            <a:normAutofit lnSpcReduction="10000"/>
+          </a:bodyPr>
+          <a:lstStyle/>
+          <a:p>
+            <a:pPr marL="0" indent="0">
+              <a:buNone/>
+            </a:pPr>
+            <a:r>
+              <a:rPr lang="en-US" b="1" dirty="0"/>
+              <a:t>[-2, 1, 4, -7].filter( e =&gt; e &gt; 0)</a:t>
+            </a:r>
+          </a:p>
+          <a:p>
+            <a:pPr marL="0" indent="0">
+              <a:buNone/>
+            </a:pPr>
+            <a:r>
+              <a:rPr lang="en-US" dirty="0"/>
+              <a:t>this returns</a:t>
+            </a:r>
+          </a:p>
+          <a:p>
+            <a:pPr marL="0" indent="0">
+              <a:buNone/>
+            </a:pPr>
+            <a:r>
+              <a:rPr lang="en-US" b="1" dirty="0"/>
+              <a:t>[1, 4]</a:t>
+            </a:r>
+          </a:p>
+          <a:p>
+            <a:pPr marL="0" indent="0">
+              <a:buNone/>
+            </a:pPr>
+            <a:endParaRPr lang="en-US" dirty="0"/>
+          </a:p>
+          <a:p>
+            <a:pPr marL="0" indent="0">
+              <a:buNone/>
+            </a:pPr>
+            <a:r>
+              <a:rPr lang="en-US" dirty="0"/>
+              <a:t>Each element </a:t>
+            </a:r>
+            <a:r>
+              <a:rPr lang="en-US" b="1" dirty="0"/>
+              <a:t>e</a:t>
+            </a:r>
+            <a:r>
+              <a:rPr lang="en-US" dirty="0"/>
+              <a:t> in the array is given as input to the arrow function </a:t>
+            </a:r>
+            <a:r>
+              <a:rPr lang="en-US" b="1" dirty="0"/>
+              <a:t>e =&gt; e&gt;0</a:t>
+            </a:r>
+          </a:p>
+          <a:p>
+            <a:pPr marL="0" indent="0">
+              <a:buNone/>
+            </a:pPr>
+            <a:r>
+              <a:rPr lang="en-US" dirty="0"/>
+              <a:t>Such function must return either </a:t>
+            </a:r>
+            <a:r>
+              <a:rPr lang="en-US" b="1" dirty="0"/>
+              <a:t>true</a:t>
+            </a:r>
+            <a:r>
+              <a:rPr lang="en-US" dirty="0"/>
+              <a:t> or </a:t>
+            </a:r>
+            <a:r>
+              <a:rPr lang="en-US" b="1" dirty="0"/>
+              <a:t>false</a:t>
+            </a:r>
+          </a:p>
+          <a:p>
+            <a:pPr marL="0" indent="0">
+              <a:buNone/>
+            </a:pPr>
+            <a:r>
+              <a:rPr lang="en-US" dirty="0"/>
+              <a:t>The element will be part of the output array only if the predicate was </a:t>
+            </a:r>
+            <a:r>
+              <a:rPr lang="en-US" b="1" dirty="0"/>
+              <a:t>true</a:t>
+            </a:r>
+          </a:p>
+        </p:txBody>
+      </p:sp>
+    </p:spTree>
+    <p:extLst>
+      <p:ext uri="{BB962C8B-B14F-4D97-AF65-F5344CB8AC3E}">
+        <p14:creationId xmlns:p14="http://schemas.microsoft.com/office/powerpoint/2010/main" val="3148474113"/>
+      </p:ext>
+    </p:extLst>
+  </p:cSld>
+  <p:clrMapOvr>
+    <a:masterClrMapping/>
+  </p:clrMapOvr>
+</p:sld>
+</file>
+
+<file path=ppt/slides/slide39.xml><?xml version="1.0" encoding="utf-8"?>
+<p:sld xmlns:a="http://schemas.openxmlformats.org/drawingml/2006/main" xmlns:r="http://schemas.openxmlformats.org/officeDocument/2006/relationships" xmlns:p="http://schemas.openxmlformats.org/presentationml/2006/main">
+  <p:cSld>
+    <p:spTree>
+      <p:nvGrpSpPr>
+        <p:cNvPr id="1" name=""/>
+        <p:cNvGrpSpPr/>
+        <p:nvPr/>
+      </p:nvGrpSpPr>
+      <p:grpSpPr>
+        <a:xfrm>
+          <a:off x="0" y="0"/>
+          <a:ext cx="0" cy="0"/>
+          <a:chOff x="0" y="0"/>
+          <a:chExt cx="0" cy="0"/>
+        </a:xfrm>
+      </p:grpSpPr>
+      <p:sp>
+        <p:nvSpPr>
+          <p:cNvPr id="2" name="Title 1">
+            <a:extLst>
+              <a:ext uri="{FF2B5EF4-FFF2-40B4-BE49-F238E27FC236}">
+                <a16:creationId xmlns:a16="http://schemas.microsoft.com/office/drawing/2014/main" id="{FEF7BF0C-DCAA-564F-88A8-9733753D0282}"/>
+              </a:ext>
+            </a:extLst>
+          </p:cNvPr>
+          <p:cNvSpPr>
+            <a:spLocks noGrp="1"/>
+          </p:cNvSpPr>
+          <p:nvPr>
+            <p:ph type="title"/>
+          </p:nvPr>
+        </p:nvSpPr>
+        <p:spPr/>
+        <p:txBody>
+          <a:bodyPr/>
+          <a:lstStyle/>
+          <a:p>
+            <a:r>
+              <a:rPr lang="en-US" dirty="0"/>
+              <a:t>Map Example</a:t>
+            </a:r>
+          </a:p>
+        </p:txBody>
+      </p:sp>
+      <p:sp>
+        <p:nvSpPr>
+          <p:cNvPr id="3" name="Content Placeholder 2">
+            <a:extLst>
+              <a:ext uri="{FF2B5EF4-FFF2-40B4-BE49-F238E27FC236}">
+                <a16:creationId xmlns:a16="http://schemas.microsoft.com/office/drawing/2014/main" id="{3897CC31-32A6-0544-B294-09D74207A218}"/>
+              </a:ext>
+            </a:extLst>
+          </p:cNvPr>
+          <p:cNvSpPr>
+            <a:spLocks noGrp="1"/>
+          </p:cNvSpPr>
+          <p:nvPr>
+            <p:ph idx="1"/>
+          </p:nvPr>
+        </p:nvSpPr>
+        <p:spPr>
+          <a:xfrm>
+            <a:off x="241300" y="1825624"/>
+            <a:ext cx="11734800" cy="4905376"/>
+          </a:xfrm>
+        </p:spPr>
+        <p:txBody>
+          <a:bodyPr/>
+          <a:lstStyle/>
+          <a:p>
+            <a:pPr marL="0" indent="0">
+              <a:buNone/>
+            </a:pPr>
+            <a:r>
+              <a:rPr lang="en-US" b="1" dirty="0"/>
+              <a:t>["foo", "hello", "hi"].map( e =&gt; </a:t>
+            </a:r>
+            <a:r>
+              <a:rPr lang="en-US" b="1" dirty="0" err="1"/>
+              <a:t>e.length</a:t>
+            </a:r>
+            <a:r>
+              <a:rPr lang="en-US" b="1" dirty="0"/>
+              <a:t>)</a:t>
+            </a:r>
+          </a:p>
+          <a:p>
+            <a:pPr marL="0" indent="0">
+              <a:buNone/>
+            </a:pPr>
+            <a:r>
+              <a:rPr lang="en-US" dirty="0"/>
+              <a:t>this returns</a:t>
+            </a:r>
+          </a:p>
+          <a:p>
+            <a:pPr marL="0" indent="0">
+              <a:buNone/>
+            </a:pPr>
+            <a:r>
+              <a:rPr lang="en-US" b="1" dirty="0"/>
+              <a:t>[3, 5, 2]</a:t>
+            </a:r>
+          </a:p>
+          <a:p>
+            <a:pPr marL="0" indent="0">
+              <a:buNone/>
+            </a:pPr>
+            <a:endParaRPr lang="en-US" dirty="0"/>
+          </a:p>
+          <a:p>
+            <a:pPr marL="0" indent="0">
+              <a:buNone/>
+            </a:pPr>
+            <a:r>
+              <a:rPr lang="en-US" dirty="0"/>
+              <a:t>Each element </a:t>
+            </a:r>
+            <a:r>
+              <a:rPr lang="en-US" b="1" dirty="0"/>
+              <a:t>e</a:t>
+            </a:r>
+            <a:r>
+              <a:rPr lang="en-US" dirty="0"/>
+              <a:t> is transformed into something else, possibly changing the type (</a:t>
+            </a:r>
+            <a:r>
+              <a:rPr lang="en-US" dirty="0" err="1"/>
+              <a:t>eg</a:t>
+            </a:r>
+            <a:r>
+              <a:rPr lang="en-US" dirty="0"/>
+              <a:t> from string to number)</a:t>
+            </a:r>
+          </a:p>
+        </p:txBody>
+      </p:sp>
+    </p:spTree>
+    <p:extLst>
+      <p:ext uri="{BB962C8B-B14F-4D97-AF65-F5344CB8AC3E}">
+        <p14:creationId xmlns:p14="http://schemas.microsoft.com/office/powerpoint/2010/main" val="347066697"/>
+      </p:ext>
+    </p:extLst>
+  </p:cSld>
+  <p:clrMapOvr>
+    <a:masterClrMapping/>
+  </p:clrMapOvr>
+</p:sld>
+</file>
+
+<file path=ppt/slides/slide4.xml><?xml version="1.0" encoding="utf-8"?>
+<p:sld xmlns:a="http://schemas.openxmlformats.org/drawingml/2006/main" xmlns:r="http://schemas.openxmlformats.org/officeDocument/2006/relationships" xmlns:p="http://schemas.openxmlformats.org/presentationml/2006/main">
+  <p:cSld>
+    <p:spTree>
+      <p:nvGrpSpPr>
+        <p:cNvPr id="1" name=""/>
+        <p:cNvGrpSpPr/>
+        <p:nvPr/>
+      </p:nvGrpSpPr>
+      <p:grpSpPr>
+        <a:xfrm>
+          <a:off x="0" y="0"/>
+          <a:ext cx="0" cy="0"/>
+          <a:chOff x="0" y="0"/>
+          <a:chExt cx="0" cy="0"/>
+        </a:xfrm>
+      </p:grpSpPr>
+      <p:sp>
+        <p:nvSpPr>
+          <p:cNvPr id="2" name="Title 1"/>
+          <p:cNvSpPr>
+            <a:spLocks noGrp="1"/>
+          </p:cNvSpPr>
+          <p:nvPr>
+            <p:ph type="title"/>
+          </p:nvPr>
+        </p:nvSpPr>
+        <p:spPr/>
+        <p:txBody>
+          <a:bodyPr/>
+          <a:lstStyle/>
+          <a:p>
+            <a:r>
+              <a:rPr lang="en-US" dirty="0"/>
+              <a:t>Course Info</a:t>
+            </a:r>
+          </a:p>
+        </p:txBody>
+      </p:sp>
+      <p:sp>
+        <p:nvSpPr>
+          <p:cNvPr id="3" name="Content Placeholder 2"/>
+          <p:cNvSpPr>
+            <a:spLocks noGrp="1"/>
+          </p:cNvSpPr>
+          <p:nvPr>
+            <p:ph idx="1"/>
+          </p:nvPr>
+        </p:nvSpPr>
+        <p:spPr>
+          <a:xfrm>
+            <a:off x="373380" y="1825625"/>
+            <a:ext cx="11590020" cy="4351338"/>
+          </a:xfrm>
+        </p:spPr>
+        <p:txBody>
+          <a:bodyPr>
+            <a:normAutofit/>
+          </a:bodyPr>
+          <a:lstStyle/>
+          <a:p>
+            <a:pPr marL="0" indent="0">
+              <a:buNone/>
+            </a:pPr>
+            <a:endParaRPr lang="en-US" dirty="0"/>
+          </a:p>
+          <a:p>
+            <a:r>
+              <a:rPr lang="en-US" dirty="0"/>
+              <a:t>12 lessons, once a week</a:t>
+            </a:r>
+          </a:p>
+          <a:p>
+            <a:endParaRPr lang="en-US" dirty="0"/>
+          </a:p>
+          <a:p>
+            <a:r>
+              <a:rPr lang="en-US" dirty="0"/>
+              <a:t>Check </a:t>
+            </a:r>
+            <a:r>
+              <a:rPr lang="en-US" dirty="0" err="1"/>
+              <a:t>TimeEdit</a:t>
+            </a:r>
+            <a:r>
+              <a:rPr lang="en-US" dirty="0"/>
+              <a:t> for possible changes of time and rooms</a:t>
+            </a:r>
+          </a:p>
+          <a:p>
+            <a:endParaRPr lang="en-US" dirty="0"/>
+          </a:p>
+          <a:p>
+            <a:r>
+              <a:rPr lang="en-US" dirty="0"/>
+              <a:t>During the course, do </a:t>
+            </a:r>
+            <a:r>
+              <a:rPr lang="en-US" b="1" dirty="0"/>
+              <a:t>NOT</a:t>
+            </a:r>
+            <a:r>
+              <a:rPr lang="en-US" dirty="0"/>
+              <a:t> send me private messages, but rather use the discussion forum of the course</a:t>
+            </a:r>
+          </a:p>
+        </p:txBody>
+      </p:sp>
+    </p:spTree>
+    <p:extLst>
+      <p:ext uri="{BB962C8B-B14F-4D97-AF65-F5344CB8AC3E}">
+        <p14:creationId xmlns:p14="http://schemas.microsoft.com/office/powerpoint/2010/main" val="772506603"/>
+      </p:ext>
+    </p:extLst>
+  </p:cSld>
+  <p:clrMapOvr>
+    <a:masterClrMapping/>
+  </p:clrMapOvr>
+</p:sld>
+</file>
+
+<file path=ppt/slides/slide40.xml><?xml version="1.0" encoding="utf-8"?>
+<p:sld xmlns:a="http://schemas.openxmlformats.org/drawingml/2006/main" xmlns:r="http://schemas.openxmlformats.org/officeDocument/2006/relationships" xmlns:p="http://schemas.openxmlformats.org/presentationml/2006/main">
+  <p:cSld>
+    <p:spTree>
+      <p:nvGrpSpPr>
+        <p:cNvPr id="1" name=""/>
+        <p:cNvGrpSpPr/>
+        <p:nvPr/>
+      </p:nvGrpSpPr>
+      <p:grpSpPr>
+        <a:xfrm>
+          <a:off x="0" y="0"/>
+          <a:ext cx="0" cy="0"/>
+          <a:chOff x="0" y="0"/>
+          <a:chExt cx="0" cy="0"/>
+        </a:xfrm>
+      </p:grpSpPr>
+      <p:sp>
+        <p:nvSpPr>
+          <p:cNvPr id="2" name="Title 1">
+            <a:extLst>
+              <a:ext uri="{FF2B5EF4-FFF2-40B4-BE49-F238E27FC236}">
+                <a16:creationId xmlns:a16="http://schemas.microsoft.com/office/drawing/2014/main" id="{5683FEFF-44C8-2A41-A90A-AADA891BB95B}"/>
+              </a:ext>
+            </a:extLst>
+          </p:cNvPr>
+          <p:cNvSpPr>
+            <a:spLocks noGrp="1"/>
+          </p:cNvSpPr>
+          <p:nvPr>
+            <p:ph type="title"/>
+          </p:nvPr>
+        </p:nvSpPr>
+        <p:spPr/>
+        <p:txBody>
+          <a:bodyPr/>
+          <a:lstStyle/>
+          <a:p>
+            <a:r>
+              <a:rPr lang="en-US" dirty="0"/>
+              <a:t>Optional Index</a:t>
+            </a:r>
+          </a:p>
+        </p:txBody>
+      </p:sp>
+      <p:sp>
+        <p:nvSpPr>
+          <p:cNvPr id="3" name="Content Placeholder 2">
+            <a:extLst>
+              <a:ext uri="{FF2B5EF4-FFF2-40B4-BE49-F238E27FC236}">
+                <a16:creationId xmlns:a16="http://schemas.microsoft.com/office/drawing/2014/main" id="{8695DE1F-A88B-9741-A1D9-BD036512F726}"/>
+              </a:ext>
+            </a:extLst>
+          </p:cNvPr>
+          <p:cNvSpPr>
+            <a:spLocks noGrp="1"/>
+          </p:cNvSpPr>
+          <p:nvPr>
+            <p:ph idx="1"/>
+          </p:nvPr>
+        </p:nvSpPr>
+        <p:spPr>
+          <a:xfrm>
+            <a:off x="158750" y="1825624"/>
+            <a:ext cx="11912600" cy="4918076"/>
+          </a:xfrm>
+        </p:spPr>
+        <p:txBody>
+          <a:bodyPr>
+            <a:normAutofit/>
+          </a:bodyPr>
+          <a:lstStyle/>
+          <a:p>
+            <a:pPr marL="0" indent="0">
+              <a:buNone/>
+            </a:pPr>
+            <a:r>
+              <a:rPr lang="en-US" b="1" dirty="0"/>
+              <a:t>["foo", "hello", "hi"].map( (</a:t>
+            </a:r>
+            <a:r>
+              <a:rPr lang="en-US" b="1" dirty="0" err="1"/>
+              <a:t>e,i</a:t>
+            </a:r>
+            <a:r>
+              <a:rPr lang="en-US" b="1" dirty="0"/>
+              <a:t>) =&gt; "" + </a:t>
+            </a:r>
+            <a:r>
+              <a:rPr lang="en-US" b="1" dirty="0" err="1"/>
+              <a:t>i</a:t>
+            </a:r>
+            <a:r>
+              <a:rPr lang="en-US" b="1" dirty="0"/>
+              <a:t> +"_" +</a:t>
+            </a:r>
+            <a:r>
+              <a:rPr lang="en-US" b="1" dirty="0" err="1"/>
+              <a:t>e.length</a:t>
+            </a:r>
+            <a:r>
+              <a:rPr lang="en-US" b="1" dirty="0"/>
+              <a:t>)</a:t>
+            </a:r>
+          </a:p>
+          <a:p>
+            <a:pPr marL="0" indent="0">
+              <a:buNone/>
+            </a:pPr>
+            <a:r>
+              <a:rPr lang="en-US" dirty="0"/>
+              <a:t>this returns</a:t>
+            </a:r>
+          </a:p>
+          <a:p>
+            <a:pPr marL="0" indent="0">
+              <a:buNone/>
+            </a:pPr>
+            <a:r>
+              <a:rPr lang="en-US" b="1" dirty="0"/>
+              <a:t>["0_3", "1_5", "2_2"]</a:t>
+            </a:r>
+          </a:p>
+          <a:p>
+            <a:pPr marL="0" indent="0">
+              <a:buNone/>
+            </a:pPr>
+            <a:endParaRPr lang="en-US" dirty="0"/>
+          </a:p>
+          <a:p>
+            <a:pPr marL="0" indent="0">
+              <a:buNone/>
+            </a:pPr>
+            <a:r>
+              <a:rPr lang="en-US" b="1" dirty="0"/>
+              <a:t>e</a:t>
+            </a:r>
+            <a:r>
+              <a:rPr lang="en-US" dirty="0"/>
+              <a:t> is the element value, whereas </a:t>
+            </a:r>
+            <a:r>
+              <a:rPr lang="en-US" b="1" dirty="0" err="1"/>
+              <a:t>i</a:t>
+            </a:r>
+            <a:r>
+              <a:rPr lang="en-US" dirty="0"/>
+              <a:t> is the index in the array</a:t>
+            </a:r>
+          </a:p>
+          <a:p>
+            <a:pPr marL="0" indent="0">
+              <a:buNone/>
+            </a:pPr>
+            <a:r>
+              <a:rPr lang="en-US" dirty="0"/>
+              <a:t>Note: you can use different variable names instead of </a:t>
+            </a:r>
+            <a:r>
+              <a:rPr lang="en-US" b="1" dirty="0"/>
+              <a:t>(</a:t>
+            </a:r>
+            <a:r>
+              <a:rPr lang="en-US" b="1" dirty="0" err="1"/>
+              <a:t>e,i</a:t>
+            </a:r>
+            <a:r>
+              <a:rPr lang="en-US" b="1" dirty="0"/>
+              <a:t>)</a:t>
+            </a:r>
+          </a:p>
+        </p:txBody>
+      </p:sp>
+    </p:spTree>
+    <p:extLst>
+      <p:ext uri="{BB962C8B-B14F-4D97-AF65-F5344CB8AC3E}">
+        <p14:creationId xmlns:p14="http://schemas.microsoft.com/office/powerpoint/2010/main" val="810992025"/>
+      </p:ext>
+    </p:extLst>
+  </p:cSld>
+  <p:clrMapOvr>
+    <a:masterClrMapping/>
+  </p:clrMapOvr>
+</p:sld>
+</file>
+
+<file path=ppt/slides/slide41.xml><?xml version="1.0" encoding="utf-8"?>
+<p:sld xmlns:a="http://schemas.openxmlformats.org/drawingml/2006/main" xmlns:r="http://schemas.openxmlformats.org/officeDocument/2006/relationships" xmlns:p="http://schemas.openxmlformats.org/presentationml/2006/main">
+  <p:cSld>
+    <p:spTree>
+      <p:nvGrpSpPr>
+        <p:cNvPr id="1" name=""/>
+        <p:cNvGrpSpPr/>
+        <p:nvPr/>
+      </p:nvGrpSpPr>
+      <p:grpSpPr>
+        <a:xfrm>
+          <a:off x="0" y="0"/>
+          <a:ext cx="0" cy="0"/>
+          <a:chOff x="0" y="0"/>
+          <a:chExt cx="0" cy="0"/>
+        </a:xfrm>
+      </p:grpSpPr>
+      <p:sp>
+        <p:nvSpPr>
+          <p:cNvPr id="2" name="Title 1">
+            <a:extLst>
+              <a:ext uri="{FF2B5EF4-FFF2-40B4-BE49-F238E27FC236}">
+                <a16:creationId xmlns:a16="http://schemas.microsoft.com/office/drawing/2014/main" id="{D570F7BE-1777-1241-B906-7B9D3A23A0A1}"/>
+              </a:ext>
+            </a:extLst>
+          </p:cNvPr>
+          <p:cNvSpPr>
+            <a:spLocks noGrp="1"/>
+          </p:cNvSpPr>
+          <p:nvPr>
+            <p:ph type="title"/>
+          </p:nvPr>
+        </p:nvSpPr>
+        <p:spPr/>
+        <p:txBody>
+          <a:bodyPr/>
+          <a:lstStyle/>
+          <a:p>
+            <a:r>
+              <a:rPr lang="en-US" dirty="0"/>
+              <a:t>Index can be ignored</a:t>
+            </a:r>
+          </a:p>
+        </p:txBody>
+      </p:sp>
+      <p:sp>
+        <p:nvSpPr>
+          <p:cNvPr id="3" name="Content Placeholder 2">
+            <a:extLst>
+              <a:ext uri="{FF2B5EF4-FFF2-40B4-BE49-F238E27FC236}">
+                <a16:creationId xmlns:a16="http://schemas.microsoft.com/office/drawing/2014/main" id="{81340A49-ADD8-3D48-B89B-3921288CA50A}"/>
+              </a:ext>
+            </a:extLst>
+          </p:cNvPr>
+          <p:cNvSpPr>
+            <a:spLocks noGrp="1"/>
+          </p:cNvSpPr>
+          <p:nvPr>
+            <p:ph idx="1"/>
+          </p:nvPr>
+        </p:nvSpPr>
+        <p:spPr>
+          <a:xfrm>
+            <a:off x="190500" y="1825624"/>
+            <a:ext cx="11868150" cy="4879976"/>
+          </a:xfrm>
+        </p:spPr>
+        <p:txBody>
+          <a:bodyPr/>
+          <a:lstStyle/>
+          <a:p>
+            <a:pPr marL="0" indent="0">
+              <a:buNone/>
+            </a:pPr>
+            <a:r>
+              <a:rPr lang="en-US" b="1" dirty="0" err="1"/>
+              <a:t>const</a:t>
+            </a:r>
+            <a:r>
+              <a:rPr lang="en-US" b="1" dirty="0"/>
+              <a:t> </a:t>
+            </a:r>
+            <a:r>
+              <a:rPr lang="en-US" b="1" dirty="0" err="1"/>
+              <a:t>len</a:t>
+            </a:r>
+            <a:r>
+              <a:rPr lang="en-US" b="1" dirty="0"/>
+              <a:t> = s =&gt; </a:t>
+            </a:r>
+            <a:r>
+              <a:rPr lang="en-US" b="1" dirty="0" err="1"/>
+              <a:t>s.length</a:t>
+            </a:r>
+            <a:endParaRPr lang="en-US" b="1" dirty="0"/>
+          </a:p>
+          <a:p>
+            <a:pPr marL="0" indent="0">
+              <a:buNone/>
+            </a:pPr>
+            <a:r>
+              <a:rPr lang="en-US" b="1" dirty="0"/>
+              <a:t>["foo", "hello", "hi"].map(</a:t>
+            </a:r>
+            <a:r>
+              <a:rPr lang="en-US" b="1" dirty="0" err="1"/>
+              <a:t>len</a:t>
+            </a:r>
+            <a:r>
+              <a:rPr lang="en-US" b="1" dirty="0"/>
+              <a:t>)</a:t>
+            </a:r>
+          </a:p>
+          <a:p>
+            <a:pPr marL="0" indent="0">
+              <a:buNone/>
+            </a:pPr>
+            <a:r>
+              <a:rPr lang="en-US" dirty="0"/>
+              <a:t>this returns</a:t>
+            </a:r>
+          </a:p>
+          <a:p>
+            <a:pPr marL="0" indent="0">
+              <a:buNone/>
+            </a:pPr>
+            <a:r>
+              <a:rPr lang="en-US" b="1" dirty="0"/>
+              <a:t>[3, 5, 2]</a:t>
+            </a:r>
+          </a:p>
+          <a:p>
+            <a:pPr marL="0" indent="0">
+              <a:buNone/>
+            </a:pPr>
+            <a:endParaRPr lang="en-US" dirty="0"/>
+          </a:p>
+          <a:p>
+            <a:pPr marL="0" indent="0">
+              <a:buNone/>
+            </a:pPr>
+            <a:r>
+              <a:rPr lang="en-US" dirty="0"/>
+              <a:t>The function </a:t>
+            </a:r>
+            <a:r>
+              <a:rPr lang="en-US" b="1" dirty="0" err="1"/>
+              <a:t>len</a:t>
+            </a:r>
+            <a:r>
+              <a:rPr lang="en-US" dirty="0"/>
+              <a:t> here accepts only 1 input (called </a:t>
+            </a:r>
+            <a:r>
+              <a:rPr lang="en-US" b="1" dirty="0"/>
+              <a:t>s</a:t>
+            </a:r>
+            <a:r>
+              <a:rPr lang="en-US" dirty="0"/>
+              <a:t>), and so index is ignored</a:t>
+            </a:r>
+          </a:p>
+        </p:txBody>
+      </p:sp>
+    </p:spTree>
+    <p:extLst>
+      <p:ext uri="{BB962C8B-B14F-4D97-AF65-F5344CB8AC3E}">
+        <p14:creationId xmlns:p14="http://schemas.microsoft.com/office/powerpoint/2010/main" val="2817271530"/>
+      </p:ext>
+    </p:extLst>
+  </p:cSld>
+  <p:clrMapOvr>
+    <a:masterClrMapping/>
+  </p:clrMapOvr>
+</p:sld>
+</file>
+
+<file path=ppt/slides/slide42.xml><?xml version="1.0" encoding="utf-8"?>
+<p:sld xmlns:a="http://schemas.openxmlformats.org/drawingml/2006/main" xmlns:r="http://schemas.openxmlformats.org/officeDocument/2006/relationships" xmlns:p="http://schemas.openxmlformats.org/presentationml/2006/main">
+  <p:cSld>
+    <p:spTree>
+      <p:nvGrpSpPr>
+        <p:cNvPr id="1" name=""/>
+        <p:cNvGrpSpPr/>
+        <p:nvPr/>
+      </p:nvGrpSpPr>
+      <p:grpSpPr>
+        <a:xfrm>
+          <a:off x="0" y="0"/>
+          <a:ext cx="0" cy="0"/>
+          <a:chOff x="0" y="0"/>
+          <a:chExt cx="0" cy="0"/>
+        </a:xfrm>
+      </p:grpSpPr>
+      <p:sp>
+        <p:nvSpPr>
+          <p:cNvPr id="2" name="Title 1"/>
+          <p:cNvSpPr>
+            <a:spLocks noGrp="1"/>
+          </p:cNvSpPr>
+          <p:nvPr>
+            <p:ph type="title"/>
+          </p:nvPr>
+        </p:nvSpPr>
+        <p:spPr>
+          <a:xfrm>
+            <a:off x="352269" y="365125"/>
+            <a:ext cx="11001531" cy="2490501"/>
+          </a:xfrm>
+        </p:spPr>
+        <p:txBody>
+          <a:bodyPr>
+            <a:normAutofit/>
+          </a:bodyPr>
+          <a:lstStyle/>
+          <a:p>
+            <a:r>
+              <a:rPr lang="en-US" dirty="0"/>
+              <a:t>Quiz: what is the result of this expression?</a:t>
+            </a:r>
+          </a:p>
+        </p:txBody>
+      </p:sp>
+      <p:sp>
+        <p:nvSpPr>
+          <p:cNvPr id="3" name="Content Placeholder 2"/>
+          <p:cNvSpPr>
+            <a:spLocks noGrp="1"/>
+          </p:cNvSpPr>
+          <p:nvPr>
+            <p:ph idx="1"/>
+          </p:nvPr>
+        </p:nvSpPr>
+        <p:spPr>
+          <a:xfrm>
+            <a:off x="352269" y="3560163"/>
+            <a:ext cx="11001531" cy="3183537"/>
+          </a:xfrm>
+        </p:spPr>
+        <p:txBody>
+          <a:bodyPr>
+            <a:normAutofit fontScale="92500" lnSpcReduction="20000"/>
+          </a:bodyPr>
+          <a:lstStyle/>
+          <a:p>
+            <a:pPr marL="0" indent="0">
+              <a:buNone/>
+            </a:pPr>
+            <a:r>
+              <a:rPr lang="en-US" sz="6600" b="1" dirty="0"/>
+              <a:t>["10", "10","10"].map(</a:t>
+            </a:r>
+            <a:r>
+              <a:rPr lang="en-US" sz="6600" b="1" dirty="0" err="1"/>
+              <a:t>parseInt</a:t>
+            </a:r>
+            <a:r>
+              <a:rPr lang="en-US" sz="6600" b="1" dirty="0"/>
+              <a:t>)</a:t>
+            </a:r>
+          </a:p>
+          <a:p>
+            <a:pPr marL="0" indent="0">
+              <a:buNone/>
+            </a:pPr>
+            <a:endParaRPr lang="en-US" sz="6600" dirty="0"/>
+          </a:p>
+          <a:p>
+            <a:pPr marL="0" indent="0">
+              <a:buNone/>
+            </a:pPr>
+            <a:r>
+              <a:rPr lang="en-US" sz="6600" dirty="0"/>
+              <a:t>where </a:t>
+            </a:r>
+            <a:r>
+              <a:rPr lang="en-US" sz="6600" b="1" dirty="0" err="1"/>
+              <a:t>parseInt</a:t>
+            </a:r>
+            <a:r>
+              <a:rPr lang="en-US" sz="6600" b="1" dirty="0"/>
+              <a:t>("42")</a:t>
+            </a:r>
+            <a:r>
+              <a:rPr lang="en-US" sz="6600" dirty="0"/>
+              <a:t> gives </a:t>
+            </a:r>
+            <a:r>
+              <a:rPr lang="en-US" sz="6600" b="1" dirty="0"/>
+              <a:t>42</a:t>
+            </a:r>
+            <a:r>
+              <a:rPr lang="en-US" sz="6600" dirty="0"/>
+              <a:t>, </a:t>
+            </a:r>
+            <a:r>
+              <a:rPr lang="en-US" sz="6600" dirty="0" err="1"/>
+              <a:t>ie</a:t>
+            </a:r>
+            <a:r>
+              <a:rPr lang="en-US" sz="6600" dirty="0"/>
+              <a:t> from string to number </a:t>
+            </a:r>
+          </a:p>
+        </p:txBody>
+      </p:sp>
+    </p:spTree>
+    <p:extLst>
+      <p:ext uri="{BB962C8B-B14F-4D97-AF65-F5344CB8AC3E}">
+        <p14:creationId xmlns:p14="http://schemas.microsoft.com/office/powerpoint/2010/main" val="175902142"/>
+      </p:ext>
+    </p:extLst>
+  </p:cSld>
+  <p:clrMapOvr>
+    <a:masterClrMapping/>
+  </p:clrMapOvr>
+</p:sld>
+</file>
+
+<file path=ppt/slides/slide43.xml><?xml version="1.0" encoding="utf-8"?>
+<p:sld xmlns:a="http://schemas.openxmlformats.org/drawingml/2006/main" xmlns:r="http://schemas.openxmlformats.org/officeDocument/2006/relationships" xmlns:p="http://schemas.openxmlformats.org/presentationml/2006/main">
+  <p:cSld>
+    <p:spTree>
+      <p:nvGrpSpPr>
+        <p:cNvPr id="1" name=""/>
+        <p:cNvGrpSpPr/>
+        <p:nvPr/>
+      </p:nvGrpSpPr>
+      <p:grpSpPr>
+        <a:xfrm>
+          <a:off x="0" y="0"/>
+          <a:ext cx="0" cy="0"/>
+          <a:chOff x="0" y="0"/>
+          <a:chExt cx="0" cy="0"/>
+        </a:xfrm>
+      </p:grpSpPr>
+      <p:sp>
+        <p:nvSpPr>
+          <p:cNvPr id="2" name="Title 1">
+            <a:extLst>
+              <a:ext uri="{FF2B5EF4-FFF2-40B4-BE49-F238E27FC236}">
+                <a16:creationId xmlns:a16="http://schemas.microsoft.com/office/drawing/2014/main" id="{4521DA25-0F87-8647-8343-D514B44B50BF}"/>
+              </a:ext>
+            </a:extLst>
+          </p:cNvPr>
+          <p:cNvSpPr>
+            <a:spLocks noGrp="1"/>
+          </p:cNvSpPr>
+          <p:nvPr>
+            <p:ph type="title"/>
+          </p:nvPr>
+        </p:nvSpPr>
+        <p:spPr/>
+        <p:txBody>
+          <a:bodyPr/>
+          <a:lstStyle/>
+          <a:p>
+            <a:r>
+              <a:rPr lang="en-US" dirty="0"/>
+              <a:t>[10, </a:t>
+            </a:r>
+            <a:r>
+              <a:rPr lang="en-US" dirty="0" err="1"/>
+              <a:t>NaN</a:t>
+            </a:r>
+            <a:r>
+              <a:rPr lang="en-US" dirty="0"/>
+              <a:t>, 2]</a:t>
+            </a:r>
+          </a:p>
+        </p:txBody>
+      </p:sp>
+      <p:sp>
+        <p:nvSpPr>
+          <p:cNvPr id="3" name="Content Placeholder 2">
+            <a:extLst>
+              <a:ext uri="{FF2B5EF4-FFF2-40B4-BE49-F238E27FC236}">
+                <a16:creationId xmlns:a16="http://schemas.microsoft.com/office/drawing/2014/main" id="{E550DECE-C45F-F34A-988B-DCD2F88E993A}"/>
+              </a:ext>
+            </a:extLst>
+          </p:cNvPr>
+          <p:cNvSpPr>
+            <a:spLocks noGrp="1"/>
+          </p:cNvSpPr>
+          <p:nvPr>
+            <p:ph idx="1"/>
+          </p:nvPr>
+        </p:nvSpPr>
+        <p:spPr>
+          <a:xfrm>
+            <a:off x="146050" y="1825625"/>
+            <a:ext cx="11874500" cy="4860926"/>
+          </a:xfrm>
+        </p:spPr>
+        <p:txBody>
+          <a:bodyPr/>
+          <a:lstStyle/>
+          <a:p>
+            <a:r>
+              <a:rPr lang="en-US" i="1" dirty="0"/>
+              <a:t>obviously</a:t>
+            </a:r>
+            <a:r>
+              <a:rPr lang="en-US" dirty="0"/>
+              <a:t>…</a:t>
+            </a:r>
+          </a:p>
+          <a:p>
+            <a:r>
+              <a:rPr lang="en-US" b="1" dirty="0" err="1"/>
+              <a:t>parseInt</a:t>
+            </a:r>
+            <a:r>
+              <a:rPr lang="en-US" dirty="0"/>
+              <a:t> takes 2 inputs: a </a:t>
+            </a:r>
+            <a:r>
+              <a:rPr lang="en-US" i="1" dirty="0"/>
+              <a:t>string</a:t>
+            </a:r>
+            <a:r>
+              <a:rPr lang="en-US" dirty="0"/>
+              <a:t> and a </a:t>
+            </a:r>
+            <a:r>
+              <a:rPr lang="en-US" i="1" dirty="0"/>
+              <a:t>radix</a:t>
+            </a:r>
+          </a:p>
+          <a:p>
+            <a:r>
+              <a:rPr lang="en-US" dirty="0"/>
+              <a:t>as </a:t>
+            </a:r>
+            <a:r>
+              <a:rPr lang="en-US" b="1" dirty="0"/>
+              <a:t>map</a:t>
+            </a:r>
+            <a:r>
+              <a:rPr lang="en-US" dirty="0"/>
+              <a:t> provides 2 inputs </a:t>
+            </a:r>
+            <a:r>
+              <a:rPr lang="en-US" b="1" dirty="0"/>
+              <a:t>(</a:t>
+            </a:r>
+            <a:r>
+              <a:rPr lang="en-US" b="1" dirty="0" err="1"/>
+              <a:t>e,i</a:t>
+            </a:r>
+            <a:r>
+              <a:rPr lang="en-US" b="1" dirty="0"/>
+              <a:t>)</a:t>
+            </a:r>
+            <a:r>
+              <a:rPr lang="en-US" dirty="0"/>
+              <a:t>, the index </a:t>
+            </a:r>
+            <a:r>
+              <a:rPr lang="en-US" b="1" dirty="0" err="1"/>
+              <a:t>i</a:t>
+            </a:r>
+            <a:r>
+              <a:rPr lang="en-US" dirty="0"/>
+              <a:t> is going to be used as radix </a:t>
+            </a:r>
+          </a:p>
+          <a:p>
+            <a:r>
+              <a:rPr lang="en-US" b="1" dirty="0" err="1"/>
+              <a:t>parseInt</a:t>
+            </a:r>
+            <a:r>
+              <a:rPr lang="en-US" b="1" dirty="0"/>
+              <a:t>(“10”, 0) === 10</a:t>
+            </a:r>
+          </a:p>
+          <a:p>
+            <a:r>
+              <a:rPr lang="en-US" b="1" dirty="0" err="1"/>
+              <a:t>parseInt</a:t>
+            </a:r>
+            <a:r>
+              <a:rPr lang="en-US" b="1" dirty="0"/>
+              <a:t>(“10”, 1) === </a:t>
+            </a:r>
+            <a:r>
+              <a:rPr lang="en-US" b="1" dirty="0" err="1"/>
+              <a:t>NaN</a:t>
+            </a:r>
+            <a:endParaRPr lang="en-US" b="1" dirty="0"/>
+          </a:p>
+          <a:p>
+            <a:r>
+              <a:rPr lang="en-US" b="1" dirty="0" err="1"/>
+              <a:t>parseInt</a:t>
+            </a:r>
+            <a:r>
+              <a:rPr lang="en-US" b="1" dirty="0"/>
+              <a:t>(“10”, 2) === 2  </a:t>
+            </a:r>
+            <a:r>
+              <a:rPr lang="en-US" dirty="0"/>
+              <a:t>(</a:t>
+            </a:r>
+            <a:r>
+              <a:rPr lang="en-US" dirty="0" err="1"/>
+              <a:t>ie</a:t>
+            </a:r>
+            <a:r>
+              <a:rPr lang="en-US" dirty="0"/>
+              <a:t>, </a:t>
+            </a:r>
+            <a:r>
+              <a:rPr lang="en-US" b="1" dirty="0"/>
+              <a:t>“10” </a:t>
+            </a:r>
+            <a:r>
+              <a:rPr lang="en-US" dirty="0"/>
+              <a:t>is read like it was in binary)</a:t>
+            </a:r>
+          </a:p>
+          <a:p>
+            <a:r>
+              <a:rPr lang="en-US" dirty="0"/>
+              <a:t>Better to write: </a:t>
+            </a:r>
+            <a:r>
+              <a:rPr lang="en-US" b="1" dirty="0"/>
+              <a:t>["10", "10","10"].map(e =&gt; </a:t>
+            </a:r>
+            <a:r>
+              <a:rPr lang="en-US" b="1" dirty="0" err="1"/>
+              <a:t>parseInt</a:t>
+            </a:r>
+            <a:r>
+              <a:rPr lang="en-US" b="1" dirty="0"/>
+              <a:t>(e, 10))</a:t>
+            </a:r>
+          </a:p>
+          <a:p>
+            <a:endParaRPr lang="en-US" dirty="0"/>
+          </a:p>
+        </p:txBody>
+      </p:sp>
+    </p:spTree>
+    <p:extLst>
+      <p:ext uri="{BB962C8B-B14F-4D97-AF65-F5344CB8AC3E}">
+        <p14:creationId xmlns:p14="http://schemas.microsoft.com/office/powerpoint/2010/main" val="2857928554"/>
+      </p:ext>
+    </p:extLst>
+  </p:cSld>
+  <p:clrMapOvr>
+    <a:masterClrMapping/>
+  </p:clrMapOvr>
+</p:sld>
+</file>
+
+<file path=ppt/slides/slide44.xml><?xml version="1.0" encoding="utf-8"?>
+<p:sld xmlns:a="http://schemas.openxmlformats.org/drawingml/2006/main" xmlns:r="http://schemas.openxmlformats.org/officeDocument/2006/relationships" xmlns:p="http://schemas.openxmlformats.org/presentationml/2006/main">
+  <p:cSld>
+    <p:spTree>
+      <p:nvGrpSpPr>
+        <p:cNvPr id="1" name=""/>
+        <p:cNvGrpSpPr/>
+        <p:nvPr/>
+      </p:nvGrpSpPr>
+      <p:grpSpPr>
+        <a:xfrm>
+          <a:off x="0" y="0"/>
+          <a:ext cx="0" cy="0"/>
+          <a:chOff x="0" y="0"/>
+          <a:chExt cx="0" cy="0"/>
+        </a:xfrm>
+      </p:grpSpPr>
+      <p:sp>
+        <p:nvSpPr>
           <p:cNvPr id="2" name="Title 1"/>
           <p:cNvSpPr>
             <a:spLocks noGrp="1"/>
@@ -12219,7 +13598,7 @@
 </p:sld>
 </file>
 
-<file path=ppt/slides/slide38.xml><?xml version="1.0" encoding="utf-8"?>
+<file path=ppt/slides/slide45.xml><?xml version="1.0" encoding="utf-8"?>
 <p:sld xmlns:a="http://schemas.openxmlformats.org/drawingml/2006/main" xmlns:r="http://schemas.openxmlformats.org/officeDocument/2006/relationships" xmlns:p="http://schemas.openxmlformats.org/presentationml/2006/main">
   <p:cSld>
     <p:spTree>
@@ -13200,7 +14579,7 @@
 </p:sld>
 </file>
 
-<file path=ppt/slides/slide39.xml><?xml version="1.0" encoding="utf-8"?>
+<file path=ppt/slides/slide46.xml><?xml version="1.0" encoding="utf-8"?>
 <p:sld xmlns:a="http://schemas.openxmlformats.org/drawingml/2006/main" xmlns:r="http://schemas.openxmlformats.org/officeDocument/2006/relationships" xmlns:p="http://schemas.openxmlformats.org/presentationml/2006/main">
   <p:cSld>
     <p:spTree>
@@ -13426,128 +14805,7 @@
 </p:sld>
 </file>
 
-<file path=ppt/slides/slide4.xml><?xml version="1.0" encoding="utf-8"?>
-<p:sld xmlns:a="http://schemas.openxmlformats.org/drawingml/2006/main" xmlns:r="http://schemas.openxmlformats.org/officeDocument/2006/relationships" xmlns:p="http://schemas.openxmlformats.org/presentationml/2006/main">
-  <p:cSld>
-    <p:spTree>
-      <p:nvGrpSpPr>
-        <p:cNvPr id="1" name=""/>
-        <p:cNvGrpSpPr/>
-        <p:nvPr/>
-      </p:nvGrpSpPr>
-      <p:grpSpPr>
-        <a:xfrm>
-          <a:off x="0" y="0"/>
-          <a:ext cx="0" cy="0"/>
-          <a:chOff x="0" y="0"/>
-          <a:chExt cx="0" cy="0"/>
-        </a:xfrm>
-      </p:grpSpPr>
-      <p:sp>
-        <p:nvSpPr>
-          <p:cNvPr id="2" name="Title 1"/>
-          <p:cNvSpPr>
-            <a:spLocks noGrp="1"/>
-          </p:cNvSpPr>
-          <p:nvPr>
-            <p:ph type="title"/>
-          </p:nvPr>
-        </p:nvSpPr>
-        <p:spPr/>
-        <p:txBody>
-          <a:bodyPr/>
-          <a:lstStyle/>
-          <a:p>
-            <a:r>
-              <a:rPr lang="en-US" dirty="0"/>
-              <a:t>Course Info</a:t>
-            </a:r>
-          </a:p>
-        </p:txBody>
-      </p:sp>
-      <p:sp>
-        <p:nvSpPr>
-          <p:cNvPr id="3" name="Content Placeholder 2"/>
-          <p:cNvSpPr>
-            <a:spLocks noGrp="1"/>
-          </p:cNvSpPr>
-          <p:nvPr>
-            <p:ph idx="1"/>
-          </p:nvPr>
-        </p:nvSpPr>
-        <p:spPr>
-          <a:xfrm>
-            <a:off x="373380" y="1825625"/>
-            <a:ext cx="11590020" cy="4351338"/>
-          </a:xfrm>
-        </p:spPr>
-        <p:txBody>
-          <a:bodyPr>
-            <a:normAutofit/>
-          </a:bodyPr>
-          <a:lstStyle/>
-          <a:p>
-            <a:pPr marL="0" indent="0">
-              <a:buNone/>
-            </a:pPr>
-            <a:endParaRPr lang="en-US" dirty="0"/>
-          </a:p>
-          <a:p>
-            <a:r>
-              <a:rPr lang="en-US" dirty="0"/>
-              <a:t>12 lessons, once a week</a:t>
-            </a:r>
-          </a:p>
-          <a:p>
-            <a:endParaRPr lang="en-US" dirty="0"/>
-          </a:p>
-          <a:p>
-            <a:r>
-              <a:rPr lang="en-US" dirty="0"/>
-              <a:t>Check </a:t>
-            </a:r>
-            <a:r>
-              <a:rPr lang="en-US" dirty="0" err="1"/>
-              <a:t>TimeEdit</a:t>
-            </a:r>
-            <a:r>
-              <a:rPr lang="en-US" dirty="0"/>
-              <a:t> for possible changes of time and rooms</a:t>
-            </a:r>
-          </a:p>
-          <a:p>
-            <a:endParaRPr lang="en-US" dirty="0"/>
-          </a:p>
-          <a:p>
-            <a:r>
-              <a:rPr lang="en-US" dirty="0"/>
-              <a:t>During the course, do </a:t>
-            </a:r>
-            <a:r>
-              <a:rPr lang="en-US" b="1" dirty="0"/>
-              <a:t>NOT</a:t>
-            </a:r>
-            <a:r>
-              <a:rPr lang="en-US" dirty="0"/>
-              <a:t> send me private messages, but rather use the discussion forum of the course</a:t>
-            </a:r>
-          </a:p>
-        </p:txBody>
-      </p:sp>
-    </p:spTree>
-    <p:extLst>
-      <p:ext uri="{BB962C8B-B14F-4D97-AF65-F5344CB8AC3E}">
-        <p14:creationId xmlns:p14="http://schemas.microsoft.com/office/powerpoint/2010/main" val="772506603"/>
-      </p:ext>
-    </p:extLst>
-  </p:cSld>
-  <p:clrMapOvr>
-    <a:masterClrMapping/>
-  </p:clrMapOvr>
-</p:sld>
-</file>
-
-<file path=ppt/slides/slide40.xml><?xml version="1.0" encoding="utf-8"?>
+<file path=ppt/slides/slide47.xml><?xml version="1.0" encoding="utf-8"?>
 <p:sld xmlns:a="http://schemas.openxmlformats.org/drawingml/2006/main" xmlns:r="http://schemas.openxmlformats.org/officeDocument/2006/relationships" xmlns:p="http://schemas.openxmlformats.org/presentationml/2006/main">
   <p:cSld>
     <p:spTree>

--- a/docs/slides/lesson_01.pptx
+++ b/docs/slides/lesson_01.pptx
@@ -244,7 +244,7 @@
           <a:p>
             <a:fld id="{9B5B52BA-3295-0343-9E28-A260A811DD10}" type="datetimeFigureOut">
               <a:rPr lang="en-US" smtClean="0"/>
-              <a:t>12/8/19</a:t>
+              <a:t>2/13/20</a:t>
             </a:fld>
             <a:endParaRPr lang="en-US"/>
           </a:p>
@@ -892,7 +892,7 @@
           <a:p>
             <a:fld id="{04F1D4A2-813C-F741-B481-C92B3A596030}" type="datetimeFigureOut">
               <a:rPr lang="en-US" smtClean="0"/>
-              <a:t>12/8/19</a:t>
+              <a:t>2/13/20</a:t>
             </a:fld>
             <a:endParaRPr lang="en-US"/>
           </a:p>
@@ -1060,7 +1060,7 @@
           <a:p>
             <a:fld id="{04F1D4A2-813C-F741-B481-C92B3A596030}" type="datetimeFigureOut">
               <a:rPr lang="en-US" smtClean="0"/>
-              <a:t>12/8/19</a:t>
+              <a:t>2/13/20</a:t>
             </a:fld>
             <a:endParaRPr lang="en-US"/>
           </a:p>
@@ -1238,7 +1238,7 @@
           <a:p>
             <a:fld id="{04F1D4A2-813C-F741-B481-C92B3A596030}" type="datetimeFigureOut">
               <a:rPr lang="en-US" smtClean="0"/>
-              <a:t>12/8/19</a:t>
+              <a:t>2/13/20</a:t>
             </a:fld>
             <a:endParaRPr lang="en-US"/>
           </a:p>
@@ -2764,7 +2764,7 @@
           <a:p>
             <a:fld id="{04F1D4A2-813C-F741-B481-C92B3A596030}" type="datetimeFigureOut">
               <a:rPr lang="en-US" smtClean="0"/>
-              <a:t>12/8/19</a:t>
+              <a:t>2/13/20</a:t>
             </a:fld>
             <a:endParaRPr lang="en-US"/>
           </a:p>
@@ -3426,7 +3426,7 @@
                 <a:sym typeface="Helvetica Light"/>
               </a:rPr>
               <a:pPr algn="ctr" defTabSz="410751" hangingPunct="0"/>
-              <a:t>12/8/19</a:t>
+              <a:t>2/13/20</a:t>
             </a:fld>
             <a:endParaRPr lang="en-US" sz="2531" kern="0">
               <a:solidFill>
@@ -3699,7 +3699,7 @@
           <a:p>
             <a:fld id="{04F1D4A2-813C-F741-B481-C92B3A596030}" type="datetimeFigureOut">
               <a:rPr lang="en-US" smtClean="0"/>
-              <a:t>12/8/19</a:t>
+              <a:t>2/13/20</a:t>
             </a:fld>
             <a:endParaRPr lang="en-US"/>
           </a:p>
@@ -3928,7 +3928,7 @@
           <a:p>
             <a:fld id="{04F1D4A2-813C-F741-B481-C92B3A596030}" type="datetimeFigureOut">
               <a:rPr lang="en-US" smtClean="0"/>
-              <a:t>12/8/19</a:t>
+              <a:t>2/13/20</a:t>
             </a:fld>
             <a:endParaRPr lang="en-US"/>
           </a:p>
@@ -4292,7 +4292,7 @@
           <a:p>
             <a:fld id="{04F1D4A2-813C-F741-B481-C92B3A596030}" type="datetimeFigureOut">
               <a:rPr lang="en-US" smtClean="0"/>
-              <a:t>12/8/19</a:t>
+              <a:t>2/13/20</a:t>
             </a:fld>
             <a:endParaRPr lang="en-US"/>
           </a:p>
@@ -4409,7 +4409,7 @@
           <a:p>
             <a:fld id="{04F1D4A2-813C-F741-B481-C92B3A596030}" type="datetimeFigureOut">
               <a:rPr lang="en-US" smtClean="0"/>
-              <a:t>12/8/19</a:t>
+              <a:t>2/13/20</a:t>
             </a:fld>
             <a:endParaRPr lang="en-US"/>
           </a:p>
@@ -4504,7 +4504,7 @@
           <a:p>
             <a:fld id="{04F1D4A2-813C-F741-B481-C92B3A596030}" type="datetimeFigureOut">
               <a:rPr lang="en-US" smtClean="0"/>
-              <a:t>12/8/19</a:t>
+              <a:t>2/13/20</a:t>
             </a:fld>
             <a:endParaRPr lang="en-US"/>
           </a:p>
@@ -4779,7 +4779,7 @@
           <a:p>
             <a:fld id="{04F1D4A2-813C-F741-B481-C92B3A596030}" type="datetimeFigureOut">
               <a:rPr lang="en-US" smtClean="0"/>
-              <a:t>12/8/19</a:t>
+              <a:t>2/13/20</a:t>
             </a:fld>
             <a:endParaRPr lang="en-US"/>
           </a:p>
@@ -5031,7 +5031,7 @@
           <a:p>
             <a:fld id="{04F1D4A2-813C-F741-B481-C92B3A596030}" type="datetimeFigureOut">
               <a:rPr lang="en-US" smtClean="0"/>
-              <a:t>12/8/19</a:t>
+              <a:t>2/13/20</a:t>
             </a:fld>
             <a:endParaRPr lang="en-US"/>
           </a:p>
@@ -5242,7 +5242,7 @@
           <a:p>
             <a:fld id="{04F1D4A2-813C-F741-B481-C92B3A596030}" type="datetimeFigureOut">
               <a:rPr lang="en-US" smtClean="0"/>
-              <a:t>12/8/19</a:t>
+              <a:t>2/13/20</a:t>
             </a:fld>
             <a:endParaRPr lang="en-US"/>
           </a:p>
@@ -5678,7 +5678,7 @@
           </a:ln>
           <a:extLst>
             <a:ext uri="{C572A759-6A51-4108-AA02-DFA0A04FC94B}">
-              <ma14:wrappingTextBoxFlag xmlns="" xmlns:ma14="http://schemas.microsoft.com/office/mac/drawingml/2011/main" val="1"/>
+              <ma14:wrappingTextBoxFlag xmlns:ma14="http://schemas.microsoft.com/office/mac/drawingml/2011/main" xmlns="" val="1"/>
             </a:ext>
           </a:extLst>
         </p:spPr>
@@ -5717,7 +5717,7 @@
           </a:ln>
           <a:extLst>
             <a:ext uri="{C572A759-6A51-4108-AA02-DFA0A04FC94B}">
-              <ma14:wrappingTextBoxFlag xmlns="" xmlns:ma14="http://schemas.microsoft.com/office/mac/drawingml/2011/main" val="1"/>
+              <ma14:wrappingTextBoxFlag xmlns:ma14="http://schemas.microsoft.com/office/mac/drawingml/2011/main" xmlns="" val="1"/>
             </a:ext>
           </a:extLst>
         </p:spPr>
@@ -10252,7 +10252,7 @@
           </a:ln>
           <a:extLst>
             <a:ext uri="{C572A759-6A51-4108-AA02-DFA0A04FC94B}">
-              <ma14:wrappingTextBoxFlag xmlns:ma14="http://schemas.microsoft.com/office/mac/drawingml/2011/main" xmlns="" val="1"/>
+              <ma14:wrappingTextBoxFlag xmlns="" xmlns:ma14="http://schemas.microsoft.com/office/mac/drawingml/2011/main" val="1"/>
             </a:ext>
           </a:extLst>
         </p:spPr>
@@ -12669,7 +12669,7 @@
         </p:spPr>
         <p:txBody>
           <a:bodyPr>
-            <a:normAutofit/>
+            <a:normAutofit fontScale="92500" lnSpcReduction="20000"/>
           </a:bodyPr>
           <a:lstStyle/>
           <a:p>
@@ -12717,6 +12717,34 @@
               <a:rPr lang="en-US" dirty="0"/>
               <a:t> send me private messages, but rather use the discussion forum of the course</a:t>
             </a:r>
+          </a:p>
+          <a:p>
+            <a:pPr lvl="1"/>
+            <a:r>
+              <a:rPr lang="en-US" dirty="0"/>
+              <a:t>If you send me a private email/message, I will tell you to post it on the discussion forum. However, if I am busy (as most of the time</a:t>
+            </a:r>
+            <a:r>
+              <a:rPr lang="mr-IN" dirty="0"/>
+              <a:t>…</a:t>
+            </a:r>
+            <a:r>
+              <a:rPr lang="en-US" dirty="0"/>
+              <a:t>), </a:t>
+            </a:r>
+            <a:r>
+              <a:rPr lang="en-US" i="1" dirty="0"/>
+              <a:t>I might just ignore your message</a:t>
+            </a:r>
+            <a:r>
+              <a:rPr lang="mr-IN" i="1" dirty="0"/>
+              <a:t>…</a:t>
+            </a:r>
+            <a:endParaRPr lang="en-US" i="1" dirty="0"/>
+          </a:p>
+          <a:p>
+            <a:pPr lvl="1"/>
+            <a:endParaRPr lang="en-US" dirty="0"/>
           </a:p>
         </p:txBody>
       </p:sp>

--- a/docs/slides/lesson_01.pptx
+++ b/docs/slides/lesson_01.pptx
@@ -244,7 +244,7 @@
           <a:p>
             <a:fld id="{9B5B52BA-3295-0343-9E28-A260A811DD10}" type="datetimeFigureOut">
               <a:rPr lang="en-US" smtClean="0"/>
-              <a:t>2/13/20</a:t>
+              <a:t>1/5/2021</a:t>
             </a:fld>
             <a:endParaRPr lang="en-US"/>
           </a:p>
@@ -892,7 +892,7 @@
           <a:p>
             <a:fld id="{04F1D4A2-813C-F741-B481-C92B3A596030}" type="datetimeFigureOut">
               <a:rPr lang="en-US" smtClean="0"/>
-              <a:t>2/13/20</a:t>
+              <a:t>1/5/2021</a:t>
             </a:fld>
             <a:endParaRPr lang="en-US"/>
           </a:p>
@@ -1060,7 +1060,7 @@
           <a:p>
             <a:fld id="{04F1D4A2-813C-F741-B481-C92B3A596030}" type="datetimeFigureOut">
               <a:rPr lang="en-US" smtClean="0"/>
-              <a:t>2/13/20</a:t>
+              <a:t>1/5/2021</a:t>
             </a:fld>
             <a:endParaRPr lang="en-US"/>
           </a:p>
@@ -1238,7 +1238,7 @@
           <a:p>
             <a:fld id="{04F1D4A2-813C-F741-B481-C92B3A596030}" type="datetimeFigureOut">
               <a:rPr lang="en-US" smtClean="0"/>
-              <a:t>2/13/20</a:t>
+              <a:t>1/5/2021</a:t>
             </a:fld>
             <a:endParaRPr lang="en-US"/>
           </a:p>
@@ -2764,7 +2764,7 @@
           <a:p>
             <a:fld id="{04F1D4A2-813C-F741-B481-C92B3A596030}" type="datetimeFigureOut">
               <a:rPr lang="en-US" smtClean="0"/>
-              <a:t>2/13/20</a:t>
+              <a:t>1/5/2021</a:t>
             </a:fld>
             <a:endParaRPr lang="en-US"/>
           </a:p>
@@ -3426,7 +3426,7 @@
                 <a:sym typeface="Helvetica Light"/>
               </a:rPr>
               <a:pPr algn="ctr" defTabSz="410751" hangingPunct="0"/>
-              <a:t>2/13/20</a:t>
+              <a:t>1/5/2021</a:t>
             </a:fld>
             <a:endParaRPr lang="en-US" sz="2531" kern="0">
               <a:solidFill>
@@ -3699,7 +3699,7 @@
           <a:p>
             <a:fld id="{04F1D4A2-813C-F741-B481-C92B3A596030}" type="datetimeFigureOut">
               <a:rPr lang="en-US" smtClean="0"/>
-              <a:t>2/13/20</a:t>
+              <a:t>1/5/2021</a:t>
             </a:fld>
             <a:endParaRPr lang="en-US"/>
           </a:p>
@@ -3928,7 +3928,7 @@
           <a:p>
             <a:fld id="{04F1D4A2-813C-F741-B481-C92B3A596030}" type="datetimeFigureOut">
               <a:rPr lang="en-US" smtClean="0"/>
-              <a:t>2/13/20</a:t>
+              <a:t>1/5/2021</a:t>
             </a:fld>
             <a:endParaRPr lang="en-US"/>
           </a:p>
@@ -4292,7 +4292,7 @@
           <a:p>
             <a:fld id="{04F1D4A2-813C-F741-B481-C92B3A596030}" type="datetimeFigureOut">
               <a:rPr lang="en-US" smtClean="0"/>
-              <a:t>2/13/20</a:t>
+              <a:t>1/5/2021</a:t>
             </a:fld>
             <a:endParaRPr lang="en-US"/>
           </a:p>
@@ -4409,7 +4409,7 @@
           <a:p>
             <a:fld id="{04F1D4A2-813C-F741-B481-C92B3A596030}" type="datetimeFigureOut">
               <a:rPr lang="en-US" smtClean="0"/>
-              <a:t>2/13/20</a:t>
+              <a:t>1/5/2021</a:t>
             </a:fld>
             <a:endParaRPr lang="en-US"/>
           </a:p>
@@ -4504,7 +4504,7 @@
           <a:p>
             <a:fld id="{04F1D4A2-813C-F741-B481-C92B3A596030}" type="datetimeFigureOut">
               <a:rPr lang="en-US" smtClean="0"/>
-              <a:t>2/13/20</a:t>
+              <a:t>1/5/2021</a:t>
             </a:fld>
             <a:endParaRPr lang="en-US"/>
           </a:p>
@@ -4779,7 +4779,7 @@
           <a:p>
             <a:fld id="{04F1D4A2-813C-F741-B481-C92B3A596030}" type="datetimeFigureOut">
               <a:rPr lang="en-US" smtClean="0"/>
-              <a:t>2/13/20</a:t>
+              <a:t>1/5/2021</a:t>
             </a:fld>
             <a:endParaRPr lang="en-US"/>
           </a:p>
@@ -5031,7 +5031,7 @@
           <a:p>
             <a:fld id="{04F1D4A2-813C-F741-B481-C92B3A596030}" type="datetimeFigureOut">
               <a:rPr lang="en-US" smtClean="0"/>
-              <a:t>2/13/20</a:t>
+              <a:t>1/5/2021</a:t>
             </a:fld>
             <a:endParaRPr lang="en-US"/>
           </a:p>
@@ -5242,7 +5242,7 @@
           <a:p>
             <a:fld id="{04F1D4A2-813C-F741-B481-C92B3A596030}" type="datetimeFigureOut">
               <a:rPr lang="en-US" smtClean="0"/>
-              <a:t>2/13/20</a:t>
+              <a:t>1/5/2021</a:t>
             </a:fld>
             <a:endParaRPr lang="en-US"/>
           </a:p>
@@ -5678,7 +5678,7 @@
           </a:ln>
           <a:extLst>
             <a:ext uri="{C572A759-6A51-4108-AA02-DFA0A04FC94B}">
-              <ma14:wrappingTextBoxFlag xmlns:ma14="http://schemas.microsoft.com/office/mac/drawingml/2011/main" xmlns="" val="1"/>
+              <ma14:wrappingTextBoxFlag xmlns="" xmlns:ma14="http://schemas.microsoft.com/office/mac/drawingml/2011/main" val="1"/>
             </a:ext>
           </a:extLst>
         </p:spPr>
@@ -5717,7 +5717,7 @@
           </a:ln>
           <a:extLst>
             <a:ext uri="{C572A759-6A51-4108-AA02-DFA0A04FC94B}">
-              <ma14:wrappingTextBoxFlag xmlns:ma14="http://schemas.microsoft.com/office/mac/drawingml/2011/main" xmlns="" val="1"/>
+              <ma14:wrappingTextBoxFlag xmlns="" xmlns:ma14="http://schemas.microsoft.com/office/mac/drawingml/2011/main" val="1"/>
             </a:ext>
           </a:extLst>
         </p:spPr>
@@ -8484,15 +8484,7 @@
             </a:r>
             <a:r>
               <a:rPr lang="en-US" dirty="0"/>
-              <a:t>and </a:t>
-            </a:r>
-            <a:r>
-              <a:rPr lang="en-US" i="1" dirty="0" err="1"/>
-              <a:t>GraphQL</a:t>
-            </a:r>
-            <a:r>
-              <a:rPr lang="en-US" dirty="0"/>
-              <a:t> web services</a:t>
+              <a:t>web services</a:t>
             </a:r>
           </a:p>
           <a:p>
@@ -10213,9 +10205,7 @@
           <p:nvPr/>
         </p:nvPicPr>
         <p:blipFill>
-          <a:blip r:embed="rId2">
-            <a:extLst/>
-          </a:blip>
+          <a:blip r:embed="rId2"/>
           <a:stretch>
             <a:fillRect/>
           </a:stretch>
@@ -10252,7 +10242,7 @@
           </a:ln>
           <a:extLst>
             <a:ext uri="{C572A759-6A51-4108-AA02-DFA0A04FC94B}">
-              <ma14:wrappingTextBoxFlag xmlns="" xmlns:ma14="http://schemas.microsoft.com/office/mac/drawingml/2011/main" val="1"/>
+              <ma14:wrappingTextBoxFlag xmlns:ma14="http://schemas.microsoft.com/office/mac/drawingml/2011/main" xmlns="" val="1"/>
             </a:ext>
           </a:extLst>
         </p:spPr>
@@ -10705,8 +10695,8 @@
               <a:t> will support DOM manipulation, or </a:t>
             </a:r>
             <a:r>
-              <a:rPr lang="en-US" i="1" dirty="0" err="1"/>
-              <a:t>Kotlin</a:t>
+              <a:rPr lang="en-US" i="1" dirty="0"/>
+              <a:t>Kotlin/C#</a:t>
             </a:r>
             <a:r>
               <a:rPr lang="en-US" dirty="0"/>
